--- a/05_チーム開発演習_発表会資料/05_チーム開発演習_発表会資料_チーム3.pptx
+++ b/05_チーム開発演習_発表会資料/05_チーム開発演習_発表会資料_チーム3.pptx
@@ -5,7 +5,7 @@
     <p:sldMasterId id="2147483708" r:id="rId1"/>
   </p:sldMasterIdLst>
   <p:notesMasterIdLst>
-    <p:notesMasterId r:id="rId18"/>
+    <p:notesMasterId r:id="rId19"/>
   </p:notesMasterIdLst>
   <p:sldIdLst>
     <p:sldId id="256" r:id="rId2"/>
@@ -24,6 +24,7 @@
     <p:sldId id="269" r:id="rId15"/>
     <p:sldId id="270" r:id="rId16"/>
     <p:sldId id="271" r:id="rId17"/>
+    <p:sldId id="272" r:id="rId18"/>
   </p:sldIdLst>
   <p:sldSz cx="12192000" cy="6858000"/>
   <p:notesSz cx="6858000" cy="9144000"/>
@@ -212,7 +213,7 @@
           <a:p>
             <a:fld id="{6E83E89B-059C-4101-996F-E9A878081CED}" type="datetimeFigureOut">
               <a:rPr kumimoji="1" lang="ja-JP" altLang="en-US" smtClean="0"/>
-              <a:t>2021/6/8</a:t>
+              <a:t>2021/6/9</a:t>
             </a:fld>
             <a:endParaRPr kumimoji="1" lang="ja-JP" altLang="en-US"/>
           </a:p>
@@ -789,7 +790,7 @@
           <a:p>
             <a:fld id="{2293A27E-BB7A-4160-B001-F50A36154345}" type="datetime1">
               <a:rPr kumimoji="1" lang="ja-JP" altLang="en-US" smtClean="0"/>
-              <a:t>2021/6/8</a:t>
+              <a:t>2021/6/9</a:t>
             </a:fld>
             <a:endParaRPr kumimoji="1" lang="ja-JP" altLang="en-US"/>
           </a:p>
@@ -1127,7 +1128,7 @@
           <a:p>
             <a:fld id="{449C4E22-47A5-4BC0-B02D-A434F3C15C23}" type="datetime1">
               <a:rPr kumimoji="1" lang="ja-JP" altLang="en-US" smtClean="0"/>
-              <a:t>2021/6/8</a:t>
+              <a:t>2021/6/9</a:t>
             </a:fld>
             <a:endParaRPr kumimoji="1" lang="ja-JP" altLang="en-US"/>
           </a:p>
@@ -1529,7 +1530,7 @@
           <a:p>
             <a:fld id="{449C4E22-47A5-4BC0-B02D-A434F3C15C23}" type="datetime1">
               <a:rPr kumimoji="1" lang="ja-JP" altLang="en-US" smtClean="0"/>
-              <a:t>2021/6/8</a:t>
+              <a:t>2021/6/9</a:t>
             </a:fld>
             <a:endParaRPr kumimoji="1" lang="ja-JP" altLang="en-US"/>
           </a:p>
@@ -1866,7 +1867,7 @@
           <a:p>
             <a:fld id="{449C4E22-47A5-4BC0-B02D-A434F3C15C23}" type="datetime1">
               <a:rPr kumimoji="1" lang="ja-JP" altLang="en-US" smtClean="0"/>
-              <a:t>2021/6/8</a:t>
+              <a:t>2021/6/9</a:t>
             </a:fld>
             <a:endParaRPr kumimoji="1" lang="ja-JP" altLang="en-US"/>
           </a:p>
@@ -2187,7 +2188,7 @@
           <a:p>
             <a:fld id="{449C4E22-47A5-4BC0-B02D-A434F3C15C23}" type="datetime1">
               <a:rPr kumimoji="1" lang="ja-JP" altLang="en-US" smtClean="0"/>
-              <a:t>2021/6/8</a:t>
+              <a:t>2021/6/9</a:t>
             </a:fld>
             <a:endParaRPr kumimoji="1" lang="ja-JP" altLang="en-US"/>
           </a:p>
@@ -2584,7 +2585,7 @@
           <a:p>
             <a:fld id="{449C4E22-47A5-4BC0-B02D-A434F3C15C23}" type="datetime1">
               <a:rPr kumimoji="1" lang="ja-JP" altLang="en-US" smtClean="0"/>
-              <a:t>2021/6/8</a:t>
+              <a:t>2021/6/9</a:t>
             </a:fld>
             <a:endParaRPr kumimoji="1" lang="ja-JP" altLang="en-US"/>
           </a:p>
@@ -2874,7 +2875,7 @@
           <a:p>
             <a:fld id="{4128A1B0-9F8F-44AB-93A0-56A57D90602F}" type="datetime1">
               <a:rPr kumimoji="1" lang="ja-JP" altLang="en-US" smtClean="0"/>
-              <a:t>2021/6/8</a:t>
+              <a:t>2021/6/9</a:t>
             </a:fld>
             <a:endParaRPr kumimoji="1" lang="ja-JP" altLang="en-US"/>
           </a:p>
@@ -3168,7 +3169,7 @@
           <a:p>
             <a:fld id="{5246D5FD-5292-49C3-AEC5-C8C97AD2E3E9}" type="datetime1">
               <a:rPr kumimoji="1" lang="ja-JP" altLang="en-US" smtClean="0"/>
-              <a:t>2021/6/8</a:t>
+              <a:t>2021/6/9</a:t>
             </a:fld>
             <a:endParaRPr kumimoji="1" lang="ja-JP" altLang="en-US"/>
           </a:p>
@@ -3462,7 +3463,7 @@
           <a:p>
             <a:fld id="{9BC92840-1508-4BDE-8F62-25EDC7B1493A}" type="datetime1">
               <a:rPr kumimoji="1" lang="ja-JP" altLang="en-US" smtClean="0"/>
-              <a:t>2021/6/8</a:t>
+              <a:t>2021/6/9</a:t>
             </a:fld>
             <a:endParaRPr kumimoji="1" lang="ja-JP" altLang="en-US"/>
           </a:p>
@@ -3791,7 +3792,7 @@
           <a:p>
             <a:fld id="{A1D912D5-CA53-4B95-A80E-E500791E731C}" type="datetime1">
               <a:rPr kumimoji="1" lang="ja-JP" altLang="en-US" smtClean="0"/>
-              <a:t>2021/6/8</a:t>
+              <a:t>2021/6/9</a:t>
             </a:fld>
             <a:endParaRPr kumimoji="1" lang="ja-JP" altLang="en-US"/>
           </a:p>
@@ -4178,7 +4179,7 @@
           <a:p>
             <a:fld id="{CA860D4A-F63F-4FB7-8857-BA629DED2578}" type="datetime1">
               <a:rPr kumimoji="1" lang="ja-JP" altLang="en-US" smtClean="0"/>
-              <a:t>2021/6/8</a:t>
+              <a:t>2021/6/9</a:t>
             </a:fld>
             <a:endParaRPr kumimoji="1" lang="ja-JP" altLang="en-US"/>
           </a:p>
@@ -4699,7 +4700,7 @@
           <a:p>
             <a:fld id="{4B5C0EB9-2804-462B-9173-D8F5E6437E0D}" type="datetime1">
               <a:rPr kumimoji="1" lang="ja-JP" altLang="en-US" smtClean="0"/>
-              <a:t>2021/6/8</a:t>
+              <a:t>2021/6/9</a:t>
             </a:fld>
             <a:endParaRPr kumimoji="1" lang="ja-JP" altLang="en-US"/>
           </a:p>
@@ -4904,7 +4905,7 @@
           <a:p>
             <a:fld id="{45486BAB-A06C-479C-B1AB-B21F730AD080}" type="datetime1">
               <a:rPr kumimoji="1" lang="ja-JP" altLang="en-US" smtClean="0"/>
-              <a:t>2021/6/8</a:t>
+              <a:t>2021/6/9</a:t>
             </a:fld>
             <a:endParaRPr kumimoji="1" lang="ja-JP" altLang="en-US"/>
           </a:p>
@@ -5081,7 +5082,7 @@
           <a:p>
             <a:fld id="{2B39E3D1-DF48-4804-8897-CA6E4AF7481E}" type="datetime1">
               <a:rPr kumimoji="1" lang="ja-JP" altLang="en-US" smtClean="0"/>
-              <a:t>2021/6/8</a:t>
+              <a:t>2021/6/9</a:t>
             </a:fld>
             <a:endParaRPr kumimoji="1" lang="ja-JP" altLang="en-US"/>
           </a:p>
@@ -5446,7 +5447,7 @@
           <a:p>
             <a:fld id="{1EA004B7-8522-41D4-B26D-E33278241F5E}" type="datetime1">
               <a:rPr kumimoji="1" lang="ja-JP" altLang="en-US" smtClean="0"/>
-              <a:t>2021/6/8</a:t>
+              <a:t>2021/6/9</a:t>
             </a:fld>
             <a:endParaRPr kumimoji="1" lang="ja-JP" altLang="en-US"/>
           </a:p>
@@ -5791,7 +5792,7 @@
           <a:p>
             <a:fld id="{1DC27FC7-04D2-4647-842D-E632DFADB560}" type="datetime1">
               <a:rPr kumimoji="1" lang="ja-JP" altLang="en-US" smtClean="0"/>
-              <a:t>2021/6/8</a:t>
+              <a:t>2021/6/9</a:t>
             </a:fld>
             <a:endParaRPr kumimoji="1" lang="ja-JP" altLang="en-US"/>
           </a:p>
@@ -7940,7 +7941,7 @@
           <a:p>
             <a:fld id="{449C4E22-47A5-4BC0-B02D-A434F3C15C23}" type="datetime1">
               <a:rPr kumimoji="1" lang="ja-JP" altLang="en-US" smtClean="0"/>
-              <a:t>2021/6/8</a:t>
+              <a:t>2021/6/9</a:t>
             </a:fld>
             <a:endParaRPr kumimoji="1" lang="ja-JP" altLang="en-US"/>
           </a:p>
@@ -14926,10 +14927,317 @@
           </a:p>
         </p:txBody>
       </p:sp>
+      <p:sp>
+        <p:nvSpPr>
+          <p:cNvPr id="6" name="テキスト ボックス 5"/>
+          <p:cNvSpPr txBox="1"/>
+          <p:nvPr/>
+        </p:nvSpPr>
+        <p:spPr>
+          <a:xfrm>
+            <a:off x="2163650" y="1910467"/>
+            <a:ext cx="8783392" cy="4247317"/>
+          </a:xfrm>
+          <a:prstGeom prst="rect">
+            <a:avLst/>
+          </a:prstGeom>
+          <a:noFill/>
+        </p:spPr>
+        <p:txBody>
+          <a:bodyPr wrap="square" rtlCol="0">
+            <a:spAutoFit/>
+          </a:bodyPr>
+          <a:lstStyle/>
+          <a:p>
+            <a:pPr lvl="0" eaLnBrk="0" fontAlgn="base" hangingPunct="0">
+              <a:lnSpc>
+                <a:spcPct val="150000"/>
+              </a:lnSpc>
+              <a:spcBef>
+                <a:spcPct val="0"/>
+              </a:spcBef>
+              <a:spcAft>
+                <a:spcPct val="0"/>
+              </a:spcAft>
+            </a:pPr>
+            <a:r>
+              <a:rPr kumimoji="0" lang="ja-JP" altLang="ja-JP" sz="2400" dirty="0" smtClean="0">
+                <a:solidFill>
+                  <a:srgbClr val="1D1C1D"/>
+                </a:solidFill>
+                <a:latin typeface="Arial Unicode MS" panose="020B0604020202020204" pitchFamily="50" charset="-128"/>
+                <a:ea typeface="inherit"/>
+              </a:rPr>
+              <a:t>12日間</a:t>
+            </a:r>
+            <a:r>
+              <a:rPr kumimoji="0" lang="ja-JP" altLang="ja-JP" sz="2400" dirty="0">
+                <a:solidFill>
+                  <a:srgbClr val="1D1C1D"/>
+                </a:solidFill>
+                <a:latin typeface="Arial Unicode MS" panose="020B0604020202020204" pitchFamily="50" charset="-128"/>
+                <a:ea typeface="inherit"/>
+              </a:rPr>
+              <a:t>という短い開発期間でしたが、</a:t>
+            </a:r>
+            <a:endParaRPr kumimoji="0" lang="ja-JP" altLang="ja-JP" sz="3200" dirty="0"/>
+          </a:p>
+          <a:p>
+            <a:pPr lvl="0" eaLnBrk="0" fontAlgn="base" hangingPunct="0">
+              <a:lnSpc>
+                <a:spcPct val="150000"/>
+              </a:lnSpc>
+              <a:spcBef>
+                <a:spcPct val="0"/>
+              </a:spcBef>
+              <a:spcAft>
+                <a:spcPct val="0"/>
+              </a:spcAft>
+            </a:pPr>
+            <a:r>
+              <a:rPr kumimoji="0" lang="ja-JP" altLang="ja-JP" sz="2400" dirty="0">
+                <a:solidFill>
+                  <a:srgbClr val="1D1C1D"/>
+                </a:solidFill>
+                <a:latin typeface="Arial Unicode MS" panose="020B0604020202020204" pitchFamily="50" charset="-128"/>
+                <a:ea typeface="inherit"/>
+              </a:rPr>
+              <a:t>チームメンバー一人一人が、足りないところに気づき、</a:t>
+            </a:r>
+            <a:endParaRPr kumimoji="0" lang="ja-JP" altLang="ja-JP" sz="3200" dirty="0"/>
+          </a:p>
+          <a:p>
+            <a:pPr lvl="0" eaLnBrk="0" fontAlgn="base" hangingPunct="0">
+              <a:lnSpc>
+                <a:spcPct val="150000"/>
+              </a:lnSpc>
+              <a:spcBef>
+                <a:spcPct val="0"/>
+              </a:spcBef>
+              <a:spcAft>
+                <a:spcPct val="0"/>
+              </a:spcAft>
+            </a:pPr>
+            <a:r>
+              <a:rPr kumimoji="0" lang="ja-JP" altLang="ja-JP" sz="2400" dirty="0">
+                <a:solidFill>
+                  <a:srgbClr val="1D1C1D"/>
+                </a:solidFill>
+                <a:latin typeface="Arial Unicode MS" panose="020B0604020202020204" pitchFamily="50" charset="-128"/>
+                <a:ea typeface="inherit"/>
+              </a:rPr>
+              <a:t>メンバー同士で補いあいながら作成することができました。</a:t>
+            </a:r>
+            <a:endParaRPr kumimoji="0" lang="ja-JP" altLang="ja-JP" sz="3200" dirty="0"/>
+          </a:p>
+          <a:p>
+            <a:pPr lvl="0" eaLnBrk="0" fontAlgn="base" hangingPunct="0">
+              <a:lnSpc>
+                <a:spcPct val="150000"/>
+              </a:lnSpc>
+              <a:spcBef>
+                <a:spcPct val="0"/>
+              </a:spcBef>
+              <a:spcAft>
+                <a:spcPct val="0"/>
+              </a:spcAft>
+            </a:pPr>
+            <a:r>
+              <a:rPr kumimoji="0" lang="ja-JP" altLang="ja-JP" sz="2400" dirty="0" smtClean="0">
+                <a:solidFill>
+                  <a:srgbClr val="1D1C1D"/>
+                </a:solidFill>
+                <a:latin typeface="Arial Unicode MS" panose="020B0604020202020204" pitchFamily="50" charset="-128"/>
+                <a:ea typeface="inherit"/>
+              </a:rPr>
+              <a:t>また</a:t>
+            </a:r>
+            <a:r>
+              <a:rPr kumimoji="0" lang="ja-JP" altLang="ja-JP" sz="2400" dirty="0">
+                <a:solidFill>
+                  <a:srgbClr val="1D1C1D"/>
+                </a:solidFill>
+                <a:latin typeface="Arial Unicode MS" panose="020B0604020202020204" pitchFamily="50" charset="-128"/>
+                <a:ea typeface="inherit"/>
+              </a:rPr>
+              <a:t>、今回の開発を通して、</a:t>
+            </a:r>
+            <a:endParaRPr kumimoji="0" lang="ja-JP" altLang="ja-JP" sz="3200" dirty="0"/>
+          </a:p>
+          <a:p>
+            <a:pPr lvl="0" eaLnBrk="0" fontAlgn="base" hangingPunct="0">
+              <a:lnSpc>
+                <a:spcPct val="150000"/>
+              </a:lnSpc>
+              <a:spcBef>
+                <a:spcPct val="0"/>
+              </a:spcBef>
+              <a:spcAft>
+                <a:spcPct val="0"/>
+              </a:spcAft>
+            </a:pPr>
+            <a:r>
+              <a:rPr kumimoji="0" lang="ja-JP" altLang="ja-JP" sz="2400" dirty="0">
+                <a:solidFill>
+                  <a:srgbClr val="1D1C1D"/>
+                </a:solidFill>
+                <a:latin typeface="Arial Unicode MS" panose="020B0604020202020204" pitchFamily="50" charset="-128"/>
+                <a:ea typeface="inherit"/>
+              </a:rPr>
+              <a:t>講義で学んだ内容を1から復習をすることができた為、</a:t>
+            </a:r>
+            <a:endParaRPr kumimoji="0" lang="ja-JP" altLang="ja-JP" sz="3200" dirty="0"/>
+          </a:p>
+          <a:p>
+            <a:pPr lvl="0" eaLnBrk="0" fontAlgn="base" hangingPunct="0">
+              <a:lnSpc>
+                <a:spcPct val="150000"/>
+              </a:lnSpc>
+              <a:spcBef>
+                <a:spcPct val="0"/>
+              </a:spcBef>
+              <a:spcAft>
+                <a:spcPct val="0"/>
+              </a:spcAft>
+            </a:pPr>
+            <a:r>
+              <a:rPr kumimoji="0" lang="ja-JP" altLang="ja-JP" sz="2400" dirty="0">
+                <a:solidFill>
+                  <a:srgbClr val="1D1C1D"/>
+                </a:solidFill>
+                <a:latin typeface="Arial Unicode MS" panose="020B0604020202020204" pitchFamily="50" charset="-128"/>
+                <a:ea typeface="inherit"/>
+              </a:rPr>
+              <a:t>とても貴重な経験となりました。</a:t>
+            </a:r>
+            <a:endParaRPr kumimoji="0" lang="ja-JP" altLang="ja-JP" sz="3200" dirty="0"/>
+          </a:p>
+          <a:p>
+            <a:pPr lvl="0" eaLnBrk="0" fontAlgn="base" hangingPunct="0">
+              <a:lnSpc>
+                <a:spcPct val="150000"/>
+              </a:lnSpc>
+              <a:spcBef>
+                <a:spcPct val="0"/>
+              </a:spcBef>
+              <a:spcAft>
+                <a:spcPct val="0"/>
+              </a:spcAft>
+            </a:pPr>
+            <a:r>
+              <a:rPr kumimoji="0" lang="ja-JP" altLang="ja-JP" sz="2400" dirty="0" smtClean="0">
+                <a:solidFill>
+                  <a:srgbClr val="1D1C1D"/>
+                </a:solidFill>
+                <a:latin typeface="Arial Unicode MS" panose="020B0604020202020204" pitchFamily="50" charset="-128"/>
+                <a:ea typeface="inherit"/>
+              </a:rPr>
+              <a:t>今回</a:t>
+            </a:r>
+            <a:r>
+              <a:rPr kumimoji="0" lang="ja-JP" altLang="ja-JP" sz="2400" dirty="0">
+                <a:solidFill>
+                  <a:srgbClr val="1D1C1D"/>
+                </a:solidFill>
+                <a:latin typeface="Arial Unicode MS" panose="020B0604020202020204" pitchFamily="50" charset="-128"/>
+                <a:ea typeface="inherit"/>
+              </a:rPr>
+              <a:t>の経験を糧にして、配属先でも精進していきたいと思います。</a:t>
+            </a:r>
+            <a:endParaRPr kumimoji="0" lang="ja-JP" altLang="ja-JP" sz="3200" dirty="0"/>
+          </a:p>
+          <a:p>
+            <a:endParaRPr kumimoji="1" lang="ja-JP" altLang="en-US" dirty="0"/>
+          </a:p>
+        </p:txBody>
+      </p:sp>
     </p:spTree>
     <p:extLst>
       <p:ext uri="{BB962C8B-B14F-4D97-AF65-F5344CB8AC3E}">
         <p14:creationId xmlns:p14="http://schemas.microsoft.com/office/powerpoint/2010/main" val="3939925915"/>
+      </p:ext>
+    </p:extLst>
+  </p:cSld>
+  <p:clrMapOvr>
+    <a:masterClrMapping/>
+  </p:clrMapOvr>
+</p:sld>
+</file>
+
+<file path=ppt/slides/slide17.xml><?xml version="1.0" encoding="utf-8"?>
+<p:sld xmlns:a="http://schemas.openxmlformats.org/drawingml/2006/main" xmlns:r="http://schemas.openxmlformats.org/officeDocument/2006/relationships" xmlns:p="http://schemas.openxmlformats.org/presentationml/2006/main">
+  <p:cSld>
+    <p:spTree>
+      <p:nvGrpSpPr>
+        <p:cNvPr id="1" name=""/>
+        <p:cNvGrpSpPr/>
+        <p:nvPr/>
+      </p:nvGrpSpPr>
+      <p:grpSpPr>
+        <a:xfrm>
+          <a:off x="0" y="0"/>
+          <a:ext cx="0" cy="0"/>
+          <a:chOff x="0" y="0"/>
+          <a:chExt cx="0" cy="0"/>
+        </a:xfrm>
+      </p:grpSpPr>
+      <p:sp>
+        <p:nvSpPr>
+          <p:cNvPr id="2" name="スライド番号プレースホルダー 1"/>
+          <p:cNvSpPr>
+            <a:spLocks noGrp="1"/>
+          </p:cNvSpPr>
+          <p:nvPr>
+            <p:ph type="sldNum" sz="quarter" idx="12"/>
+          </p:nvPr>
+        </p:nvSpPr>
+        <p:spPr/>
+        <p:txBody>
+          <a:bodyPr/>
+          <a:lstStyle/>
+          <a:p>
+            <a:fld id="{D62A6D24-7F3D-4A52-B258-0799191E0682}" type="slidenum">
+              <a:rPr kumimoji="1" lang="ja-JP" altLang="en-US" smtClean="0"/>
+              <a:t>17</a:t>
+            </a:fld>
+            <a:endParaRPr kumimoji="1" lang="ja-JP" altLang="en-US"/>
+          </a:p>
+        </p:txBody>
+      </p:sp>
+      <p:sp>
+        <p:nvSpPr>
+          <p:cNvPr id="3" name="テキスト ボックス 2"/>
+          <p:cNvSpPr txBox="1"/>
+          <p:nvPr/>
+        </p:nvSpPr>
+        <p:spPr>
+          <a:xfrm>
+            <a:off x="1957590" y="3000777"/>
+            <a:ext cx="9401577" cy="830997"/>
+          </a:xfrm>
+          <a:prstGeom prst="rect">
+            <a:avLst/>
+          </a:prstGeom>
+          <a:noFill/>
+        </p:spPr>
+        <p:txBody>
+          <a:bodyPr wrap="square" rtlCol="0">
+            <a:spAutoFit/>
+          </a:bodyPr>
+          <a:lstStyle/>
+          <a:p>
+            <a:r>
+              <a:rPr kumimoji="1" lang="ja-JP" altLang="en-US" sz="4800" dirty="0" smtClean="0"/>
+              <a:t>ご清聴ありがとうございました。</a:t>
+            </a:r>
+            <a:endParaRPr kumimoji="1" lang="ja-JP" altLang="en-US" sz="4800" dirty="0"/>
+          </a:p>
+        </p:txBody>
+      </p:sp>
+    </p:spTree>
+    <p:extLst>
+      <p:ext uri="{BB962C8B-B14F-4D97-AF65-F5344CB8AC3E}">
+        <p14:creationId xmlns:p14="http://schemas.microsoft.com/office/powerpoint/2010/main" val="2773882813"/>
       </p:ext>
     </p:extLst>
   </p:cSld>
@@ -17807,8 +18115,8 @@
         </p:nvSpPr>
         <p:spPr bwMode="auto">
           <a:xfrm>
-            <a:off x="3851745" y="339312"/>
-            <a:ext cx="9070975" cy="1262063"/>
+            <a:off x="4186597" y="339312"/>
+            <a:ext cx="3592244" cy="1262063"/>
           </a:xfrm>
           <a:prstGeom prst="rect">
             <a:avLst/>
@@ -21108,6 +21416,15 @@
               <a:buFontTx/>
               <a:buNone/>
             </a:pPr>
+            <a:r>
+              <a:rPr lang="ja-JP" altLang="en-US" sz="2400" dirty="0" smtClean="0">
+                <a:solidFill>
+                  <a:srgbClr val="000000"/>
+                </a:solidFill>
+                <a:latin typeface="メイリオ" panose="020B0604030504040204" pitchFamily="50" charset="-128"/>
+              </a:rPr>
+              <a:t>作業を分担して行うことで、予定通り作業完了することができた。</a:t>
+            </a:r>
             <a:endParaRPr lang="en-US" altLang="ja-JP" sz="2400" dirty="0" smtClean="0">
               <a:solidFill>
                 <a:srgbClr val="000000"/>

--- a/05_チーム開発演習_発表会資料/05_チーム開発演習_発表会資料_チーム3.pptx
+++ b/05_チーム開発演習_発表会資料/05_チーム開発演習_発表会資料_チーム3.pptx
@@ -5,7 +5,7 @@
     <p:sldMasterId id="2147483708" r:id="rId1"/>
   </p:sldMasterIdLst>
   <p:notesMasterIdLst>
-    <p:notesMasterId r:id="rId19"/>
+    <p:notesMasterId r:id="rId22"/>
   </p:notesMasterIdLst>
   <p:sldIdLst>
     <p:sldId id="256" r:id="rId2"/>
@@ -14,17 +14,20 @@
     <p:sldId id="259" r:id="rId5"/>
     <p:sldId id="260" r:id="rId6"/>
     <p:sldId id="261" r:id="rId7"/>
-    <p:sldId id="262" r:id="rId8"/>
-    <p:sldId id="263" r:id="rId9"/>
-    <p:sldId id="264" r:id="rId10"/>
-    <p:sldId id="265" r:id="rId11"/>
-    <p:sldId id="266" r:id="rId12"/>
-    <p:sldId id="267" r:id="rId13"/>
-    <p:sldId id="268" r:id="rId14"/>
-    <p:sldId id="269" r:id="rId15"/>
-    <p:sldId id="270" r:id="rId16"/>
-    <p:sldId id="271" r:id="rId17"/>
-    <p:sldId id="272" r:id="rId18"/>
+    <p:sldId id="274" r:id="rId8"/>
+    <p:sldId id="262" r:id="rId9"/>
+    <p:sldId id="276" r:id="rId10"/>
+    <p:sldId id="263" r:id="rId11"/>
+    <p:sldId id="264" r:id="rId12"/>
+    <p:sldId id="265" r:id="rId13"/>
+    <p:sldId id="266" r:id="rId14"/>
+    <p:sldId id="267" r:id="rId15"/>
+    <p:sldId id="268" r:id="rId16"/>
+    <p:sldId id="269" r:id="rId17"/>
+    <p:sldId id="270" r:id="rId18"/>
+    <p:sldId id="275" r:id="rId19"/>
+    <p:sldId id="271" r:id="rId20"/>
+    <p:sldId id="272" r:id="rId21"/>
   </p:sldIdLst>
   <p:sldSz cx="12192000" cy="6858000"/>
   <p:notesSz cx="6858000" cy="9144000"/>
@@ -213,7 +216,7 @@
           <a:p>
             <a:fld id="{6E83E89B-059C-4101-996F-E9A878081CED}" type="datetimeFigureOut">
               <a:rPr kumimoji="1" lang="ja-JP" altLang="en-US" smtClean="0"/>
-              <a:t>2021/6/9</a:t>
+              <a:t>2021/6/10</a:t>
             </a:fld>
             <a:endParaRPr kumimoji="1" lang="ja-JP" altLang="en-US"/>
           </a:p>
@@ -790,7 +793,7 @@
           <a:p>
             <a:fld id="{2293A27E-BB7A-4160-B001-F50A36154345}" type="datetime1">
               <a:rPr kumimoji="1" lang="ja-JP" altLang="en-US" smtClean="0"/>
-              <a:t>2021/6/9</a:t>
+              <a:t>2021/6/10</a:t>
             </a:fld>
             <a:endParaRPr kumimoji="1" lang="ja-JP" altLang="en-US"/>
           </a:p>
@@ -1128,7 +1131,7 @@
           <a:p>
             <a:fld id="{449C4E22-47A5-4BC0-B02D-A434F3C15C23}" type="datetime1">
               <a:rPr kumimoji="1" lang="ja-JP" altLang="en-US" smtClean="0"/>
-              <a:t>2021/6/9</a:t>
+              <a:t>2021/6/10</a:t>
             </a:fld>
             <a:endParaRPr kumimoji="1" lang="ja-JP" altLang="en-US"/>
           </a:p>
@@ -1530,7 +1533,7 @@
           <a:p>
             <a:fld id="{449C4E22-47A5-4BC0-B02D-A434F3C15C23}" type="datetime1">
               <a:rPr kumimoji="1" lang="ja-JP" altLang="en-US" smtClean="0"/>
-              <a:t>2021/6/9</a:t>
+              <a:t>2021/6/10</a:t>
             </a:fld>
             <a:endParaRPr kumimoji="1" lang="ja-JP" altLang="en-US"/>
           </a:p>
@@ -1867,7 +1870,7 @@
           <a:p>
             <a:fld id="{449C4E22-47A5-4BC0-B02D-A434F3C15C23}" type="datetime1">
               <a:rPr kumimoji="1" lang="ja-JP" altLang="en-US" smtClean="0"/>
-              <a:t>2021/6/9</a:t>
+              <a:t>2021/6/10</a:t>
             </a:fld>
             <a:endParaRPr kumimoji="1" lang="ja-JP" altLang="en-US"/>
           </a:p>
@@ -2188,7 +2191,7 @@
           <a:p>
             <a:fld id="{449C4E22-47A5-4BC0-B02D-A434F3C15C23}" type="datetime1">
               <a:rPr kumimoji="1" lang="ja-JP" altLang="en-US" smtClean="0"/>
-              <a:t>2021/6/9</a:t>
+              <a:t>2021/6/10</a:t>
             </a:fld>
             <a:endParaRPr kumimoji="1" lang="ja-JP" altLang="en-US"/>
           </a:p>
@@ -2585,7 +2588,7 @@
           <a:p>
             <a:fld id="{449C4E22-47A5-4BC0-B02D-A434F3C15C23}" type="datetime1">
               <a:rPr kumimoji="1" lang="ja-JP" altLang="en-US" smtClean="0"/>
-              <a:t>2021/6/9</a:t>
+              <a:t>2021/6/10</a:t>
             </a:fld>
             <a:endParaRPr kumimoji="1" lang="ja-JP" altLang="en-US"/>
           </a:p>
@@ -2875,7 +2878,7 @@
           <a:p>
             <a:fld id="{4128A1B0-9F8F-44AB-93A0-56A57D90602F}" type="datetime1">
               <a:rPr kumimoji="1" lang="ja-JP" altLang="en-US" smtClean="0"/>
-              <a:t>2021/6/9</a:t>
+              <a:t>2021/6/10</a:t>
             </a:fld>
             <a:endParaRPr kumimoji="1" lang="ja-JP" altLang="en-US"/>
           </a:p>
@@ -3169,7 +3172,7 @@
           <a:p>
             <a:fld id="{5246D5FD-5292-49C3-AEC5-C8C97AD2E3E9}" type="datetime1">
               <a:rPr kumimoji="1" lang="ja-JP" altLang="en-US" smtClean="0"/>
-              <a:t>2021/6/9</a:t>
+              <a:t>2021/6/10</a:t>
             </a:fld>
             <a:endParaRPr kumimoji="1" lang="ja-JP" altLang="en-US"/>
           </a:p>
@@ -3463,7 +3466,7 @@
           <a:p>
             <a:fld id="{9BC92840-1508-4BDE-8F62-25EDC7B1493A}" type="datetime1">
               <a:rPr kumimoji="1" lang="ja-JP" altLang="en-US" smtClean="0"/>
-              <a:t>2021/6/9</a:t>
+              <a:t>2021/6/10</a:t>
             </a:fld>
             <a:endParaRPr kumimoji="1" lang="ja-JP" altLang="en-US"/>
           </a:p>
@@ -3792,7 +3795,7 @@
           <a:p>
             <a:fld id="{A1D912D5-CA53-4B95-A80E-E500791E731C}" type="datetime1">
               <a:rPr kumimoji="1" lang="ja-JP" altLang="en-US" smtClean="0"/>
-              <a:t>2021/6/9</a:t>
+              <a:t>2021/6/10</a:t>
             </a:fld>
             <a:endParaRPr kumimoji="1" lang="ja-JP" altLang="en-US"/>
           </a:p>
@@ -4179,7 +4182,7 @@
           <a:p>
             <a:fld id="{CA860D4A-F63F-4FB7-8857-BA629DED2578}" type="datetime1">
               <a:rPr kumimoji="1" lang="ja-JP" altLang="en-US" smtClean="0"/>
-              <a:t>2021/6/9</a:t>
+              <a:t>2021/6/10</a:t>
             </a:fld>
             <a:endParaRPr kumimoji="1" lang="ja-JP" altLang="en-US"/>
           </a:p>
@@ -4700,7 +4703,7 @@
           <a:p>
             <a:fld id="{4B5C0EB9-2804-462B-9173-D8F5E6437E0D}" type="datetime1">
               <a:rPr kumimoji="1" lang="ja-JP" altLang="en-US" smtClean="0"/>
-              <a:t>2021/6/9</a:t>
+              <a:t>2021/6/10</a:t>
             </a:fld>
             <a:endParaRPr kumimoji="1" lang="ja-JP" altLang="en-US"/>
           </a:p>
@@ -4905,7 +4908,7 @@
           <a:p>
             <a:fld id="{45486BAB-A06C-479C-B1AB-B21F730AD080}" type="datetime1">
               <a:rPr kumimoji="1" lang="ja-JP" altLang="en-US" smtClean="0"/>
-              <a:t>2021/6/9</a:t>
+              <a:t>2021/6/10</a:t>
             </a:fld>
             <a:endParaRPr kumimoji="1" lang="ja-JP" altLang="en-US"/>
           </a:p>
@@ -5082,7 +5085,7 @@
           <a:p>
             <a:fld id="{2B39E3D1-DF48-4804-8897-CA6E4AF7481E}" type="datetime1">
               <a:rPr kumimoji="1" lang="ja-JP" altLang="en-US" smtClean="0"/>
-              <a:t>2021/6/9</a:t>
+              <a:t>2021/6/10</a:t>
             </a:fld>
             <a:endParaRPr kumimoji="1" lang="ja-JP" altLang="en-US"/>
           </a:p>
@@ -5447,7 +5450,7 @@
           <a:p>
             <a:fld id="{1EA004B7-8522-41D4-B26D-E33278241F5E}" type="datetime1">
               <a:rPr kumimoji="1" lang="ja-JP" altLang="en-US" smtClean="0"/>
-              <a:t>2021/6/9</a:t>
+              <a:t>2021/6/10</a:t>
             </a:fld>
             <a:endParaRPr kumimoji="1" lang="ja-JP" altLang="en-US"/>
           </a:p>
@@ -5792,7 +5795,7 @@
           <a:p>
             <a:fld id="{1DC27FC7-04D2-4647-842D-E632DFADB560}" type="datetime1">
               <a:rPr kumimoji="1" lang="ja-JP" altLang="en-US" smtClean="0"/>
-              <a:t>2021/6/9</a:t>
+              <a:t>2021/6/10</a:t>
             </a:fld>
             <a:endParaRPr kumimoji="1" lang="ja-JP" altLang="en-US"/>
           </a:p>
@@ -7941,7 +7944,7 @@
           <a:p>
             <a:fld id="{449C4E22-47A5-4BC0-B02D-A434F3C15C23}" type="datetime1">
               <a:rPr kumimoji="1" lang="ja-JP" altLang="en-US" smtClean="0"/>
-              <a:t>2021/6/9</a:t>
+              <a:t>2021/6/10</a:t>
             </a:fld>
             <a:endParaRPr kumimoji="1" lang="ja-JP" altLang="en-US"/>
           </a:p>
@@ -8632,10 +8635,18 @@
           <a:lstStyle/>
           <a:p>
             <a:fld id="{D62A6D24-7F3D-4A52-B258-0799191E0682}" type="slidenum">
-              <a:rPr kumimoji="1" lang="ja-JP" altLang="en-US" smtClean="0"/>
+              <a:rPr kumimoji="1" lang="ja-JP" altLang="en-US" smtClean="0">
+                <a:solidFill>
+                  <a:schemeClr val="bg1"/>
+                </a:solidFill>
+              </a:rPr>
               <a:t>10</a:t>
             </a:fld>
-            <a:endParaRPr kumimoji="1" lang="ja-JP" altLang="en-US"/>
+            <a:endParaRPr kumimoji="1" lang="ja-JP" altLang="en-US" dirty="0">
+              <a:solidFill>
+                <a:schemeClr val="bg1"/>
+              </a:solidFill>
+            </a:endParaRPr>
           </a:p>
         </p:txBody>
       </p:sp>
@@ -8649,8 +8660,8 @@
         </p:nvSpPr>
         <p:spPr bwMode="auto">
           <a:xfrm>
-            <a:off x="4469932" y="339312"/>
-            <a:ext cx="5047556" cy="1262063"/>
+            <a:off x="4534325" y="339312"/>
+            <a:ext cx="9070975" cy="1262063"/>
           </a:xfrm>
           <a:prstGeom prst="rect">
             <a:avLst/>
@@ -9043,7 +9054,7 @@
                 </a:solidFill>
                 <a:latin typeface="メイリオ" panose="020B0604030504040204" pitchFamily="50" charset="-128"/>
               </a:rPr>
-              <a:t>5. </a:t>
+              <a:t>4. </a:t>
             </a:r>
             <a:r>
               <a:rPr lang="ja-JP" altLang="ja-JP" sz="2800" b="1" dirty="0">
@@ -9052,7 +9063,7 @@
                 </a:solidFill>
                 <a:latin typeface="メイリオ" panose="020B0604030504040204" pitchFamily="50" charset="-128"/>
               </a:rPr>
-              <a:t>デモンストレーション</a:t>
+              <a:t>開発工程説明</a:t>
             </a:r>
           </a:p>
         </p:txBody>
@@ -9067,8 +9078,8 @@
         </p:nvSpPr>
         <p:spPr bwMode="auto">
           <a:xfrm>
-            <a:off x="1840036" y="3101662"/>
-            <a:ext cx="9070975" cy="495300"/>
+            <a:off x="1526504" y="2050759"/>
+            <a:ext cx="9553575" cy="3910012"/>
           </a:xfrm>
           <a:prstGeom prst="rect">
             <a:avLst/>
@@ -9098,7 +9109,7 @@
           </a:extLst>
         </p:spPr>
         <p:txBody>
-          <a:bodyPr lIns="0" tIns="0" rIns="0" bIns="0" anchor="ctr"/>
+          <a:bodyPr wrap="none" lIns="90000" tIns="45000" rIns="90000" bIns="45000"/>
           <a:lstStyle>
             <a:lvl1pPr eaLnBrk="0">
               <a:tabLst>
@@ -9123,6 +9134,7 @@
                 <a:tab pos="8085138" algn="l"/>
                 <a:tab pos="8534400" algn="l"/>
                 <a:tab pos="8983663" algn="l"/>
+                <a:tab pos="9410700" algn="l"/>
               </a:tabLst>
               <a:defRPr>
                 <a:solidFill>
@@ -9155,6 +9167,7 @@
                 <a:tab pos="8085138" algn="l"/>
                 <a:tab pos="8534400" algn="l"/>
                 <a:tab pos="8983663" algn="l"/>
+                <a:tab pos="9410700" algn="l"/>
               </a:tabLst>
               <a:defRPr>
                 <a:solidFill>
@@ -9187,6 +9200,7 @@
                 <a:tab pos="8085138" algn="l"/>
                 <a:tab pos="8534400" algn="l"/>
                 <a:tab pos="8983663" algn="l"/>
+                <a:tab pos="9410700" algn="l"/>
               </a:tabLst>
               <a:defRPr>
                 <a:solidFill>
@@ -9219,6 +9233,7 @@
                 <a:tab pos="8085138" algn="l"/>
                 <a:tab pos="8534400" algn="l"/>
                 <a:tab pos="8983663" algn="l"/>
+                <a:tab pos="9410700" algn="l"/>
               </a:tabLst>
               <a:defRPr>
                 <a:solidFill>
@@ -9251,6 +9266,7 @@
                 <a:tab pos="8085138" algn="l"/>
                 <a:tab pos="8534400" algn="l"/>
                 <a:tab pos="8983663" algn="l"/>
+                <a:tab pos="9410700" algn="l"/>
               </a:tabLst>
               <a:defRPr>
                 <a:solidFill>
@@ -9297,6 +9313,7 @@
                 <a:tab pos="8085138" algn="l"/>
                 <a:tab pos="8534400" algn="l"/>
                 <a:tab pos="8983663" algn="l"/>
+                <a:tab pos="9410700" algn="l"/>
               </a:tabLst>
               <a:defRPr>
                 <a:solidFill>
@@ -9343,6 +9360,7 @@
                 <a:tab pos="8085138" algn="l"/>
                 <a:tab pos="8534400" algn="l"/>
                 <a:tab pos="8983663" algn="l"/>
+                <a:tab pos="9410700" algn="l"/>
               </a:tabLst>
               <a:defRPr>
                 <a:solidFill>
@@ -9389,6 +9407,7 @@
                 <a:tab pos="8085138" algn="l"/>
                 <a:tab pos="8534400" algn="l"/>
                 <a:tab pos="8983663" algn="l"/>
+                <a:tab pos="9410700" algn="l"/>
               </a:tabLst>
               <a:defRPr>
                 <a:solidFill>
@@ -9435,6 +9454,7 @@
                 <a:tab pos="8085138" algn="l"/>
                 <a:tab pos="8534400" algn="l"/>
                 <a:tab pos="8983663" algn="l"/>
+                <a:tab pos="9410700" algn="l"/>
               </a:tabLst>
               <a:defRPr>
                 <a:solidFill>
@@ -9446,7 +9466,7 @@
             </a:lvl9pPr>
           </a:lstStyle>
           <a:p>
-            <a:pPr algn="ctr" eaLnBrk="1">
+            <a:pPr eaLnBrk="1">
               <a:lnSpc>
                 <a:spcPct val="125000"/>
               </a:lnSpc>
@@ -9455,27 +9475,315 @@
               <a:buNone/>
             </a:pPr>
             <a:r>
-              <a:rPr lang="ja-JP" altLang="ja-JP" sz="2600" dirty="0">
+              <a:rPr lang="en-US" altLang="ja-JP" sz="2400" dirty="0" smtClean="0">
                 <a:solidFill>
                   <a:srgbClr val="000000"/>
                 </a:solidFill>
                 <a:latin typeface="メイリオ" panose="020B0604030504040204" pitchFamily="50" charset="-128"/>
               </a:rPr>
-              <a:t>システムをデモンストレーションにてご説明致します</a:t>
-            </a:r>
+              <a:t>【</a:t>
+            </a:r>
+            <a:r>
+              <a:rPr lang="ja-JP" altLang="en-US" sz="2400" dirty="0" smtClean="0">
+                <a:solidFill>
+                  <a:srgbClr val="000000"/>
+                </a:solidFill>
+                <a:latin typeface="メイリオ" panose="020B0604030504040204" pitchFamily="50" charset="-128"/>
+              </a:rPr>
+              <a:t>テスト、バグ修正</a:t>
+            </a:r>
+            <a:r>
+              <a:rPr lang="en-US" altLang="ja-JP" sz="2400" dirty="0" smtClean="0">
+                <a:solidFill>
+                  <a:srgbClr val="000000"/>
+                </a:solidFill>
+                <a:latin typeface="メイリオ" panose="020B0604030504040204" pitchFamily="50" charset="-128"/>
+              </a:rPr>
+              <a:t>】</a:t>
+            </a:r>
+            <a:r>
+              <a:rPr lang="ja-JP" altLang="en-US" sz="2400" dirty="0" smtClean="0">
+                <a:solidFill>
+                  <a:srgbClr val="000000"/>
+                </a:solidFill>
+                <a:latin typeface="メイリオ" panose="020B0604030504040204" pitchFamily="50" charset="-128"/>
+              </a:rPr>
+              <a:t>予定</a:t>
+            </a:r>
+            <a:r>
+              <a:rPr lang="en-US" altLang="ja-JP" sz="2400" dirty="0">
+                <a:solidFill>
+                  <a:srgbClr val="000000"/>
+                </a:solidFill>
+                <a:latin typeface="メイリオ" panose="020B0604030504040204" pitchFamily="50" charset="-128"/>
+              </a:rPr>
+              <a:t>3</a:t>
+            </a:r>
+            <a:r>
+              <a:rPr lang="ja-JP" altLang="en-US" sz="2400" dirty="0" smtClean="0">
+                <a:solidFill>
+                  <a:srgbClr val="000000"/>
+                </a:solidFill>
+                <a:latin typeface="メイリオ" panose="020B0604030504040204" pitchFamily="50" charset="-128"/>
+              </a:rPr>
+              <a:t>日 </a:t>
+            </a:r>
+            <a:r>
+              <a:rPr lang="en-US" altLang="ja-JP" sz="2400" dirty="0">
+                <a:solidFill>
+                  <a:srgbClr val="000000"/>
+                </a:solidFill>
+                <a:latin typeface="メイリオ" panose="020B0604030504040204" pitchFamily="50" charset="-128"/>
+              </a:rPr>
+              <a:t>/ </a:t>
+            </a:r>
+            <a:r>
+              <a:rPr lang="ja-JP" altLang="en-US" sz="2400" dirty="0" smtClean="0">
+                <a:solidFill>
+                  <a:srgbClr val="000000"/>
+                </a:solidFill>
+                <a:latin typeface="メイリオ" panose="020B0604030504040204" pitchFamily="50" charset="-128"/>
+              </a:rPr>
+              <a:t>実績</a:t>
+            </a:r>
+            <a:r>
+              <a:rPr lang="en-US" altLang="ja-JP" sz="2400" dirty="0" smtClean="0">
+                <a:solidFill>
+                  <a:srgbClr val="000000"/>
+                </a:solidFill>
+                <a:latin typeface="メイリオ" panose="020B0604030504040204" pitchFamily="50" charset="-128"/>
+              </a:rPr>
+              <a:t>4</a:t>
+            </a:r>
+            <a:r>
+              <a:rPr lang="ja-JP" altLang="en-US" sz="2400" dirty="0" smtClean="0">
+                <a:solidFill>
+                  <a:srgbClr val="000000"/>
+                </a:solidFill>
+                <a:latin typeface="メイリオ" panose="020B0604030504040204" pitchFamily="50" charset="-128"/>
+              </a:rPr>
+              <a:t>日</a:t>
+            </a:r>
+            <a:endParaRPr lang="en-US" altLang="ja-JP" sz="2400" dirty="0">
+              <a:solidFill>
+                <a:srgbClr val="000000"/>
+              </a:solidFill>
+              <a:latin typeface="メイリオ" panose="020B0604030504040204" pitchFamily="50" charset="-128"/>
+            </a:endParaRPr>
+          </a:p>
+          <a:p>
+            <a:pPr eaLnBrk="1">
+              <a:lnSpc>
+                <a:spcPct val="125000"/>
+              </a:lnSpc>
+            </a:pPr>
+            <a:r>
+              <a:rPr lang="ja-JP" altLang="en-US" sz="2400" dirty="0">
+                <a:solidFill>
+                  <a:srgbClr val="000000"/>
+                </a:solidFill>
+                <a:latin typeface="メイリオ" panose="020B0604030504040204" pitchFamily="50" charset="-128"/>
+              </a:rPr>
+              <a:t>バグの修正に時間を要してしまい、作業完了まで予定より</a:t>
+            </a:r>
+            <a:r>
+              <a:rPr lang="en-US" altLang="ja-JP" sz="2400" dirty="0">
+                <a:solidFill>
+                  <a:srgbClr val="000000"/>
+                </a:solidFill>
+                <a:latin typeface="メイリオ" panose="020B0604030504040204" pitchFamily="50" charset="-128"/>
+              </a:rPr>
+              <a:t>1</a:t>
+            </a:r>
+            <a:r>
+              <a:rPr lang="ja-JP" altLang="en-US" sz="2400" dirty="0">
+                <a:solidFill>
+                  <a:srgbClr val="000000"/>
+                </a:solidFill>
+                <a:latin typeface="メイリオ" panose="020B0604030504040204" pitchFamily="50" charset="-128"/>
+              </a:rPr>
+              <a:t>日遅れた</a:t>
+            </a:r>
+            <a:r>
+              <a:rPr lang="ja-JP" altLang="ja-JP" sz="2400" dirty="0" smtClean="0">
+                <a:solidFill>
+                  <a:srgbClr val="000000"/>
+                </a:solidFill>
+                <a:latin typeface="メイリオ" panose="020B0604030504040204" pitchFamily="50" charset="-128"/>
+              </a:rPr>
+              <a:t>。</a:t>
+            </a:r>
+            <a:endParaRPr lang="en-US" altLang="ja-JP" sz="2400" dirty="0" smtClean="0">
+              <a:solidFill>
+                <a:srgbClr val="000000"/>
+              </a:solidFill>
+              <a:latin typeface="メイリオ" panose="020B0604030504040204" pitchFamily="50" charset="-128"/>
+            </a:endParaRPr>
+          </a:p>
+          <a:p>
+            <a:pPr eaLnBrk="1">
+              <a:lnSpc>
+                <a:spcPct val="125000"/>
+              </a:lnSpc>
+              <a:buClrTx/>
+              <a:buFontTx/>
+              <a:buNone/>
+            </a:pPr>
+            <a:endParaRPr lang="en-US" altLang="ja-JP" sz="2400" dirty="0">
+              <a:solidFill>
+                <a:srgbClr val="000000"/>
+              </a:solidFill>
+              <a:latin typeface="メイリオ" panose="020B0604030504040204" pitchFamily="50" charset="-128"/>
+            </a:endParaRPr>
+          </a:p>
+          <a:p>
+            <a:pPr eaLnBrk="1">
+              <a:lnSpc>
+                <a:spcPct val="125000"/>
+              </a:lnSpc>
+              <a:buClrTx/>
+              <a:buFontTx/>
+              <a:buNone/>
+            </a:pPr>
+            <a:endParaRPr lang="en-US" altLang="ja-JP" sz="2400" dirty="0">
+              <a:solidFill>
+                <a:srgbClr val="000000"/>
+              </a:solidFill>
+              <a:latin typeface="メイリオ" panose="020B0604030504040204" pitchFamily="50" charset="-128"/>
+            </a:endParaRPr>
+          </a:p>
+          <a:p>
+            <a:pPr eaLnBrk="1">
+              <a:lnSpc>
+                <a:spcPct val="125000"/>
+              </a:lnSpc>
+              <a:buClrTx/>
+              <a:buFontTx/>
+              <a:buNone/>
+            </a:pPr>
+            <a:r>
+              <a:rPr lang="ja-JP" altLang="ja-JP" sz="2400" dirty="0" smtClean="0">
+                <a:solidFill>
+                  <a:srgbClr val="000000"/>
+                </a:solidFill>
+                <a:latin typeface="メイリオ" panose="020B0604030504040204" pitchFamily="50" charset="-128"/>
+              </a:rPr>
+              <a:t>【</a:t>
+            </a:r>
+            <a:r>
+              <a:rPr lang="ja-JP" altLang="en-US" sz="2400" dirty="0">
+                <a:solidFill>
+                  <a:srgbClr val="000000"/>
+                </a:solidFill>
+                <a:latin typeface="メイリオ" panose="020B0604030504040204" pitchFamily="50" charset="-128"/>
+              </a:rPr>
+              <a:t>発表準備</a:t>
+            </a:r>
+            <a:r>
+              <a:rPr lang="ja-JP" altLang="ja-JP" sz="2400" dirty="0" smtClean="0">
+                <a:solidFill>
+                  <a:srgbClr val="000000"/>
+                </a:solidFill>
+                <a:latin typeface="メイリオ" panose="020B0604030504040204" pitchFamily="50" charset="-128"/>
+              </a:rPr>
+              <a:t>】予定</a:t>
+            </a:r>
+            <a:r>
+              <a:rPr lang="en-US" altLang="ja-JP" sz="2400" dirty="0">
+                <a:solidFill>
+                  <a:srgbClr val="000000"/>
+                </a:solidFill>
+                <a:latin typeface="メイリオ" panose="020B0604030504040204" pitchFamily="50" charset="-128"/>
+              </a:rPr>
+              <a:t>2</a:t>
+            </a:r>
+            <a:r>
+              <a:rPr lang="ja-JP" altLang="ja-JP" sz="2400" dirty="0" smtClean="0">
+                <a:solidFill>
+                  <a:srgbClr val="000000"/>
+                </a:solidFill>
+                <a:latin typeface="メイリオ" panose="020B0604030504040204" pitchFamily="50" charset="-128"/>
+              </a:rPr>
+              <a:t>日 </a:t>
+            </a:r>
+            <a:r>
+              <a:rPr lang="en-US" altLang="ja-JP" sz="2400" dirty="0">
+                <a:solidFill>
+                  <a:srgbClr val="000000"/>
+                </a:solidFill>
+                <a:latin typeface="メイリオ" panose="020B0604030504040204" pitchFamily="50" charset="-128"/>
+              </a:rPr>
+              <a:t>/ </a:t>
+            </a:r>
+            <a:r>
+              <a:rPr lang="ja-JP" altLang="ja-JP" sz="2400" dirty="0" smtClean="0">
+                <a:solidFill>
+                  <a:srgbClr val="000000"/>
+                </a:solidFill>
+                <a:latin typeface="メイリオ" panose="020B0604030504040204" pitchFamily="50" charset="-128"/>
+              </a:rPr>
+              <a:t>実績</a:t>
+            </a:r>
+            <a:r>
+              <a:rPr lang="en-US" altLang="ja-JP" sz="2400" dirty="0">
+                <a:solidFill>
+                  <a:srgbClr val="000000"/>
+                </a:solidFill>
+                <a:latin typeface="メイリオ" panose="020B0604030504040204" pitchFamily="50" charset="-128"/>
+              </a:rPr>
+              <a:t>2</a:t>
+            </a:r>
+            <a:r>
+              <a:rPr lang="ja-JP" altLang="ja-JP" sz="2400" dirty="0" smtClean="0">
+                <a:solidFill>
+                  <a:srgbClr val="000000"/>
+                </a:solidFill>
+                <a:latin typeface="メイリオ" panose="020B0604030504040204" pitchFamily="50" charset="-128"/>
+              </a:rPr>
+              <a:t>日</a:t>
+            </a:r>
+            <a:endParaRPr lang="ja-JP" altLang="ja-JP" sz="2400" dirty="0">
+              <a:solidFill>
+                <a:srgbClr val="000000"/>
+              </a:solidFill>
+              <a:latin typeface="メイリオ" panose="020B0604030504040204" pitchFamily="50" charset="-128"/>
+            </a:endParaRPr>
+          </a:p>
+          <a:p>
+            <a:pPr eaLnBrk="1">
+              <a:lnSpc>
+                <a:spcPct val="125000"/>
+              </a:lnSpc>
+              <a:buClrTx/>
+              <a:buFontTx/>
+              <a:buNone/>
+            </a:pPr>
+            <a:endParaRPr lang="ja-JP" altLang="ja-JP" sz="2400" dirty="0">
+              <a:solidFill>
+                <a:srgbClr val="000000"/>
+              </a:solidFill>
+              <a:latin typeface="メイリオ" panose="020B0604030504040204" pitchFamily="50" charset="-128"/>
+            </a:endParaRPr>
           </a:p>
         </p:txBody>
       </p:sp>
     </p:spTree>
     <p:extLst>
       <p:ext uri="{BB962C8B-B14F-4D97-AF65-F5344CB8AC3E}">
-        <p14:creationId xmlns:p14="http://schemas.microsoft.com/office/powerpoint/2010/main" val="1657308263"/>
+        <p14:creationId xmlns:p14="http://schemas.microsoft.com/office/powerpoint/2010/main" val="1298895747"/>
       </p:ext>
     </p:extLst>
   </p:cSld>
   <p:clrMapOvr>
     <a:masterClrMapping/>
   </p:clrMapOvr>
+  <p:timing>
+    <p:tnLst>
+      <p:par>
+        <p:cTn id="1" dur="indefinite" restart="never" nodeType="tmRoot"/>
+      </p:par>
+    </p:tnLst>
+  </p:timing>
 </p:sld>
 </file>
 
@@ -9512,10 +9820,18 @@
           <a:lstStyle/>
           <a:p>
             <a:fld id="{D62A6D24-7F3D-4A52-B258-0799191E0682}" type="slidenum">
-              <a:rPr kumimoji="1" lang="ja-JP" altLang="en-US" smtClean="0"/>
+              <a:rPr kumimoji="1" lang="ja-JP" altLang="en-US" smtClean="0">
+                <a:solidFill>
+                  <a:schemeClr val="bg1"/>
+                </a:solidFill>
+              </a:rPr>
               <a:t>11</a:t>
             </a:fld>
-            <a:endParaRPr kumimoji="1" lang="ja-JP" altLang="en-US"/>
+            <a:endParaRPr kumimoji="1" lang="ja-JP" altLang="en-US" dirty="0">
+              <a:solidFill>
+                <a:schemeClr val="bg1"/>
+              </a:solidFill>
+            </a:endParaRPr>
           </a:p>
         </p:txBody>
       </p:sp>
@@ -9529,8 +9845,8 @@
         </p:nvSpPr>
         <p:spPr bwMode="auto">
           <a:xfrm>
-            <a:off x="2679767" y="339312"/>
-            <a:ext cx="9070975" cy="1262063"/>
+            <a:off x="4392234" y="339312"/>
+            <a:ext cx="2909663" cy="1262063"/>
           </a:xfrm>
           <a:prstGeom prst="rect">
             <a:avLst/>
@@ -9923,7 +10239,7 @@
                 </a:solidFill>
                 <a:latin typeface="メイリオ" panose="020B0604030504040204" pitchFamily="50" charset="-128"/>
               </a:rPr>
-              <a:t>6. </a:t>
+              <a:t>4. </a:t>
             </a:r>
             <a:r>
               <a:rPr lang="ja-JP" altLang="ja-JP" sz="2800" b="1" dirty="0">
@@ -9932,47 +10248,14 @@
                 </a:solidFill>
                 <a:latin typeface="メイリオ" panose="020B0604030504040204" pitchFamily="50" charset="-128"/>
               </a:rPr>
-              <a:t>苦労した点、工夫した点、反省点　</a:t>
-            </a:r>
-            <a:r>
-              <a:rPr lang="en-US" altLang="ja-JP" sz="2800" b="1" dirty="0" smtClean="0">
-                <a:solidFill>
-                  <a:srgbClr val="000000"/>
-                </a:solidFill>
-                <a:latin typeface="メイリオ" panose="020B0604030504040204" pitchFamily="50" charset="-128"/>
-              </a:rPr>
-              <a:t>(</a:t>
-            </a:r>
-            <a:r>
-              <a:rPr lang="ja-JP" altLang="en-US" sz="2800" b="1" dirty="0" smtClean="0">
-                <a:solidFill>
-                  <a:srgbClr val="000000"/>
-                </a:solidFill>
-                <a:latin typeface="メイリオ" panose="020B0604030504040204" pitchFamily="50" charset="-128"/>
-              </a:rPr>
-              <a:t>久留</a:t>
-            </a:r>
-            <a:r>
-              <a:rPr lang="en-US" altLang="ja-JP" sz="2800" b="1" dirty="0" smtClean="0">
-                <a:solidFill>
-                  <a:srgbClr val="000000"/>
-                </a:solidFill>
-                <a:latin typeface="メイリオ" panose="020B0604030504040204" pitchFamily="50" charset="-128"/>
-              </a:rPr>
-              <a:t>)</a:t>
-            </a:r>
-            <a:endParaRPr lang="en-US" altLang="ja-JP" sz="2800" b="1" dirty="0">
-              <a:solidFill>
-                <a:srgbClr val="000000"/>
-              </a:solidFill>
-              <a:latin typeface="メイリオ" panose="020B0604030504040204" pitchFamily="50" charset="-128"/>
-            </a:endParaRPr>
+              <a:t>開発工程説明</a:t>
+            </a:r>
           </a:p>
         </p:txBody>
       </p:sp>
       <p:sp>
         <p:nvSpPr>
-          <p:cNvPr id="4" name="Text Box 3"/>
+          <p:cNvPr id="4" name="Text Box 7"/>
           <p:cNvSpPr txBox="1">
             <a:spLocks noChangeArrowheads="1"/>
           </p:cNvSpPr>
@@ -9980,8 +10263,8 @@
         </p:nvSpPr>
         <p:spPr bwMode="auto">
           <a:xfrm>
-            <a:off x="2679767" y="1476375"/>
-            <a:ext cx="8695306" cy="5237163"/>
+            <a:off x="1311579" y="3075904"/>
+            <a:ext cx="9070975" cy="495300"/>
           </a:xfrm>
           <a:prstGeom prst="rect">
             <a:avLst/>
@@ -10011,7 +10294,7 @@
           </a:extLst>
         </p:spPr>
         <p:txBody>
-          <a:bodyPr wrap="none" lIns="90000" tIns="45000" rIns="90000" bIns="45000"/>
+          <a:bodyPr lIns="0" tIns="0" rIns="0" bIns="0" anchor="ctr"/>
           <a:lstStyle>
             <a:lvl1pPr eaLnBrk="0">
               <a:tabLst>
@@ -10359,7 +10642,7 @@
             </a:lvl9pPr>
           </a:lstStyle>
           <a:p>
-            <a:pPr eaLnBrk="1">
+            <a:pPr algn="ctr" eaLnBrk="1">
               <a:lnSpc>
                 <a:spcPct val="125000"/>
               </a:lnSpc>
@@ -10368,112 +10651,34 @@
               <a:buNone/>
             </a:pPr>
             <a:r>
-              <a:rPr lang="ja-JP" altLang="ja-JP" dirty="0">
+              <a:rPr lang="ja-JP" altLang="ja-JP" sz="2600" dirty="0">
                 <a:solidFill>
                   <a:srgbClr val="000000"/>
                 </a:solidFill>
                 <a:latin typeface="メイリオ" panose="020B0604030504040204" pitchFamily="50" charset="-128"/>
               </a:rPr>
-              <a:t>【苦労した点】</a:t>
-            </a:r>
-          </a:p>
-          <a:p>
-            <a:pPr eaLnBrk="1">
-              <a:lnSpc>
-                <a:spcPct val="125000"/>
-              </a:lnSpc>
-              <a:buClrTx/>
-              <a:buFontTx/>
-              <a:buNone/>
-            </a:pPr>
-            <a:endParaRPr lang="en-US" altLang="ja-JP" dirty="0">
-              <a:solidFill>
-                <a:srgbClr val="000000"/>
-              </a:solidFill>
-              <a:latin typeface="メイリオ" panose="020B0604030504040204" pitchFamily="50" charset="-128"/>
-            </a:endParaRPr>
-          </a:p>
-          <a:p>
-            <a:pPr eaLnBrk="1">
-              <a:lnSpc>
-                <a:spcPct val="125000"/>
-              </a:lnSpc>
-              <a:buClrTx/>
-              <a:buFontTx/>
-              <a:buNone/>
-            </a:pPr>
-            <a:r>
-              <a:rPr lang="ja-JP" altLang="ja-JP" dirty="0">
-                <a:solidFill>
-                  <a:srgbClr val="000000"/>
-                </a:solidFill>
-                <a:latin typeface="メイリオ" panose="020B0604030504040204" pitchFamily="50" charset="-128"/>
-              </a:rPr>
-              <a:t>【工夫した点】</a:t>
-            </a:r>
-          </a:p>
-          <a:p>
-            <a:pPr eaLnBrk="1">
-              <a:lnSpc>
-                <a:spcPct val="125000"/>
-              </a:lnSpc>
-              <a:buClrTx/>
-              <a:buFontTx/>
-              <a:buNone/>
-            </a:pPr>
-            <a:endParaRPr lang="en-US" altLang="ja-JP" dirty="0">
-              <a:solidFill>
-                <a:srgbClr val="000000"/>
-              </a:solidFill>
-              <a:latin typeface="メイリオ" panose="020B0604030504040204" pitchFamily="50" charset="-128"/>
-            </a:endParaRPr>
-          </a:p>
-          <a:p>
-            <a:pPr eaLnBrk="1">
-              <a:lnSpc>
-                <a:spcPct val="125000"/>
-              </a:lnSpc>
-              <a:buClrTx/>
-              <a:buFontTx/>
-              <a:buNone/>
-            </a:pPr>
-            <a:r>
-              <a:rPr lang="ja-JP" altLang="ja-JP" dirty="0">
-                <a:solidFill>
-                  <a:srgbClr val="000000"/>
-                </a:solidFill>
-                <a:latin typeface="メイリオ" panose="020B0604030504040204" pitchFamily="50" charset="-128"/>
-              </a:rPr>
-              <a:t>【反省点</a:t>
-            </a:r>
-            <a:r>
-              <a:rPr lang="ja-JP" altLang="ja-JP" dirty="0" smtClean="0">
-                <a:solidFill>
-                  <a:srgbClr val="000000"/>
-                </a:solidFill>
-                <a:latin typeface="メイリオ" panose="020B0604030504040204" pitchFamily="50" charset="-128"/>
-              </a:rPr>
-              <a:t>】</a:t>
-            </a:r>
-            <a:endParaRPr lang="ja-JP" altLang="ja-JP" dirty="0">
-              <a:solidFill>
-                <a:srgbClr val="000000"/>
-              </a:solidFill>
-              <a:latin typeface="メイリオ" panose="020B0604030504040204" pitchFamily="50" charset="-128"/>
-            </a:endParaRPr>
+              <a:t>「作業工程表」にてご説明致します</a:t>
+            </a:r>
           </a:p>
         </p:txBody>
       </p:sp>
     </p:spTree>
     <p:extLst>
       <p:ext uri="{BB962C8B-B14F-4D97-AF65-F5344CB8AC3E}">
-        <p14:creationId xmlns:p14="http://schemas.microsoft.com/office/powerpoint/2010/main" val="1756340748"/>
+        <p14:creationId xmlns:p14="http://schemas.microsoft.com/office/powerpoint/2010/main" val="6184183"/>
       </p:ext>
     </p:extLst>
   </p:cSld>
   <p:clrMapOvr>
     <a:masterClrMapping/>
   </p:clrMapOvr>
+  <p:timing>
+    <p:tnLst>
+      <p:par>
+        <p:cTn id="1" dur="indefinite" restart="never" nodeType="tmRoot"/>
+      </p:par>
+    </p:tnLst>
+  </p:timing>
 </p:sld>
 </file>
 
@@ -10527,8 +10732,8 @@
         </p:nvSpPr>
         <p:spPr bwMode="auto">
           <a:xfrm>
-            <a:off x="2679767" y="339312"/>
-            <a:ext cx="9070975" cy="1262063"/>
+            <a:off x="4469932" y="339312"/>
+            <a:ext cx="5047556" cy="1262063"/>
           </a:xfrm>
           <a:prstGeom prst="rect">
             <a:avLst/>
@@ -10921,7 +11126,7 @@
                 </a:solidFill>
                 <a:latin typeface="メイリオ" panose="020B0604030504040204" pitchFamily="50" charset="-128"/>
               </a:rPr>
-              <a:t>6. </a:t>
+              <a:t>5. </a:t>
             </a:r>
             <a:r>
               <a:rPr lang="ja-JP" altLang="ja-JP" sz="2800" b="1" dirty="0">
@@ -10930,47 +11135,14 @@
                 </a:solidFill>
                 <a:latin typeface="メイリオ" panose="020B0604030504040204" pitchFamily="50" charset="-128"/>
               </a:rPr>
-              <a:t>苦労した点、工夫した点、反省点　</a:t>
-            </a:r>
-            <a:r>
-              <a:rPr lang="en-US" altLang="ja-JP" sz="2800" b="1" dirty="0" smtClean="0">
-                <a:solidFill>
-                  <a:srgbClr val="000000"/>
-                </a:solidFill>
-                <a:latin typeface="メイリオ" panose="020B0604030504040204" pitchFamily="50" charset="-128"/>
-              </a:rPr>
-              <a:t>(</a:t>
-            </a:r>
-            <a:r>
-              <a:rPr lang="ja-JP" altLang="en-US" sz="2800" b="1" dirty="0">
-                <a:solidFill>
-                  <a:srgbClr val="000000"/>
-                </a:solidFill>
-                <a:latin typeface="メイリオ" panose="020B0604030504040204" pitchFamily="50" charset="-128"/>
-              </a:rPr>
-              <a:t>菅野</a:t>
-            </a:r>
-            <a:r>
-              <a:rPr lang="en-US" altLang="ja-JP" sz="2800" b="1" dirty="0" smtClean="0">
-                <a:solidFill>
-                  <a:srgbClr val="000000"/>
-                </a:solidFill>
-                <a:latin typeface="メイリオ" panose="020B0604030504040204" pitchFamily="50" charset="-128"/>
-              </a:rPr>
-              <a:t>)</a:t>
-            </a:r>
-            <a:endParaRPr lang="en-US" altLang="ja-JP" sz="2800" b="1" dirty="0">
-              <a:solidFill>
-                <a:srgbClr val="000000"/>
-              </a:solidFill>
-              <a:latin typeface="メイリオ" panose="020B0604030504040204" pitchFamily="50" charset="-128"/>
-            </a:endParaRPr>
+              <a:t>デモンストレーション</a:t>
+            </a:r>
           </a:p>
         </p:txBody>
       </p:sp>
       <p:sp>
         <p:nvSpPr>
-          <p:cNvPr id="4" name="Text Box 3"/>
+          <p:cNvPr id="5" name="Text Box 5"/>
           <p:cNvSpPr txBox="1">
             <a:spLocks noChangeArrowheads="1"/>
           </p:cNvSpPr>
@@ -10978,8 +11150,8 @@
         </p:nvSpPr>
         <p:spPr bwMode="auto">
           <a:xfrm>
-            <a:off x="2679767" y="1476375"/>
-            <a:ext cx="8695306" cy="5237163"/>
+            <a:off x="1840036" y="3101662"/>
+            <a:ext cx="9070975" cy="495300"/>
           </a:xfrm>
           <a:prstGeom prst="rect">
             <a:avLst/>
@@ -11009,7 +11181,7 @@
           </a:extLst>
         </p:spPr>
         <p:txBody>
-          <a:bodyPr wrap="none" lIns="90000" tIns="45000" rIns="90000" bIns="45000"/>
+          <a:bodyPr lIns="0" tIns="0" rIns="0" bIns="0" anchor="ctr"/>
           <a:lstStyle>
             <a:lvl1pPr eaLnBrk="0">
               <a:tabLst>
@@ -11357,7 +11529,7 @@
             </a:lvl9pPr>
           </a:lstStyle>
           <a:p>
-            <a:pPr eaLnBrk="1">
+            <a:pPr algn="ctr" eaLnBrk="1">
               <a:lnSpc>
                 <a:spcPct val="125000"/>
               </a:lnSpc>
@@ -11366,112 +11538,34 @@
               <a:buNone/>
             </a:pPr>
             <a:r>
-              <a:rPr lang="ja-JP" altLang="ja-JP" dirty="0">
+              <a:rPr lang="ja-JP" altLang="ja-JP" sz="2600" dirty="0">
                 <a:solidFill>
                   <a:srgbClr val="000000"/>
                 </a:solidFill>
                 <a:latin typeface="メイリオ" panose="020B0604030504040204" pitchFamily="50" charset="-128"/>
               </a:rPr>
-              <a:t>【苦労した点】</a:t>
-            </a:r>
-          </a:p>
-          <a:p>
-            <a:pPr eaLnBrk="1">
-              <a:lnSpc>
-                <a:spcPct val="125000"/>
-              </a:lnSpc>
-              <a:buClrTx/>
-              <a:buFontTx/>
-              <a:buNone/>
-            </a:pPr>
-            <a:endParaRPr lang="en-US" altLang="ja-JP" dirty="0">
-              <a:solidFill>
-                <a:srgbClr val="000000"/>
-              </a:solidFill>
-              <a:latin typeface="メイリオ" panose="020B0604030504040204" pitchFamily="50" charset="-128"/>
-            </a:endParaRPr>
-          </a:p>
-          <a:p>
-            <a:pPr eaLnBrk="1">
-              <a:lnSpc>
-                <a:spcPct val="125000"/>
-              </a:lnSpc>
-              <a:buClrTx/>
-              <a:buFontTx/>
-              <a:buNone/>
-            </a:pPr>
-            <a:r>
-              <a:rPr lang="ja-JP" altLang="ja-JP" dirty="0">
-                <a:solidFill>
-                  <a:srgbClr val="000000"/>
-                </a:solidFill>
-                <a:latin typeface="メイリオ" panose="020B0604030504040204" pitchFamily="50" charset="-128"/>
-              </a:rPr>
-              <a:t>【工夫した点】</a:t>
-            </a:r>
-          </a:p>
-          <a:p>
-            <a:pPr eaLnBrk="1">
-              <a:lnSpc>
-                <a:spcPct val="125000"/>
-              </a:lnSpc>
-              <a:buClrTx/>
-              <a:buFontTx/>
-              <a:buNone/>
-            </a:pPr>
-            <a:endParaRPr lang="en-US" altLang="ja-JP" dirty="0">
-              <a:solidFill>
-                <a:srgbClr val="000000"/>
-              </a:solidFill>
-              <a:latin typeface="メイリオ" panose="020B0604030504040204" pitchFamily="50" charset="-128"/>
-            </a:endParaRPr>
-          </a:p>
-          <a:p>
-            <a:pPr eaLnBrk="1">
-              <a:lnSpc>
-                <a:spcPct val="125000"/>
-              </a:lnSpc>
-              <a:buClrTx/>
-              <a:buFontTx/>
-              <a:buNone/>
-            </a:pPr>
-            <a:r>
-              <a:rPr lang="ja-JP" altLang="ja-JP" dirty="0">
-                <a:solidFill>
-                  <a:srgbClr val="000000"/>
-                </a:solidFill>
-                <a:latin typeface="メイリオ" panose="020B0604030504040204" pitchFamily="50" charset="-128"/>
-              </a:rPr>
-              <a:t>【反省点</a:t>
-            </a:r>
-            <a:r>
-              <a:rPr lang="ja-JP" altLang="ja-JP" dirty="0" smtClean="0">
-                <a:solidFill>
-                  <a:srgbClr val="000000"/>
-                </a:solidFill>
-                <a:latin typeface="メイリオ" panose="020B0604030504040204" pitchFamily="50" charset="-128"/>
-              </a:rPr>
-              <a:t>】</a:t>
-            </a:r>
-            <a:endParaRPr lang="ja-JP" altLang="ja-JP" dirty="0">
-              <a:solidFill>
-                <a:srgbClr val="000000"/>
-              </a:solidFill>
-              <a:latin typeface="メイリオ" panose="020B0604030504040204" pitchFamily="50" charset="-128"/>
-            </a:endParaRPr>
+              <a:t>システムをデモンストレーションにてご説明致します</a:t>
+            </a:r>
           </a:p>
         </p:txBody>
       </p:sp>
     </p:spTree>
     <p:extLst>
       <p:ext uri="{BB962C8B-B14F-4D97-AF65-F5344CB8AC3E}">
-        <p14:creationId xmlns:p14="http://schemas.microsoft.com/office/powerpoint/2010/main" val="3702983776"/>
+        <p14:creationId xmlns:p14="http://schemas.microsoft.com/office/powerpoint/2010/main" val="1657308263"/>
       </p:ext>
     </p:extLst>
   </p:cSld>
   <p:clrMapOvr>
     <a:masterClrMapping/>
   </p:clrMapOvr>
+  <p:timing>
+    <p:tnLst>
+      <p:par>
+        <p:cTn id="1" dur="indefinite" restart="never" nodeType="tmRoot"/>
+      </p:par>
+    </p:tnLst>
+  </p:timing>
 </p:sld>
 </file>
 
@@ -11940,13 +12034,13 @@
               <a:t>(</a:t>
             </a:r>
             <a:r>
-              <a:rPr lang="ja-JP" altLang="en-US" sz="2800" b="1" dirty="0">
+              <a:rPr lang="ja-JP" altLang="en-US" sz="2800" b="1" dirty="0" smtClean="0">
                 <a:solidFill>
                   <a:srgbClr val="000000"/>
                 </a:solidFill>
                 <a:latin typeface="メイリオ" panose="020B0604030504040204" pitchFamily="50" charset="-128"/>
               </a:rPr>
-              <a:t>中西</a:t>
+              <a:t>久留</a:t>
             </a:r>
             <a:r>
               <a:rPr lang="en-US" altLang="ja-JP" sz="2800" b="1" dirty="0" smtClean="0">
@@ -12370,8 +12464,107 @@
                 </a:solidFill>
                 <a:latin typeface="メイリオ" panose="020B0604030504040204" pitchFamily="50" charset="-128"/>
               </a:rPr>
-              <a:t>【苦労した点】</a:t>
-            </a:r>
+              <a:t>【苦労した点</a:t>
+            </a:r>
+            <a:r>
+              <a:rPr lang="ja-JP" altLang="ja-JP" dirty="0" smtClean="0">
+                <a:solidFill>
+                  <a:srgbClr val="000000"/>
+                </a:solidFill>
+                <a:latin typeface="メイリオ" panose="020B0604030504040204" pitchFamily="50" charset="-128"/>
+              </a:rPr>
+              <a:t>】</a:t>
+            </a:r>
+            <a:endParaRPr lang="en-US" altLang="ja-JP" dirty="0" smtClean="0">
+              <a:solidFill>
+                <a:srgbClr val="000000"/>
+              </a:solidFill>
+              <a:latin typeface="メイリオ" panose="020B0604030504040204" pitchFamily="50" charset="-128"/>
+            </a:endParaRPr>
+          </a:p>
+          <a:p>
+            <a:pPr marL="285750" indent="-285750" eaLnBrk="1">
+              <a:lnSpc>
+                <a:spcPct val="150000"/>
+              </a:lnSpc>
+              <a:buClrTx/>
+              <a:buFont typeface="Arial" panose="020B0604020202020204" pitchFamily="34" charset="0"/>
+              <a:buChar char="•"/>
+            </a:pPr>
+            <a:r>
+              <a:rPr lang="ja-JP" altLang="en-US" dirty="0" smtClean="0">
+                <a:solidFill>
+                  <a:srgbClr val="000000"/>
+                </a:solidFill>
+                <a:latin typeface="メイリオ" panose="020B0604030504040204" pitchFamily="50" charset="-128"/>
+              </a:rPr>
+              <a:t>設計中にメンバー間で認識のずれがあり、修正に苦労した</a:t>
+            </a:r>
+            <a:endParaRPr lang="en-US" altLang="ja-JP" dirty="0" smtClean="0">
+              <a:solidFill>
+                <a:srgbClr val="000000"/>
+              </a:solidFill>
+              <a:latin typeface="メイリオ" panose="020B0604030504040204" pitchFamily="50" charset="-128"/>
+            </a:endParaRPr>
+          </a:p>
+          <a:p>
+            <a:pPr marL="285750" indent="-285750" eaLnBrk="1">
+              <a:lnSpc>
+                <a:spcPct val="150000"/>
+              </a:lnSpc>
+              <a:buClrTx/>
+              <a:buFont typeface="Arial" panose="020B0604020202020204" pitchFamily="34" charset="0"/>
+              <a:buChar char="•"/>
+            </a:pPr>
+            <a:r>
+              <a:rPr lang="ja-JP" altLang="en-US" dirty="0" smtClean="0">
+                <a:solidFill>
+                  <a:srgbClr val="000000"/>
+                </a:solidFill>
+                <a:latin typeface="メイリオ" panose="020B0604030504040204" pitchFamily="50" charset="-128"/>
+              </a:rPr>
+              <a:t>レイアウトの</a:t>
+            </a:r>
+            <a:r>
+              <a:rPr lang="ja-JP" altLang="en-US" dirty="0">
+                <a:solidFill>
+                  <a:srgbClr val="000000"/>
+                </a:solidFill>
+                <a:latin typeface="メイリオ" panose="020B0604030504040204" pitchFamily="50" charset="-128"/>
+              </a:rPr>
+              <a:t>調整に時間が</a:t>
+            </a:r>
+            <a:r>
+              <a:rPr lang="ja-JP" altLang="en-US" dirty="0" smtClean="0">
+                <a:solidFill>
+                  <a:srgbClr val="000000"/>
+                </a:solidFill>
+                <a:latin typeface="メイリオ" panose="020B0604030504040204" pitchFamily="50" charset="-128"/>
+              </a:rPr>
+              <a:t>かかった</a:t>
+            </a:r>
+            <a:endParaRPr lang="en-US" altLang="ja-JP" dirty="0" smtClean="0">
+              <a:solidFill>
+                <a:srgbClr val="000000"/>
+              </a:solidFill>
+              <a:latin typeface="メイリオ" panose="020B0604030504040204" pitchFamily="50" charset="-128"/>
+            </a:endParaRPr>
+          </a:p>
+          <a:p>
+            <a:pPr marL="285750" indent="-285750" eaLnBrk="1">
+              <a:lnSpc>
+                <a:spcPct val="125000"/>
+              </a:lnSpc>
+              <a:buClrTx/>
+              <a:buFont typeface="Arial" panose="020B0604020202020204" pitchFamily="34" charset="0"/>
+              <a:buChar char="•"/>
+            </a:pPr>
+            <a:endParaRPr lang="en-US" altLang="ja-JP" dirty="0">
+              <a:solidFill>
+                <a:srgbClr val="000000"/>
+              </a:solidFill>
+              <a:latin typeface="メイリオ" panose="020B0604030504040204" pitchFamily="50" charset="-128"/>
+            </a:endParaRPr>
           </a:p>
           <a:p>
             <a:pPr eaLnBrk="1">
@@ -12382,6 +12575,90 @@
               <a:buFontTx/>
               <a:buNone/>
             </a:pPr>
+            <a:r>
+              <a:rPr lang="ja-JP" altLang="ja-JP" dirty="0">
+                <a:solidFill>
+                  <a:srgbClr val="000000"/>
+                </a:solidFill>
+                <a:latin typeface="メイリオ" panose="020B0604030504040204" pitchFamily="50" charset="-128"/>
+              </a:rPr>
+              <a:t>【工夫した点</a:t>
+            </a:r>
+            <a:r>
+              <a:rPr lang="ja-JP" altLang="ja-JP" dirty="0" smtClean="0">
+                <a:solidFill>
+                  <a:srgbClr val="000000"/>
+                </a:solidFill>
+                <a:latin typeface="メイリオ" panose="020B0604030504040204" pitchFamily="50" charset="-128"/>
+              </a:rPr>
+              <a:t>】</a:t>
+            </a:r>
+            <a:endParaRPr lang="en-US" altLang="ja-JP" dirty="0" smtClean="0">
+              <a:solidFill>
+                <a:srgbClr val="000000"/>
+              </a:solidFill>
+              <a:latin typeface="メイリオ" panose="020B0604030504040204" pitchFamily="50" charset="-128"/>
+            </a:endParaRPr>
+          </a:p>
+          <a:p>
+            <a:pPr marL="285750" indent="-285750" eaLnBrk="1">
+              <a:lnSpc>
+                <a:spcPct val="150000"/>
+              </a:lnSpc>
+              <a:buClrTx/>
+              <a:buFont typeface="Arial" panose="020B0604020202020204" pitchFamily="34" charset="0"/>
+              <a:buChar char="•"/>
+            </a:pPr>
+            <a:r>
+              <a:rPr lang="ja-JP" altLang="en-US" dirty="0" smtClean="0">
+                <a:solidFill>
+                  <a:srgbClr val="000000"/>
+                </a:solidFill>
+                <a:latin typeface="メイリオ" panose="020B0604030504040204" pitchFamily="50" charset="-128"/>
+              </a:rPr>
+              <a:t>ページリンクのボタンが横並びになるように工夫した</a:t>
+            </a:r>
+            <a:endParaRPr lang="en-US" altLang="ja-JP" dirty="0">
+              <a:solidFill>
+                <a:srgbClr val="000000"/>
+              </a:solidFill>
+              <a:latin typeface="メイリオ" panose="020B0604030504040204" pitchFamily="50" charset="-128"/>
+            </a:endParaRPr>
+          </a:p>
+          <a:p>
+            <a:pPr marL="285750" indent="-285750" eaLnBrk="1">
+              <a:lnSpc>
+                <a:spcPct val="150000"/>
+              </a:lnSpc>
+              <a:buClrTx/>
+              <a:buFont typeface="Arial" panose="020B0604020202020204" pitchFamily="34" charset="0"/>
+              <a:buChar char="•"/>
+            </a:pPr>
+            <a:r>
+              <a:rPr lang="ja-JP" altLang="en-US" dirty="0" smtClean="0">
+                <a:solidFill>
+                  <a:srgbClr val="000000"/>
+                </a:solidFill>
+                <a:latin typeface="メイリオ" panose="020B0604030504040204" pitchFamily="50" charset="-128"/>
+              </a:rPr>
+              <a:t>メンバーの進捗状況を理解するため進捗確認をする時間を多くとった</a:t>
+            </a:r>
+            <a:endParaRPr lang="en-US" altLang="ja-JP" dirty="0" smtClean="0">
+              <a:solidFill>
+                <a:srgbClr val="000000"/>
+              </a:solidFill>
+              <a:latin typeface="メイリオ" panose="020B0604030504040204" pitchFamily="50" charset="-128"/>
+            </a:endParaRPr>
+          </a:p>
+          <a:p>
+            <a:pPr marL="285750" indent="-285750" eaLnBrk="1">
+              <a:lnSpc>
+                <a:spcPct val="150000"/>
+              </a:lnSpc>
+              <a:buClrTx/>
+              <a:buFont typeface="Arial" panose="020B0604020202020204" pitchFamily="34" charset="0"/>
+              <a:buChar char="•"/>
+            </a:pPr>
             <a:endParaRPr lang="en-US" altLang="ja-JP" dirty="0">
               <a:solidFill>
                 <a:srgbClr val="000000"/>
@@ -12405,17 +12682,89 @@
                 </a:solidFill>
                 <a:latin typeface="メイリオ" panose="020B0604030504040204" pitchFamily="50" charset="-128"/>
               </a:rPr>
-              <a:t>【工夫した点】</a:t>
-            </a:r>
+              <a:t>【反省点</a:t>
+            </a:r>
+            <a:r>
+              <a:rPr lang="ja-JP" altLang="ja-JP" dirty="0" smtClean="0">
+                <a:solidFill>
+                  <a:srgbClr val="000000"/>
+                </a:solidFill>
+                <a:latin typeface="メイリオ" panose="020B0604030504040204" pitchFamily="50" charset="-128"/>
+              </a:rPr>
+              <a:t>】</a:t>
+            </a:r>
+            <a:endParaRPr lang="en-US" altLang="ja-JP" dirty="0" smtClean="0">
+              <a:solidFill>
+                <a:srgbClr val="000000"/>
+              </a:solidFill>
+              <a:latin typeface="メイリオ" panose="020B0604030504040204" pitchFamily="50" charset="-128"/>
+            </a:endParaRPr>
+          </a:p>
+          <a:p>
+            <a:pPr marL="285750" indent="-285750" eaLnBrk="1">
+              <a:lnSpc>
+                <a:spcPct val="125000"/>
+              </a:lnSpc>
+              <a:buFont typeface="Arial" panose="020B0604020202020204" pitchFamily="34" charset="0"/>
+              <a:buChar char="•"/>
+            </a:pPr>
+            <a:r>
+              <a:rPr lang="ja-JP" altLang="en-US" dirty="0" smtClean="0">
+                <a:solidFill>
+                  <a:srgbClr val="000000"/>
+                </a:solidFill>
+                <a:latin typeface="メイリオ" panose="020B0604030504040204" pitchFamily="50" charset="-128"/>
+              </a:rPr>
+              <a:t>次の工程に進む</a:t>
+            </a:r>
+            <a:r>
+              <a:rPr lang="ja-JP" altLang="en-US" dirty="0">
+                <a:solidFill>
+                  <a:srgbClr val="000000"/>
+                </a:solidFill>
+                <a:latin typeface="メイリオ" panose="020B0604030504040204" pitchFamily="50" charset="-128"/>
+              </a:rPr>
+              <a:t>際は</a:t>
+            </a:r>
+            <a:r>
+              <a:rPr lang="ja-JP" altLang="en-US" dirty="0" smtClean="0">
+                <a:solidFill>
+                  <a:srgbClr val="000000"/>
+                </a:solidFill>
+                <a:latin typeface="メイリオ" panose="020B0604030504040204" pitchFamily="50" charset="-128"/>
+              </a:rPr>
+              <a:t>情報</a:t>
+            </a:r>
+            <a:r>
+              <a:rPr lang="ja-JP" altLang="en-US" dirty="0">
+                <a:solidFill>
+                  <a:srgbClr val="000000"/>
+                </a:solidFill>
+                <a:latin typeface="メイリオ" panose="020B0604030504040204" pitchFamily="50" charset="-128"/>
+              </a:rPr>
+              <a:t>のすり合わせをしっかり行うべき</a:t>
+            </a:r>
+            <a:r>
+              <a:rPr lang="ja-JP" altLang="en-US" dirty="0" smtClean="0">
+                <a:solidFill>
+                  <a:srgbClr val="000000"/>
+                </a:solidFill>
+                <a:latin typeface="メイリオ" panose="020B0604030504040204" pitchFamily="50" charset="-128"/>
+              </a:rPr>
+              <a:t>だった</a:t>
+            </a:r>
+            <a:endParaRPr lang="en-US" altLang="ja-JP" dirty="0" smtClean="0">
+              <a:solidFill>
+                <a:srgbClr val="000000"/>
+              </a:solidFill>
+              <a:latin typeface="メイリオ" panose="020B0604030504040204" pitchFamily="50" charset="-128"/>
+            </a:endParaRPr>
           </a:p>
           <a:p>
             <a:pPr eaLnBrk="1">
               <a:lnSpc>
                 <a:spcPct val="125000"/>
               </a:lnSpc>
-              <a:buClrTx/>
-              <a:buFontTx/>
-              <a:buNone/>
             </a:pPr>
             <a:endParaRPr lang="en-US" altLang="ja-JP" dirty="0">
               <a:solidFill>
@@ -12425,32 +12774,14 @@
             </a:endParaRPr>
           </a:p>
           <a:p>
-            <a:pPr eaLnBrk="1">
+            <a:pPr marL="285750" indent="-285750" eaLnBrk="1">
               <a:lnSpc>
                 <a:spcPct val="125000"/>
               </a:lnSpc>
               <a:buClrTx/>
-              <a:buFontTx/>
-              <a:buNone/>
+              <a:buFont typeface="Arial" panose="020B0604020202020204" pitchFamily="34" charset="0"/>
+              <a:buChar char="•"/>
             </a:pPr>
-            <a:r>
-              <a:rPr lang="ja-JP" altLang="ja-JP" dirty="0">
-                <a:solidFill>
-                  <a:srgbClr val="000000"/>
-                </a:solidFill>
-                <a:latin typeface="メイリオ" panose="020B0604030504040204" pitchFamily="50" charset="-128"/>
-              </a:rPr>
-              <a:t>【反省点</a:t>
-            </a:r>
-            <a:r>
-              <a:rPr lang="ja-JP" altLang="ja-JP" dirty="0" smtClean="0">
-                <a:solidFill>
-                  <a:srgbClr val="000000"/>
-                </a:solidFill>
-                <a:latin typeface="メイリオ" panose="020B0604030504040204" pitchFamily="50" charset="-128"/>
-              </a:rPr>
-              <a:t>】</a:t>
-            </a:r>
             <a:endParaRPr lang="ja-JP" altLang="ja-JP" dirty="0">
               <a:solidFill>
                 <a:srgbClr val="000000"/>
@@ -12463,13 +12794,20 @@
     </p:spTree>
     <p:extLst>
       <p:ext uri="{BB962C8B-B14F-4D97-AF65-F5344CB8AC3E}">
-        <p14:creationId xmlns:p14="http://schemas.microsoft.com/office/powerpoint/2010/main" val="180507345"/>
+        <p14:creationId xmlns:p14="http://schemas.microsoft.com/office/powerpoint/2010/main" val="1756340748"/>
       </p:ext>
     </p:extLst>
   </p:cSld>
   <p:clrMapOvr>
     <a:masterClrMapping/>
   </p:clrMapOvr>
+  <p:timing>
+    <p:tnLst>
+      <p:par>
+        <p:cTn id="1" dur="indefinite" restart="never" nodeType="tmRoot"/>
+      </p:par>
+    </p:tnLst>
+  </p:timing>
 </p:sld>
 </file>
 
@@ -12944,7 +13282,7 @@
                 </a:solidFill>
                 <a:latin typeface="メイリオ" panose="020B0604030504040204" pitchFamily="50" charset="-128"/>
               </a:rPr>
-              <a:t>松崎</a:t>
+              <a:t>菅野</a:t>
             </a:r>
             <a:r>
               <a:rPr lang="en-US" altLang="ja-JP" sz="2800" b="1" dirty="0" smtClean="0">
@@ -13368,8 +13706,118 @@
                 </a:solidFill>
                 <a:latin typeface="メイリオ" panose="020B0604030504040204" pitchFamily="50" charset="-128"/>
               </a:rPr>
-              <a:t>【苦労した点】</a:t>
-            </a:r>
+              <a:t>【苦労した点</a:t>
+            </a:r>
+            <a:r>
+              <a:rPr lang="ja-JP" altLang="ja-JP" dirty="0" smtClean="0">
+                <a:solidFill>
+                  <a:srgbClr val="000000"/>
+                </a:solidFill>
+                <a:latin typeface="メイリオ" panose="020B0604030504040204" pitchFamily="50" charset="-128"/>
+              </a:rPr>
+              <a:t>】</a:t>
+            </a:r>
+            <a:endParaRPr lang="en-US" altLang="ja-JP" dirty="0" smtClean="0">
+              <a:solidFill>
+                <a:srgbClr val="000000"/>
+              </a:solidFill>
+              <a:latin typeface="メイリオ" panose="020B0604030504040204" pitchFamily="50" charset="-128"/>
+            </a:endParaRPr>
+          </a:p>
+          <a:p>
+            <a:pPr eaLnBrk="1">
+              <a:lnSpc>
+                <a:spcPct val="150000"/>
+              </a:lnSpc>
+              <a:buClrTx/>
+              <a:buFontTx/>
+              <a:buNone/>
+            </a:pPr>
+            <a:r>
+              <a:rPr lang="ja-JP" altLang="en-US" dirty="0">
+                <a:solidFill>
+                  <a:srgbClr val="000000"/>
+                </a:solidFill>
+                <a:latin typeface="メイリオ" panose="020B0604030504040204" pitchFamily="50" charset="-128"/>
+              </a:rPr>
+              <a:t>自身の力量不足で、</a:t>
+            </a:r>
+            <a:r>
+              <a:rPr lang="en-US" altLang="ja-JP" dirty="0">
+                <a:solidFill>
+                  <a:srgbClr val="000000"/>
+                </a:solidFill>
+                <a:latin typeface="メイリオ" panose="020B0604030504040204" pitchFamily="50" charset="-128"/>
+              </a:rPr>
+              <a:t>1</a:t>
+            </a:r>
+            <a:r>
+              <a:rPr lang="ja-JP" altLang="en-US" dirty="0">
+                <a:solidFill>
+                  <a:srgbClr val="000000"/>
+                </a:solidFill>
+                <a:latin typeface="メイリオ" panose="020B0604030504040204" pitchFamily="50" charset="-128"/>
+              </a:rPr>
+              <a:t>から調べて作ることが多かったが、自分の</a:t>
+            </a:r>
+            <a:r>
+              <a:rPr lang="ja-JP" altLang="en-US" dirty="0" smtClean="0">
+                <a:solidFill>
+                  <a:srgbClr val="000000"/>
+                </a:solidFill>
+                <a:latin typeface="メイリオ" panose="020B0604030504040204" pitchFamily="50" charset="-128"/>
+              </a:rPr>
+              <a:t>担当</a:t>
+            </a:r>
+            <a:endParaRPr lang="en-US" altLang="ja-JP" dirty="0" smtClean="0">
+              <a:solidFill>
+                <a:srgbClr val="000000"/>
+              </a:solidFill>
+              <a:latin typeface="メイリオ" panose="020B0604030504040204" pitchFamily="50" charset="-128"/>
+            </a:endParaRPr>
+          </a:p>
+          <a:p>
+            <a:pPr eaLnBrk="1">
+              <a:lnSpc>
+                <a:spcPct val="150000"/>
+              </a:lnSpc>
+              <a:buClrTx/>
+              <a:buFontTx/>
+              <a:buNone/>
+            </a:pPr>
+            <a:r>
+              <a:rPr lang="ja-JP" altLang="en-US" dirty="0" smtClean="0">
+                <a:solidFill>
+                  <a:srgbClr val="000000"/>
+                </a:solidFill>
+                <a:latin typeface="メイリオ" panose="020B0604030504040204" pitchFamily="50" charset="-128"/>
+              </a:rPr>
+              <a:t>の</a:t>
+            </a:r>
+            <a:r>
+              <a:rPr lang="ja-JP" altLang="en-US" dirty="0">
+                <a:solidFill>
+                  <a:srgbClr val="000000"/>
+                </a:solidFill>
+                <a:latin typeface="メイリオ" panose="020B0604030504040204" pitchFamily="50" charset="-128"/>
+              </a:rPr>
+              <a:t>ページを完成させることができた</a:t>
+            </a:r>
+            <a:r>
+              <a:rPr lang="ja-JP" altLang="en-US" dirty="0" smtClean="0">
+                <a:solidFill>
+                  <a:srgbClr val="000000"/>
+                </a:solidFill>
+                <a:latin typeface="メイリオ" panose="020B0604030504040204" pitchFamily="50" charset="-128"/>
+              </a:rPr>
+              <a:t>。</a:t>
+            </a:r>
+            <a:endParaRPr lang="en-US" altLang="ja-JP" dirty="0" smtClean="0">
+              <a:solidFill>
+                <a:srgbClr val="000000"/>
+              </a:solidFill>
+              <a:latin typeface="メイリオ" panose="020B0604030504040204" pitchFamily="50" charset="-128"/>
+            </a:endParaRPr>
           </a:p>
           <a:p>
             <a:pPr eaLnBrk="1">
@@ -13409,6 +13857,101 @@
           <a:p>
             <a:pPr eaLnBrk="1">
               <a:lnSpc>
+                <a:spcPct val="150000"/>
+              </a:lnSpc>
+              <a:buClrTx/>
+              <a:buFontTx/>
+              <a:buNone/>
+            </a:pPr>
+            <a:r>
+              <a:rPr lang="ja-JP" altLang="en-US" dirty="0">
+                <a:solidFill>
+                  <a:srgbClr val="000000"/>
+                </a:solidFill>
+                <a:latin typeface="メイリオ" panose="020B0604030504040204" pitchFamily="50" charset="-128"/>
+              </a:rPr>
+              <a:t>ユーザ一覧画面の</a:t>
+            </a:r>
+            <a:r>
+              <a:rPr lang="en-US" altLang="ja-JP" dirty="0">
+                <a:solidFill>
+                  <a:srgbClr val="000000"/>
+                </a:solidFill>
+                <a:latin typeface="メイリオ" panose="020B0604030504040204" pitchFamily="50" charset="-128"/>
+              </a:rPr>
+              <a:t>ID</a:t>
+            </a:r>
+            <a:r>
+              <a:rPr lang="ja-JP" altLang="en-US" dirty="0">
+                <a:solidFill>
+                  <a:srgbClr val="000000"/>
+                </a:solidFill>
+                <a:latin typeface="メイリオ" panose="020B0604030504040204" pitchFamily="50" charset="-128"/>
+              </a:rPr>
+              <a:t>か名前を押したときのリンクを作る際</a:t>
+            </a:r>
+            <a:r>
+              <a:rPr lang="ja-JP" altLang="en-US" dirty="0" smtClean="0">
+                <a:solidFill>
+                  <a:srgbClr val="000000"/>
+                </a:solidFill>
+                <a:latin typeface="メイリオ" panose="020B0604030504040204" pitchFamily="50" charset="-128"/>
+              </a:rPr>
+              <a:t>、</a:t>
+            </a:r>
+            <a:endParaRPr lang="en-US" altLang="ja-JP" dirty="0" smtClean="0">
+              <a:solidFill>
+                <a:srgbClr val="000000"/>
+              </a:solidFill>
+              <a:latin typeface="メイリオ" panose="020B0604030504040204" pitchFamily="50" charset="-128"/>
+            </a:endParaRPr>
+          </a:p>
+          <a:p>
+            <a:pPr eaLnBrk="1">
+              <a:lnSpc>
+                <a:spcPct val="150000"/>
+              </a:lnSpc>
+              <a:buClrTx/>
+              <a:buFontTx/>
+              <a:buNone/>
+            </a:pPr>
+            <a:r>
+              <a:rPr lang="en-US" altLang="ja-JP" dirty="0" smtClean="0">
+                <a:solidFill>
+                  <a:srgbClr val="000000"/>
+                </a:solidFill>
+                <a:latin typeface="メイリオ" panose="020B0604030504040204" pitchFamily="50" charset="-128"/>
+              </a:rPr>
+              <a:t>ID</a:t>
+            </a:r>
+            <a:r>
+              <a:rPr lang="ja-JP" altLang="en-US" dirty="0">
+                <a:solidFill>
+                  <a:srgbClr val="000000"/>
+                </a:solidFill>
+                <a:latin typeface="メイリオ" panose="020B0604030504040204" pitchFamily="50" charset="-128"/>
+              </a:rPr>
+              <a:t>を送れるようにしと</a:t>
+            </a:r>
+            <a:r>
+              <a:rPr lang="ja-JP" altLang="en-US" dirty="0" smtClean="0">
+                <a:solidFill>
+                  <a:srgbClr val="000000"/>
+                </a:solidFill>
+                <a:latin typeface="メイリオ" panose="020B0604030504040204" pitchFamily="50" charset="-128"/>
+              </a:rPr>
+              <a:t>事</a:t>
+            </a:r>
+            <a:endParaRPr lang="en-US" altLang="ja-JP" dirty="0" smtClean="0">
+              <a:solidFill>
+                <a:srgbClr val="000000"/>
+              </a:solidFill>
+              <a:latin typeface="メイリオ" panose="020B0604030504040204" pitchFamily="50" charset="-128"/>
+            </a:endParaRPr>
+          </a:p>
+          <a:p>
+            <a:pPr eaLnBrk="1">
+              <a:lnSpc>
                 <a:spcPct val="125000"/>
               </a:lnSpc>
               <a:buClrTx/>
@@ -13449,25 +13992,171 @@
               </a:rPr>
               <a:t>】</a:t>
             </a:r>
-            <a:endParaRPr lang="ja-JP" altLang="ja-JP" dirty="0">
+            <a:endParaRPr lang="en-US" altLang="ja-JP" dirty="0" smtClean="0">
               <a:solidFill>
                 <a:srgbClr val="000000"/>
               </a:solidFill>
               <a:latin typeface="メイリオ" panose="020B0604030504040204" pitchFamily="50" charset="-128"/>
             </a:endParaRPr>
           </a:p>
+          <a:p>
+            <a:pPr marL="285750" indent="-285750" eaLnBrk="1">
+              <a:lnSpc>
+                <a:spcPct val="150000"/>
+              </a:lnSpc>
+              <a:buClrTx/>
+              <a:buFont typeface="Arial" panose="020B0604020202020204" pitchFamily="34" charset="0"/>
+              <a:buChar char="•"/>
+            </a:pPr>
+            <a:r>
+              <a:rPr lang="ja-JP" altLang="en-US" dirty="0">
+                <a:solidFill>
+                  <a:srgbClr val="000000"/>
+                </a:solidFill>
+                <a:latin typeface="メイリオ" panose="020B0604030504040204" pitchFamily="50" charset="-128"/>
+              </a:rPr>
+              <a:t>プログラムの入力を自分だけが分かるように書いてしまったため</a:t>
+            </a:r>
+            <a:r>
+              <a:rPr lang="ja-JP" altLang="en-US" dirty="0" smtClean="0">
+                <a:solidFill>
+                  <a:srgbClr val="000000"/>
+                </a:solidFill>
+                <a:latin typeface="メイリオ" panose="020B0604030504040204" pitchFamily="50" charset="-128"/>
+              </a:rPr>
+              <a:t>、</a:t>
+            </a:r>
+            <a:endParaRPr lang="en-US" altLang="ja-JP" dirty="0" smtClean="0">
+              <a:solidFill>
+                <a:srgbClr val="000000"/>
+              </a:solidFill>
+              <a:latin typeface="メイリオ" panose="020B0604030504040204" pitchFamily="50" charset="-128"/>
+            </a:endParaRPr>
+          </a:p>
+          <a:p>
+            <a:pPr eaLnBrk="1">
+              <a:lnSpc>
+                <a:spcPct val="150000"/>
+              </a:lnSpc>
+              <a:buClrTx/>
+              <a:buFontTx/>
+              <a:buNone/>
+            </a:pPr>
+            <a:r>
+              <a:rPr lang="ja-JP" altLang="en-US" dirty="0" smtClean="0">
+                <a:solidFill>
+                  <a:srgbClr val="000000"/>
+                </a:solidFill>
+                <a:latin typeface="メイリオ" panose="020B0604030504040204" pitchFamily="50" charset="-128"/>
+              </a:rPr>
+              <a:t>他</a:t>
+            </a:r>
+            <a:r>
+              <a:rPr lang="ja-JP" altLang="en-US" dirty="0">
+                <a:solidFill>
+                  <a:srgbClr val="000000"/>
+                </a:solidFill>
+                <a:latin typeface="メイリオ" panose="020B0604030504040204" pitchFamily="50" charset="-128"/>
+              </a:rPr>
+              <a:t>のメンバーも分かり易く入力する必要があった。</a:t>
+            </a:r>
+          </a:p>
+          <a:p>
+            <a:pPr marL="285750" indent="-285750" eaLnBrk="1">
+              <a:lnSpc>
+                <a:spcPct val="150000"/>
+              </a:lnSpc>
+              <a:buClrTx/>
+              <a:buFont typeface="Arial" panose="020B0604020202020204" pitchFamily="34" charset="0"/>
+              <a:buChar char="•"/>
+            </a:pPr>
+            <a:r>
+              <a:rPr lang="ja-JP" altLang="en-US" dirty="0" smtClean="0">
+                <a:solidFill>
+                  <a:srgbClr val="000000"/>
+                </a:solidFill>
+                <a:latin typeface="メイリオ" panose="020B0604030504040204" pitchFamily="50" charset="-128"/>
+              </a:rPr>
+              <a:t>自分</a:t>
+            </a:r>
+            <a:r>
+              <a:rPr lang="ja-JP" altLang="en-US" dirty="0">
+                <a:solidFill>
+                  <a:srgbClr val="000000"/>
+                </a:solidFill>
+                <a:latin typeface="メイリオ" panose="020B0604030504040204" pitchFamily="50" charset="-128"/>
+              </a:rPr>
+              <a:t>自身の学習不足で、チームメンバーに助けてもらうことがあり</a:t>
+            </a:r>
+            <a:r>
+              <a:rPr lang="ja-JP" altLang="en-US" dirty="0" smtClean="0">
+                <a:solidFill>
+                  <a:srgbClr val="000000"/>
+                </a:solidFill>
+                <a:latin typeface="メイリオ" panose="020B0604030504040204" pitchFamily="50" charset="-128"/>
+              </a:rPr>
+              <a:t>、</a:t>
+            </a:r>
+            <a:endParaRPr lang="en-US" altLang="ja-JP" dirty="0" smtClean="0">
+              <a:solidFill>
+                <a:srgbClr val="000000"/>
+              </a:solidFill>
+              <a:latin typeface="メイリオ" panose="020B0604030504040204" pitchFamily="50" charset="-128"/>
+            </a:endParaRPr>
+          </a:p>
+          <a:p>
+            <a:pPr eaLnBrk="1">
+              <a:lnSpc>
+                <a:spcPct val="150000"/>
+              </a:lnSpc>
+              <a:buClrTx/>
+              <a:buFontTx/>
+              <a:buNone/>
+            </a:pPr>
+            <a:r>
+              <a:rPr lang="ja-JP" altLang="en-US" dirty="0" smtClean="0">
+                <a:solidFill>
+                  <a:srgbClr val="000000"/>
+                </a:solidFill>
+                <a:latin typeface="メイリオ" panose="020B0604030504040204" pitchFamily="50" charset="-128"/>
+              </a:rPr>
+              <a:t>全体</a:t>
+            </a:r>
+            <a:r>
+              <a:rPr lang="ja-JP" altLang="en-US" dirty="0">
+                <a:solidFill>
+                  <a:srgbClr val="000000"/>
+                </a:solidFill>
+                <a:latin typeface="メイリオ" panose="020B0604030504040204" pitchFamily="50" charset="-128"/>
+              </a:rPr>
+              <a:t>の作業を遅らせてしまった。</a:t>
+            </a:r>
+            <a:endParaRPr lang="en-US" altLang="ja-JP" dirty="0" smtClean="0">
+              <a:solidFill>
+                <a:srgbClr val="000000"/>
+              </a:solidFill>
+              <a:latin typeface="メイリオ" panose="020B0604030504040204" pitchFamily="50" charset="-128"/>
+            </a:endParaRPr>
+          </a:p>
         </p:txBody>
       </p:sp>
     </p:spTree>
     <p:extLst>
       <p:ext uri="{BB962C8B-B14F-4D97-AF65-F5344CB8AC3E}">
-        <p14:creationId xmlns:p14="http://schemas.microsoft.com/office/powerpoint/2010/main" val="1614405498"/>
+        <p14:creationId xmlns:p14="http://schemas.microsoft.com/office/powerpoint/2010/main" val="3702983776"/>
       </p:ext>
     </p:extLst>
   </p:cSld>
   <p:clrMapOvr>
     <a:masterClrMapping/>
   </p:clrMapOvr>
+  <p:timing>
+    <p:tnLst>
+      <p:par>
+        <p:cTn id="1" dur="indefinite" restart="never" nodeType="tmRoot"/>
+      </p:par>
+    </p:tnLst>
+  </p:timing>
 </p:sld>
 </file>
 
@@ -13942,7 +14631,7 @@
                 </a:solidFill>
                 <a:latin typeface="メイリオ" panose="020B0604030504040204" pitchFamily="50" charset="-128"/>
               </a:rPr>
-              <a:t>茂木</a:t>
+              <a:t>中西</a:t>
             </a:r>
             <a:r>
               <a:rPr lang="en-US" altLang="ja-JP" sz="2800" b="1" dirty="0" smtClean="0">
@@ -14366,8 +15055,113 @@
                 </a:solidFill>
                 <a:latin typeface="メイリオ" panose="020B0604030504040204" pitchFamily="50" charset="-128"/>
               </a:rPr>
-              <a:t>【苦労した点】</a:t>
-            </a:r>
+              <a:t>【苦労した</a:t>
+            </a:r>
+            <a:r>
+              <a:rPr lang="ja-JP" altLang="ja-JP" dirty="0" smtClean="0">
+                <a:solidFill>
+                  <a:srgbClr val="000000"/>
+                </a:solidFill>
+                <a:latin typeface="メイリオ" panose="020B0604030504040204" pitchFamily="50" charset="-128"/>
+              </a:rPr>
+              <a:t>点】</a:t>
+            </a:r>
+            <a:endParaRPr lang="en-US" altLang="ja-JP" dirty="0" smtClean="0">
+              <a:solidFill>
+                <a:srgbClr val="000000"/>
+              </a:solidFill>
+              <a:latin typeface="メイリオ" panose="020B0604030504040204" pitchFamily="50" charset="-128"/>
+            </a:endParaRPr>
+          </a:p>
+          <a:p>
+            <a:pPr lvl="0" eaLnBrk="1">
+              <a:lnSpc>
+                <a:spcPct val="150000"/>
+              </a:lnSpc>
+            </a:pPr>
+            <a:r>
+              <a:rPr kumimoji="0" lang="ja-JP" altLang="ja-JP" dirty="0">
+                <a:solidFill>
+                  <a:srgbClr val="1D1C1D"/>
+                </a:solidFill>
+                <a:latin typeface="Arial Unicode MS" panose="020B0604020202020204" pitchFamily="50" charset="-128"/>
+                <a:ea typeface="inherit"/>
+              </a:rPr>
+              <a:t>ページング処理の仕方について調べたが今回の仕様に沿うもの</a:t>
+            </a:r>
+            <a:r>
+              <a:rPr kumimoji="0" lang="ja-JP" altLang="ja-JP" dirty="0" smtClean="0">
+                <a:solidFill>
+                  <a:srgbClr val="1D1C1D"/>
+                </a:solidFill>
+                <a:latin typeface="Arial Unicode MS" panose="020B0604020202020204" pitchFamily="50" charset="-128"/>
+                <a:ea typeface="inherit"/>
+              </a:rPr>
+              <a:t>が</a:t>
+            </a:r>
+            <a:endParaRPr kumimoji="0" lang="en-US" altLang="ja-JP" dirty="0" smtClean="0">
+              <a:solidFill>
+                <a:srgbClr val="1D1C1D"/>
+              </a:solidFill>
+              <a:latin typeface="Arial Unicode MS" panose="020B0604020202020204" pitchFamily="50" charset="-128"/>
+              <a:ea typeface="inherit"/>
+            </a:endParaRPr>
+          </a:p>
+          <a:p>
+            <a:pPr lvl="0" eaLnBrk="1">
+              <a:lnSpc>
+                <a:spcPct val="150000"/>
+              </a:lnSpc>
+            </a:pPr>
+            <a:r>
+              <a:rPr kumimoji="0" lang="ja-JP" altLang="ja-JP" dirty="0" smtClean="0">
+                <a:solidFill>
+                  <a:srgbClr val="1D1C1D"/>
+                </a:solidFill>
+                <a:latin typeface="Arial Unicode MS" panose="020B0604020202020204" pitchFamily="50" charset="-128"/>
+                <a:ea typeface="inherit"/>
+              </a:rPr>
+              <a:t>見つからなかった</a:t>
+            </a:r>
+            <a:r>
+              <a:rPr kumimoji="0" lang="ja-JP" altLang="ja-JP" dirty="0">
+                <a:solidFill>
+                  <a:srgbClr val="1D1C1D"/>
+                </a:solidFill>
+                <a:latin typeface="Arial Unicode MS" panose="020B0604020202020204" pitchFamily="50" charset="-128"/>
+                <a:ea typeface="inherit"/>
+              </a:rPr>
+              <a:t>ため、自分で0から考えて作成することに苦労した。</a:t>
+            </a:r>
+            <a:r>
+              <a:rPr kumimoji="0" lang="ja-JP" altLang="ja-JP" sz="2800" dirty="0">
+                <a:solidFill>
+                  <a:schemeClr val="tx1"/>
+                </a:solidFill>
+              </a:rPr>
+              <a:t> </a:t>
+            </a:r>
+            <a:endParaRPr kumimoji="0" lang="ja-JP" altLang="ja-JP" sz="4400" dirty="0">
+              <a:solidFill>
+                <a:schemeClr val="tx1"/>
+              </a:solidFill>
+            </a:endParaRPr>
+          </a:p>
+          <a:p>
+            <a:pPr eaLnBrk="1">
+              <a:lnSpc>
+                <a:spcPct val="125000"/>
+              </a:lnSpc>
+              <a:buClrTx/>
+              <a:buFontTx/>
+              <a:buNone/>
+            </a:pPr>
+            <a:endParaRPr lang="ja-JP" altLang="ja-JP" dirty="0">
+              <a:solidFill>
+                <a:srgbClr val="000000"/>
+              </a:solidFill>
+              <a:latin typeface="メイリオ" panose="020B0604030504040204" pitchFamily="50" charset="-128"/>
+            </a:endParaRPr>
           </a:p>
           <a:p>
             <a:pPr eaLnBrk="1">
@@ -14401,8 +15195,91 @@
                 </a:solidFill>
                 <a:latin typeface="メイリオ" panose="020B0604030504040204" pitchFamily="50" charset="-128"/>
               </a:rPr>
-              <a:t>【工夫した点】</a:t>
-            </a:r>
+              <a:t>【工夫した点</a:t>
+            </a:r>
+            <a:r>
+              <a:rPr lang="ja-JP" altLang="ja-JP" dirty="0" smtClean="0">
+                <a:solidFill>
+                  <a:srgbClr val="000000"/>
+                </a:solidFill>
+                <a:latin typeface="メイリオ" panose="020B0604030504040204" pitchFamily="50" charset="-128"/>
+              </a:rPr>
+              <a:t>】</a:t>
+            </a:r>
+            <a:endParaRPr lang="en-US" altLang="ja-JP" dirty="0" smtClean="0">
+              <a:solidFill>
+                <a:srgbClr val="000000"/>
+              </a:solidFill>
+              <a:latin typeface="メイリオ" panose="020B0604030504040204" pitchFamily="50" charset="-128"/>
+            </a:endParaRPr>
+          </a:p>
+          <a:p>
+            <a:pPr eaLnBrk="1">
+              <a:lnSpc>
+                <a:spcPct val="150000"/>
+              </a:lnSpc>
+              <a:buClrTx/>
+              <a:buFontTx/>
+              <a:buNone/>
+            </a:pPr>
+            <a:r>
+              <a:rPr lang="ja-JP" altLang="en-US" dirty="0">
+                <a:solidFill>
+                  <a:srgbClr val="000000"/>
+                </a:solidFill>
+                <a:latin typeface="メイリオ" panose="020B0604030504040204" pitchFamily="50" charset="-128"/>
+              </a:rPr>
+              <a:t>複数のデータを表示する画面において表示する件数を制限し</a:t>
+            </a:r>
+            <a:r>
+              <a:rPr lang="ja-JP" altLang="en-US" dirty="0" smtClean="0">
+                <a:solidFill>
+                  <a:srgbClr val="000000"/>
+                </a:solidFill>
+                <a:latin typeface="メイリオ" panose="020B0604030504040204" pitchFamily="50" charset="-128"/>
+              </a:rPr>
+              <a:t>、</a:t>
+            </a:r>
+            <a:endParaRPr lang="en-US" altLang="ja-JP" dirty="0" smtClean="0">
+              <a:solidFill>
+                <a:srgbClr val="000000"/>
+              </a:solidFill>
+              <a:latin typeface="メイリオ" panose="020B0604030504040204" pitchFamily="50" charset="-128"/>
+            </a:endParaRPr>
+          </a:p>
+          <a:p>
+            <a:pPr eaLnBrk="1">
+              <a:lnSpc>
+                <a:spcPct val="150000"/>
+              </a:lnSpc>
+              <a:buClrTx/>
+              <a:buFontTx/>
+              <a:buNone/>
+            </a:pPr>
+            <a:r>
+              <a:rPr lang="ja-JP" altLang="en-US" dirty="0" smtClean="0">
+                <a:solidFill>
+                  <a:srgbClr val="000000"/>
+                </a:solidFill>
+                <a:latin typeface="メイリオ" panose="020B0604030504040204" pitchFamily="50" charset="-128"/>
+              </a:rPr>
+              <a:t>ページ</a:t>
+            </a:r>
+            <a:r>
+              <a:rPr lang="ja-JP" altLang="en-US" dirty="0">
+                <a:solidFill>
+                  <a:srgbClr val="000000"/>
+                </a:solidFill>
+                <a:latin typeface="メイリオ" panose="020B0604030504040204" pitchFamily="50" charset="-128"/>
+              </a:rPr>
+              <a:t>分けをできるように工夫した。</a:t>
+            </a:r>
+            <a:endParaRPr lang="ja-JP" altLang="ja-JP" dirty="0">
+              <a:solidFill>
+                <a:srgbClr val="000000"/>
+              </a:solidFill>
+              <a:latin typeface="メイリオ" panose="020B0604030504040204" pitchFamily="50" charset="-128"/>
+            </a:endParaRPr>
           </a:p>
           <a:p>
             <a:pPr eaLnBrk="1">
@@ -14447,6 +15324,74 @@
               </a:rPr>
               <a:t>】</a:t>
             </a:r>
+            <a:endParaRPr lang="en-US" altLang="ja-JP" dirty="0" smtClean="0">
+              <a:solidFill>
+                <a:srgbClr val="000000"/>
+              </a:solidFill>
+              <a:latin typeface="メイリオ" panose="020B0604030504040204" pitchFamily="50" charset="-128"/>
+            </a:endParaRPr>
+          </a:p>
+          <a:p>
+            <a:pPr eaLnBrk="1">
+              <a:lnSpc>
+                <a:spcPct val="150000"/>
+              </a:lnSpc>
+              <a:buClrTx/>
+              <a:buFontTx/>
+              <a:buNone/>
+            </a:pPr>
+            <a:r>
+              <a:rPr lang="ja-JP" altLang="en-US" dirty="0">
+                <a:solidFill>
+                  <a:srgbClr val="000000"/>
+                </a:solidFill>
+                <a:latin typeface="メイリオ" panose="020B0604030504040204" pitchFamily="50" charset="-128"/>
+              </a:rPr>
+              <a:t>製造前にメソッド名やパッケージ名などの命名規則について想定と</a:t>
+            </a:r>
+            <a:r>
+              <a:rPr lang="ja-JP" altLang="en-US" dirty="0" smtClean="0">
+                <a:solidFill>
+                  <a:srgbClr val="000000"/>
+                </a:solidFill>
+                <a:latin typeface="メイリオ" panose="020B0604030504040204" pitchFamily="50" charset="-128"/>
+              </a:rPr>
+              <a:t>共有</a:t>
+            </a:r>
+            <a:endParaRPr lang="en-US" altLang="ja-JP" dirty="0" smtClean="0">
+              <a:solidFill>
+                <a:srgbClr val="000000"/>
+              </a:solidFill>
+              <a:latin typeface="メイリオ" panose="020B0604030504040204" pitchFamily="50" charset="-128"/>
+            </a:endParaRPr>
+          </a:p>
+          <a:p>
+            <a:pPr eaLnBrk="1">
+              <a:lnSpc>
+                <a:spcPct val="150000"/>
+              </a:lnSpc>
+              <a:buClrTx/>
+              <a:buFontTx/>
+              <a:buNone/>
+            </a:pPr>
+            <a:r>
+              <a:rPr lang="ja-JP" altLang="en-US" dirty="0" smtClean="0">
+                <a:solidFill>
+                  <a:srgbClr val="000000"/>
+                </a:solidFill>
+                <a:latin typeface="メイリオ" panose="020B0604030504040204" pitchFamily="50" charset="-128"/>
+              </a:rPr>
+              <a:t>が</a:t>
+            </a:r>
+            <a:r>
+              <a:rPr lang="ja-JP" altLang="en-US" dirty="0">
+                <a:solidFill>
+                  <a:srgbClr val="000000"/>
+                </a:solidFill>
+                <a:latin typeface="メイリオ" panose="020B0604030504040204" pitchFamily="50" charset="-128"/>
+              </a:rPr>
+              <a:t>しっかりとできていなかった。</a:t>
+            </a:r>
             <a:endParaRPr lang="ja-JP" altLang="ja-JP" dirty="0">
               <a:solidFill>
                 <a:srgbClr val="000000"/>
@@ -14459,13 +15404,20 @@
     </p:spTree>
     <p:extLst>
       <p:ext uri="{BB962C8B-B14F-4D97-AF65-F5344CB8AC3E}">
-        <p14:creationId xmlns:p14="http://schemas.microsoft.com/office/powerpoint/2010/main" val="151952392"/>
+        <p14:creationId xmlns:p14="http://schemas.microsoft.com/office/powerpoint/2010/main" val="180507345"/>
       </p:ext>
     </p:extLst>
   </p:cSld>
   <p:clrMapOvr>
     <a:masterClrMapping/>
   </p:clrMapOvr>
+  <p:timing>
+    <p:tnLst>
+      <p:par>
+        <p:cTn id="1" dur="indefinite" restart="never" nodeType="tmRoot"/>
+      </p:par>
+    </p:tnLst>
+  </p:timing>
 </p:sld>
 </file>
 
@@ -14519,8 +15471,8 @@
         </p:nvSpPr>
         <p:spPr bwMode="auto">
           <a:xfrm>
-            <a:off x="4972208" y="339312"/>
-            <a:ext cx="2085416" cy="1262063"/>
+            <a:off x="2679767" y="339312"/>
+            <a:ext cx="9070975" cy="1262063"/>
           </a:xfrm>
           <a:prstGeom prst="rect">
             <a:avLst/>
@@ -14913,7 +15865,7 @@
                 </a:solidFill>
                 <a:latin typeface="メイリオ" panose="020B0604030504040204" pitchFamily="50" charset="-128"/>
               </a:rPr>
-              <a:t>7. </a:t>
+              <a:t>6. </a:t>
             </a:r>
             <a:r>
               <a:rPr lang="ja-JP" altLang="ja-JP" sz="2800" b="1" dirty="0">
@@ -14922,245 +15874,792 @@
                 </a:solidFill>
                 <a:latin typeface="メイリオ" panose="020B0604030504040204" pitchFamily="50" charset="-128"/>
               </a:rPr>
-              <a:t>最後に</a:t>
-            </a:r>
+              <a:t>苦労した点、工夫した点、反省点　</a:t>
+            </a:r>
+            <a:r>
+              <a:rPr lang="en-US" altLang="ja-JP" sz="2800" b="1" dirty="0" smtClean="0">
+                <a:solidFill>
+                  <a:srgbClr val="000000"/>
+                </a:solidFill>
+                <a:latin typeface="メイリオ" panose="020B0604030504040204" pitchFamily="50" charset="-128"/>
+              </a:rPr>
+              <a:t>(</a:t>
+            </a:r>
+            <a:r>
+              <a:rPr lang="ja-JP" altLang="en-US" sz="2800" b="1" dirty="0">
+                <a:solidFill>
+                  <a:srgbClr val="000000"/>
+                </a:solidFill>
+                <a:latin typeface="メイリオ" panose="020B0604030504040204" pitchFamily="50" charset="-128"/>
+              </a:rPr>
+              <a:t>松崎</a:t>
+            </a:r>
+            <a:r>
+              <a:rPr lang="en-US" altLang="ja-JP" sz="2800" b="1" dirty="0" smtClean="0">
+                <a:solidFill>
+                  <a:srgbClr val="000000"/>
+                </a:solidFill>
+                <a:latin typeface="メイリオ" panose="020B0604030504040204" pitchFamily="50" charset="-128"/>
+              </a:rPr>
+              <a:t>)</a:t>
+            </a:r>
+            <a:endParaRPr lang="en-US" altLang="ja-JP" sz="2800" b="1" dirty="0">
+              <a:solidFill>
+                <a:srgbClr val="000000"/>
+              </a:solidFill>
+              <a:latin typeface="メイリオ" panose="020B0604030504040204" pitchFamily="50" charset="-128"/>
+            </a:endParaRPr>
           </a:p>
         </p:txBody>
       </p:sp>
       <p:sp>
         <p:nvSpPr>
-          <p:cNvPr id="6" name="テキスト ボックス 5"/>
-          <p:cNvSpPr txBox="1"/>
+          <p:cNvPr id="4" name="Text Box 3"/>
+          <p:cNvSpPr txBox="1">
+            <a:spLocks noChangeArrowheads="1"/>
+          </p:cNvSpPr>
           <p:nvPr/>
         </p:nvSpPr>
-        <p:spPr>
+        <p:spPr bwMode="auto">
           <a:xfrm>
-            <a:off x="2163650" y="1910467"/>
-            <a:ext cx="8783392" cy="4247317"/>
+            <a:off x="2679767" y="1476375"/>
+            <a:ext cx="8695306" cy="5237163"/>
           </a:xfrm>
           <a:prstGeom prst="rect">
             <a:avLst/>
           </a:prstGeom>
           <a:noFill/>
+          <a:ln>
+            <a:noFill/>
+          </a:ln>
+          <a:extLst>
+            <a:ext uri="{909E8E84-426E-40DD-AFC4-6F175D3DCCD1}">
+              <a14:hiddenFill xmlns:a14="http://schemas.microsoft.com/office/drawing/2010/main">
+                <a:solidFill>
+                  <a:srgbClr val="FFFFFF"/>
+                </a:solidFill>
+              </a14:hiddenFill>
+            </a:ext>
+            <a:ext uri="{91240B29-F687-4F45-9708-019B960494DF}">
+              <a14:hiddenLine xmlns:a14="http://schemas.microsoft.com/office/drawing/2010/main" w="9525">
+                <a:solidFill>
+                  <a:srgbClr val="000000"/>
+                </a:solidFill>
+                <a:round/>
+                <a:headEnd/>
+                <a:tailEnd/>
+              </a14:hiddenLine>
+            </a:ext>
+          </a:extLst>
         </p:spPr>
         <p:txBody>
-          <a:bodyPr wrap="square" rtlCol="0">
-            <a:spAutoFit/>
-          </a:bodyPr>
-          <a:lstStyle/>
-          <a:p>
-            <a:pPr lvl="0" eaLnBrk="0" fontAlgn="base" hangingPunct="0">
+          <a:bodyPr wrap="none" lIns="90000" tIns="45000" rIns="90000" bIns="45000"/>
+          <a:lstStyle>
+            <a:lvl1pPr eaLnBrk="0">
+              <a:tabLst>
+                <a:tab pos="0" algn="l"/>
+                <a:tab pos="447675" algn="l"/>
+                <a:tab pos="896938" algn="l"/>
+                <a:tab pos="1346200" algn="l"/>
+                <a:tab pos="1795463" algn="l"/>
+                <a:tab pos="2244725" algn="l"/>
+                <a:tab pos="2693988" algn="l"/>
+                <a:tab pos="3143250" algn="l"/>
+                <a:tab pos="3592513" algn="l"/>
+                <a:tab pos="4041775" algn="l"/>
+                <a:tab pos="4491038" algn="l"/>
+                <a:tab pos="4940300" algn="l"/>
+                <a:tab pos="5389563" algn="l"/>
+                <a:tab pos="5838825" algn="l"/>
+                <a:tab pos="6288088" algn="l"/>
+                <a:tab pos="6737350" algn="l"/>
+                <a:tab pos="7186613" algn="l"/>
+                <a:tab pos="7635875" algn="l"/>
+                <a:tab pos="8085138" algn="l"/>
+                <a:tab pos="8534400" algn="l"/>
+                <a:tab pos="8983663" algn="l"/>
+              </a:tabLst>
+              <a:defRPr>
+                <a:solidFill>
+                  <a:schemeClr val="bg1"/>
+                </a:solidFill>
+                <a:latin typeface="Arial" panose="020B0604020202020204" pitchFamily="34" charset="0"/>
+                <a:ea typeface="ＭＳ Ｐゴシック" panose="020B0600070205080204" pitchFamily="50" charset="-128"/>
+              </a:defRPr>
+            </a:lvl1pPr>
+            <a:lvl2pPr eaLnBrk="0">
+              <a:tabLst>
+                <a:tab pos="0" algn="l"/>
+                <a:tab pos="447675" algn="l"/>
+                <a:tab pos="896938" algn="l"/>
+                <a:tab pos="1346200" algn="l"/>
+                <a:tab pos="1795463" algn="l"/>
+                <a:tab pos="2244725" algn="l"/>
+                <a:tab pos="2693988" algn="l"/>
+                <a:tab pos="3143250" algn="l"/>
+                <a:tab pos="3592513" algn="l"/>
+                <a:tab pos="4041775" algn="l"/>
+                <a:tab pos="4491038" algn="l"/>
+                <a:tab pos="4940300" algn="l"/>
+                <a:tab pos="5389563" algn="l"/>
+                <a:tab pos="5838825" algn="l"/>
+                <a:tab pos="6288088" algn="l"/>
+                <a:tab pos="6737350" algn="l"/>
+                <a:tab pos="7186613" algn="l"/>
+                <a:tab pos="7635875" algn="l"/>
+                <a:tab pos="8085138" algn="l"/>
+                <a:tab pos="8534400" algn="l"/>
+                <a:tab pos="8983663" algn="l"/>
+              </a:tabLst>
+              <a:defRPr>
+                <a:solidFill>
+                  <a:schemeClr val="bg1"/>
+                </a:solidFill>
+                <a:latin typeface="Arial" panose="020B0604020202020204" pitchFamily="34" charset="0"/>
+                <a:ea typeface="ＭＳ Ｐゴシック" panose="020B0600070205080204" pitchFamily="50" charset="-128"/>
+              </a:defRPr>
+            </a:lvl2pPr>
+            <a:lvl3pPr eaLnBrk="0">
+              <a:tabLst>
+                <a:tab pos="0" algn="l"/>
+                <a:tab pos="447675" algn="l"/>
+                <a:tab pos="896938" algn="l"/>
+                <a:tab pos="1346200" algn="l"/>
+                <a:tab pos="1795463" algn="l"/>
+                <a:tab pos="2244725" algn="l"/>
+                <a:tab pos="2693988" algn="l"/>
+                <a:tab pos="3143250" algn="l"/>
+                <a:tab pos="3592513" algn="l"/>
+                <a:tab pos="4041775" algn="l"/>
+                <a:tab pos="4491038" algn="l"/>
+                <a:tab pos="4940300" algn="l"/>
+                <a:tab pos="5389563" algn="l"/>
+                <a:tab pos="5838825" algn="l"/>
+                <a:tab pos="6288088" algn="l"/>
+                <a:tab pos="6737350" algn="l"/>
+                <a:tab pos="7186613" algn="l"/>
+                <a:tab pos="7635875" algn="l"/>
+                <a:tab pos="8085138" algn="l"/>
+                <a:tab pos="8534400" algn="l"/>
+                <a:tab pos="8983663" algn="l"/>
+              </a:tabLst>
+              <a:defRPr>
+                <a:solidFill>
+                  <a:schemeClr val="bg1"/>
+                </a:solidFill>
+                <a:latin typeface="Arial" panose="020B0604020202020204" pitchFamily="34" charset="0"/>
+                <a:ea typeface="ＭＳ Ｐゴシック" panose="020B0600070205080204" pitchFamily="50" charset="-128"/>
+              </a:defRPr>
+            </a:lvl3pPr>
+            <a:lvl4pPr eaLnBrk="0">
+              <a:tabLst>
+                <a:tab pos="0" algn="l"/>
+                <a:tab pos="447675" algn="l"/>
+                <a:tab pos="896938" algn="l"/>
+                <a:tab pos="1346200" algn="l"/>
+                <a:tab pos="1795463" algn="l"/>
+                <a:tab pos="2244725" algn="l"/>
+                <a:tab pos="2693988" algn="l"/>
+                <a:tab pos="3143250" algn="l"/>
+                <a:tab pos="3592513" algn="l"/>
+                <a:tab pos="4041775" algn="l"/>
+                <a:tab pos="4491038" algn="l"/>
+                <a:tab pos="4940300" algn="l"/>
+                <a:tab pos="5389563" algn="l"/>
+                <a:tab pos="5838825" algn="l"/>
+                <a:tab pos="6288088" algn="l"/>
+                <a:tab pos="6737350" algn="l"/>
+                <a:tab pos="7186613" algn="l"/>
+                <a:tab pos="7635875" algn="l"/>
+                <a:tab pos="8085138" algn="l"/>
+                <a:tab pos="8534400" algn="l"/>
+                <a:tab pos="8983663" algn="l"/>
+              </a:tabLst>
+              <a:defRPr>
+                <a:solidFill>
+                  <a:schemeClr val="bg1"/>
+                </a:solidFill>
+                <a:latin typeface="Arial" panose="020B0604020202020204" pitchFamily="34" charset="0"/>
+                <a:ea typeface="ＭＳ Ｐゴシック" panose="020B0600070205080204" pitchFamily="50" charset="-128"/>
+              </a:defRPr>
+            </a:lvl4pPr>
+            <a:lvl5pPr eaLnBrk="0">
+              <a:tabLst>
+                <a:tab pos="0" algn="l"/>
+                <a:tab pos="447675" algn="l"/>
+                <a:tab pos="896938" algn="l"/>
+                <a:tab pos="1346200" algn="l"/>
+                <a:tab pos="1795463" algn="l"/>
+                <a:tab pos="2244725" algn="l"/>
+                <a:tab pos="2693988" algn="l"/>
+                <a:tab pos="3143250" algn="l"/>
+                <a:tab pos="3592513" algn="l"/>
+                <a:tab pos="4041775" algn="l"/>
+                <a:tab pos="4491038" algn="l"/>
+                <a:tab pos="4940300" algn="l"/>
+                <a:tab pos="5389563" algn="l"/>
+                <a:tab pos="5838825" algn="l"/>
+                <a:tab pos="6288088" algn="l"/>
+                <a:tab pos="6737350" algn="l"/>
+                <a:tab pos="7186613" algn="l"/>
+                <a:tab pos="7635875" algn="l"/>
+                <a:tab pos="8085138" algn="l"/>
+                <a:tab pos="8534400" algn="l"/>
+                <a:tab pos="8983663" algn="l"/>
+              </a:tabLst>
+              <a:defRPr>
+                <a:solidFill>
+                  <a:schemeClr val="bg1"/>
+                </a:solidFill>
+                <a:latin typeface="Arial" panose="020B0604020202020204" pitchFamily="34" charset="0"/>
+                <a:ea typeface="ＭＳ Ｐゴシック" panose="020B0600070205080204" pitchFamily="50" charset="-128"/>
+              </a:defRPr>
+            </a:lvl5pPr>
+            <a:lvl6pPr marL="2514600" indent="-228600" defTabSz="449263" eaLnBrk="0" fontAlgn="base" hangingPunct="0">
+              <a:lnSpc>
+                <a:spcPct val="93000"/>
+              </a:lnSpc>
+              <a:spcBef>
+                <a:spcPct val="0"/>
+              </a:spcBef>
+              <a:spcAft>
+                <a:spcPct val="0"/>
+              </a:spcAft>
+              <a:buClr>
+                <a:srgbClr val="000000"/>
+              </a:buClr>
+              <a:buSzPct val="100000"/>
+              <a:buFont typeface="Times New Roman" panose="02020603050405020304" pitchFamily="18" charset="0"/>
+              <a:tabLst>
+                <a:tab pos="0" algn="l"/>
+                <a:tab pos="447675" algn="l"/>
+                <a:tab pos="896938" algn="l"/>
+                <a:tab pos="1346200" algn="l"/>
+                <a:tab pos="1795463" algn="l"/>
+                <a:tab pos="2244725" algn="l"/>
+                <a:tab pos="2693988" algn="l"/>
+                <a:tab pos="3143250" algn="l"/>
+                <a:tab pos="3592513" algn="l"/>
+                <a:tab pos="4041775" algn="l"/>
+                <a:tab pos="4491038" algn="l"/>
+                <a:tab pos="4940300" algn="l"/>
+                <a:tab pos="5389563" algn="l"/>
+                <a:tab pos="5838825" algn="l"/>
+                <a:tab pos="6288088" algn="l"/>
+                <a:tab pos="6737350" algn="l"/>
+                <a:tab pos="7186613" algn="l"/>
+                <a:tab pos="7635875" algn="l"/>
+                <a:tab pos="8085138" algn="l"/>
+                <a:tab pos="8534400" algn="l"/>
+                <a:tab pos="8983663" algn="l"/>
+              </a:tabLst>
+              <a:defRPr>
+                <a:solidFill>
+                  <a:schemeClr val="bg1"/>
+                </a:solidFill>
+                <a:latin typeface="Arial" panose="020B0604020202020204" pitchFamily="34" charset="0"/>
+                <a:ea typeface="ＭＳ Ｐゴシック" panose="020B0600070205080204" pitchFamily="50" charset="-128"/>
+              </a:defRPr>
+            </a:lvl6pPr>
+            <a:lvl7pPr marL="2971800" indent="-228600" defTabSz="449263" eaLnBrk="0" fontAlgn="base" hangingPunct="0">
+              <a:lnSpc>
+                <a:spcPct val="93000"/>
+              </a:lnSpc>
+              <a:spcBef>
+                <a:spcPct val="0"/>
+              </a:spcBef>
+              <a:spcAft>
+                <a:spcPct val="0"/>
+              </a:spcAft>
+              <a:buClr>
+                <a:srgbClr val="000000"/>
+              </a:buClr>
+              <a:buSzPct val="100000"/>
+              <a:buFont typeface="Times New Roman" panose="02020603050405020304" pitchFamily="18" charset="0"/>
+              <a:tabLst>
+                <a:tab pos="0" algn="l"/>
+                <a:tab pos="447675" algn="l"/>
+                <a:tab pos="896938" algn="l"/>
+                <a:tab pos="1346200" algn="l"/>
+                <a:tab pos="1795463" algn="l"/>
+                <a:tab pos="2244725" algn="l"/>
+                <a:tab pos="2693988" algn="l"/>
+                <a:tab pos="3143250" algn="l"/>
+                <a:tab pos="3592513" algn="l"/>
+                <a:tab pos="4041775" algn="l"/>
+                <a:tab pos="4491038" algn="l"/>
+                <a:tab pos="4940300" algn="l"/>
+                <a:tab pos="5389563" algn="l"/>
+                <a:tab pos="5838825" algn="l"/>
+                <a:tab pos="6288088" algn="l"/>
+                <a:tab pos="6737350" algn="l"/>
+                <a:tab pos="7186613" algn="l"/>
+                <a:tab pos="7635875" algn="l"/>
+                <a:tab pos="8085138" algn="l"/>
+                <a:tab pos="8534400" algn="l"/>
+                <a:tab pos="8983663" algn="l"/>
+              </a:tabLst>
+              <a:defRPr>
+                <a:solidFill>
+                  <a:schemeClr val="bg1"/>
+                </a:solidFill>
+                <a:latin typeface="Arial" panose="020B0604020202020204" pitchFamily="34" charset="0"/>
+                <a:ea typeface="ＭＳ Ｐゴシック" panose="020B0600070205080204" pitchFamily="50" charset="-128"/>
+              </a:defRPr>
+            </a:lvl7pPr>
+            <a:lvl8pPr marL="3429000" indent="-228600" defTabSz="449263" eaLnBrk="0" fontAlgn="base" hangingPunct="0">
+              <a:lnSpc>
+                <a:spcPct val="93000"/>
+              </a:lnSpc>
+              <a:spcBef>
+                <a:spcPct val="0"/>
+              </a:spcBef>
+              <a:spcAft>
+                <a:spcPct val="0"/>
+              </a:spcAft>
+              <a:buClr>
+                <a:srgbClr val="000000"/>
+              </a:buClr>
+              <a:buSzPct val="100000"/>
+              <a:buFont typeface="Times New Roman" panose="02020603050405020304" pitchFamily="18" charset="0"/>
+              <a:tabLst>
+                <a:tab pos="0" algn="l"/>
+                <a:tab pos="447675" algn="l"/>
+                <a:tab pos="896938" algn="l"/>
+                <a:tab pos="1346200" algn="l"/>
+                <a:tab pos="1795463" algn="l"/>
+                <a:tab pos="2244725" algn="l"/>
+                <a:tab pos="2693988" algn="l"/>
+                <a:tab pos="3143250" algn="l"/>
+                <a:tab pos="3592513" algn="l"/>
+                <a:tab pos="4041775" algn="l"/>
+                <a:tab pos="4491038" algn="l"/>
+                <a:tab pos="4940300" algn="l"/>
+                <a:tab pos="5389563" algn="l"/>
+                <a:tab pos="5838825" algn="l"/>
+                <a:tab pos="6288088" algn="l"/>
+                <a:tab pos="6737350" algn="l"/>
+                <a:tab pos="7186613" algn="l"/>
+                <a:tab pos="7635875" algn="l"/>
+                <a:tab pos="8085138" algn="l"/>
+                <a:tab pos="8534400" algn="l"/>
+                <a:tab pos="8983663" algn="l"/>
+              </a:tabLst>
+              <a:defRPr>
+                <a:solidFill>
+                  <a:schemeClr val="bg1"/>
+                </a:solidFill>
+                <a:latin typeface="Arial" panose="020B0604020202020204" pitchFamily="34" charset="0"/>
+                <a:ea typeface="ＭＳ Ｐゴシック" panose="020B0600070205080204" pitchFamily="50" charset="-128"/>
+              </a:defRPr>
+            </a:lvl8pPr>
+            <a:lvl9pPr marL="3886200" indent="-228600" defTabSz="449263" eaLnBrk="0" fontAlgn="base" hangingPunct="0">
+              <a:lnSpc>
+                <a:spcPct val="93000"/>
+              </a:lnSpc>
+              <a:spcBef>
+                <a:spcPct val="0"/>
+              </a:spcBef>
+              <a:spcAft>
+                <a:spcPct val="0"/>
+              </a:spcAft>
+              <a:buClr>
+                <a:srgbClr val="000000"/>
+              </a:buClr>
+              <a:buSzPct val="100000"/>
+              <a:buFont typeface="Times New Roman" panose="02020603050405020304" pitchFamily="18" charset="0"/>
+              <a:tabLst>
+                <a:tab pos="0" algn="l"/>
+                <a:tab pos="447675" algn="l"/>
+                <a:tab pos="896938" algn="l"/>
+                <a:tab pos="1346200" algn="l"/>
+                <a:tab pos="1795463" algn="l"/>
+                <a:tab pos="2244725" algn="l"/>
+                <a:tab pos="2693988" algn="l"/>
+                <a:tab pos="3143250" algn="l"/>
+                <a:tab pos="3592513" algn="l"/>
+                <a:tab pos="4041775" algn="l"/>
+                <a:tab pos="4491038" algn="l"/>
+                <a:tab pos="4940300" algn="l"/>
+                <a:tab pos="5389563" algn="l"/>
+                <a:tab pos="5838825" algn="l"/>
+                <a:tab pos="6288088" algn="l"/>
+                <a:tab pos="6737350" algn="l"/>
+                <a:tab pos="7186613" algn="l"/>
+                <a:tab pos="7635875" algn="l"/>
+                <a:tab pos="8085138" algn="l"/>
+                <a:tab pos="8534400" algn="l"/>
+                <a:tab pos="8983663" algn="l"/>
+              </a:tabLst>
+              <a:defRPr>
+                <a:solidFill>
+                  <a:schemeClr val="bg1"/>
+                </a:solidFill>
+                <a:latin typeface="Arial" panose="020B0604020202020204" pitchFamily="34" charset="0"/>
+                <a:ea typeface="ＭＳ Ｐゴシック" panose="020B0600070205080204" pitchFamily="50" charset="-128"/>
+              </a:defRPr>
+            </a:lvl9pPr>
+          </a:lstStyle>
+          <a:p>
+            <a:pPr eaLnBrk="1">
+              <a:lnSpc>
+                <a:spcPct val="125000"/>
+              </a:lnSpc>
+              <a:buClrTx/>
+              <a:buFontTx/>
+              <a:buNone/>
+            </a:pPr>
+            <a:r>
+              <a:rPr lang="ja-JP" altLang="ja-JP" dirty="0">
+                <a:solidFill>
+                  <a:srgbClr val="000000"/>
+                </a:solidFill>
+                <a:latin typeface="メイリオ" panose="020B0604030504040204" pitchFamily="50" charset="-128"/>
+              </a:rPr>
+              <a:t>【苦労した点</a:t>
+            </a:r>
+            <a:r>
+              <a:rPr lang="ja-JP" altLang="ja-JP" dirty="0" smtClean="0">
+                <a:solidFill>
+                  <a:srgbClr val="000000"/>
+                </a:solidFill>
+                <a:latin typeface="メイリオ" panose="020B0604030504040204" pitchFamily="50" charset="-128"/>
+              </a:rPr>
+              <a:t>】</a:t>
+            </a:r>
+            <a:endParaRPr lang="en-US" altLang="ja-JP" dirty="0" smtClean="0">
+              <a:solidFill>
+                <a:srgbClr val="000000"/>
+              </a:solidFill>
+              <a:latin typeface="メイリオ" panose="020B0604030504040204" pitchFamily="50" charset="-128"/>
+            </a:endParaRPr>
+          </a:p>
+          <a:p>
+            <a:pPr marL="285750" indent="-285750" eaLnBrk="1">
               <a:lnSpc>
                 <a:spcPct val="150000"/>
               </a:lnSpc>
-              <a:spcBef>
-                <a:spcPct val="0"/>
-              </a:spcBef>
-              <a:spcAft>
-                <a:spcPct val="0"/>
-              </a:spcAft>
+              <a:buClrTx/>
+              <a:buFont typeface="Arial" panose="020B0604020202020204" pitchFamily="34" charset="0"/>
+              <a:buChar char="•"/>
             </a:pPr>
             <a:r>
-              <a:rPr kumimoji="0" lang="ja-JP" altLang="ja-JP" sz="2400" dirty="0" smtClean="0">
-                <a:solidFill>
-                  <a:srgbClr val="1D1C1D"/>
-                </a:solidFill>
-                <a:latin typeface="Arial Unicode MS" panose="020B0604020202020204" pitchFamily="50" charset="-128"/>
-                <a:ea typeface="inherit"/>
-              </a:rPr>
-              <a:t>12日間</a:t>
-            </a:r>
-            <a:r>
-              <a:rPr kumimoji="0" lang="ja-JP" altLang="ja-JP" sz="2400" dirty="0">
-                <a:solidFill>
-                  <a:srgbClr val="1D1C1D"/>
-                </a:solidFill>
-                <a:latin typeface="Arial Unicode MS" panose="020B0604020202020204" pitchFamily="50" charset="-128"/>
-                <a:ea typeface="inherit"/>
-              </a:rPr>
-              <a:t>という短い開発期間でしたが、</a:t>
-            </a:r>
-            <a:endParaRPr kumimoji="0" lang="ja-JP" altLang="ja-JP" sz="3200" dirty="0"/>
-          </a:p>
-          <a:p>
-            <a:pPr lvl="0" eaLnBrk="0" fontAlgn="base" hangingPunct="0">
+              <a:rPr lang="ja-JP" altLang="en-US" dirty="0">
+                <a:solidFill>
+                  <a:srgbClr val="000000"/>
+                </a:solidFill>
+                <a:latin typeface="メイリオ" panose="020B0604030504040204" pitchFamily="50" charset="-128"/>
+              </a:rPr>
+              <a:t>製造でコーディングのルールを細かく決めなかったため</a:t>
+            </a:r>
+            <a:r>
+              <a:rPr lang="ja-JP" altLang="en-US" dirty="0" smtClean="0">
+                <a:solidFill>
+                  <a:srgbClr val="000000"/>
+                </a:solidFill>
+                <a:latin typeface="メイリオ" panose="020B0604030504040204" pitchFamily="50" charset="-128"/>
+              </a:rPr>
+              <a:t>、</a:t>
+            </a:r>
+            <a:endParaRPr lang="en-US" altLang="ja-JP" dirty="0" smtClean="0">
+              <a:solidFill>
+                <a:srgbClr val="000000"/>
+              </a:solidFill>
+              <a:latin typeface="メイリオ" panose="020B0604030504040204" pitchFamily="50" charset="-128"/>
+            </a:endParaRPr>
+          </a:p>
+          <a:p>
+            <a:pPr eaLnBrk="1">
               <a:lnSpc>
                 <a:spcPct val="150000"/>
               </a:lnSpc>
-              <a:spcBef>
-                <a:spcPct val="0"/>
-              </a:spcBef>
-              <a:spcAft>
-                <a:spcPct val="0"/>
-              </a:spcAft>
+              <a:buClrTx/>
             </a:pPr>
             <a:r>
-              <a:rPr kumimoji="0" lang="ja-JP" altLang="ja-JP" sz="2400" dirty="0">
-                <a:solidFill>
-                  <a:srgbClr val="1D1C1D"/>
-                </a:solidFill>
-                <a:latin typeface="Arial Unicode MS" panose="020B0604020202020204" pitchFamily="50" charset="-128"/>
-                <a:ea typeface="inherit"/>
-              </a:rPr>
-              <a:t>チームメンバー一人一人が、足りないところに気づき、</a:t>
-            </a:r>
-            <a:endParaRPr kumimoji="0" lang="ja-JP" altLang="ja-JP" sz="3200" dirty="0"/>
-          </a:p>
-          <a:p>
-            <a:pPr lvl="0" eaLnBrk="0" fontAlgn="base" hangingPunct="0">
+              <a:rPr lang="ja-JP" altLang="en-US" dirty="0" smtClean="0">
+                <a:solidFill>
+                  <a:srgbClr val="000000"/>
+                </a:solidFill>
+                <a:latin typeface="メイリオ" panose="020B0604030504040204" pitchFamily="50" charset="-128"/>
+              </a:rPr>
+              <a:t>　　後々</a:t>
+            </a:r>
+            <a:r>
+              <a:rPr lang="ja-JP" altLang="en-US" dirty="0">
+                <a:solidFill>
+                  <a:srgbClr val="000000"/>
+                </a:solidFill>
+                <a:latin typeface="メイリオ" panose="020B0604030504040204" pitchFamily="50" charset="-128"/>
+              </a:rPr>
+              <a:t>の修正が多かった。</a:t>
+            </a:r>
+          </a:p>
+          <a:p>
+            <a:pPr marL="285750" indent="-285750" eaLnBrk="1">
               <a:lnSpc>
                 <a:spcPct val="150000"/>
               </a:lnSpc>
-              <a:spcBef>
-                <a:spcPct val="0"/>
-              </a:spcBef>
-              <a:spcAft>
-                <a:spcPct val="0"/>
-              </a:spcAft>
+              <a:buClrTx/>
+              <a:buFont typeface="Arial" panose="020B0604020202020204" pitchFamily="34" charset="0"/>
+              <a:buChar char="•"/>
             </a:pPr>
             <a:r>
-              <a:rPr kumimoji="0" lang="ja-JP" altLang="ja-JP" sz="2400" dirty="0">
-                <a:solidFill>
-                  <a:srgbClr val="1D1C1D"/>
-                </a:solidFill>
-                <a:latin typeface="Arial Unicode MS" panose="020B0604020202020204" pitchFamily="50" charset="-128"/>
-                <a:ea typeface="inherit"/>
-              </a:rPr>
-              <a:t>メンバー同士で補いあいながら作成することができました。</a:t>
-            </a:r>
-            <a:endParaRPr kumimoji="0" lang="ja-JP" altLang="ja-JP" sz="3200" dirty="0"/>
-          </a:p>
-          <a:p>
-            <a:pPr lvl="0" eaLnBrk="0" fontAlgn="base" hangingPunct="0">
+              <a:rPr lang="ja-JP" altLang="en-US" dirty="0" smtClean="0">
+                <a:solidFill>
+                  <a:srgbClr val="000000"/>
+                </a:solidFill>
+                <a:latin typeface="メイリオ" panose="020B0604030504040204" pitchFamily="50" charset="-128"/>
+              </a:rPr>
+              <a:t>購入</a:t>
+            </a:r>
+            <a:r>
+              <a:rPr lang="ja-JP" altLang="en-US" dirty="0">
+                <a:solidFill>
+                  <a:srgbClr val="000000"/>
+                </a:solidFill>
+                <a:latin typeface="メイリオ" panose="020B0604030504040204" pitchFamily="50" charset="-128"/>
+              </a:rPr>
+              <a:t>履歴の日付のフォーマットが思い通りにならなかった。</a:t>
+            </a:r>
+            <a:endParaRPr lang="ja-JP" altLang="ja-JP" dirty="0">
+              <a:solidFill>
+                <a:srgbClr val="000000"/>
+              </a:solidFill>
+              <a:latin typeface="メイリオ" panose="020B0604030504040204" pitchFamily="50" charset="-128"/>
+            </a:endParaRPr>
+          </a:p>
+          <a:p>
+            <a:pPr eaLnBrk="1">
+              <a:lnSpc>
+                <a:spcPct val="125000"/>
+              </a:lnSpc>
+              <a:buClrTx/>
+              <a:buFontTx/>
+              <a:buNone/>
+            </a:pPr>
+            <a:endParaRPr lang="en-US" altLang="ja-JP" dirty="0">
+              <a:solidFill>
+                <a:srgbClr val="000000"/>
+              </a:solidFill>
+              <a:latin typeface="メイリオ" panose="020B0604030504040204" pitchFamily="50" charset="-128"/>
+            </a:endParaRPr>
+          </a:p>
+          <a:p>
+            <a:pPr eaLnBrk="1">
+              <a:lnSpc>
+                <a:spcPct val="125000"/>
+              </a:lnSpc>
+              <a:buClrTx/>
+              <a:buFontTx/>
+              <a:buNone/>
+            </a:pPr>
+            <a:r>
+              <a:rPr lang="ja-JP" altLang="ja-JP" dirty="0">
+                <a:solidFill>
+                  <a:srgbClr val="000000"/>
+                </a:solidFill>
+                <a:latin typeface="メイリオ" panose="020B0604030504040204" pitchFamily="50" charset="-128"/>
+              </a:rPr>
+              <a:t>【工夫した点】</a:t>
+            </a:r>
+          </a:p>
+          <a:p>
+            <a:pPr marL="285750" indent="-285750" eaLnBrk="1">
               <a:lnSpc>
                 <a:spcPct val="150000"/>
               </a:lnSpc>
-              <a:spcBef>
-                <a:spcPct val="0"/>
-              </a:spcBef>
-              <a:spcAft>
-                <a:spcPct val="0"/>
-              </a:spcAft>
+              <a:buClrTx/>
+              <a:buFont typeface="Arial" panose="020B0604020202020204" pitchFamily="34" charset="0"/>
+              <a:buChar char="•"/>
             </a:pPr>
             <a:r>
-              <a:rPr kumimoji="0" lang="ja-JP" altLang="ja-JP" sz="2400" dirty="0" smtClean="0">
-                <a:solidFill>
-                  <a:srgbClr val="1D1C1D"/>
-                </a:solidFill>
-                <a:latin typeface="Arial Unicode MS" panose="020B0604020202020204" pitchFamily="50" charset="-128"/>
-                <a:ea typeface="inherit"/>
-              </a:rPr>
-              <a:t>また</a:t>
-            </a:r>
-            <a:r>
-              <a:rPr kumimoji="0" lang="ja-JP" altLang="ja-JP" sz="2400" dirty="0">
-                <a:solidFill>
-                  <a:srgbClr val="1D1C1D"/>
-                </a:solidFill>
-                <a:latin typeface="Arial Unicode MS" panose="020B0604020202020204" pitchFamily="50" charset="-128"/>
-                <a:ea typeface="inherit"/>
-              </a:rPr>
-              <a:t>、今回の開発を通して、</a:t>
-            </a:r>
-            <a:endParaRPr kumimoji="0" lang="ja-JP" altLang="ja-JP" sz="3200" dirty="0"/>
-          </a:p>
-          <a:p>
-            <a:pPr lvl="0" eaLnBrk="0" fontAlgn="base" hangingPunct="0">
+              <a:rPr lang="ja-JP" altLang="en-US" dirty="0">
+                <a:solidFill>
+                  <a:srgbClr val="000000"/>
+                </a:solidFill>
+                <a:latin typeface="メイリオ" panose="020B0604030504040204" pitchFamily="50" charset="-128"/>
+              </a:rPr>
+              <a:t>入力チェックや未ログインチェックのプログラム</a:t>
+            </a:r>
+          </a:p>
+          <a:p>
+            <a:pPr marL="285750" indent="-285750" eaLnBrk="1">
               <a:lnSpc>
                 <a:spcPct val="150000"/>
               </a:lnSpc>
-              <a:spcBef>
-                <a:spcPct val="0"/>
-              </a:spcBef>
-              <a:spcAft>
-                <a:spcPct val="0"/>
-              </a:spcAft>
+              <a:buClrTx/>
+              <a:buFont typeface="Arial" panose="020B0604020202020204" pitchFamily="34" charset="0"/>
+              <a:buChar char="•"/>
             </a:pPr>
             <a:r>
-              <a:rPr kumimoji="0" lang="ja-JP" altLang="ja-JP" sz="2400" dirty="0">
-                <a:solidFill>
-                  <a:srgbClr val="1D1C1D"/>
-                </a:solidFill>
-                <a:latin typeface="Arial Unicode MS" panose="020B0604020202020204" pitchFamily="50" charset="-128"/>
-                <a:ea typeface="inherit"/>
-              </a:rPr>
-              <a:t>講義で学んだ内容を1から復習をすることができた為、</a:t>
-            </a:r>
-            <a:endParaRPr kumimoji="0" lang="ja-JP" altLang="ja-JP" sz="3200" dirty="0"/>
-          </a:p>
-          <a:p>
-            <a:pPr lvl="0" eaLnBrk="0" fontAlgn="base" hangingPunct="0">
+              <a:rPr lang="ja-JP" altLang="en-US" dirty="0" smtClean="0">
+                <a:solidFill>
+                  <a:srgbClr val="000000"/>
+                </a:solidFill>
+                <a:latin typeface="メイリオ" panose="020B0604030504040204" pitchFamily="50" charset="-128"/>
+              </a:rPr>
+              <a:t>作成</a:t>
+            </a:r>
+            <a:r>
+              <a:rPr lang="ja-JP" altLang="en-US" dirty="0">
+                <a:solidFill>
+                  <a:srgbClr val="000000"/>
+                </a:solidFill>
+                <a:latin typeface="メイリオ" panose="020B0604030504040204" pitchFamily="50" charset="-128"/>
+              </a:rPr>
+              <a:t>するページの担当者やファイル名を事前に決めて、管理しやすくした</a:t>
+            </a:r>
+            <a:r>
+              <a:rPr lang="ja-JP" altLang="en-US" dirty="0" smtClean="0">
+                <a:solidFill>
+                  <a:srgbClr val="000000"/>
+                </a:solidFill>
+                <a:latin typeface="メイリオ" panose="020B0604030504040204" pitchFamily="50" charset="-128"/>
+              </a:rPr>
+              <a:t>。</a:t>
+            </a:r>
+            <a:endParaRPr lang="en-US" altLang="ja-JP" dirty="0" smtClean="0">
+              <a:solidFill>
+                <a:srgbClr val="000000"/>
+              </a:solidFill>
+              <a:latin typeface="メイリオ" panose="020B0604030504040204" pitchFamily="50" charset="-128"/>
+            </a:endParaRPr>
+          </a:p>
+          <a:p>
+            <a:pPr eaLnBrk="1">
+              <a:lnSpc>
+                <a:spcPct val="125000"/>
+              </a:lnSpc>
+              <a:buClrTx/>
+            </a:pPr>
+            <a:endParaRPr lang="en-US" altLang="ja-JP" dirty="0">
+              <a:solidFill>
+                <a:srgbClr val="000000"/>
+              </a:solidFill>
+              <a:latin typeface="メイリオ" panose="020B0604030504040204" pitchFamily="50" charset="-128"/>
+            </a:endParaRPr>
+          </a:p>
+          <a:p>
+            <a:pPr eaLnBrk="1">
+              <a:lnSpc>
+                <a:spcPct val="125000"/>
+              </a:lnSpc>
+              <a:buClrTx/>
+              <a:buFontTx/>
+              <a:buNone/>
+            </a:pPr>
+            <a:r>
+              <a:rPr lang="ja-JP" altLang="ja-JP" dirty="0">
+                <a:solidFill>
+                  <a:srgbClr val="000000"/>
+                </a:solidFill>
+                <a:latin typeface="メイリオ" panose="020B0604030504040204" pitchFamily="50" charset="-128"/>
+              </a:rPr>
+              <a:t>【反省点</a:t>
+            </a:r>
+            <a:r>
+              <a:rPr lang="ja-JP" altLang="ja-JP" dirty="0" smtClean="0">
+                <a:solidFill>
+                  <a:srgbClr val="000000"/>
+                </a:solidFill>
+                <a:latin typeface="メイリオ" panose="020B0604030504040204" pitchFamily="50" charset="-128"/>
+              </a:rPr>
+              <a:t>】</a:t>
+            </a:r>
+            <a:endParaRPr lang="en-US" altLang="ja-JP" dirty="0" smtClean="0">
+              <a:solidFill>
+                <a:srgbClr val="000000"/>
+              </a:solidFill>
+              <a:latin typeface="メイリオ" panose="020B0604030504040204" pitchFamily="50" charset="-128"/>
+            </a:endParaRPr>
+          </a:p>
+          <a:p>
+            <a:pPr eaLnBrk="1">
               <a:lnSpc>
                 <a:spcPct val="150000"/>
               </a:lnSpc>
-              <a:spcBef>
-                <a:spcPct val="0"/>
-              </a:spcBef>
-              <a:spcAft>
-                <a:spcPct val="0"/>
-              </a:spcAft>
+              <a:buClrTx/>
+              <a:buFontTx/>
+              <a:buNone/>
             </a:pPr>
             <a:r>
-              <a:rPr kumimoji="0" lang="ja-JP" altLang="ja-JP" sz="2400" dirty="0">
-                <a:solidFill>
-                  <a:srgbClr val="1D1C1D"/>
-                </a:solidFill>
-                <a:latin typeface="Arial Unicode MS" panose="020B0604020202020204" pitchFamily="50" charset="-128"/>
-                <a:ea typeface="inherit"/>
-              </a:rPr>
-              <a:t>とても貴重な経験となりました。</a:t>
-            </a:r>
-            <a:endParaRPr kumimoji="0" lang="ja-JP" altLang="ja-JP" sz="3200" dirty="0"/>
-          </a:p>
-          <a:p>
-            <a:pPr lvl="0" eaLnBrk="0" fontAlgn="base" hangingPunct="0">
+              <a:rPr lang="ja-JP" altLang="en-US" dirty="0">
+                <a:solidFill>
+                  <a:srgbClr val="000000"/>
+                </a:solidFill>
+                <a:latin typeface="メイリオ" panose="020B0604030504040204" pitchFamily="50" charset="-128"/>
+              </a:rPr>
+              <a:t>フォルダやファイル名も含めてコーディング規約は事前にすべて決めるべき</a:t>
+            </a:r>
+            <a:r>
+              <a:rPr lang="ja-JP" altLang="en-US" dirty="0" smtClean="0">
+                <a:solidFill>
+                  <a:srgbClr val="000000"/>
+                </a:solidFill>
+                <a:latin typeface="メイリオ" panose="020B0604030504040204" pitchFamily="50" charset="-128"/>
+              </a:rPr>
+              <a:t>と</a:t>
+            </a:r>
+            <a:endParaRPr lang="en-US" altLang="ja-JP" dirty="0" smtClean="0">
+              <a:solidFill>
+                <a:srgbClr val="000000"/>
+              </a:solidFill>
+              <a:latin typeface="メイリオ" panose="020B0604030504040204" pitchFamily="50" charset="-128"/>
+            </a:endParaRPr>
+          </a:p>
+          <a:p>
+            <a:pPr eaLnBrk="1">
               <a:lnSpc>
                 <a:spcPct val="150000"/>
               </a:lnSpc>
-              <a:spcBef>
-                <a:spcPct val="0"/>
-              </a:spcBef>
-              <a:spcAft>
-                <a:spcPct val="0"/>
-              </a:spcAft>
+              <a:buClrTx/>
+              <a:buFontTx/>
+              <a:buNone/>
             </a:pPr>
             <a:r>
-              <a:rPr kumimoji="0" lang="ja-JP" altLang="ja-JP" sz="2400" dirty="0" smtClean="0">
-                <a:solidFill>
-                  <a:srgbClr val="1D1C1D"/>
-                </a:solidFill>
-                <a:latin typeface="Arial Unicode MS" panose="020B0604020202020204" pitchFamily="50" charset="-128"/>
-                <a:ea typeface="inherit"/>
-              </a:rPr>
-              <a:t>今回</a:t>
-            </a:r>
-            <a:r>
-              <a:rPr kumimoji="0" lang="ja-JP" altLang="ja-JP" sz="2400" dirty="0">
-                <a:solidFill>
-                  <a:srgbClr val="1D1C1D"/>
-                </a:solidFill>
-                <a:latin typeface="Arial Unicode MS" panose="020B0604020202020204" pitchFamily="50" charset="-128"/>
-                <a:ea typeface="inherit"/>
-              </a:rPr>
-              <a:t>の経験を糧にして、配属先でも精進していきたいと思います。</a:t>
-            </a:r>
-            <a:endParaRPr kumimoji="0" lang="ja-JP" altLang="ja-JP" sz="3200" dirty="0"/>
-          </a:p>
-          <a:p>
-            <a:endParaRPr kumimoji="1" lang="ja-JP" altLang="en-US" dirty="0"/>
+              <a:rPr lang="ja-JP" altLang="en-US" dirty="0" smtClean="0">
+                <a:solidFill>
+                  <a:srgbClr val="000000"/>
+                </a:solidFill>
+                <a:latin typeface="メイリオ" panose="020B0604030504040204" pitchFamily="50" charset="-128"/>
+              </a:rPr>
+              <a:t>実感</a:t>
+            </a:r>
+            <a:r>
+              <a:rPr lang="ja-JP" altLang="en-US" dirty="0">
+                <a:solidFill>
+                  <a:srgbClr val="000000"/>
+                </a:solidFill>
+                <a:latin typeface="メイリオ" panose="020B0604030504040204" pitchFamily="50" charset="-128"/>
+              </a:rPr>
+              <a:t>した。</a:t>
+            </a:r>
+            <a:endParaRPr lang="ja-JP" altLang="ja-JP" dirty="0">
+              <a:solidFill>
+                <a:srgbClr val="000000"/>
+              </a:solidFill>
+              <a:latin typeface="メイリオ" panose="020B0604030504040204" pitchFamily="50" charset="-128"/>
+            </a:endParaRPr>
           </a:p>
         </p:txBody>
       </p:sp>
     </p:spTree>
     <p:extLst>
       <p:ext uri="{BB962C8B-B14F-4D97-AF65-F5344CB8AC3E}">
-        <p14:creationId xmlns:p14="http://schemas.microsoft.com/office/powerpoint/2010/main" val="3939925915"/>
+        <p14:creationId xmlns:p14="http://schemas.microsoft.com/office/powerpoint/2010/main" val="1614405498"/>
       </p:ext>
     </p:extLst>
   </p:cSld>
   <p:clrMapOvr>
     <a:masterClrMapping/>
   </p:clrMapOvr>
+  <p:timing>
+    <p:tnLst>
+      <p:par>
+        <p:cTn id="1" dur="indefinite" restart="never" nodeType="tmRoot"/>
+      </p:par>
+    </p:tnLst>
+  </p:timing>
 </p:sld>
 </file>
 
@@ -15206,14 +16705,1235 @@
       </p:sp>
       <p:sp>
         <p:nvSpPr>
+          <p:cNvPr id="3" name="Text Box 2"/>
+          <p:cNvSpPr txBox="1">
+            <a:spLocks noChangeArrowheads="1"/>
+          </p:cNvSpPr>
+          <p:nvPr/>
+        </p:nvSpPr>
+        <p:spPr bwMode="auto">
+          <a:xfrm>
+            <a:off x="2679767" y="339312"/>
+            <a:ext cx="9070975" cy="1262063"/>
+          </a:xfrm>
+          <a:prstGeom prst="rect">
+            <a:avLst/>
+          </a:prstGeom>
+          <a:noFill/>
+          <a:ln>
+            <a:noFill/>
+          </a:ln>
+          <a:extLst>
+            <a:ext uri="{909E8E84-426E-40DD-AFC4-6F175D3DCCD1}">
+              <a14:hiddenFill xmlns:a14="http://schemas.microsoft.com/office/drawing/2010/main">
+                <a:solidFill>
+                  <a:srgbClr val="FFFFFF"/>
+                </a:solidFill>
+              </a14:hiddenFill>
+            </a:ext>
+            <a:ext uri="{91240B29-F687-4F45-9708-019B960494DF}">
+              <a14:hiddenLine xmlns:a14="http://schemas.microsoft.com/office/drawing/2010/main" w="9525">
+                <a:solidFill>
+                  <a:srgbClr val="000000"/>
+                </a:solidFill>
+                <a:round/>
+                <a:headEnd/>
+                <a:tailEnd/>
+              </a14:hiddenLine>
+            </a:ext>
+          </a:extLst>
+        </p:spPr>
+        <p:txBody>
+          <a:bodyPr lIns="0" tIns="0" rIns="0" bIns="0" anchor="ctr"/>
+          <a:lstStyle>
+            <a:lvl1pPr eaLnBrk="0">
+              <a:tabLst>
+                <a:tab pos="0" algn="l"/>
+                <a:tab pos="447675" algn="l"/>
+                <a:tab pos="896938" algn="l"/>
+                <a:tab pos="1346200" algn="l"/>
+                <a:tab pos="1795463" algn="l"/>
+                <a:tab pos="2244725" algn="l"/>
+                <a:tab pos="2693988" algn="l"/>
+                <a:tab pos="3143250" algn="l"/>
+                <a:tab pos="3592513" algn="l"/>
+                <a:tab pos="4041775" algn="l"/>
+                <a:tab pos="4491038" algn="l"/>
+                <a:tab pos="4940300" algn="l"/>
+                <a:tab pos="5389563" algn="l"/>
+                <a:tab pos="5838825" algn="l"/>
+                <a:tab pos="6288088" algn="l"/>
+                <a:tab pos="6737350" algn="l"/>
+                <a:tab pos="7186613" algn="l"/>
+                <a:tab pos="7635875" algn="l"/>
+                <a:tab pos="8085138" algn="l"/>
+                <a:tab pos="8534400" algn="l"/>
+                <a:tab pos="8983663" algn="l"/>
+              </a:tabLst>
+              <a:defRPr>
+                <a:solidFill>
+                  <a:schemeClr val="bg1"/>
+                </a:solidFill>
+                <a:latin typeface="Arial" panose="020B0604020202020204" pitchFamily="34" charset="0"/>
+                <a:ea typeface="ＭＳ Ｐゴシック" panose="020B0600070205080204" pitchFamily="50" charset="-128"/>
+              </a:defRPr>
+            </a:lvl1pPr>
+            <a:lvl2pPr eaLnBrk="0">
+              <a:tabLst>
+                <a:tab pos="0" algn="l"/>
+                <a:tab pos="447675" algn="l"/>
+                <a:tab pos="896938" algn="l"/>
+                <a:tab pos="1346200" algn="l"/>
+                <a:tab pos="1795463" algn="l"/>
+                <a:tab pos="2244725" algn="l"/>
+                <a:tab pos="2693988" algn="l"/>
+                <a:tab pos="3143250" algn="l"/>
+                <a:tab pos="3592513" algn="l"/>
+                <a:tab pos="4041775" algn="l"/>
+                <a:tab pos="4491038" algn="l"/>
+                <a:tab pos="4940300" algn="l"/>
+                <a:tab pos="5389563" algn="l"/>
+                <a:tab pos="5838825" algn="l"/>
+                <a:tab pos="6288088" algn="l"/>
+                <a:tab pos="6737350" algn="l"/>
+                <a:tab pos="7186613" algn="l"/>
+                <a:tab pos="7635875" algn="l"/>
+                <a:tab pos="8085138" algn="l"/>
+                <a:tab pos="8534400" algn="l"/>
+                <a:tab pos="8983663" algn="l"/>
+              </a:tabLst>
+              <a:defRPr>
+                <a:solidFill>
+                  <a:schemeClr val="bg1"/>
+                </a:solidFill>
+                <a:latin typeface="Arial" panose="020B0604020202020204" pitchFamily="34" charset="0"/>
+                <a:ea typeface="ＭＳ Ｐゴシック" panose="020B0600070205080204" pitchFamily="50" charset="-128"/>
+              </a:defRPr>
+            </a:lvl2pPr>
+            <a:lvl3pPr eaLnBrk="0">
+              <a:tabLst>
+                <a:tab pos="0" algn="l"/>
+                <a:tab pos="447675" algn="l"/>
+                <a:tab pos="896938" algn="l"/>
+                <a:tab pos="1346200" algn="l"/>
+                <a:tab pos="1795463" algn="l"/>
+                <a:tab pos="2244725" algn="l"/>
+                <a:tab pos="2693988" algn="l"/>
+                <a:tab pos="3143250" algn="l"/>
+                <a:tab pos="3592513" algn="l"/>
+                <a:tab pos="4041775" algn="l"/>
+                <a:tab pos="4491038" algn="l"/>
+                <a:tab pos="4940300" algn="l"/>
+                <a:tab pos="5389563" algn="l"/>
+                <a:tab pos="5838825" algn="l"/>
+                <a:tab pos="6288088" algn="l"/>
+                <a:tab pos="6737350" algn="l"/>
+                <a:tab pos="7186613" algn="l"/>
+                <a:tab pos="7635875" algn="l"/>
+                <a:tab pos="8085138" algn="l"/>
+                <a:tab pos="8534400" algn="l"/>
+                <a:tab pos="8983663" algn="l"/>
+              </a:tabLst>
+              <a:defRPr>
+                <a:solidFill>
+                  <a:schemeClr val="bg1"/>
+                </a:solidFill>
+                <a:latin typeface="Arial" panose="020B0604020202020204" pitchFamily="34" charset="0"/>
+                <a:ea typeface="ＭＳ Ｐゴシック" panose="020B0600070205080204" pitchFamily="50" charset="-128"/>
+              </a:defRPr>
+            </a:lvl3pPr>
+            <a:lvl4pPr eaLnBrk="0">
+              <a:tabLst>
+                <a:tab pos="0" algn="l"/>
+                <a:tab pos="447675" algn="l"/>
+                <a:tab pos="896938" algn="l"/>
+                <a:tab pos="1346200" algn="l"/>
+                <a:tab pos="1795463" algn="l"/>
+                <a:tab pos="2244725" algn="l"/>
+                <a:tab pos="2693988" algn="l"/>
+                <a:tab pos="3143250" algn="l"/>
+                <a:tab pos="3592513" algn="l"/>
+                <a:tab pos="4041775" algn="l"/>
+                <a:tab pos="4491038" algn="l"/>
+                <a:tab pos="4940300" algn="l"/>
+                <a:tab pos="5389563" algn="l"/>
+                <a:tab pos="5838825" algn="l"/>
+                <a:tab pos="6288088" algn="l"/>
+                <a:tab pos="6737350" algn="l"/>
+                <a:tab pos="7186613" algn="l"/>
+                <a:tab pos="7635875" algn="l"/>
+                <a:tab pos="8085138" algn="l"/>
+                <a:tab pos="8534400" algn="l"/>
+                <a:tab pos="8983663" algn="l"/>
+              </a:tabLst>
+              <a:defRPr>
+                <a:solidFill>
+                  <a:schemeClr val="bg1"/>
+                </a:solidFill>
+                <a:latin typeface="Arial" panose="020B0604020202020204" pitchFamily="34" charset="0"/>
+                <a:ea typeface="ＭＳ Ｐゴシック" panose="020B0600070205080204" pitchFamily="50" charset="-128"/>
+              </a:defRPr>
+            </a:lvl4pPr>
+            <a:lvl5pPr eaLnBrk="0">
+              <a:tabLst>
+                <a:tab pos="0" algn="l"/>
+                <a:tab pos="447675" algn="l"/>
+                <a:tab pos="896938" algn="l"/>
+                <a:tab pos="1346200" algn="l"/>
+                <a:tab pos="1795463" algn="l"/>
+                <a:tab pos="2244725" algn="l"/>
+                <a:tab pos="2693988" algn="l"/>
+                <a:tab pos="3143250" algn="l"/>
+                <a:tab pos="3592513" algn="l"/>
+                <a:tab pos="4041775" algn="l"/>
+                <a:tab pos="4491038" algn="l"/>
+                <a:tab pos="4940300" algn="l"/>
+                <a:tab pos="5389563" algn="l"/>
+                <a:tab pos="5838825" algn="l"/>
+                <a:tab pos="6288088" algn="l"/>
+                <a:tab pos="6737350" algn="l"/>
+                <a:tab pos="7186613" algn="l"/>
+                <a:tab pos="7635875" algn="l"/>
+                <a:tab pos="8085138" algn="l"/>
+                <a:tab pos="8534400" algn="l"/>
+                <a:tab pos="8983663" algn="l"/>
+              </a:tabLst>
+              <a:defRPr>
+                <a:solidFill>
+                  <a:schemeClr val="bg1"/>
+                </a:solidFill>
+                <a:latin typeface="Arial" panose="020B0604020202020204" pitchFamily="34" charset="0"/>
+                <a:ea typeface="ＭＳ Ｐゴシック" panose="020B0600070205080204" pitchFamily="50" charset="-128"/>
+              </a:defRPr>
+            </a:lvl5pPr>
+            <a:lvl6pPr marL="2514600" indent="-228600" defTabSz="449263" eaLnBrk="0" fontAlgn="base" hangingPunct="0">
+              <a:lnSpc>
+                <a:spcPct val="93000"/>
+              </a:lnSpc>
+              <a:spcBef>
+                <a:spcPct val="0"/>
+              </a:spcBef>
+              <a:spcAft>
+                <a:spcPct val="0"/>
+              </a:spcAft>
+              <a:buClr>
+                <a:srgbClr val="000000"/>
+              </a:buClr>
+              <a:buSzPct val="100000"/>
+              <a:buFont typeface="Times New Roman" panose="02020603050405020304" pitchFamily="18" charset="0"/>
+              <a:tabLst>
+                <a:tab pos="0" algn="l"/>
+                <a:tab pos="447675" algn="l"/>
+                <a:tab pos="896938" algn="l"/>
+                <a:tab pos="1346200" algn="l"/>
+                <a:tab pos="1795463" algn="l"/>
+                <a:tab pos="2244725" algn="l"/>
+                <a:tab pos="2693988" algn="l"/>
+                <a:tab pos="3143250" algn="l"/>
+                <a:tab pos="3592513" algn="l"/>
+                <a:tab pos="4041775" algn="l"/>
+                <a:tab pos="4491038" algn="l"/>
+                <a:tab pos="4940300" algn="l"/>
+                <a:tab pos="5389563" algn="l"/>
+                <a:tab pos="5838825" algn="l"/>
+                <a:tab pos="6288088" algn="l"/>
+                <a:tab pos="6737350" algn="l"/>
+                <a:tab pos="7186613" algn="l"/>
+                <a:tab pos="7635875" algn="l"/>
+                <a:tab pos="8085138" algn="l"/>
+                <a:tab pos="8534400" algn="l"/>
+                <a:tab pos="8983663" algn="l"/>
+              </a:tabLst>
+              <a:defRPr>
+                <a:solidFill>
+                  <a:schemeClr val="bg1"/>
+                </a:solidFill>
+                <a:latin typeface="Arial" panose="020B0604020202020204" pitchFamily="34" charset="0"/>
+                <a:ea typeface="ＭＳ Ｐゴシック" panose="020B0600070205080204" pitchFamily="50" charset="-128"/>
+              </a:defRPr>
+            </a:lvl6pPr>
+            <a:lvl7pPr marL="2971800" indent="-228600" defTabSz="449263" eaLnBrk="0" fontAlgn="base" hangingPunct="0">
+              <a:lnSpc>
+                <a:spcPct val="93000"/>
+              </a:lnSpc>
+              <a:spcBef>
+                <a:spcPct val="0"/>
+              </a:spcBef>
+              <a:spcAft>
+                <a:spcPct val="0"/>
+              </a:spcAft>
+              <a:buClr>
+                <a:srgbClr val="000000"/>
+              </a:buClr>
+              <a:buSzPct val="100000"/>
+              <a:buFont typeface="Times New Roman" panose="02020603050405020304" pitchFamily="18" charset="0"/>
+              <a:tabLst>
+                <a:tab pos="0" algn="l"/>
+                <a:tab pos="447675" algn="l"/>
+                <a:tab pos="896938" algn="l"/>
+                <a:tab pos="1346200" algn="l"/>
+                <a:tab pos="1795463" algn="l"/>
+                <a:tab pos="2244725" algn="l"/>
+                <a:tab pos="2693988" algn="l"/>
+                <a:tab pos="3143250" algn="l"/>
+                <a:tab pos="3592513" algn="l"/>
+                <a:tab pos="4041775" algn="l"/>
+                <a:tab pos="4491038" algn="l"/>
+                <a:tab pos="4940300" algn="l"/>
+                <a:tab pos="5389563" algn="l"/>
+                <a:tab pos="5838825" algn="l"/>
+                <a:tab pos="6288088" algn="l"/>
+                <a:tab pos="6737350" algn="l"/>
+                <a:tab pos="7186613" algn="l"/>
+                <a:tab pos="7635875" algn="l"/>
+                <a:tab pos="8085138" algn="l"/>
+                <a:tab pos="8534400" algn="l"/>
+                <a:tab pos="8983663" algn="l"/>
+              </a:tabLst>
+              <a:defRPr>
+                <a:solidFill>
+                  <a:schemeClr val="bg1"/>
+                </a:solidFill>
+                <a:latin typeface="Arial" panose="020B0604020202020204" pitchFamily="34" charset="0"/>
+                <a:ea typeface="ＭＳ Ｐゴシック" panose="020B0600070205080204" pitchFamily="50" charset="-128"/>
+              </a:defRPr>
+            </a:lvl7pPr>
+            <a:lvl8pPr marL="3429000" indent="-228600" defTabSz="449263" eaLnBrk="0" fontAlgn="base" hangingPunct="0">
+              <a:lnSpc>
+                <a:spcPct val="93000"/>
+              </a:lnSpc>
+              <a:spcBef>
+                <a:spcPct val="0"/>
+              </a:spcBef>
+              <a:spcAft>
+                <a:spcPct val="0"/>
+              </a:spcAft>
+              <a:buClr>
+                <a:srgbClr val="000000"/>
+              </a:buClr>
+              <a:buSzPct val="100000"/>
+              <a:buFont typeface="Times New Roman" panose="02020603050405020304" pitchFamily="18" charset="0"/>
+              <a:tabLst>
+                <a:tab pos="0" algn="l"/>
+                <a:tab pos="447675" algn="l"/>
+                <a:tab pos="896938" algn="l"/>
+                <a:tab pos="1346200" algn="l"/>
+                <a:tab pos="1795463" algn="l"/>
+                <a:tab pos="2244725" algn="l"/>
+                <a:tab pos="2693988" algn="l"/>
+                <a:tab pos="3143250" algn="l"/>
+                <a:tab pos="3592513" algn="l"/>
+                <a:tab pos="4041775" algn="l"/>
+                <a:tab pos="4491038" algn="l"/>
+                <a:tab pos="4940300" algn="l"/>
+                <a:tab pos="5389563" algn="l"/>
+                <a:tab pos="5838825" algn="l"/>
+                <a:tab pos="6288088" algn="l"/>
+                <a:tab pos="6737350" algn="l"/>
+                <a:tab pos="7186613" algn="l"/>
+                <a:tab pos="7635875" algn="l"/>
+                <a:tab pos="8085138" algn="l"/>
+                <a:tab pos="8534400" algn="l"/>
+                <a:tab pos="8983663" algn="l"/>
+              </a:tabLst>
+              <a:defRPr>
+                <a:solidFill>
+                  <a:schemeClr val="bg1"/>
+                </a:solidFill>
+                <a:latin typeface="Arial" panose="020B0604020202020204" pitchFamily="34" charset="0"/>
+                <a:ea typeface="ＭＳ Ｐゴシック" panose="020B0600070205080204" pitchFamily="50" charset="-128"/>
+              </a:defRPr>
+            </a:lvl8pPr>
+            <a:lvl9pPr marL="3886200" indent="-228600" defTabSz="449263" eaLnBrk="0" fontAlgn="base" hangingPunct="0">
+              <a:lnSpc>
+                <a:spcPct val="93000"/>
+              </a:lnSpc>
+              <a:spcBef>
+                <a:spcPct val="0"/>
+              </a:spcBef>
+              <a:spcAft>
+                <a:spcPct val="0"/>
+              </a:spcAft>
+              <a:buClr>
+                <a:srgbClr val="000000"/>
+              </a:buClr>
+              <a:buSzPct val="100000"/>
+              <a:buFont typeface="Times New Roman" panose="02020603050405020304" pitchFamily="18" charset="0"/>
+              <a:tabLst>
+                <a:tab pos="0" algn="l"/>
+                <a:tab pos="447675" algn="l"/>
+                <a:tab pos="896938" algn="l"/>
+                <a:tab pos="1346200" algn="l"/>
+                <a:tab pos="1795463" algn="l"/>
+                <a:tab pos="2244725" algn="l"/>
+                <a:tab pos="2693988" algn="l"/>
+                <a:tab pos="3143250" algn="l"/>
+                <a:tab pos="3592513" algn="l"/>
+                <a:tab pos="4041775" algn="l"/>
+                <a:tab pos="4491038" algn="l"/>
+                <a:tab pos="4940300" algn="l"/>
+                <a:tab pos="5389563" algn="l"/>
+                <a:tab pos="5838825" algn="l"/>
+                <a:tab pos="6288088" algn="l"/>
+                <a:tab pos="6737350" algn="l"/>
+                <a:tab pos="7186613" algn="l"/>
+                <a:tab pos="7635875" algn="l"/>
+                <a:tab pos="8085138" algn="l"/>
+                <a:tab pos="8534400" algn="l"/>
+                <a:tab pos="8983663" algn="l"/>
+              </a:tabLst>
+              <a:defRPr>
+                <a:solidFill>
+                  <a:schemeClr val="bg1"/>
+                </a:solidFill>
+                <a:latin typeface="Arial" panose="020B0604020202020204" pitchFamily="34" charset="0"/>
+                <a:ea typeface="ＭＳ Ｐゴシック" panose="020B0600070205080204" pitchFamily="50" charset="-128"/>
+              </a:defRPr>
+            </a:lvl9pPr>
+          </a:lstStyle>
+          <a:p>
+            <a:pPr eaLnBrk="1">
+              <a:lnSpc>
+                <a:spcPct val="125000"/>
+              </a:lnSpc>
+              <a:buClrTx/>
+              <a:buFontTx/>
+              <a:buNone/>
+            </a:pPr>
+            <a:r>
+              <a:rPr lang="en-US" altLang="ja-JP" sz="2800" b="1" dirty="0">
+                <a:solidFill>
+                  <a:srgbClr val="000000"/>
+                </a:solidFill>
+                <a:latin typeface="メイリオ" panose="020B0604030504040204" pitchFamily="50" charset="-128"/>
+              </a:rPr>
+              <a:t>6. </a:t>
+            </a:r>
+            <a:r>
+              <a:rPr lang="ja-JP" altLang="ja-JP" sz="2800" b="1" dirty="0">
+                <a:solidFill>
+                  <a:srgbClr val="000000"/>
+                </a:solidFill>
+                <a:latin typeface="メイリオ" panose="020B0604030504040204" pitchFamily="50" charset="-128"/>
+              </a:rPr>
+              <a:t>苦労した点、工夫した点、反省点　</a:t>
+            </a:r>
+            <a:r>
+              <a:rPr lang="en-US" altLang="ja-JP" sz="2800" b="1" dirty="0" smtClean="0">
+                <a:solidFill>
+                  <a:srgbClr val="000000"/>
+                </a:solidFill>
+                <a:latin typeface="メイリオ" panose="020B0604030504040204" pitchFamily="50" charset="-128"/>
+              </a:rPr>
+              <a:t>(</a:t>
+            </a:r>
+            <a:r>
+              <a:rPr lang="ja-JP" altLang="en-US" sz="2800" b="1" dirty="0">
+                <a:solidFill>
+                  <a:srgbClr val="000000"/>
+                </a:solidFill>
+                <a:latin typeface="メイリオ" panose="020B0604030504040204" pitchFamily="50" charset="-128"/>
+              </a:rPr>
+              <a:t>茂木</a:t>
+            </a:r>
+            <a:r>
+              <a:rPr lang="en-US" altLang="ja-JP" sz="2800" b="1" dirty="0" smtClean="0">
+                <a:solidFill>
+                  <a:srgbClr val="000000"/>
+                </a:solidFill>
+                <a:latin typeface="メイリオ" panose="020B0604030504040204" pitchFamily="50" charset="-128"/>
+              </a:rPr>
+              <a:t>)</a:t>
+            </a:r>
+            <a:endParaRPr lang="en-US" altLang="ja-JP" sz="2800" b="1" dirty="0">
+              <a:solidFill>
+                <a:srgbClr val="000000"/>
+              </a:solidFill>
+              <a:latin typeface="メイリオ" panose="020B0604030504040204" pitchFamily="50" charset="-128"/>
+            </a:endParaRPr>
+          </a:p>
+        </p:txBody>
+      </p:sp>
+      <p:sp>
+        <p:nvSpPr>
+          <p:cNvPr id="4" name="Text Box 3"/>
+          <p:cNvSpPr txBox="1">
+            <a:spLocks noChangeArrowheads="1"/>
+          </p:cNvSpPr>
+          <p:nvPr/>
+        </p:nvSpPr>
+        <p:spPr bwMode="auto">
+          <a:xfrm>
+            <a:off x="2679767" y="1476375"/>
+            <a:ext cx="8695306" cy="5237163"/>
+          </a:xfrm>
+          <a:prstGeom prst="rect">
+            <a:avLst/>
+          </a:prstGeom>
+          <a:noFill/>
+          <a:ln>
+            <a:noFill/>
+          </a:ln>
+          <a:extLst>
+            <a:ext uri="{909E8E84-426E-40DD-AFC4-6F175D3DCCD1}">
+              <a14:hiddenFill xmlns:a14="http://schemas.microsoft.com/office/drawing/2010/main">
+                <a:solidFill>
+                  <a:srgbClr val="FFFFFF"/>
+                </a:solidFill>
+              </a14:hiddenFill>
+            </a:ext>
+            <a:ext uri="{91240B29-F687-4F45-9708-019B960494DF}">
+              <a14:hiddenLine xmlns:a14="http://schemas.microsoft.com/office/drawing/2010/main" w="9525">
+                <a:solidFill>
+                  <a:srgbClr val="000000"/>
+                </a:solidFill>
+                <a:round/>
+                <a:headEnd/>
+                <a:tailEnd/>
+              </a14:hiddenLine>
+            </a:ext>
+          </a:extLst>
+        </p:spPr>
+        <p:txBody>
+          <a:bodyPr wrap="none" lIns="90000" tIns="45000" rIns="90000" bIns="45000"/>
+          <a:lstStyle>
+            <a:lvl1pPr eaLnBrk="0">
+              <a:tabLst>
+                <a:tab pos="0" algn="l"/>
+                <a:tab pos="447675" algn="l"/>
+                <a:tab pos="896938" algn="l"/>
+                <a:tab pos="1346200" algn="l"/>
+                <a:tab pos="1795463" algn="l"/>
+                <a:tab pos="2244725" algn="l"/>
+                <a:tab pos="2693988" algn="l"/>
+                <a:tab pos="3143250" algn="l"/>
+                <a:tab pos="3592513" algn="l"/>
+                <a:tab pos="4041775" algn="l"/>
+                <a:tab pos="4491038" algn="l"/>
+                <a:tab pos="4940300" algn="l"/>
+                <a:tab pos="5389563" algn="l"/>
+                <a:tab pos="5838825" algn="l"/>
+                <a:tab pos="6288088" algn="l"/>
+                <a:tab pos="6737350" algn="l"/>
+                <a:tab pos="7186613" algn="l"/>
+                <a:tab pos="7635875" algn="l"/>
+                <a:tab pos="8085138" algn="l"/>
+                <a:tab pos="8534400" algn="l"/>
+                <a:tab pos="8983663" algn="l"/>
+              </a:tabLst>
+              <a:defRPr>
+                <a:solidFill>
+                  <a:schemeClr val="bg1"/>
+                </a:solidFill>
+                <a:latin typeface="Arial" panose="020B0604020202020204" pitchFamily="34" charset="0"/>
+                <a:ea typeface="ＭＳ Ｐゴシック" panose="020B0600070205080204" pitchFamily="50" charset="-128"/>
+              </a:defRPr>
+            </a:lvl1pPr>
+            <a:lvl2pPr eaLnBrk="0">
+              <a:tabLst>
+                <a:tab pos="0" algn="l"/>
+                <a:tab pos="447675" algn="l"/>
+                <a:tab pos="896938" algn="l"/>
+                <a:tab pos="1346200" algn="l"/>
+                <a:tab pos="1795463" algn="l"/>
+                <a:tab pos="2244725" algn="l"/>
+                <a:tab pos="2693988" algn="l"/>
+                <a:tab pos="3143250" algn="l"/>
+                <a:tab pos="3592513" algn="l"/>
+                <a:tab pos="4041775" algn="l"/>
+                <a:tab pos="4491038" algn="l"/>
+                <a:tab pos="4940300" algn="l"/>
+                <a:tab pos="5389563" algn="l"/>
+                <a:tab pos="5838825" algn="l"/>
+                <a:tab pos="6288088" algn="l"/>
+                <a:tab pos="6737350" algn="l"/>
+                <a:tab pos="7186613" algn="l"/>
+                <a:tab pos="7635875" algn="l"/>
+                <a:tab pos="8085138" algn="l"/>
+                <a:tab pos="8534400" algn="l"/>
+                <a:tab pos="8983663" algn="l"/>
+              </a:tabLst>
+              <a:defRPr>
+                <a:solidFill>
+                  <a:schemeClr val="bg1"/>
+                </a:solidFill>
+                <a:latin typeface="Arial" panose="020B0604020202020204" pitchFamily="34" charset="0"/>
+                <a:ea typeface="ＭＳ Ｐゴシック" panose="020B0600070205080204" pitchFamily="50" charset="-128"/>
+              </a:defRPr>
+            </a:lvl2pPr>
+            <a:lvl3pPr eaLnBrk="0">
+              <a:tabLst>
+                <a:tab pos="0" algn="l"/>
+                <a:tab pos="447675" algn="l"/>
+                <a:tab pos="896938" algn="l"/>
+                <a:tab pos="1346200" algn="l"/>
+                <a:tab pos="1795463" algn="l"/>
+                <a:tab pos="2244725" algn="l"/>
+                <a:tab pos="2693988" algn="l"/>
+                <a:tab pos="3143250" algn="l"/>
+                <a:tab pos="3592513" algn="l"/>
+                <a:tab pos="4041775" algn="l"/>
+                <a:tab pos="4491038" algn="l"/>
+                <a:tab pos="4940300" algn="l"/>
+                <a:tab pos="5389563" algn="l"/>
+                <a:tab pos="5838825" algn="l"/>
+                <a:tab pos="6288088" algn="l"/>
+                <a:tab pos="6737350" algn="l"/>
+                <a:tab pos="7186613" algn="l"/>
+                <a:tab pos="7635875" algn="l"/>
+                <a:tab pos="8085138" algn="l"/>
+                <a:tab pos="8534400" algn="l"/>
+                <a:tab pos="8983663" algn="l"/>
+              </a:tabLst>
+              <a:defRPr>
+                <a:solidFill>
+                  <a:schemeClr val="bg1"/>
+                </a:solidFill>
+                <a:latin typeface="Arial" panose="020B0604020202020204" pitchFamily="34" charset="0"/>
+                <a:ea typeface="ＭＳ Ｐゴシック" panose="020B0600070205080204" pitchFamily="50" charset="-128"/>
+              </a:defRPr>
+            </a:lvl3pPr>
+            <a:lvl4pPr eaLnBrk="0">
+              <a:tabLst>
+                <a:tab pos="0" algn="l"/>
+                <a:tab pos="447675" algn="l"/>
+                <a:tab pos="896938" algn="l"/>
+                <a:tab pos="1346200" algn="l"/>
+                <a:tab pos="1795463" algn="l"/>
+                <a:tab pos="2244725" algn="l"/>
+                <a:tab pos="2693988" algn="l"/>
+                <a:tab pos="3143250" algn="l"/>
+                <a:tab pos="3592513" algn="l"/>
+                <a:tab pos="4041775" algn="l"/>
+                <a:tab pos="4491038" algn="l"/>
+                <a:tab pos="4940300" algn="l"/>
+                <a:tab pos="5389563" algn="l"/>
+                <a:tab pos="5838825" algn="l"/>
+                <a:tab pos="6288088" algn="l"/>
+                <a:tab pos="6737350" algn="l"/>
+                <a:tab pos="7186613" algn="l"/>
+                <a:tab pos="7635875" algn="l"/>
+                <a:tab pos="8085138" algn="l"/>
+                <a:tab pos="8534400" algn="l"/>
+                <a:tab pos="8983663" algn="l"/>
+              </a:tabLst>
+              <a:defRPr>
+                <a:solidFill>
+                  <a:schemeClr val="bg1"/>
+                </a:solidFill>
+                <a:latin typeface="Arial" panose="020B0604020202020204" pitchFamily="34" charset="0"/>
+                <a:ea typeface="ＭＳ Ｐゴシック" panose="020B0600070205080204" pitchFamily="50" charset="-128"/>
+              </a:defRPr>
+            </a:lvl4pPr>
+            <a:lvl5pPr eaLnBrk="0">
+              <a:tabLst>
+                <a:tab pos="0" algn="l"/>
+                <a:tab pos="447675" algn="l"/>
+                <a:tab pos="896938" algn="l"/>
+                <a:tab pos="1346200" algn="l"/>
+                <a:tab pos="1795463" algn="l"/>
+                <a:tab pos="2244725" algn="l"/>
+                <a:tab pos="2693988" algn="l"/>
+                <a:tab pos="3143250" algn="l"/>
+                <a:tab pos="3592513" algn="l"/>
+                <a:tab pos="4041775" algn="l"/>
+                <a:tab pos="4491038" algn="l"/>
+                <a:tab pos="4940300" algn="l"/>
+                <a:tab pos="5389563" algn="l"/>
+                <a:tab pos="5838825" algn="l"/>
+                <a:tab pos="6288088" algn="l"/>
+                <a:tab pos="6737350" algn="l"/>
+                <a:tab pos="7186613" algn="l"/>
+                <a:tab pos="7635875" algn="l"/>
+                <a:tab pos="8085138" algn="l"/>
+                <a:tab pos="8534400" algn="l"/>
+                <a:tab pos="8983663" algn="l"/>
+              </a:tabLst>
+              <a:defRPr>
+                <a:solidFill>
+                  <a:schemeClr val="bg1"/>
+                </a:solidFill>
+                <a:latin typeface="Arial" panose="020B0604020202020204" pitchFamily="34" charset="0"/>
+                <a:ea typeface="ＭＳ Ｐゴシック" panose="020B0600070205080204" pitchFamily="50" charset="-128"/>
+              </a:defRPr>
+            </a:lvl5pPr>
+            <a:lvl6pPr marL="2514600" indent="-228600" defTabSz="449263" eaLnBrk="0" fontAlgn="base" hangingPunct="0">
+              <a:lnSpc>
+                <a:spcPct val="93000"/>
+              </a:lnSpc>
+              <a:spcBef>
+                <a:spcPct val="0"/>
+              </a:spcBef>
+              <a:spcAft>
+                <a:spcPct val="0"/>
+              </a:spcAft>
+              <a:buClr>
+                <a:srgbClr val="000000"/>
+              </a:buClr>
+              <a:buSzPct val="100000"/>
+              <a:buFont typeface="Times New Roman" panose="02020603050405020304" pitchFamily="18" charset="0"/>
+              <a:tabLst>
+                <a:tab pos="0" algn="l"/>
+                <a:tab pos="447675" algn="l"/>
+                <a:tab pos="896938" algn="l"/>
+                <a:tab pos="1346200" algn="l"/>
+                <a:tab pos="1795463" algn="l"/>
+                <a:tab pos="2244725" algn="l"/>
+                <a:tab pos="2693988" algn="l"/>
+                <a:tab pos="3143250" algn="l"/>
+                <a:tab pos="3592513" algn="l"/>
+                <a:tab pos="4041775" algn="l"/>
+                <a:tab pos="4491038" algn="l"/>
+                <a:tab pos="4940300" algn="l"/>
+                <a:tab pos="5389563" algn="l"/>
+                <a:tab pos="5838825" algn="l"/>
+                <a:tab pos="6288088" algn="l"/>
+                <a:tab pos="6737350" algn="l"/>
+                <a:tab pos="7186613" algn="l"/>
+                <a:tab pos="7635875" algn="l"/>
+                <a:tab pos="8085138" algn="l"/>
+                <a:tab pos="8534400" algn="l"/>
+                <a:tab pos="8983663" algn="l"/>
+              </a:tabLst>
+              <a:defRPr>
+                <a:solidFill>
+                  <a:schemeClr val="bg1"/>
+                </a:solidFill>
+                <a:latin typeface="Arial" panose="020B0604020202020204" pitchFamily="34" charset="0"/>
+                <a:ea typeface="ＭＳ Ｐゴシック" panose="020B0600070205080204" pitchFamily="50" charset="-128"/>
+              </a:defRPr>
+            </a:lvl6pPr>
+            <a:lvl7pPr marL="2971800" indent="-228600" defTabSz="449263" eaLnBrk="0" fontAlgn="base" hangingPunct="0">
+              <a:lnSpc>
+                <a:spcPct val="93000"/>
+              </a:lnSpc>
+              <a:spcBef>
+                <a:spcPct val="0"/>
+              </a:spcBef>
+              <a:spcAft>
+                <a:spcPct val="0"/>
+              </a:spcAft>
+              <a:buClr>
+                <a:srgbClr val="000000"/>
+              </a:buClr>
+              <a:buSzPct val="100000"/>
+              <a:buFont typeface="Times New Roman" panose="02020603050405020304" pitchFamily="18" charset="0"/>
+              <a:tabLst>
+                <a:tab pos="0" algn="l"/>
+                <a:tab pos="447675" algn="l"/>
+                <a:tab pos="896938" algn="l"/>
+                <a:tab pos="1346200" algn="l"/>
+                <a:tab pos="1795463" algn="l"/>
+                <a:tab pos="2244725" algn="l"/>
+                <a:tab pos="2693988" algn="l"/>
+                <a:tab pos="3143250" algn="l"/>
+                <a:tab pos="3592513" algn="l"/>
+                <a:tab pos="4041775" algn="l"/>
+                <a:tab pos="4491038" algn="l"/>
+                <a:tab pos="4940300" algn="l"/>
+                <a:tab pos="5389563" algn="l"/>
+                <a:tab pos="5838825" algn="l"/>
+                <a:tab pos="6288088" algn="l"/>
+                <a:tab pos="6737350" algn="l"/>
+                <a:tab pos="7186613" algn="l"/>
+                <a:tab pos="7635875" algn="l"/>
+                <a:tab pos="8085138" algn="l"/>
+                <a:tab pos="8534400" algn="l"/>
+                <a:tab pos="8983663" algn="l"/>
+              </a:tabLst>
+              <a:defRPr>
+                <a:solidFill>
+                  <a:schemeClr val="bg1"/>
+                </a:solidFill>
+                <a:latin typeface="Arial" panose="020B0604020202020204" pitchFamily="34" charset="0"/>
+                <a:ea typeface="ＭＳ Ｐゴシック" panose="020B0600070205080204" pitchFamily="50" charset="-128"/>
+              </a:defRPr>
+            </a:lvl7pPr>
+            <a:lvl8pPr marL="3429000" indent="-228600" defTabSz="449263" eaLnBrk="0" fontAlgn="base" hangingPunct="0">
+              <a:lnSpc>
+                <a:spcPct val="93000"/>
+              </a:lnSpc>
+              <a:spcBef>
+                <a:spcPct val="0"/>
+              </a:spcBef>
+              <a:spcAft>
+                <a:spcPct val="0"/>
+              </a:spcAft>
+              <a:buClr>
+                <a:srgbClr val="000000"/>
+              </a:buClr>
+              <a:buSzPct val="100000"/>
+              <a:buFont typeface="Times New Roman" panose="02020603050405020304" pitchFamily="18" charset="0"/>
+              <a:tabLst>
+                <a:tab pos="0" algn="l"/>
+                <a:tab pos="447675" algn="l"/>
+                <a:tab pos="896938" algn="l"/>
+                <a:tab pos="1346200" algn="l"/>
+                <a:tab pos="1795463" algn="l"/>
+                <a:tab pos="2244725" algn="l"/>
+                <a:tab pos="2693988" algn="l"/>
+                <a:tab pos="3143250" algn="l"/>
+                <a:tab pos="3592513" algn="l"/>
+                <a:tab pos="4041775" algn="l"/>
+                <a:tab pos="4491038" algn="l"/>
+                <a:tab pos="4940300" algn="l"/>
+                <a:tab pos="5389563" algn="l"/>
+                <a:tab pos="5838825" algn="l"/>
+                <a:tab pos="6288088" algn="l"/>
+                <a:tab pos="6737350" algn="l"/>
+                <a:tab pos="7186613" algn="l"/>
+                <a:tab pos="7635875" algn="l"/>
+                <a:tab pos="8085138" algn="l"/>
+                <a:tab pos="8534400" algn="l"/>
+                <a:tab pos="8983663" algn="l"/>
+              </a:tabLst>
+              <a:defRPr>
+                <a:solidFill>
+                  <a:schemeClr val="bg1"/>
+                </a:solidFill>
+                <a:latin typeface="Arial" panose="020B0604020202020204" pitchFamily="34" charset="0"/>
+                <a:ea typeface="ＭＳ Ｐゴシック" panose="020B0600070205080204" pitchFamily="50" charset="-128"/>
+              </a:defRPr>
+            </a:lvl8pPr>
+            <a:lvl9pPr marL="3886200" indent="-228600" defTabSz="449263" eaLnBrk="0" fontAlgn="base" hangingPunct="0">
+              <a:lnSpc>
+                <a:spcPct val="93000"/>
+              </a:lnSpc>
+              <a:spcBef>
+                <a:spcPct val="0"/>
+              </a:spcBef>
+              <a:spcAft>
+                <a:spcPct val="0"/>
+              </a:spcAft>
+              <a:buClr>
+                <a:srgbClr val="000000"/>
+              </a:buClr>
+              <a:buSzPct val="100000"/>
+              <a:buFont typeface="Times New Roman" panose="02020603050405020304" pitchFamily="18" charset="0"/>
+              <a:tabLst>
+                <a:tab pos="0" algn="l"/>
+                <a:tab pos="447675" algn="l"/>
+                <a:tab pos="896938" algn="l"/>
+                <a:tab pos="1346200" algn="l"/>
+                <a:tab pos="1795463" algn="l"/>
+                <a:tab pos="2244725" algn="l"/>
+                <a:tab pos="2693988" algn="l"/>
+                <a:tab pos="3143250" algn="l"/>
+                <a:tab pos="3592513" algn="l"/>
+                <a:tab pos="4041775" algn="l"/>
+                <a:tab pos="4491038" algn="l"/>
+                <a:tab pos="4940300" algn="l"/>
+                <a:tab pos="5389563" algn="l"/>
+                <a:tab pos="5838825" algn="l"/>
+                <a:tab pos="6288088" algn="l"/>
+                <a:tab pos="6737350" algn="l"/>
+                <a:tab pos="7186613" algn="l"/>
+                <a:tab pos="7635875" algn="l"/>
+                <a:tab pos="8085138" algn="l"/>
+                <a:tab pos="8534400" algn="l"/>
+                <a:tab pos="8983663" algn="l"/>
+              </a:tabLst>
+              <a:defRPr>
+                <a:solidFill>
+                  <a:schemeClr val="bg1"/>
+                </a:solidFill>
+                <a:latin typeface="Arial" panose="020B0604020202020204" pitchFamily="34" charset="0"/>
+                <a:ea typeface="ＭＳ Ｐゴシック" panose="020B0600070205080204" pitchFamily="50" charset="-128"/>
+              </a:defRPr>
+            </a:lvl9pPr>
+          </a:lstStyle>
+          <a:p>
+            <a:pPr eaLnBrk="1">
+              <a:lnSpc>
+                <a:spcPct val="125000"/>
+              </a:lnSpc>
+              <a:buClrTx/>
+              <a:buFontTx/>
+              <a:buNone/>
+            </a:pPr>
+            <a:r>
+              <a:rPr lang="ja-JP" altLang="ja-JP" dirty="0">
+                <a:solidFill>
+                  <a:srgbClr val="000000"/>
+                </a:solidFill>
+                <a:latin typeface="メイリオ" panose="020B0604030504040204" pitchFamily="50" charset="-128"/>
+              </a:rPr>
+              <a:t>【苦労した点】</a:t>
+            </a:r>
+            <a:endParaRPr lang="en-US" altLang="ja-JP" dirty="0">
+              <a:solidFill>
+                <a:srgbClr val="000000"/>
+              </a:solidFill>
+              <a:latin typeface="メイリオ" panose="020B0604030504040204" pitchFamily="50" charset="-128"/>
+            </a:endParaRPr>
+          </a:p>
+          <a:p>
+            <a:pPr lvl="0" eaLnBrk="1">
+              <a:lnSpc>
+                <a:spcPct val="125000"/>
+              </a:lnSpc>
+            </a:pPr>
+            <a:r>
+              <a:rPr kumimoji="0" lang="ja-JP" altLang="ja-JP" dirty="0">
+                <a:solidFill>
+                  <a:srgbClr val="1D1C1D"/>
+                </a:solidFill>
+                <a:latin typeface="Arial Unicode MS" panose="020B0604020202020204" pitchFamily="50" charset="-128"/>
+                <a:ea typeface="inherit"/>
+              </a:rPr>
+              <a:t>条件式がうまく使えず試行錯誤を重ねながら作成したため苦労した</a:t>
+            </a:r>
+            <a:r>
+              <a:rPr kumimoji="0" lang="ja-JP" altLang="ja-JP" sz="2800" dirty="0">
+                <a:solidFill>
+                  <a:schemeClr val="tx1"/>
+                </a:solidFill>
+              </a:rPr>
+              <a:t> </a:t>
+            </a:r>
+            <a:endParaRPr lang="ja-JP" altLang="ja-JP" dirty="0">
+              <a:solidFill>
+                <a:srgbClr val="000000"/>
+              </a:solidFill>
+              <a:latin typeface="メイリオ" panose="020B0604030504040204" pitchFamily="50" charset="-128"/>
+            </a:endParaRPr>
+          </a:p>
+          <a:p>
+            <a:pPr eaLnBrk="1">
+              <a:lnSpc>
+                <a:spcPct val="125000"/>
+              </a:lnSpc>
+              <a:buClrTx/>
+              <a:buFontTx/>
+              <a:buNone/>
+            </a:pPr>
+            <a:endParaRPr lang="en-US" altLang="ja-JP" dirty="0">
+              <a:solidFill>
+                <a:srgbClr val="000000"/>
+              </a:solidFill>
+              <a:latin typeface="メイリオ" panose="020B0604030504040204" pitchFamily="50" charset="-128"/>
+            </a:endParaRPr>
+          </a:p>
+          <a:p>
+            <a:pPr eaLnBrk="1">
+              <a:lnSpc>
+                <a:spcPct val="125000"/>
+              </a:lnSpc>
+              <a:buClrTx/>
+              <a:buFontTx/>
+              <a:buNone/>
+            </a:pPr>
+            <a:r>
+              <a:rPr lang="ja-JP" altLang="ja-JP" dirty="0">
+                <a:solidFill>
+                  <a:srgbClr val="000000"/>
+                </a:solidFill>
+                <a:latin typeface="メイリオ" panose="020B0604030504040204" pitchFamily="50" charset="-128"/>
+              </a:rPr>
+              <a:t>【工夫した点】</a:t>
+            </a:r>
+          </a:p>
+          <a:p>
+            <a:pPr eaLnBrk="1">
+              <a:lnSpc>
+                <a:spcPct val="150000"/>
+              </a:lnSpc>
+              <a:buClrTx/>
+              <a:buFontTx/>
+              <a:buNone/>
+            </a:pPr>
+            <a:r>
+              <a:rPr lang="ja-JP" altLang="en-US" dirty="0">
+                <a:solidFill>
+                  <a:srgbClr val="000000"/>
+                </a:solidFill>
+                <a:latin typeface="メイリオ" panose="020B0604030504040204" pitchFamily="50" charset="-128"/>
+              </a:rPr>
+              <a:t>商品一覧画面で商品名から商品の詳細ページに飛ぶようにするため、</a:t>
+            </a:r>
+            <a:endParaRPr lang="en-US" altLang="ja-JP" dirty="0">
+              <a:solidFill>
+                <a:srgbClr val="000000"/>
+              </a:solidFill>
+              <a:latin typeface="メイリオ" panose="020B0604030504040204" pitchFamily="50" charset="-128"/>
+            </a:endParaRPr>
+          </a:p>
+          <a:p>
+            <a:pPr eaLnBrk="1">
+              <a:lnSpc>
+                <a:spcPct val="150000"/>
+              </a:lnSpc>
+              <a:buClrTx/>
+              <a:buFontTx/>
+              <a:buNone/>
+            </a:pPr>
+            <a:r>
+              <a:rPr lang="ja-JP" altLang="en-US" dirty="0">
+                <a:solidFill>
+                  <a:srgbClr val="000000"/>
+                </a:solidFill>
+                <a:latin typeface="メイリオ" panose="020B0604030504040204" pitchFamily="50" charset="-128"/>
+              </a:rPr>
+              <a:t>リンクで商品</a:t>
+            </a:r>
+            <a:r>
+              <a:rPr lang="en-US" altLang="ja-JP" dirty="0">
+                <a:solidFill>
+                  <a:srgbClr val="000000"/>
+                </a:solidFill>
+                <a:latin typeface="メイリオ" panose="020B0604030504040204" pitchFamily="50" charset="-128"/>
+              </a:rPr>
+              <a:t>ID</a:t>
+            </a:r>
+            <a:r>
+              <a:rPr lang="ja-JP" altLang="en-US" dirty="0">
+                <a:solidFill>
+                  <a:srgbClr val="000000"/>
+                </a:solidFill>
+                <a:latin typeface="メイリオ" panose="020B0604030504040204" pitchFamily="50" charset="-128"/>
+              </a:rPr>
+              <a:t>をサーブレットへ送れるようにしたこと</a:t>
+            </a:r>
+            <a:endParaRPr lang="en-US" altLang="ja-JP" dirty="0">
+              <a:solidFill>
+                <a:srgbClr val="000000"/>
+              </a:solidFill>
+              <a:latin typeface="メイリオ" panose="020B0604030504040204" pitchFamily="50" charset="-128"/>
+            </a:endParaRPr>
+          </a:p>
+          <a:p>
+            <a:pPr eaLnBrk="1">
+              <a:lnSpc>
+                <a:spcPct val="125000"/>
+              </a:lnSpc>
+              <a:buClrTx/>
+              <a:buFontTx/>
+              <a:buNone/>
+            </a:pPr>
+            <a:endParaRPr lang="en-US" altLang="ja-JP" dirty="0">
+              <a:solidFill>
+                <a:srgbClr val="000000"/>
+              </a:solidFill>
+              <a:latin typeface="メイリオ" panose="020B0604030504040204" pitchFamily="50" charset="-128"/>
+            </a:endParaRPr>
+          </a:p>
+          <a:p>
+            <a:pPr eaLnBrk="1">
+              <a:lnSpc>
+                <a:spcPct val="125000"/>
+              </a:lnSpc>
+              <a:buClrTx/>
+              <a:buFontTx/>
+              <a:buNone/>
+            </a:pPr>
+            <a:r>
+              <a:rPr lang="ja-JP" altLang="ja-JP" dirty="0">
+                <a:solidFill>
+                  <a:srgbClr val="000000"/>
+                </a:solidFill>
+                <a:latin typeface="メイリオ" panose="020B0604030504040204" pitchFamily="50" charset="-128"/>
+              </a:rPr>
+              <a:t>【反省点】</a:t>
+            </a:r>
+            <a:endParaRPr lang="en-US" altLang="ja-JP" dirty="0">
+              <a:solidFill>
+                <a:srgbClr val="000000"/>
+              </a:solidFill>
+              <a:latin typeface="メイリオ" panose="020B0604030504040204" pitchFamily="50" charset="-128"/>
+            </a:endParaRPr>
+          </a:p>
+          <a:p>
+            <a:pPr marL="285750" lvl="0" indent="-285750" fontAlgn="base" hangingPunct="0">
+              <a:lnSpc>
+                <a:spcPct val="150000"/>
+              </a:lnSpc>
+              <a:spcBef>
+                <a:spcPct val="0"/>
+              </a:spcBef>
+              <a:spcAft>
+                <a:spcPct val="0"/>
+              </a:spcAft>
+              <a:buFont typeface="Arial" panose="020B0604020202020204" pitchFamily="34" charset="0"/>
+              <a:buChar char="•"/>
+              <a:tabLst/>
+            </a:pPr>
+            <a:r>
+              <a:rPr kumimoji="0" lang="ja-JP" altLang="ja-JP" dirty="0">
+                <a:solidFill>
+                  <a:srgbClr val="1D1C1D"/>
+                </a:solidFill>
+                <a:latin typeface="Arial Unicode MS" panose="020B0604020202020204" pitchFamily="50" charset="-128"/>
+                <a:ea typeface="inherit"/>
+              </a:rPr>
+              <a:t>全体的に作成作業で分からないところなどがあり、時間がかかってしまった。</a:t>
+            </a:r>
+            <a:endParaRPr kumimoji="0" lang="ja-JP" altLang="ja-JP" sz="2400" dirty="0">
+              <a:solidFill>
+                <a:schemeClr val="tx1"/>
+              </a:solidFill>
+            </a:endParaRPr>
+          </a:p>
+          <a:p>
+            <a:pPr marL="285750" lvl="0" indent="-285750" fontAlgn="base" hangingPunct="0">
+              <a:lnSpc>
+                <a:spcPct val="150000"/>
+              </a:lnSpc>
+              <a:spcBef>
+                <a:spcPct val="0"/>
+              </a:spcBef>
+              <a:spcAft>
+                <a:spcPct val="0"/>
+              </a:spcAft>
+              <a:buFont typeface="Arial" panose="020B0604020202020204" pitchFamily="34" charset="0"/>
+              <a:buChar char="•"/>
+              <a:tabLst/>
+            </a:pPr>
+            <a:r>
+              <a:rPr kumimoji="0" lang="ja-JP" altLang="ja-JP" dirty="0">
+                <a:solidFill>
+                  <a:srgbClr val="1D1C1D"/>
+                </a:solidFill>
+                <a:latin typeface="Arial Unicode MS" panose="020B0604020202020204" pitchFamily="50" charset="-128"/>
+                <a:ea typeface="inherit"/>
+              </a:rPr>
+              <a:t>チームメンバーに協力してもらいながら、作成を行ったので技術面をもっと</a:t>
+            </a:r>
+            <a:endParaRPr kumimoji="0" lang="en-US" altLang="ja-JP" dirty="0">
+              <a:solidFill>
+                <a:srgbClr val="1D1C1D"/>
+              </a:solidFill>
+              <a:latin typeface="Arial Unicode MS" panose="020B0604020202020204" pitchFamily="50" charset="-128"/>
+              <a:ea typeface="inherit"/>
+            </a:endParaRPr>
+          </a:p>
+          <a:p>
+            <a:pPr lvl="0" fontAlgn="base" hangingPunct="0">
+              <a:lnSpc>
+                <a:spcPct val="150000"/>
+              </a:lnSpc>
+              <a:spcBef>
+                <a:spcPct val="0"/>
+              </a:spcBef>
+              <a:spcAft>
+                <a:spcPct val="0"/>
+              </a:spcAft>
+              <a:tabLst/>
+            </a:pPr>
+            <a:r>
+              <a:rPr kumimoji="0" lang="en-US" altLang="ja-JP" dirty="0">
+                <a:solidFill>
+                  <a:srgbClr val="1D1C1D"/>
+                </a:solidFill>
+                <a:latin typeface="Arial Unicode MS" panose="020B0604020202020204" pitchFamily="50" charset="-128"/>
+                <a:ea typeface="inherit"/>
+              </a:rPr>
+              <a:t>    </a:t>
+            </a:r>
+            <a:r>
+              <a:rPr kumimoji="0" lang="ja-JP" altLang="ja-JP" dirty="0">
+                <a:solidFill>
+                  <a:srgbClr val="1D1C1D"/>
+                </a:solidFill>
+                <a:latin typeface="Arial Unicode MS" panose="020B0604020202020204" pitchFamily="50" charset="-128"/>
+                <a:ea typeface="inherit"/>
+              </a:rPr>
+              <a:t>鍛えなくてはいけないと感じた</a:t>
+            </a:r>
+            <a:endParaRPr lang="ja-JP" altLang="ja-JP" dirty="0">
+              <a:solidFill>
+                <a:srgbClr val="000000"/>
+              </a:solidFill>
+              <a:latin typeface="メイリオ" panose="020B0604030504040204" pitchFamily="50" charset="-128"/>
+            </a:endParaRPr>
+          </a:p>
+          <a:p>
+            <a:pPr eaLnBrk="1">
+              <a:lnSpc>
+                <a:spcPct val="125000"/>
+              </a:lnSpc>
+              <a:buClrTx/>
+              <a:buFontTx/>
+              <a:buNone/>
+            </a:pPr>
+            <a:endParaRPr lang="ja-JP" altLang="ja-JP" dirty="0">
+              <a:solidFill>
+                <a:srgbClr val="000000"/>
+              </a:solidFill>
+              <a:latin typeface="メイリオ" panose="020B0604030504040204" pitchFamily="50" charset="-128"/>
+            </a:endParaRPr>
+          </a:p>
+        </p:txBody>
+      </p:sp>
+    </p:spTree>
+    <p:extLst>
+      <p:ext uri="{BB962C8B-B14F-4D97-AF65-F5344CB8AC3E}">
+        <p14:creationId xmlns:p14="http://schemas.microsoft.com/office/powerpoint/2010/main" val="151952392"/>
+      </p:ext>
+    </p:extLst>
+  </p:cSld>
+  <p:clrMapOvr>
+    <a:masterClrMapping/>
+  </p:clrMapOvr>
+  <p:timing>
+    <p:tnLst>
+      <p:par>
+        <p:cTn id="1" dur="indefinite" restart="never" nodeType="tmRoot"/>
+      </p:par>
+    </p:tnLst>
+  </p:timing>
+</p:sld>
+</file>
+
+<file path=ppt/slides/slide18.xml><?xml version="1.0" encoding="utf-8"?>
+<p:sld xmlns:a="http://schemas.openxmlformats.org/drawingml/2006/main" xmlns:r="http://schemas.openxmlformats.org/officeDocument/2006/relationships" xmlns:p="http://schemas.openxmlformats.org/presentationml/2006/main">
+  <p:cSld>
+    <p:spTree>
+      <p:nvGrpSpPr>
+        <p:cNvPr id="1" name=""/>
+        <p:cNvGrpSpPr/>
+        <p:nvPr/>
+      </p:nvGrpSpPr>
+      <p:grpSpPr>
+        <a:xfrm>
+          <a:off x="0" y="0"/>
+          <a:ext cx="0" cy="0"/>
+          <a:chOff x="0" y="0"/>
+          <a:chExt cx="0" cy="0"/>
+        </a:xfrm>
+      </p:grpSpPr>
+      <p:sp>
+        <p:nvSpPr>
+          <p:cNvPr id="2" name="スライド番号プレースホルダー 1"/>
+          <p:cNvSpPr>
+            <a:spLocks noGrp="1"/>
+          </p:cNvSpPr>
+          <p:nvPr>
+            <p:ph type="sldNum" sz="quarter" idx="12"/>
+          </p:nvPr>
+        </p:nvSpPr>
+        <p:spPr/>
+        <p:txBody>
+          <a:bodyPr/>
+          <a:lstStyle/>
+          <a:p>
+            <a:fld id="{D62A6D24-7F3D-4A52-B258-0799191E0682}" type="slidenum">
+              <a:rPr kumimoji="1" lang="ja-JP" altLang="en-US" smtClean="0"/>
+              <a:t>18</a:t>
+            </a:fld>
+            <a:endParaRPr kumimoji="1" lang="ja-JP" altLang="en-US"/>
+          </a:p>
+        </p:txBody>
+      </p:sp>
+      <p:sp>
+        <p:nvSpPr>
           <p:cNvPr id="3" name="テキスト ボックス 2"/>
           <p:cNvSpPr txBox="1"/>
           <p:nvPr/>
         </p:nvSpPr>
         <p:spPr>
           <a:xfrm>
-            <a:off x="1957590" y="3000777"/>
-            <a:ext cx="9401577" cy="830997"/>
+            <a:off x="4597759" y="3039414"/>
+            <a:ext cx="2897746" cy="830997"/>
           </a:xfrm>
           <a:prstGeom prst="rect">
             <a:avLst/>
@@ -15227,8 +17947,8 @@
           <a:lstStyle/>
           <a:p>
             <a:r>
-              <a:rPr kumimoji="1" lang="ja-JP" altLang="en-US" sz="4800" dirty="0" smtClean="0"/>
-              <a:t>ご清聴ありがとうございました。</a:t>
+              <a:rPr lang="ja-JP" altLang="en-US" sz="4800" dirty="0"/>
+              <a:t>質疑応答</a:t>
             </a:r>
             <a:endParaRPr kumimoji="1" lang="ja-JP" altLang="en-US" sz="4800" dirty="0"/>
           </a:p>
@@ -15237,13 +17957,722 @@
     </p:spTree>
     <p:extLst>
       <p:ext uri="{BB962C8B-B14F-4D97-AF65-F5344CB8AC3E}">
-        <p14:creationId xmlns:p14="http://schemas.microsoft.com/office/powerpoint/2010/main" val="2773882813"/>
+        <p14:creationId xmlns:p14="http://schemas.microsoft.com/office/powerpoint/2010/main" val="3623089874"/>
       </p:ext>
     </p:extLst>
   </p:cSld>
   <p:clrMapOvr>
     <a:masterClrMapping/>
   </p:clrMapOvr>
+  <p:timing>
+    <p:tnLst>
+      <p:par>
+        <p:cTn id="1" dur="indefinite" restart="never" nodeType="tmRoot"/>
+      </p:par>
+    </p:tnLst>
+  </p:timing>
+</p:sld>
+</file>
+
+<file path=ppt/slides/slide19.xml><?xml version="1.0" encoding="utf-8"?>
+<p:sld xmlns:a="http://schemas.openxmlformats.org/drawingml/2006/main" xmlns:r="http://schemas.openxmlformats.org/officeDocument/2006/relationships" xmlns:p="http://schemas.openxmlformats.org/presentationml/2006/main">
+  <p:cSld>
+    <p:spTree>
+      <p:nvGrpSpPr>
+        <p:cNvPr id="1" name=""/>
+        <p:cNvGrpSpPr/>
+        <p:nvPr/>
+      </p:nvGrpSpPr>
+      <p:grpSpPr>
+        <a:xfrm>
+          <a:off x="0" y="0"/>
+          <a:ext cx="0" cy="0"/>
+          <a:chOff x="0" y="0"/>
+          <a:chExt cx="0" cy="0"/>
+        </a:xfrm>
+      </p:grpSpPr>
+      <p:sp>
+        <p:nvSpPr>
+          <p:cNvPr id="2" name="スライド番号プレースホルダー 1"/>
+          <p:cNvSpPr>
+            <a:spLocks noGrp="1"/>
+          </p:cNvSpPr>
+          <p:nvPr>
+            <p:ph type="sldNum" sz="quarter" idx="12"/>
+          </p:nvPr>
+        </p:nvSpPr>
+        <p:spPr/>
+        <p:txBody>
+          <a:bodyPr/>
+          <a:lstStyle/>
+          <a:p>
+            <a:fld id="{D62A6D24-7F3D-4A52-B258-0799191E0682}" type="slidenum">
+              <a:rPr kumimoji="1" lang="ja-JP" altLang="en-US" smtClean="0"/>
+              <a:t>19</a:t>
+            </a:fld>
+            <a:endParaRPr kumimoji="1" lang="ja-JP" altLang="en-US"/>
+          </a:p>
+        </p:txBody>
+      </p:sp>
+      <p:sp>
+        <p:nvSpPr>
+          <p:cNvPr id="3" name="Text Box 2"/>
+          <p:cNvSpPr txBox="1">
+            <a:spLocks noChangeArrowheads="1"/>
+          </p:cNvSpPr>
+          <p:nvPr/>
+        </p:nvSpPr>
+        <p:spPr bwMode="auto">
+          <a:xfrm>
+            <a:off x="4972208" y="339312"/>
+            <a:ext cx="2085416" cy="1262063"/>
+          </a:xfrm>
+          <a:prstGeom prst="rect">
+            <a:avLst/>
+          </a:prstGeom>
+          <a:noFill/>
+          <a:ln>
+            <a:noFill/>
+          </a:ln>
+          <a:extLst>
+            <a:ext uri="{909E8E84-426E-40DD-AFC4-6F175D3DCCD1}">
+              <a14:hiddenFill xmlns:a14="http://schemas.microsoft.com/office/drawing/2010/main">
+                <a:solidFill>
+                  <a:srgbClr val="FFFFFF"/>
+                </a:solidFill>
+              </a14:hiddenFill>
+            </a:ext>
+            <a:ext uri="{91240B29-F687-4F45-9708-019B960494DF}">
+              <a14:hiddenLine xmlns:a14="http://schemas.microsoft.com/office/drawing/2010/main" w="9525">
+                <a:solidFill>
+                  <a:srgbClr val="000000"/>
+                </a:solidFill>
+                <a:round/>
+                <a:headEnd/>
+                <a:tailEnd/>
+              </a14:hiddenLine>
+            </a:ext>
+          </a:extLst>
+        </p:spPr>
+        <p:txBody>
+          <a:bodyPr lIns="0" tIns="0" rIns="0" bIns="0" anchor="ctr"/>
+          <a:lstStyle>
+            <a:lvl1pPr eaLnBrk="0">
+              <a:tabLst>
+                <a:tab pos="0" algn="l"/>
+                <a:tab pos="447675" algn="l"/>
+                <a:tab pos="896938" algn="l"/>
+                <a:tab pos="1346200" algn="l"/>
+                <a:tab pos="1795463" algn="l"/>
+                <a:tab pos="2244725" algn="l"/>
+                <a:tab pos="2693988" algn="l"/>
+                <a:tab pos="3143250" algn="l"/>
+                <a:tab pos="3592513" algn="l"/>
+                <a:tab pos="4041775" algn="l"/>
+                <a:tab pos="4491038" algn="l"/>
+                <a:tab pos="4940300" algn="l"/>
+                <a:tab pos="5389563" algn="l"/>
+                <a:tab pos="5838825" algn="l"/>
+                <a:tab pos="6288088" algn="l"/>
+                <a:tab pos="6737350" algn="l"/>
+                <a:tab pos="7186613" algn="l"/>
+                <a:tab pos="7635875" algn="l"/>
+                <a:tab pos="8085138" algn="l"/>
+                <a:tab pos="8534400" algn="l"/>
+                <a:tab pos="8983663" algn="l"/>
+              </a:tabLst>
+              <a:defRPr>
+                <a:solidFill>
+                  <a:schemeClr val="bg1"/>
+                </a:solidFill>
+                <a:latin typeface="Arial" panose="020B0604020202020204" pitchFamily="34" charset="0"/>
+                <a:ea typeface="ＭＳ Ｐゴシック" panose="020B0600070205080204" pitchFamily="50" charset="-128"/>
+              </a:defRPr>
+            </a:lvl1pPr>
+            <a:lvl2pPr eaLnBrk="0">
+              <a:tabLst>
+                <a:tab pos="0" algn="l"/>
+                <a:tab pos="447675" algn="l"/>
+                <a:tab pos="896938" algn="l"/>
+                <a:tab pos="1346200" algn="l"/>
+                <a:tab pos="1795463" algn="l"/>
+                <a:tab pos="2244725" algn="l"/>
+                <a:tab pos="2693988" algn="l"/>
+                <a:tab pos="3143250" algn="l"/>
+                <a:tab pos="3592513" algn="l"/>
+                <a:tab pos="4041775" algn="l"/>
+                <a:tab pos="4491038" algn="l"/>
+                <a:tab pos="4940300" algn="l"/>
+                <a:tab pos="5389563" algn="l"/>
+                <a:tab pos="5838825" algn="l"/>
+                <a:tab pos="6288088" algn="l"/>
+                <a:tab pos="6737350" algn="l"/>
+                <a:tab pos="7186613" algn="l"/>
+                <a:tab pos="7635875" algn="l"/>
+                <a:tab pos="8085138" algn="l"/>
+                <a:tab pos="8534400" algn="l"/>
+                <a:tab pos="8983663" algn="l"/>
+              </a:tabLst>
+              <a:defRPr>
+                <a:solidFill>
+                  <a:schemeClr val="bg1"/>
+                </a:solidFill>
+                <a:latin typeface="Arial" panose="020B0604020202020204" pitchFamily="34" charset="0"/>
+                <a:ea typeface="ＭＳ Ｐゴシック" panose="020B0600070205080204" pitchFamily="50" charset="-128"/>
+              </a:defRPr>
+            </a:lvl2pPr>
+            <a:lvl3pPr eaLnBrk="0">
+              <a:tabLst>
+                <a:tab pos="0" algn="l"/>
+                <a:tab pos="447675" algn="l"/>
+                <a:tab pos="896938" algn="l"/>
+                <a:tab pos="1346200" algn="l"/>
+                <a:tab pos="1795463" algn="l"/>
+                <a:tab pos="2244725" algn="l"/>
+                <a:tab pos="2693988" algn="l"/>
+                <a:tab pos="3143250" algn="l"/>
+                <a:tab pos="3592513" algn="l"/>
+                <a:tab pos="4041775" algn="l"/>
+                <a:tab pos="4491038" algn="l"/>
+                <a:tab pos="4940300" algn="l"/>
+                <a:tab pos="5389563" algn="l"/>
+                <a:tab pos="5838825" algn="l"/>
+                <a:tab pos="6288088" algn="l"/>
+                <a:tab pos="6737350" algn="l"/>
+                <a:tab pos="7186613" algn="l"/>
+                <a:tab pos="7635875" algn="l"/>
+                <a:tab pos="8085138" algn="l"/>
+                <a:tab pos="8534400" algn="l"/>
+                <a:tab pos="8983663" algn="l"/>
+              </a:tabLst>
+              <a:defRPr>
+                <a:solidFill>
+                  <a:schemeClr val="bg1"/>
+                </a:solidFill>
+                <a:latin typeface="Arial" panose="020B0604020202020204" pitchFamily="34" charset="0"/>
+                <a:ea typeface="ＭＳ Ｐゴシック" panose="020B0600070205080204" pitchFamily="50" charset="-128"/>
+              </a:defRPr>
+            </a:lvl3pPr>
+            <a:lvl4pPr eaLnBrk="0">
+              <a:tabLst>
+                <a:tab pos="0" algn="l"/>
+                <a:tab pos="447675" algn="l"/>
+                <a:tab pos="896938" algn="l"/>
+                <a:tab pos="1346200" algn="l"/>
+                <a:tab pos="1795463" algn="l"/>
+                <a:tab pos="2244725" algn="l"/>
+                <a:tab pos="2693988" algn="l"/>
+                <a:tab pos="3143250" algn="l"/>
+                <a:tab pos="3592513" algn="l"/>
+                <a:tab pos="4041775" algn="l"/>
+                <a:tab pos="4491038" algn="l"/>
+                <a:tab pos="4940300" algn="l"/>
+                <a:tab pos="5389563" algn="l"/>
+                <a:tab pos="5838825" algn="l"/>
+                <a:tab pos="6288088" algn="l"/>
+                <a:tab pos="6737350" algn="l"/>
+                <a:tab pos="7186613" algn="l"/>
+                <a:tab pos="7635875" algn="l"/>
+                <a:tab pos="8085138" algn="l"/>
+                <a:tab pos="8534400" algn="l"/>
+                <a:tab pos="8983663" algn="l"/>
+              </a:tabLst>
+              <a:defRPr>
+                <a:solidFill>
+                  <a:schemeClr val="bg1"/>
+                </a:solidFill>
+                <a:latin typeface="Arial" panose="020B0604020202020204" pitchFamily="34" charset="0"/>
+                <a:ea typeface="ＭＳ Ｐゴシック" panose="020B0600070205080204" pitchFamily="50" charset="-128"/>
+              </a:defRPr>
+            </a:lvl4pPr>
+            <a:lvl5pPr eaLnBrk="0">
+              <a:tabLst>
+                <a:tab pos="0" algn="l"/>
+                <a:tab pos="447675" algn="l"/>
+                <a:tab pos="896938" algn="l"/>
+                <a:tab pos="1346200" algn="l"/>
+                <a:tab pos="1795463" algn="l"/>
+                <a:tab pos="2244725" algn="l"/>
+                <a:tab pos="2693988" algn="l"/>
+                <a:tab pos="3143250" algn="l"/>
+                <a:tab pos="3592513" algn="l"/>
+                <a:tab pos="4041775" algn="l"/>
+                <a:tab pos="4491038" algn="l"/>
+                <a:tab pos="4940300" algn="l"/>
+                <a:tab pos="5389563" algn="l"/>
+                <a:tab pos="5838825" algn="l"/>
+                <a:tab pos="6288088" algn="l"/>
+                <a:tab pos="6737350" algn="l"/>
+                <a:tab pos="7186613" algn="l"/>
+                <a:tab pos="7635875" algn="l"/>
+                <a:tab pos="8085138" algn="l"/>
+                <a:tab pos="8534400" algn="l"/>
+                <a:tab pos="8983663" algn="l"/>
+              </a:tabLst>
+              <a:defRPr>
+                <a:solidFill>
+                  <a:schemeClr val="bg1"/>
+                </a:solidFill>
+                <a:latin typeface="Arial" panose="020B0604020202020204" pitchFamily="34" charset="0"/>
+                <a:ea typeface="ＭＳ Ｐゴシック" panose="020B0600070205080204" pitchFamily="50" charset="-128"/>
+              </a:defRPr>
+            </a:lvl5pPr>
+            <a:lvl6pPr marL="2514600" indent="-228600" defTabSz="449263" eaLnBrk="0" fontAlgn="base" hangingPunct="0">
+              <a:lnSpc>
+                <a:spcPct val="93000"/>
+              </a:lnSpc>
+              <a:spcBef>
+                <a:spcPct val="0"/>
+              </a:spcBef>
+              <a:spcAft>
+                <a:spcPct val="0"/>
+              </a:spcAft>
+              <a:buClr>
+                <a:srgbClr val="000000"/>
+              </a:buClr>
+              <a:buSzPct val="100000"/>
+              <a:buFont typeface="Times New Roman" panose="02020603050405020304" pitchFamily="18" charset="0"/>
+              <a:tabLst>
+                <a:tab pos="0" algn="l"/>
+                <a:tab pos="447675" algn="l"/>
+                <a:tab pos="896938" algn="l"/>
+                <a:tab pos="1346200" algn="l"/>
+                <a:tab pos="1795463" algn="l"/>
+                <a:tab pos="2244725" algn="l"/>
+                <a:tab pos="2693988" algn="l"/>
+                <a:tab pos="3143250" algn="l"/>
+                <a:tab pos="3592513" algn="l"/>
+                <a:tab pos="4041775" algn="l"/>
+                <a:tab pos="4491038" algn="l"/>
+                <a:tab pos="4940300" algn="l"/>
+                <a:tab pos="5389563" algn="l"/>
+                <a:tab pos="5838825" algn="l"/>
+                <a:tab pos="6288088" algn="l"/>
+                <a:tab pos="6737350" algn="l"/>
+                <a:tab pos="7186613" algn="l"/>
+                <a:tab pos="7635875" algn="l"/>
+                <a:tab pos="8085138" algn="l"/>
+                <a:tab pos="8534400" algn="l"/>
+                <a:tab pos="8983663" algn="l"/>
+              </a:tabLst>
+              <a:defRPr>
+                <a:solidFill>
+                  <a:schemeClr val="bg1"/>
+                </a:solidFill>
+                <a:latin typeface="Arial" panose="020B0604020202020204" pitchFamily="34" charset="0"/>
+                <a:ea typeface="ＭＳ Ｐゴシック" panose="020B0600070205080204" pitchFamily="50" charset="-128"/>
+              </a:defRPr>
+            </a:lvl6pPr>
+            <a:lvl7pPr marL="2971800" indent="-228600" defTabSz="449263" eaLnBrk="0" fontAlgn="base" hangingPunct="0">
+              <a:lnSpc>
+                <a:spcPct val="93000"/>
+              </a:lnSpc>
+              <a:spcBef>
+                <a:spcPct val="0"/>
+              </a:spcBef>
+              <a:spcAft>
+                <a:spcPct val="0"/>
+              </a:spcAft>
+              <a:buClr>
+                <a:srgbClr val="000000"/>
+              </a:buClr>
+              <a:buSzPct val="100000"/>
+              <a:buFont typeface="Times New Roman" panose="02020603050405020304" pitchFamily="18" charset="0"/>
+              <a:tabLst>
+                <a:tab pos="0" algn="l"/>
+                <a:tab pos="447675" algn="l"/>
+                <a:tab pos="896938" algn="l"/>
+                <a:tab pos="1346200" algn="l"/>
+                <a:tab pos="1795463" algn="l"/>
+                <a:tab pos="2244725" algn="l"/>
+                <a:tab pos="2693988" algn="l"/>
+                <a:tab pos="3143250" algn="l"/>
+                <a:tab pos="3592513" algn="l"/>
+                <a:tab pos="4041775" algn="l"/>
+                <a:tab pos="4491038" algn="l"/>
+                <a:tab pos="4940300" algn="l"/>
+                <a:tab pos="5389563" algn="l"/>
+                <a:tab pos="5838825" algn="l"/>
+                <a:tab pos="6288088" algn="l"/>
+                <a:tab pos="6737350" algn="l"/>
+                <a:tab pos="7186613" algn="l"/>
+                <a:tab pos="7635875" algn="l"/>
+                <a:tab pos="8085138" algn="l"/>
+                <a:tab pos="8534400" algn="l"/>
+                <a:tab pos="8983663" algn="l"/>
+              </a:tabLst>
+              <a:defRPr>
+                <a:solidFill>
+                  <a:schemeClr val="bg1"/>
+                </a:solidFill>
+                <a:latin typeface="Arial" panose="020B0604020202020204" pitchFamily="34" charset="0"/>
+                <a:ea typeface="ＭＳ Ｐゴシック" panose="020B0600070205080204" pitchFamily="50" charset="-128"/>
+              </a:defRPr>
+            </a:lvl7pPr>
+            <a:lvl8pPr marL="3429000" indent="-228600" defTabSz="449263" eaLnBrk="0" fontAlgn="base" hangingPunct="0">
+              <a:lnSpc>
+                <a:spcPct val="93000"/>
+              </a:lnSpc>
+              <a:spcBef>
+                <a:spcPct val="0"/>
+              </a:spcBef>
+              <a:spcAft>
+                <a:spcPct val="0"/>
+              </a:spcAft>
+              <a:buClr>
+                <a:srgbClr val="000000"/>
+              </a:buClr>
+              <a:buSzPct val="100000"/>
+              <a:buFont typeface="Times New Roman" panose="02020603050405020304" pitchFamily="18" charset="0"/>
+              <a:tabLst>
+                <a:tab pos="0" algn="l"/>
+                <a:tab pos="447675" algn="l"/>
+                <a:tab pos="896938" algn="l"/>
+                <a:tab pos="1346200" algn="l"/>
+                <a:tab pos="1795463" algn="l"/>
+                <a:tab pos="2244725" algn="l"/>
+                <a:tab pos="2693988" algn="l"/>
+                <a:tab pos="3143250" algn="l"/>
+                <a:tab pos="3592513" algn="l"/>
+                <a:tab pos="4041775" algn="l"/>
+                <a:tab pos="4491038" algn="l"/>
+                <a:tab pos="4940300" algn="l"/>
+                <a:tab pos="5389563" algn="l"/>
+                <a:tab pos="5838825" algn="l"/>
+                <a:tab pos="6288088" algn="l"/>
+                <a:tab pos="6737350" algn="l"/>
+                <a:tab pos="7186613" algn="l"/>
+                <a:tab pos="7635875" algn="l"/>
+                <a:tab pos="8085138" algn="l"/>
+                <a:tab pos="8534400" algn="l"/>
+                <a:tab pos="8983663" algn="l"/>
+              </a:tabLst>
+              <a:defRPr>
+                <a:solidFill>
+                  <a:schemeClr val="bg1"/>
+                </a:solidFill>
+                <a:latin typeface="Arial" panose="020B0604020202020204" pitchFamily="34" charset="0"/>
+                <a:ea typeface="ＭＳ Ｐゴシック" panose="020B0600070205080204" pitchFamily="50" charset="-128"/>
+              </a:defRPr>
+            </a:lvl8pPr>
+            <a:lvl9pPr marL="3886200" indent="-228600" defTabSz="449263" eaLnBrk="0" fontAlgn="base" hangingPunct="0">
+              <a:lnSpc>
+                <a:spcPct val="93000"/>
+              </a:lnSpc>
+              <a:spcBef>
+                <a:spcPct val="0"/>
+              </a:spcBef>
+              <a:spcAft>
+                <a:spcPct val="0"/>
+              </a:spcAft>
+              <a:buClr>
+                <a:srgbClr val="000000"/>
+              </a:buClr>
+              <a:buSzPct val="100000"/>
+              <a:buFont typeface="Times New Roman" panose="02020603050405020304" pitchFamily="18" charset="0"/>
+              <a:tabLst>
+                <a:tab pos="0" algn="l"/>
+                <a:tab pos="447675" algn="l"/>
+                <a:tab pos="896938" algn="l"/>
+                <a:tab pos="1346200" algn="l"/>
+                <a:tab pos="1795463" algn="l"/>
+                <a:tab pos="2244725" algn="l"/>
+                <a:tab pos="2693988" algn="l"/>
+                <a:tab pos="3143250" algn="l"/>
+                <a:tab pos="3592513" algn="l"/>
+                <a:tab pos="4041775" algn="l"/>
+                <a:tab pos="4491038" algn="l"/>
+                <a:tab pos="4940300" algn="l"/>
+                <a:tab pos="5389563" algn="l"/>
+                <a:tab pos="5838825" algn="l"/>
+                <a:tab pos="6288088" algn="l"/>
+                <a:tab pos="6737350" algn="l"/>
+                <a:tab pos="7186613" algn="l"/>
+                <a:tab pos="7635875" algn="l"/>
+                <a:tab pos="8085138" algn="l"/>
+                <a:tab pos="8534400" algn="l"/>
+                <a:tab pos="8983663" algn="l"/>
+              </a:tabLst>
+              <a:defRPr>
+                <a:solidFill>
+                  <a:schemeClr val="bg1"/>
+                </a:solidFill>
+                <a:latin typeface="Arial" panose="020B0604020202020204" pitchFamily="34" charset="0"/>
+                <a:ea typeface="ＭＳ Ｐゴシック" panose="020B0600070205080204" pitchFamily="50" charset="-128"/>
+              </a:defRPr>
+            </a:lvl9pPr>
+          </a:lstStyle>
+          <a:p>
+            <a:pPr eaLnBrk="1">
+              <a:lnSpc>
+                <a:spcPct val="125000"/>
+              </a:lnSpc>
+              <a:buClrTx/>
+              <a:buFontTx/>
+              <a:buNone/>
+            </a:pPr>
+            <a:r>
+              <a:rPr lang="en-US" altLang="ja-JP" sz="2800" b="1" dirty="0">
+                <a:solidFill>
+                  <a:srgbClr val="000000"/>
+                </a:solidFill>
+                <a:latin typeface="メイリオ" panose="020B0604030504040204" pitchFamily="50" charset="-128"/>
+              </a:rPr>
+              <a:t>7. </a:t>
+            </a:r>
+            <a:r>
+              <a:rPr lang="ja-JP" altLang="ja-JP" sz="2800" b="1" dirty="0">
+                <a:solidFill>
+                  <a:srgbClr val="000000"/>
+                </a:solidFill>
+                <a:latin typeface="メイリオ" panose="020B0604030504040204" pitchFamily="50" charset="-128"/>
+              </a:rPr>
+              <a:t>最後に</a:t>
+            </a:r>
+          </a:p>
+        </p:txBody>
+      </p:sp>
+      <p:sp>
+        <p:nvSpPr>
+          <p:cNvPr id="6" name="テキスト ボックス 5"/>
+          <p:cNvSpPr txBox="1"/>
+          <p:nvPr/>
+        </p:nvSpPr>
+        <p:spPr>
+          <a:xfrm>
+            <a:off x="2352540" y="1961983"/>
+            <a:ext cx="8916473" cy="4247317"/>
+          </a:xfrm>
+          <a:prstGeom prst="rect">
+            <a:avLst/>
+          </a:prstGeom>
+          <a:noFill/>
+        </p:spPr>
+        <p:txBody>
+          <a:bodyPr wrap="square" rtlCol="0">
+            <a:spAutoFit/>
+          </a:bodyPr>
+          <a:lstStyle/>
+          <a:p>
+            <a:pPr lvl="0" eaLnBrk="0" fontAlgn="base" hangingPunct="0">
+              <a:lnSpc>
+                <a:spcPct val="150000"/>
+              </a:lnSpc>
+              <a:spcBef>
+                <a:spcPct val="0"/>
+              </a:spcBef>
+              <a:spcAft>
+                <a:spcPct val="0"/>
+              </a:spcAft>
+            </a:pPr>
+            <a:r>
+              <a:rPr kumimoji="0" lang="ja-JP" altLang="ja-JP" sz="2400" dirty="0" smtClean="0">
+                <a:solidFill>
+                  <a:srgbClr val="1D1C1D"/>
+                </a:solidFill>
+                <a:latin typeface="Arial Unicode MS" panose="020B0604020202020204" pitchFamily="50" charset="-128"/>
+                <a:ea typeface="inherit"/>
+              </a:rPr>
+              <a:t>12日間</a:t>
+            </a:r>
+            <a:r>
+              <a:rPr kumimoji="0" lang="ja-JP" altLang="ja-JP" sz="2400" dirty="0">
+                <a:solidFill>
+                  <a:srgbClr val="1D1C1D"/>
+                </a:solidFill>
+                <a:latin typeface="Arial Unicode MS" panose="020B0604020202020204" pitchFamily="50" charset="-128"/>
+                <a:ea typeface="inherit"/>
+              </a:rPr>
+              <a:t>という短い開発期間でしたが、</a:t>
+            </a:r>
+            <a:endParaRPr kumimoji="0" lang="ja-JP" altLang="ja-JP" sz="3200" dirty="0"/>
+          </a:p>
+          <a:p>
+            <a:pPr lvl="0" eaLnBrk="0" fontAlgn="base" hangingPunct="0">
+              <a:lnSpc>
+                <a:spcPct val="150000"/>
+              </a:lnSpc>
+              <a:spcBef>
+                <a:spcPct val="0"/>
+              </a:spcBef>
+              <a:spcAft>
+                <a:spcPct val="0"/>
+              </a:spcAft>
+            </a:pPr>
+            <a:r>
+              <a:rPr kumimoji="0" lang="ja-JP" altLang="ja-JP" sz="2400" dirty="0">
+                <a:solidFill>
+                  <a:srgbClr val="1D1C1D"/>
+                </a:solidFill>
+                <a:latin typeface="Arial Unicode MS" panose="020B0604020202020204" pitchFamily="50" charset="-128"/>
+                <a:ea typeface="inherit"/>
+              </a:rPr>
+              <a:t>チームメンバー一人一人が、足りないところに気づき、</a:t>
+            </a:r>
+            <a:endParaRPr kumimoji="0" lang="ja-JP" altLang="ja-JP" sz="3200" dirty="0"/>
+          </a:p>
+          <a:p>
+            <a:pPr lvl="0" eaLnBrk="0" fontAlgn="base" hangingPunct="0">
+              <a:lnSpc>
+                <a:spcPct val="150000"/>
+              </a:lnSpc>
+              <a:spcBef>
+                <a:spcPct val="0"/>
+              </a:spcBef>
+              <a:spcAft>
+                <a:spcPct val="0"/>
+              </a:spcAft>
+            </a:pPr>
+            <a:r>
+              <a:rPr kumimoji="0" lang="ja-JP" altLang="ja-JP" sz="2400" dirty="0">
+                <a:solidFill>
+                  <a:srgbClr val="1D1C1D"/>
+                </a:solidFill>
+                <a:latin typeface="Arial Unicode MS" panose="020B0604020202020204" pitchFamily="50" charset="-128"/>
+                <a:ea typeface="inherit"/>
+              </a:rPr>
+              <a:t>メンバー同士で補いあいながら作成することができました。</a:t>
+            </a:r>
+            <a:endParaRPr kumimoji="0" lang="ja-JP" altLang="ja-JP" sz="3200" dirty="0"/>
+          </a:p>
+          <a:p>
+            <a:pPr lvl="0" eaLnBrk="0" fontAlgn="base" hangingPunct="0">
+              <a:lnSpc>
+                <a:spcPct val="150000"/>
+              </a:lnSpc>
+              <a:spcBef>
+                <a:spcPct val="0"/>
+              </a:spcBef>
+              <a:spcAft>
+                <a:spcPct val="0"/>
+              </a:spcAft>
+            </a:pPr>
+            <a:r>
+              <a:rPr kumimoji="0" lang="ja-JP" altLang="ja-JP" sz="2400" dirty="0" smtClean="0">
+                <a:solidFill>
+                  <a:srgbClr val="1D1C1D"/>
+                </a:solidFill>
+                <a:latin typeface="Arial Unicode MS" panose="020B0604020202020204" pitchFamily="50" charset="-128"/>
+                <a:ea typeface="inherit"/>
+              </a:rPr>
+              <a:t>また</a:t>
+            </a:r>
+            <a:r>
+              <a:rPr kumimoji="0" lang="ja-JP" altLang="ja-JP" sz="2400" dirty="0">
+                <a:solidFill>
+                  <a:srgbClr val="1D1C1D"/>
+                </a:solidFill>
+                <a:latin typeface="Arial Unicode MS" panose="020B0604020202020204" pitchFamily="50" charset="-128"/>
+                <a:ea typeface="inherit"/>
+              </a:rPr>
+              <a:t>、今回の開発を通して、</a:t>
+            </a:r>
+            <a:endParaRPr kumimoji="0" lang="ja-JP" altLang="ja-JP" sz="3200" dirty="0"/>
+          </a:p>
+          <a:p>
+            <a:pPr lvl="0" eaLnBrk="0" fontAlgn="base" hangingPunct="0">
+              <a:lnSpc>
+                <a:spcPct val="150000"/>
+              </a:lnSpc>
+              <a:spcBef>
+                <a:spcPct val="0"/>
+              </a:spcBef>
+              <a:spcAft>
+                <a:spcPct val="0"/>
+              </a:spcAft>
+            </a:pPr>
+            <a:r>
+              <a:rPr kumimoji="0" lang="ja-JP" altLang="ja-JP" sz="2400" dirty="0">
+                <a:solidFill>
+                  <a:srgbClr val="1D1C1D"/>
+                </a:solidFill>
+                <a:latin typeface="Arial Unicode MS" panose="020B0604020202020204" pitchFamily="50" charset="-128"/>
+                <a:ea typeface="inherit"/>
+              </a:rPr>
+              <a:t>講義で学んだ内容を1から復習をすることができた為、</a:t>
+            </a:r>
+            <a:endParaRPr kumimoji="0" lang="ja-JP" altLang="ja-JP" sz="3200" dirty="0"/>
+          </a:p>
+          <a:p>
+            <a:pPr lvl="0" eaLnBrk="0" fontAlgn="base" hangingPunct="0">
+              <a:lnSpc>
+                <a:spcPct val="150000"/>
+              </a:lnSpc>
+              <a:spcBef>
+                <a:spcPct val="0"/>
+              </a:spcBef>
+              <a:spcAft>
+                <a:spcPct val="0"/>
+              </a:spcAft>
+            </a:pPr>
+            <a:r>
+              <a:rPr kumimoji="0" lang="ja-JP" altLang="ja-JP" sz="2400" dirty="0">
+                <a:solidFill>
+                  <a:srgbClr val="1D1C1D"/>
+                </a:solidFill>
+                <a:latin typeface="Arial Unicode MS" panose="020B0604020202020204" pitchFamily="50" charset="-128"/>
+                <a:ea typeface="inherit"/>
+              </a:rPr>
+              <a:t>とても貴重な経験となりました。</a:t>
+            </a:r>
+            <a:endParaRPr kumimoji="0" lang="ja-JP" altLang="ja-JP" sz="3200" dirty="0"/>
+          </a:p>
+          <a:p>
+            <a:pPr lvl="0" eaLnBrk="0" fontAlgn="base" hangingPunct="0">
+              <a:lnSpc>
+                <a:spcPct val="150000"/>
+              </a:lnSpc>
+              <a:spcBef>
+                <a:spcPct val="0"/>
+              </a:spcBef>
+              <a:spcAft>
+                <a:spcPct val="0"/>
+              </a:spcAft>
+            </a:pPr>
+            <a:r>
+              <a:rPr kumimoji="0" lang="ja-JP" altLang="ja-JP" sz="2400" dirty="0" smtClean="0">
+                <a:solidFill>
+                  <a:srgbClr val="1D1C1D"/>
+                </a:solidFill>
+                <a:latin typeface="Arial Unicode MS" panose="020B0604020202020204" pitchFamily="50" charset="-128"/>
+                <a:ea typeface="inherit"/>
+              </a:rPr>
+              <a:t>今回</a:t>
+            </a:r>
+            <a:r>
+              <a:rPr kumimoji="0" lang="ja-JP" altLang="ja-JP" sz="2400" dirty="0">
+                <a:solidFill>
+                  <a:srgbClr val="1D1C1D"/>
+                </a:solidFill>
+                <a:latin typeface="Arial Unicode MS" panose="020B0604020202020204" pitchFamily="50" charset="-128"/>
+                <a:ea typeface="inherit"/>
+              </a:rPr>
+              <a:t>の経験を糧にして、配属先でも精進していきたいと思います。</a:t>
+            </a:r>
+            <a:endParaRPr kumimoji="0" lang="ja-JP" altLang="ja-JP" sz="3200" dirty="0"/>
+          </a:p>
+          <a:p>
+            <a:endParaRPr kumimoji="1" lang="ja-JP" altLang="en-US" dirty="0"/>
+          </a:p>
+        </p:txBody>
+      </p:sp>
+    </p:spTree>
+    <p:extLst>
+      <p:ext uri="{BB962C8B-B14F-4D97-AF65-F5344CB8AC3E}">
+        <p14:creationId xmlns:p14="http://schemas.microsoft.com/office/powerpoint/2010/main" val="3939925915"/>
+      </p:ext>
+    </p:extLst>
+  </p:cSld>
+  <p:clrMapOvr>
+    <a:masterClrMapping/>
+  </p:clrMapOvr>
+  <p:timing>
+    <p:tnLst>
+      <p:par>
+        <p:cTn id="1" dur="indefinite" restart="never" nodeType="tmRoot"/>
+      </p:par>
+    </p:tnLst>
+  </p:timing>
 </p:sld>
 </file>
 
@@ -15921,6 +19350,96 @@
     <p:extLst>
       <p:ext uri="{BB962C8B-B14F-4D97-AF65-F5344CB8AC3E}">
         <p14:creationId xmlns:p14="http://schemas.microsoft.com/office/powerpoint/2010/main" val="1527618729"/>
+      </p:ext>
+    </p:extLst>
+  </p:cSld>
+  <p:clrMapOvr>
+    <a:masterClrMapping/>
+  </p:clrMapOvr>
+  <p:timing>
+    <p:tnLst>
+      <p:par>
+        <p:cTn id="1" dur="indefinite" restart="never" nodeType="tmRoot"/>
+      </p:par>
+    </p:tnLst>
+  </p:timing>
+</p:sld>
+</file>
+
+<file path=ppt/slides/slide20.xml><?xml version="1.0" encoding="utf-8"?>
+<p:sld xmlns:a="http://schemas.openxmlformats.org/drawingml/2006/main" xmlns:r="http://schemas.openxmlformats.org/officeDocument/2006/relationships" xmlns:p="http://schemas.openxmlformats.org/presentationml/2006/main">
+  <p:cSld>
+    <p:spTree>
+      <p:nvGrpSpPr>
+        <p:cNvPr id="1" name=""/>
+        <p:cNvGrpSpPr/>
+        <p:nvPr/>
+      </p:nvGrpSpPr>
+      <p:grpSpPr>
+        <a:xfrm>
+          <a:off x="0" y="0"/>
+          <a:ext cx="0" cy="0"/>
+          <a:chOff x="0" y="0"/>
+          <a:chExt cx="0" cy="0"/>
+        </a:xfrm>
+      </p:grpSpPr>
+      <p:sp>
+        <p:nvSpPr>
+          <p:cNvPr id="2" name="スライド番号プレースホルダー 1"/>
+          <p:cNvSpPr>
+            <a:spLocks noGrp="1"/>
+          </p:cNvSpPr>
+          <p:nvPr>
+            <p:ph type="sldNum" sz="quarter" idx="12"/>
+          </p:nvPr>
+        </p:nvSpPr>
+        <p:spPr/>
+        <p:txBody>
+          <a:bodyPr/>
+          <a:lstStyle/>
+          <a:p>
+            <a:fld id="{D62A6D24-7F3D-4A52-B258-0799191E0682}" type="slidenum">
+              <a:rPr kumimoji="1" lang="ja-JP" altLang="en-US" smtClean="0"/>
+              <a:t>20</a:t>
+            </a:fld>
+            <a:endParaRPr kumimoji="1" lang="ja-JP" altLang="en-US"/>
+          </a:p>
+        </p:txBody>
+      </p:sp>
+      <p:sp>
+        <p:nvSpPr>
+          <p:cNvPr id="3" name="テキスト ボックス 2"/>
+          <p:cNvSpPr txBox="1"/>
+          <p:nvPr/>
+        </p:nvSpPr>
+        <p:spPr>
+          <a:xfrm>
+            <a:off x="1957590" y="3000777"/>
+            <a:ext cx="9401577" cy="830997"/>
+          </a:xfrm>
+          <a:prstGeom prst="rect">
+            <a:avLst/>
+          </a:prstGeom>
+          <a:noFill/>
+        </p:spPr>
+        <p:txBody>
+          <a:bodyPr wrap="square" rtlCol="0">
+            <a:spAutoFit/>
+          </a:bodyPr>
+          <a:lstStyle/>
+          <a:p>
+            <a:r>
+              <a:rPr kumimoji="1" lang="ja-JP" altLang="en-US" sz="4800" dirty="0" smtClean="0"/>
+              <a:t>ご清聴ありがとうございました。</a:t>
+            </a:r>
+            <a:endParaRPr kumimoji="1" lang="ja-JP" altLang="en-US" sz="4800" dirty="0"/>
+          </a:p>
+        </p:txBody>
+      </p:sp>
+    </p:spTree>
+    <p:extLst>
+      <p:ext uri="{BB962C8B-B14F-4D97-AF65-F5344CB8AC3E}">
+        <p14:creationId xmlns:p14="http://schemas.microsoft.com/office/powerpoint/2010/main" val="2773882813"/>
       </p:ext>
     </p:extLst>
   </p:cSld>
@@ -16794,7 +20313,7 @@
           <a:p>
             <a:pPr defTabSz="449263" eaLnBrk="1" fontAlgn="base" hangingPunct="0">
               <a:lnSpc>
-                <a:spcPct val="125000"/>
+                <a:spcPct val="150000"/>
               </a:lnSpc>
               <a:spcBef>
                 <a:spcPct val="0"/>
@@ -16805,124 +20324,128 @@
               <a:buSzPct val="100000"/>
             </a:pPr>
             <a:r>
-              <a:rPr kumimoji="0" lang="ja-JP" altLang="en-US" sz="2600" dirty="0" smtClean="0">
-                <a:solidFill>
-                  <a:srgbClr val="000000"/>
-                </a:solidFill>
-                <a:latin typeface="メイリオ" panose="020B0604030504040204" pitchFamily="50" charset="-128"/>
-              </a:rPr>
-              <a:t>商品販売システム</a:t>
-            </a:r>
-            <a:r>
-              <a:rPr kumimoji="0" lang="ja-JP" altLang="ja-JP" sz="2600" dirty="0" smtClean="0">
-                <a:solidFill>
-                  <a:srgbClr val="000000"/>
-                </a:solidFill>
-                <a:latin typeface="メイリオ" panose="020B0604030504040204" pitchFamily="50" charset="-128"/>
-              </a:rPr>
-              <a:t>は、</a:t>
-            </a:r>
-            <a:r>
-              <a:rPr kumimoji="0" lang="ja-JP" altLang="en-US" sz="2600" dirty="0" smtClean="0">
-                <a:solidFill>
-                  <a:srgbClr val="000000"/>
-                </a:solidFill>
-                <a:latin typeface="メイリオ" panose="020B0604030504040204" pitchFamily="50" charset="-128"/>
-              </a:rPr>
-              <a:t>商品販売を行う</a:t>
-            </a:r>
-            <a:r>
-              <a:rPr kumimoji="0" lang="en-US" altLang="ja-JP" sz="2600" dirty="0" smtClean="0">
-                <a:solidFill>
-                  <a:srgbClr val="000000"/>
-                </a:solidFill>
-                <a:latin typeface="メイリオ" panose="020B0604030504040204" pitchFamily="50" charset="-128"/>
+              <a:rPr lang="ja-JP" altLang="en-US" sz="2800" dirty="0" smtClean="0">
+                <a:solidFill>
+                  <a:schemeClr val="tx1"/>
+                </a:solidFill>
+              </a:rPr>
+              <a:t>商品</a:t>
+            </a:r>
+            <a:r>
+              <a:rPr lang="ja-JP" altLang="en-US" sz="2800" dirty="0">
+                <a:solidFill>
+                  <a:schemeClr val="tx1"/>
+                </a:solidFill>
+              </a:rPr>
+              <a:t>販売</a:t>
+            </a:r>
+            <a:r>
+              <a:rPr lang="ja-JP" altLang="en-US" sz="2800" dirty="0" smtClean="0">
+                <a:solidFill>
+                  <a:schemeClr val="tx1"/>
+                </a:solidFill>
+              </a:rPr>
+              <a:t>システムは</a:t>
+            </a:r>
+            <a:r>
+              <a:rPr lang="ja-JP" altLang="en-US" sz="2800" dirty="0">
+                <a:solidFill>
+                  <a:schemeClr val="tx1"/>
+                </a:solidFill>
+              </a:rPr>
+              <a:t>、架空の</a:t>
+            </a:r>
+            <a:r>
+              <a:rPr lang="en-US" altLang="ja-JP" sz="2800" dirty="0">
+                <a:solidFill>
+                  <a:schemeClr val="tx1"/>
+                </a:solidFill>
               </a:rPr>
               <a:t>EC</a:t>
             </a:r>
             <a:r>
-              <a:rPr kumimoji="0" lang="ja-JP" altLang="en-US" sz="2600" dirty="0" smtClean="0">
-                <a:solidFill>
-                  <a:srgbClr val="000000"/>
-                </a:solidFill>
-                <a:latin typeface="メイリオ" panose="020B0604030504040204" pitchFamily="50" charset="-128"/>
-              </a:rPr>
-              <a:t>サイト</a:t>
-            </a:r>
-            <a:r>
-              <a:rPr kumimoji="0" lang="ja-JP" altLang="ja-JP" sz="2600" dirty="0" smtClean="0">
-                <a:solidFill>
-                  <a:srgbClr val="000000"/>
-                </a:solidFill>
-                <a:latin typeface="メイリオ" panose="020B0604030504040204" pitchFamily="50" charset="-128"/>
-              </a:rPr>
-              <a:t>です。</a:t>
+              <a:rPr lang="ja-JP" altLang="en-US" sz="2800" dirty="0">
+                <a:solidFill>
+                  <a:schemeClr val="tx1"/>
+                </a:solidFill>
+              </a:rPr>
+              <a:t>サイトです。</a:t>
+            </a:r>
+            <a:r>
+              <a:rPr lang="ja-JP" altLang="en-US" sz="2800" dirty="0">
+                <a:solidFill>
+                  <a:schemeClr val="tx1"/>
+                </a:solidFill>
+              </a:rPr>
+              <a:t/>
+            </a:r>
+            <a:br>
+              <a:rPr lang="ja-JP" altLang="en-US" sz="2800" dirty="0">
+                <a:solidFill>
+                  <a:schemeClr val="tx1"/>
+                </a:solidFill>
+              </a:rPr>
+            </a:br>
+            <a:r>
+              <a:rPr lang="ja-JP" altLang="en-US" sz="2800" dirty="0">
+                <a:solidFill>
+                  <a:schemeClr val="tx1"/>
+                </a:solidFill>
+              </a:rPr>
+              <a:t>ユーザは所持している権限によってできることが変わります。</a:t>
+            </a:r>
+            <a:r>
+              <a:rPr lang="ja-JP" altLang="en-US" sz="2800" dirty="0">
+                <a:solidFill>
+                  <a:schemeClr val="tx1"/>
+                </a:solidFill>
+              </a:rPr>
+              <a:t/>
+            </a:r>
+            <a:br>
+              <a:rPr lang="ja-JP" altLang="en-US" sz="2800" dirty="0">
+                <a:solidFill>
+                  <a:schemeClr val="tx1"/>
+                </a:solidFill>
+              </a:rPr>
+            </a:br>
+            <a:r>
+              <a:rPr lang="ja-JP" altLang="en-US" sz="2800" dirty="0">
+                <a:solidFill>
+                  <a:schemeClr val="tx1"/>
+                </a:solidFill>
+              </a:rPr>
+              <a:t>一般ユーザは商品をカートに追加したり、カートに入った商品を購入することができます。</a:t>
+            </a:r>
+            <a:r>
+              <a:rPr lang="ja-JP" altLang="en-US" sz="2800" dirty="0">
+                <a:solidFill>
+                  <a:schemeClr val="tx1"/>
+                </a:solidFill>
+              </a:rPr>
+              <a:t/>
+            </a:r>
+            <a:br>
+              <a:rPr lang="ja-JP" altLang="en-US" sz="2800" dirty="0">
+                <a:solidFill>
+                  <a:schemeClr val="tx1"/>
+                </a:solidFill>
+              </a:rPr>
+            </a:br>
+            <a:r>
+              <a:rPr lang="ja-JP" altLang="en-US" sz="2800" dirty="0">
+                <a:solidFill>
+                  <a:schemeClr val="tx1"/>
+                </a:solidFill>
+              </a:rPr>
+              <a:t>管理者ユーザは商品情報の追加、変更やユーザの管理を行うことができます。</a:t>
             </a:r>
             <a:endParaRPr kumimoji="0" lang="ja-JP" altLang="ja-JP" sz="2600" dirty="0">
               <a:solidFill>
-                <a:srgbClr val="000000"/>
+                <a:schemeClr val="tx1"/>
               </a:solidFill>
               <a:latin typeface="メイリオ" panose="020B0604030504040204" pitchFamily="50" charset="-128"/>
             </a:endParaRPr>
-          </a:p>
-          <a:p>
-            <a:pPr defTabSz="449263" eaLnBrk="1" fontAlgn="base" hangingPunct="0">
-              <a:lnSpc>
-                <a:spcPct val="125000"/>
-              </a:lnSpc>
-              <a:spcBef>
-                <a:spcPct val="0"/>
-              </a:spcBef>
-              <a:spcAft>
-                <a:spcPct val="0"/>
-              </a:spcAft>
-              <a:buSzPct val="100000"/>
-            </a:pPr>
-            <a:r>
-              <a:rPr kumimoji="0" lang="ja-JP" altLang="ja-JP" sz="2600" dirty="0">
-                <a:solidFill>
-                  <a:srgbClr val="000000"/>
-                </a:solidFill>
-                <a:latin typeface="メイリオ" panose="020B0604030504040204" pitchFamily="50" charset="-128"/>
-              </a:rPr>
-              <a:t>ユーザー登録してログインすると</a:t>
-            </a:r>
-            <a:r>
-              <a:rPr kumimoji="0" lang="ja-JP" altLang="ja-JP" sz="2600" dirty="0" smtClean="0">
-                <a:solidFill>
-                  <a:srgbClr val="000000"/>
-                </a:solidFill>
-                <a:latin typeface="メイリオ" panose="020B0604030504040204" pitchFamily="50" charset="-128"/>
-              </a:rPr>
-              <a:t>、商品</a:t>
-            </a:r>
-            <a:r>
-              <a:rPr kumimoji="0" lang="ja-JP" altLang="ja-JP" sz="2600" dirty="0">
-                <a:solidFill>
-                  <a:srgbClr val="000000"/>
-                </a:solidFill>
-                <a:latin typeface="メイリオ" panose="020B0604030504040204" pitchFamily="50" charset="-128"/>
-              </a:rPr>
-              <a:t>の購入が可能</a:t>
-            </a:r>
-            <a:r>
-              <a:rPr kumimoji="0" lang="ja-JP" altLang="ja-JP" sz="2600" dirty="0" smtClean="0">
-                <a:solidFill>
-                  <a:srgbClr val="000000"/>
-                </a:solidFill>
-                <a:latin typeface="メイリオ" panose="020B0604030504040204" pitchFamily="50" charset="-128"/>
-              </a:rPr>
-              <a:t>となります</a:t>
-            </a:r>
-            <a:r>
-              <a:rPr kumimoji="0" lang="ja-JP" altLang="ja-JP" sz="2600" dirty="0">
-                <a:solidFill>
-                  <a:srgbClr val="000000"/>
-                </a:solidFill>
-                <a:latin typeface="メイリオ" panose="020B0604030504040204" pitchFamily="50" charset="-128"/>
-              </a:rPr>
-              <a:t>。</a:t>
-            </a:r>
           </a:p>
         </p:txBody>
       </p:sp>
@@ -17844,7 +21367,7 @@
                 </a:solidFill>
                 <a:latin typeface="メイリオ" panose="020B0604030504040204" pitchFamily="50" charset="-128"/>
               </a:rPr>
-              <a:t>　担当</a:t>
+              <a:t>　</a:t>
             </a:r>
             <a:r>
               <a:rPr lang="ja-JP" altLang="ja-JP" sz="2800" dirty="0" smtClean="0">
@@ -17853,7 +21376,16 @@
                 </a:solidFill>
                 <a:latin typeface="メイリオ" panose="020B0604030504040204" pitchFamily="50" charset="-128"/>
               </a:rPr>
-              <a:t>：</a:t>
+              <a:t>担当：</a:t>
+            </a:r>
+            <a:r>
+              <a:rPr lang="ja-JP" altLang="en-US" sz="2800" dirty="0" smtClean="0">
+                <a:solidFill>
+                  <a:srgbClr val="000000"/>
+                </a:solidFill>
+                <a:latin typeface="メイリオ" panose="020B0604030504040204" pitchFamily="50" charset="-128"/>
+              </a:rPr>
+              <a:t>商品の登録・更新・削除機能</a:t>
             </a:r>
             <a:endParaRPr lang="ja-JP" altLang="ja-JP" sz="2800" dirty="0">
               <a:solidFill>
@@ -17884,7 +21416,7 @@
           <a:p>
             <a:pPr lvl="1" indent="0" eaLnBrk="1">
               <a:lnSpc>
-                <a:spcPct val="125000"/>
+                <a:spcPts val="4000"/>
               </a:lnSpc>
               <a:buClrTx/>
               <a:buFontTx/>
@@ -17916,6 +21448,15 @@
                 <a:latin typeface="メイリオ" panose="020B0604030504040204" pitchFamily="50" charset="-128"/>
               </a:rPr>
               <a:t>：</a:t>
+            </a:r>
+            <a:r>
+              <a:rPr lang="ja-JP" altLang="en-US" sz="2800" dirty="0" smtClean="0">
+                <a:solidFill>
+                  <a:srgbClr val="000000"/>
+                </a:solidFill>
+                <a:latin typeface="メイリオ" panose="020B0604030504040204" pitchFamily="50" charset="-128"/>
+              </a:rPr>
+              <a:t>ログイン機能、ユーザ一覧機能、購入履歴機能</a:t>
             </a:r>
             <a:endParaRPr lang="en-US" altLang="ja-JP" sz="2800" dirty="0" smtClean="0">
               <a:solidFill>
@@ -17927,7 +21468,7 @@
           <a:p>
             <a:pPr lvl="1" indent="0" eaLnBrk="1">
               <a:lnSpc>
-                <a:spcPct val="125000"/>
+                <a:spcPts val="4000"/>
               </a:lnSpc>
               <a:buClrTx/>
               <a:buFontTx/>
@@ -17959,6 +21500,15 @@
                 <a:latin typeface="メイリオ" panose="020B0604030504040204" pitchFamily="50" charset="-128"/>
               </a:rPr>
               <a:t>：</a:t>
+            </a:r>
+            <a:r>
+              <a:rPr lang="ja-JP" altLang="en-US" sz="2800" dirty="0" smtClean="0">
+                <a:solidFill>
+                  <a:srgbClr val="000000"/>
+                </a:solidFill>
+                <a:latin typeface="メイリオ" panose="020B0604030504040204" pitchFamily="50" charset="-128"/>
+              </a:rPr>
+              <a:t>カート機能、購入機能、マイページ</a:t>
             </a:r>
             <a:endParaRPr lang="en-US" altLang="ja-JP" sz="2800" dirty="0" smtClean="0">
               <a:solidFill>
@@ -17970,7 +21520,7 @@
           <a:p>
             <a:pPr lvl="1" indent="0" eaLnBrk="1">
               <a:lnSpc>
-                <a:spcPct val="125000"/>
+                <a:spcPts val="4000"/>
               </a:lnSpc>
               <a:buClrTx/>
               <a:buFontTx/>
@@ -17992,7 +21542,7 @@
                 </a:solidFill>
                 <a:latin typeface="メイリオ" panose="020B0604030504040204" pitchFamily="50" charset="-128"/>
               </a:rPr>
-              <a:t>　担当</a:t>
+              <a:t>　</a:t>
             </a:r>
             <a:r>
               <a:rPr lang="ja-JP" altLang="ja-JP" sz="2800" dirty="0" smtClean="0">
@@ -18001,7 +21551,16 @@
                 </a:solidFill>
                 <a:latin typeface="メイリオ" panose="020B0604030504040204" pitchFamily="50" charset="-128"/>
               </a:rPr>
-              <a:t>：</a:t>
+              <a:t>担当：</a:t>
+            </a:r>
+            <a:r>
+              <a:rPr lang="ja-JP" altLang="en-US" sz="2800" dirty="0" smtClean="0">
+                <a:solidFill>
+                  <a:srgbClr val="000000"/>
+                </a:solidFill>
+                <a:latin typeface="メイリオ" panose="020B0604030504040204" pitchFamily="50" charset="-128"/>
+              </a:rPr>
+              <a:t>ユーザの登録・更新・削除機能</a:t>
             </a:r>
             <a:endParaRPr lang="en-US" altLang="ja-JP" sz="2800" dirty="0" smtClean="0">
               <a:solidFill>
@@ -18013,7 +21572,7 @@
           <a:p>
             <a:pPr lvl="1" indent="0" eaLnBrk="1">
               <a:lnSpc>
-                <a:spcPct val="125000"/>
+                <a:spcPts val="4000"/>
               </a:lnSpc>
               <a:buClrTx/>
               <a:buFontTx/>
@@ -18026,7 +21585,25 @@
                 </a:solidFill>
                 <a:latin typeface="メイリオ" panose="020B0604030504040204" pitchFamily="50" charset="-128"/>
               </a:rPr>
-              <a:t>茂木　担当：</a:t>
+              <a:t>茂木　</a:t>
+            </a:r>
+            <a:r>
+              <a:rPr lang="ja-JP" altLang="en-US" sz="2800" dirty="0" smtClean="0">
+                <a:solidFill>
+                  <a:srgbClr val="000000"/>
+                </a:solidFill>
+                <a:latin typeface="メイリオ" panose="020B0604030504040204" pitchFamily="50" charset="-128"/>
+              </a:rPr>
+              <a:t>担当：</a:t>
+            </a:r>
+            <a:r>
+              <a:rPr lang="ja-JP" altLang="en-US" sz="2800" dirty="0" smtClean="0">
+                <a:solidFill>
+                  <a:srgbClr val="000000"/>
+                </a:solidFill>
+                <a:latin typeface="メイリオ" panose="020B0604030504040204" pitchFamily="50" charset="-128"/>
+              </a:rPr>
+              <a:t>商品の一覧・詳細機能、ユーザ情報機能</a:t>
             </a:r>
             <a:endParaRPr lang="ja-JP" altLang="ja-JP" sz="2800" dirty="0">
               <a:solidFill>
@@ -18533,8 +22110,8 @@
         </p:nvSpPr>
         <p:spPr bwMode="auto">
           <a:xfrm>
-            <a:off x="2569693" y="1715909"/>
-            <a:ext cx="9212263" cy="4894262"/>
+            <a:off x="2569694" y="1715909"/>
+            <a:ext cx="7244008" cy="4894262"/>
           </a:xfrm>
           <a:prstGeom prst="rect">
             <a:avLst/>
@@ -18966,6 +22543,15 @@
               </a:rPr>
               <a:t>：</a:t>
             </a:r>
+            <a:r>
+              <a:rPr lang="en-US" altLang="ja-JP" sz="2400" dirty="0" smtClean="0">
+                <a:solidFill>
+                  <a:srgbClr val="000000"/>
+                </a:solidFill>
+                <a:latin typeface="メイリオ" panose="020B0604030504040204" pitchFamily="50" charset="-128"/>
+              </a:rPr>
+              <a:t>27</a:t>
+            </a:r>
             <a:endParaRPr lang="en-US" altLang="ja-JP" sz="2400" dirty="0">
               <a:solidFill>
                 <a:srgbClr val="000000"/>
@@ -19017,6 +22603,15 @@
                 <a:latin typeface="メイリオ" panose="020B0604030504040204" pitchFamily="50" charset="-128"/>
               </a:rPr>
               <a:t>：</a:t>
+            </a:r>
+            <a:r>
+              <a:rPr lang="en-US" altLang="ja-JP" sz="2400" dirty="0" smtClean="0">
+                <a:solidFill>
+                  <a:srgbClr val="000000"/>
+                </a:solidFill>
+                <a:latin typeface="メイリオ" panose="020B0604030504040204" pitchFamily="50" charset="-128"/>
+              </a:rPr>
+              <a:t>4426step</a:t>
             </a:r>
             <a:endParaRPr lang="en-US" altLang="ja-JP" sz="2400" dirty="0" smtClean="0">
               <a:solidFill>
@@ -19096,6 +22691,24 @@
               </a:rPr>
               <a:t>：</a:t>
             </a:r>
+            <a:r>
+              <a:rPr lang="en-US" altLang="ja-JP" sz="2400" dirty="0" smtClean="0">
+                <a:solidFill>
+                  <a:srgbClr val="000000"/>
+                </a:solidFill>
+                <a:latin typeface="メイリオ" panose="020B0604030504040204" pitchFamily="50" charset="-128"/>
+              </a:rPr>
+              <a:t>150</a:t>
+            </a:r>
+            <a:r>
+              <a:rPr lang="ja-JP" altLang="en-US" sz="2400" dirty="0" smtClean="0">
+                <a:solidFill>
+                  <a:srgbClr val="000000"/>
+                </a:solidFill>
+                <a:latin typeface="メイリオ" panose="020B0604030504040204" pitchFamily="50" charset="-128"/>
+              </a:rPr>
+              <a:t>件</a:t>
+            </a:r>
             <a:endParaRPr lang="ja-JP" altLang="ja-JP" sz="2400" dirty="0">
               <a:solidFill>
                 <a:srgbClr val="000000"/>
@@ -19138,6 +22751,15 @@
                 <a:latin typeface="メイリオ" panose="020B0604030504040204" pitchFamily="50" charset="-128"/>
               </a:rPr>
               <a:t>：</a:t>
+            </a:r>
+            <a:r>
+              <a:rPr lang="ja-JP" altLang="en-US" sz="2400" dirty="0" smtClean="0">
+                <a:solidFill>
+                  <a:srgbClr val="000000"/>
+                </a:solidFill>
+                <a:latin typeface="メイリオ" panose="020B0604030504040204" pitchFamily="50" charset="-128"/>
+              </a:rPr>
+              <a:t>３件</a:t>
             </a:r>
             <a:endParaRPr lang="ja-JP" altLang="ja-JP" sz="2400" dirty="0">
               <a:solidFill>
@@ -19685,8 +23307,8 @@
         </p:nvSpPr>
         <p:spPr bwMode="auto">
           <a:xfrm>
-            <a:off x="1526504" y="2050759"/>
-            <a:ext cx="9553575" cy="3910012"/>
+            <a:off x="1154839" y="1880989"/>
+            <a:ext cx="9553575" cy="1207596"/>
           </a:xfrm>
           <a:prstGeom prst="rect">
             <a:avLst/>
@@ -20183,10 +23805,34 @@
               <a:lnSpc>
                 <a:spcPct val="125000"/>
               </a:lnSpc>
-              <a:buClrTx/>
-              <a:buFontTx/>
-              <a:buNone/>
             </a:pPr>
+            <a:r>
+              <a:rPr lang="ja-JP" altLang="en-US" sz="2400" dirty="0" smtClean="0">
+                <a:solidFill>
+                  <a:srgbClr val="000000"/>
+                </a:solidFill>
+                <a:latin typeface="メイリオ" panose="020B0604030504040204" pitchFamily="50" charset="-128"/>
+              </a:rPr>
+              <a:t>作業がスムーズに進み予定よりも少し早く作業</a:t>
+            </a:r>
+            <a:r>
+              <a:rPr lang="ja-JP" altLang="en-US" sz="2400" dirty="0">
+                <a:solidFill>
+                  <a:srgbClr val="000000"/>
+                </a:solidFill>
+                <a:latin typeface="メイリオ" panose="020B0604030504040204" pitchFamily="50" charset="-128"/>
+              </a:rPr>
+              <a:t>完了することができた</a:t>
+            </a:r>
+            <a:r>
+              <a:rPr lang="ja-JP" altLang="en-US" sz="2400" dirty="0" smtClean="0">
+                <a:solidFill>
+                  <a:srgbClr val="000000"/>
+                </a:solidFill>
+                <a:latin typeface="メイリオ" panose="020B0604030504040204" pitchFamily="50" charset="-128"/>
+              </a:rPr>
+              <a:t>。</a:t>
+            </a:r>
             <a:endParaRPr lang="en-US" altLang="ja-JP" sz="2400" dirty="0" smtClean="0">
               <a:solidFill>
                 <a:srgbClr val="000000"/>
@@ -20235,96 +23881,6 @@
               <a:buFontTx/>
               <a:buNone/>
             </a:pPr>
-            <a:r>
-              <a:rPr lang="ja-JP" altLang="ja-JP" sz="2400" dirty="0" smtClean="0">
-                <a:solidFill>
-                  <a:srgbClr val="000000"/>
-                </a:solidFill>
-                <a:latin typeface="メイリオ" panose="020B0604030504040204" pitchFamily="50" charset="-128"/>
-              </a:rPr>
-              <a:t>【</a:t>
-            </a:r>
-            <a:r>
-              <a:rPr lang="ja-JP" altLang="en-US" sz="2400" dirty="0" smtClean="0">
-                <a:solidFill>
-                  <a:srgbClr val="000000"/>
-                </a:solidFill>
-                <a:latin typeface="メイリオ" panose="020B0604030504040204" pitchFamily="50" charset="-128"/>
-              </a:rPr>
-              <a:t>基本設計</a:t>
-            </a:r>
-            <a:r>
-              <a:rPr lang="ja-JP" altLang="ja-JP" sz="2400" dirty="0" smtClean="0">
-                <a:solidFill>
-                  <a:srgbClr val="000000"/>
-                </a:solidFill>
-                <a:latin typeface="メイリオ" panose="020B0604030504040204" pitchFamily="50" charset="-128"/>
-              </a:rPr>
-              <a:t>】</a:t>
-            </a:r>
-            <a:r>
-              <a:rPr lang="ja-JP" altLang="ja-JP" sz="2400" dirty="0">
-                <a:solidFill>
-                  <a:srgbClr val="000000"/>
-                </a:solidFill>
-                <a:latin typeface="メイリオ" panose="020B0604030504040204" pitchFamily="50" charset="-128"/>
-              </a:rPr>
-              <a:t>予定</a:t>
-            </a:r>
-            <a:r>
-              <a:rPr lang="en-US" altLang="ja-JP" sz="2400" dirty="0">
-                <a:solidFill>
-                  <a:srgbClr val="000000"/>
-                </a:solidFill>
-                <a:latin typeface="メイリオ" panose="020B0604030504040204" pitchFamily="50" charset="-128"/>
-              </a:rPr>
-              <a:t>5</a:t>
-            </a:r>
-            <a:r>
-              <a:rPr lang="ja-JP" altLang="ja-JP" sz="2400" dirty="0">
-                <a:solidFill>
-                  <a:srgbClr val="000000"/>
-                </a:solidFill>
-                <a:latin typeface="メイリオ" panose="020B0604030504040204" pitchFamily="50" charset="-128"/>
-              </a:rPr>
-              <a:t>日 </a:t>
-            </a:r>
-            <a:r>
-              <a:rPr lang="en-US" altLang="ja-JP" sz="2400" dirty="0">
-                <a:solidFill>
-                  <a:srgbClr val="000000"/>
-                </a:solidFill>
-                <a:latin typeface="メイリオ" panose="020B0604030504040204" pitchFamily="50" charset="-128"/>
-              </a:rPr>
-              <a:t>/ </a:t>
-            </a:r>
-            <a:r>
-              <a:rPr lang="ja-JP" altLang="ja-JP" sz="2400" dirty="0" smtClean="0">
-                <a:solidFill>
-                  <a:srgbClr val="000000"/>
-                </a:solidFill>
-                <a:latin typeface="メイリオ" panose="020B0604030504040204" pitchFamily="50" charset="-128"/>
-              </a:rPr>
-              <a:t>実績</a:t>
-            </a:r>
-            <a:r>
-              <a:rPr lang="ja-JP" altLang="en-US" sz="2400" dirty="0" smtClean="0">
-                <a:solidFill>
-                  <a:srgbClr val="000000"/>
-                </a:solidFill>
-                <a:latin typeface="メイリオ" panose="020B0604030504040204" pitchFamily="50" charset="-128"/>
-              </a:rPr>
-              <a:t>７</a:t>
-            </a:r>
-            <a:r>
-              <a:rPr lang="ja-JP" altLang="ja-JP" sz="2400" dirty="0" smtClean="0">
-                <a:solidFill>
-                  <a:srgbClr val="000000"/>
-                </a:solidFill>
-                <a:latin typeface="メイリオ" panose="020B0604030504040204" pitchFamily="50" charset="-128"/>
-              </a:rPr>
-              <a:t>日</a:t>
-            </a:r>
             <a:endParaRPr lang="ja-JP" altLang="ja-JP" sz="2400" dirty="0">
               <a:solidFill>
                 <a:srgbClr val="000000"/>
@@ -20332,83 +23888,38 @@
               <a:latin typeface="メイリオ" panose="020B0604030504040204" pitchFamily="50" charset="-128"/>
             </a:endParaRPr>
           </a:p>
-          <a:p>
-            <a:pPr eaLnBrk="1">
-              <a:lnSpc>
-                <a:spcPct val="125000"/>
-              </a:lnSpc>
-              <a:buClrTx/>
-              <a:buFontTx/>
-              <a:buNone/>
-            </a:pPr>
-            <a:r>
-              <a:rPr lang="ja-JP" altLang="en-US" sz="2400" dirty="0" smtClean="0">
-                <a:solidFill>
-                  <a:srgbClr val="000000"/>
-                </a:solidFill>
-                <a:latin typeface="メイリオ" panose="020B0604030504040204" pitchFamily="50" charset="-128"/>
-              </a:rPr>
-              <a:t>班内での情報のすり合わせに時間がかかり、作業完了まで予定より</a:t>
-            </a:r>
-            <a:endParaRPr lang="en-US" altLang="ja-JP" sz="2400" dirty="0" smtClean="0">
-              <a:solidFill>
-                <a:srgbClr val="000000"/>
-              </a:solidFill>
-              <a:latin typeface="メイリオ" panose="020B0604030504040204" pitchFamily="50" charset="-128"/>
-            </a:endParaRPr>
-          </a:p>
-          <a:p>
-            <a:pPr eaLnBrk="1">
-              <a:lnSpc>
-                <a:spcPct val="125000"/>
-              </a:lnSpc>
-              <a:buClrTx/>
-              <a:buFontTx/>
-              <a:buNone/>
-            </a:pPr>
-            <a:r>
-              <a:rPr lang="en-US" altLang="ja-JP" sz="2400" dirty="0" smtClean="0">
-                <a:solidFill>
-                  <a:srgbClr val="000000"/>
-                </a:solidFill>
-                <a:latin typeface="メイリオ" panose="020B0604030504040204" pitchFamily="50" charset="-128"/>
-              </a:rPr>
-              <a:t>2</a:t>
-            </a:r>
-            <a:r>
-              <a:rPr lang="ja-JP" altLang="en-US" sz="2400" dirty="0" smtClean="0">
-                <a:solidFill>
-                  <a:srgbClr val="000000"/>
-                </a:solidFill>
-                <a:latin typeface="メイリオ" panose="020B0604030504040204" pitchFamily="50" charset="-128"/>
-              </a:rPr>
-              <a:t>日遅れた。</a:t>
-            </a:r>
-            <a:endParaRPr lang="en-US" altLang="ja-JP" sz="2400" dirty="0">
-              <a:solidFill>
-                <a:srgbClr val="000000"/>
-              </a:solidFill>
-              <a:latin typeface="メイリオ" panose="020B0604030504040204" pitchFamily="50" charset="-128"/>
-            </a:endParaRPr>
-          </a:p>
-          <a:p>
-            <a:pPr eaLnBrk="1">
-              <a:lnSpc>
-                <a:spcPct val="125000"/>
-              </a:lnSpc>
-              <a:buClrTx/>
-              <a:buFontTx/>
-              <a:buNone/>
-            </a:pPr>
-            <a:endParaRPr lang="ja-JP" altLang="ja-JP" sz="2400" dirty="0">
-              <a:solidFill>
-                <a:srgbClr val="000000"/>
-              </a:solidFill>
-              <a:latin typeface="メイリオ" panose="020B0604030504040204" pitchFamily="50" charset="-128"/>
-            </a:endParaRPr>
-          </a:p>
         </p:txBody>
       </p:sp>
+      <p:pic>
+        <p:nvPicPr>
+          <p:cNvPr id="5" name="図 4"/>
+          <p:cNvPicPr>
+            <a:picLocks noChangeAspect="1"/>
+          </p:cNvPicPr>
+          <p:nvPr/>
+        </p:nvPicPr>
+        <p:blipFill>
+          <a:blip r:embed="rId2">
+            <a:extLst>
+              <a:ext uri="{28A0092B-C50C-407E-A947-70E740481C1C}">
+                <a14:useLocalDpi xmlns:a14="http://schemas.microsoft.com/office/drawing/2010/main" val="0"/>
+              </a:ext>
+            </a:extLst>
+          </a:blip>
+          <a:stretch>
+            <a:fillRect/>
+          </a:stretch>
+        </p:blipFill>
+        <p:spPr>
+          <a:xfrm>
+            <a:off x="1154839" y="3368199"/>
+            <a:ext cx="10058400" cy="2488480"/>
+          </a:xfrm>
+          <a:prstGeom prst="rect">
+            <a:avLst/>
+          </a:prstGeom>
+        </p:spPr>
+      </p:pic>
     </p:spTree>
     <p:extLst>
       <p:ext uri="{BB962C8B-B14F-4D97-AF65-F5344CB8AC3E}">
@@ -20446,6 +23957,36 @@
           <a:chExt cx="0" cy="0"/>
         </a:xfrm>
       </p:grpSpPr>
+      <p:pic>
+        <p:nvPicPr>
+          <p:cNvPr id="6" name="図 5"/>
+          <p:cNvPicPr>
+            <a:picLocks noChangeAspect="1"/>
+          </p:cNvPicPr>
+          <p:nvPr/>
+        </p:nvPicPr>
+        <p:blipFill>
+          <a:blip r:embed="rId2">
+            <a:extLst>
+              <a:ext uri="{28A0092B-C50C-407E-A947-70E740481C1C}">
+                <a14:useLocalDpi xmlns:a14="http://schemas.microsoft.com/office/drawing/2010/main" val="0"/>
+              </a:ext>
+            </a:extLst>
+          </a:blip>
+          <a:stretch>
+            <a:fillRect/>
+          </a:stretch>
+        </p:blipFill>
+        <p:spPr>
+          <a:xfrm>
+            <a:off x="2871989" y="2789787"/>
+            <a:ext cx="8460502" cy="3912982"/>
+          </a:xfrm>
+          <a:prstGeom prst="rect">
+            <a:avLst/>
+          </a:prstGeom>
+        </p:spPr>
+      </p:pic>
       <p:sp>
         <p:nvSpPr>
           <p:cNvPr id="2" name="スライド番号プレースホルダー 1"/>
@@ -20462,16 +24003,17 @@
           <a:lstStyle/>
           <a:p>
             <a:fld id="{D62A6D24-7F3D-4A52-B258-0799191E0682}" type="slidenum">
-              <a:rPr kumimoji="1" lang="ja-JP" altLang="en-US" smtClean="0">
-                <a:solidFill>
-                  <a:schemeClr val="bg1"/>
-                </a:solidFill>
-              </a:rPr>
+              <a:rPr lang="ja-JP" altLang="en-US" smtClean="0">
+                <a:solidFill>
+                  <a:prstClr val="white"/>
+                </a:solidFill>
+              </a:rPr>
+              <a:pPr/>
               <a:t>7</a:t>
             </a:fld>
-            <a:endParaRPr kumimoji="1" lang="ja-JP" altLang="en-US" dirty="0">
+            <a:endParaRPr lang="ja-JP" altLang="en-US" dirty="0">
               <a:solidFill>
-                <a:schemeClr val="bg1"/>
+                <a:prstClr val="white"/>
               </a:solidFill>
             </a:endParaRPr>
           </a:p>
@@ -20487,7 +24029,7 @@
         </p:nvSpPr>
         <p:spPr bwMode="auto">
           <a:xfrm>
-            <a:off x="4431295" y="339312"/>
+            <a:off x="4534325" y="339312"/>
             <a:ext cx="9070975" cy="1262063"/>
           </a:xfrm>
           <a:prstGeom prst="rect">
@@ -20870,9 +24412,6 @@
               <a:lnSpc>
                 <a:spcPct val="125000"/>
               </a:lnSpc>
-              <a:buClrTx/>
-              <a:buFontTx/>
-              <a:buNone/>
             </a:pPr>
             <a:r>
               <a:rPr lang="en-US" altLang="ja-JP" sz="2800" b="1" dirty="0">
@@ -20897,7 +24436,7 @@
       </p:sp>
       <p:sp>
         <p:nvSpPr>
-          <p:cNvPr id="5" name="Text Box 5"/>
+          <p:cNvPr id="4" name="Text Box 5"/>
           <p:cNvSpPr txBox="1">
             <a:spLocks noChangeArrowheads="1"/>
           </p:cNvSpPr>
@@ -20905,8 +24444,8 @@
         </p:nvSpPr>
         <p:spPr bwMode="auto">
           <a:xfrm>
-            <a:off x="1526504" y="2050759"/>
-            <a:ext cx="9553575" cy="3910012"/>
+            <a:off x="1410594" y="1601375"/>
+            <a:ext cx="9553575" cy="1555326"/>
           </a:xfrm>
           <a:prstGeom prst="rect">
             <a:avLst/>
@@ -21297,28 +24836,141 @@
               <a:lnSpc>
                 <a:spcPct val="125000"/>
               </a:lnSpc>
-              <a:buClrTx/>
-              <a:buFontTx/>
-              <a:buNone/>
             </a:pPr>
             <a:r>
+              <a:rPr lang="ja-JP" altLang="ja-JP" sz="2400" dirty="0" smtClean="0">
+                <a:solidFill>
+                  <a:srgbClr val="000000"/>
+                </a:solidFill>
+                <a:latin typeface="メイリオ" panose="020B0604030504040204" pitchFamily="50" charset="-128"/>
+              </a:rPr>
+              <a:t>【</a:t>
+            </a:r>
+            <a:r>
+              <a:rPr lang="ja-JP" altLang="en-US" sz="2400" dirty="0" smtClean="0">
+                <a:solidFill>
+                  <a:srgbClr val="000000"/>
+                </a:solidFill>
+                <a:latin typeface="メイリオ" panose="020B0604030504040204" pitchFamily="50" charset="-128"/>
+              </a:rPr>
+              <a:t>基本設計</a:t>
+            </a:r>
+            <a:r>
+              <a:rPr lang="ja-JP" altLang="ja-JP" sz="2400" dirty="0" smtClean="0">
+                <a:solidFill>
+                  <a:srgbClr val="000000"/>
+                </a:solidFill>
+                <a:latin typeface="メイリオ" panose="020B0604030504040204" pitchFamily="50" charset="-128"/>
+              </a:rPr>
+              <a:t>】</a:t>
+            </a:r>
+            <a:r>
+              <a:rPr lang="ja-JP" altLang="ja-JP" sz="2400" dirty="0">
+                <a:solidFill>
+                  <a:srgbClr val="000000"/>
+                </a:solidFill>
+                <a:latin typeface="メイリオ" panose="020B0604030504040204" pitchFamily="50" charset="-128"/>
+              </a:rPr>
+              <a:t>予定</a:t>
+            </a:r>
+            <a:r>
+              <a:rPr lang="en-US" altLang="ja-JP" sz="2400" dirty="0">
+                <a:solidFill>
+                  <a:srgbClr val="000000"/>
+                </a:solidFill>
+                <a:latin typeface="メイリオ" panose="020B0604030504040204" pitchFamily="50" charset="-128"/>
+              </a:rPr>
+              <a:t>5</a:t>
+            </a:r>
+            <a:r>
+              <a:rPr lang="ja-JP" altLang="ja-JP" sz="2400" dirty="0">
+                <a:solidFill>
+                  <a:srgbClr val="000000"/>
+                </a:solidFill>
+                <a:latin typeface="メイリオ" panose="020B0604030504040204" pitchFamily="50" charset="-128"/>
+              </a:rPr>
+              <a:t>日 </a:t>
+            </a:r>
+            <a:r>
+              <a:rPr lang="en-US" altLang="ja-JP" sz="2400" dirty="0">
+                <a:solidFill>
+                  <a:srgbClr val="000000"/>
+                </a:solidFill>
+                <a:latin typeface="メイリオ" panose="020B0604030504040204" pitchFamily="50" charset="-128"/>
+              </a:rPr>
+              <a:t>/ </a:t>
+            </a:r>
+            <a:r>
+              <a:rPr lang="ja-JP" altLang="ja-JP" sz="2400" dirty="0" smtClean="0">
+                <a:solidFill>
+                  <a:srgbClr val="000000"/>
+                </a:solidFill>
+                <a:latin typeface="メイリオ" panose="020B0604030504040204" pitchFamily="50" charset="-128"/>
+              </a:rPr>
+              <a:t>実績</a:t>
+            </a:r>
+            <a:r>
+              <a:rPr lang="ja-JP" altLang="en-US" sz="2400" dirty="0" smtClean="0">
+                <a:solidFill>
+                  <a:srgbClr val="000000"/>
+                </a:solidFill>
+                <a:latin typeface="メイリオ" panose="020B0604030504040204" pitchFamily="50" charset="-128"/>
+              </a:rPr>
+              <a:t>７</a:t>
+            </a:r>
+            <a:r>
+              <a:rPr lang="ja-JP" altLang="ja-JP" sz="2400" dirty="0" smtClean="0">
+                <a:solidFill>
+                  <a:srgbClr val="000000"/>
+                </a:solidFill>
+                <a:latin typeface="メイリオ" panose="020B0604030504040204" pitchFamily="50" charset="-128"/>
+              </a:rPr>
+              <a:t>日</a:t>
+            </a:r>
+            <a:endParaRPr lang="ja-JP" altLang="ja-JP" sz="2400" dirty="0">
+              <a:solidFill>
+                <a:srgbClr val="000000"/>
+              </a:solidFill>
+              <a:latin typeface="メイリオ" panose="020B0604030504040204" pitchFamily="50" charset="-128"/>
+            </a:endParaRPr>
+          </a:p>
+          <a:p>
+            <a:pPr eaLnBrk="1">
+              <a:lnSpc>
+                <a:spcPct val="125000"/>
+              </a:lnSpc>
+            </a:pPr>
+            <a:r>
               <a:rPr lang="en-US" altLang="ja-JP" sz="2400" dirty="0" smtClean="0">
                 <a:solidFill>
                   <a:srgbClr val="000000"/>
                 </a:solidFill>
                 <a:latin typeface="メイリオ" panose="020B0604030504040204" pitchFamily="50" charset="-128"/>
               </a:rPr>
-              <a:t>【</a:t>
-            </a:r>
-            <a:r>
-              <a:rPr lang="ja-JP" altLang="en-US" sz="2400" dirty="0">
+              <a:t>1</a:t>
+            </a:r>
+            <a:r>
+              <a:rPr lang="ja-JP" altLang="en-US" sz="2400" dirty="0" smtClean="0">
                 <a:solidFill>
                   <a:srgbClr val="000000"/>
                 </a:solidFill>
                 <a:latin typeface="メイリオ" panose="020B0604030504040204" pitchFamily="50" charset="-128"/>
               </a:rPr>
-              <a:t>詳細</a:t>
-            </a:r>
+              <a:t>日早く取り組めたが、班内での情報のすり合わせに時間がかかり、</a:t>
+            </a:r>
+            <a:endParaRPr lang="en-US" altLang="ja-JP" sz="2400" dirty="0" smtClean="0">
+              <a:solidFill>
+                <a:srgbClr val="000000"/>
+              </a:solidFill>
+              <a:latin typeface="メイリオ" panose="020B0604030504040204" pitchFamily="50" charset="-128"/>
+            </a:endParaRPr>
+          </a:p>
+          <a:p>
+            <a:pPr eaLnBrk="1">
+              <a:lnSpc>
+                <a:spcPct val="125000"/>
+              </a:lnSpc>
+            </a:pPr>
             <a:r>
               <a:rPr lang="ja-JP" altLang="en-US" sz="2400" dirty="0" smtClean="0">
                 <a:solidFill>
@@ -21326,7 +24978,7 @@
                 </a:solidFill>
                 <a:latin typeface="メイリオ" panose="020B0604030504040204" pitchFamily="50" charset="-128"/>
               </a:rPr>
-              <a:t>設計</a:t>
+              <a:t>作業完了まで予定より</a:t>
             </a:r>
             <a:r>
               <a:rPr lang="en-US" altLang="ja-JP" sz="2400" dirty="0" smtClean="0">
@@ -21335,7 +24987,7 @@
                 </a:solidFill>
                 <a:latin typeface="メイリオ" panose="020B0604030504040204" pitchFamily="50" charset="-128"/>
               </a:rPr>
-              <a:t>】</a:t>
+              <a:t>1</a:t>
             </a:r>
             <a:r>
               <a:rPr lang="ja-JP" altLang="en-US" sz="2400" dirty="0" smtClean="0">
@@ -21344,61 +24996,7 @@
                 </a:solidFill>
                 <a:latin typeface="メイリオ" panose="020B0604030504040204" pitchFamily="50" charset="-128"/>
               </a:rPr>
-              <a:t>予定</a:t>
-            </a:r>
-            <a:r>
-              <a:rPr lang="en-US" altLang="ja-JP" sz="2400" dirty="0" smtClean="0">
-                <a:solidFill>
-                  <a:srgbClr val="000000"/>
-                </a:solidFill>
-                <a:latin typeface="メイリオ" panose="020B0604030504040204" pitchFamily="50" charset="-128"/>
-              </a:rPr>
-              <a:t>2</a:t>
-            </a:r>
-            <a:r>
-              <a:rPr lang="ja-JP" altLang="en-US" sz="2400" dirty="0" smtClean="0">
-                <a:solidFill>
-                  <a:srgbClr val="000000"/>
-                </a:solidFill>
-                <a:latin typeface="メイリオ" panose="020B0604030504040204" pitchFamily="50" charset="-128"/>
-              </a:rPr>
-              <a:t>日 </a:t>
-            </a:r>
-            <a:r>
-              <a:rPr lang="en-US" altLang="ja-JP" sz="2400" dirty="0">
-                <a:solidFill>
-                  <a:srgbClr val="000000"/>
-                </a:solidFill>
-                <a:latin typeface="メイリオ" panose="020B0604030504040204" pitchFamily="50" charset="-128"/>
-              </a:rPr>
-              <a:t>/ </a:t>
-            </a:r>
-            <a:r>
-              <a:rPr lang="ja-JP" altLang="en-US" sz="2400" dirty="0" smtClean="0">
-                <a:solidFill>
-                  <a:srgbClr val="000000"/>
-                </a:solidFill>
-                <a:latin typeface="メイリオ" panose="020B0604030504040204" pitchFamily="50" charset="-128"/>
-              </a:rPr>
-              <a:t>実績</a:t>
-            </a:r>
-            <a:r>
-              <a:rPr lang="en-US" altLang="ja-JP" sz="2400" dirty="0" smtClean="0">
-                <a:solidFill>
-                  <a:srgbClr val="000000"/>
-                </a:solidFill>
-                <a:latin typeface="メイリオ" panose="020B0604030504040204" pitchFamily="50" charset="-128"/>
-              </a:rPr>
-              <a:t>2</a:t>
-            </a:r>
-            <a:r>
-              <a:rPr lang="ja-JP" altLang="en-US" sz="2400" dirty="0" smtClean="0">
-                <a:solidFill>
-                  <a:srgbClr val="000000"/>
-                </a:solidFill>
-                <a:latin typeface="メイリオ" panose="020B0604030504040204" pitchFamily="50" charset="-128"/>
-              </a:rPr>
-              <a:t>日</a:t>
+              <a:t>日遅れた。</a:t>
             </a:r>
             <a:endParaRPr lang="en-US" altLang="ja-JP" sz="2400" dirty="0">
               <a:solidFill>
@@ -21412,172 +25010,6 @@
               <a:lnSpc>
                 <a:spcPct val="125000"/>
               </a:lnSpc>
-              <a:buClrTx/>
-              <a:buFontTx/>
-              <a:buNone/>
-            </a:pPr>
-            <a:r>
-              <a:rPr lang="ja-JP" altLang="en-US" sz="2400" dirty="0" smtClean="0">
-                <a:solidFill>
-                  <a:srgbClr val="000000"/>
-                </a:solidFill>
-                <a:latin typeface="メイリオ" panose="020B0604030504040204" pitchFamily="50" charset="-128"/>
-              </a:rPr>
-              <a:t>作業を分担して行うことで、予定通り作業完了することができた。</a:t>
-            </a:r>
-            <a:endParaRPr lang="en-US" altLang="ja-JP" sz="2400" dirty="0" smtClean="0">
-              <a:solidFill>
-                <a:srgbClr val="000000"/>
-              </a:solidFill>
-              <a:latin typeface="メイリオ" panose="020B0604030504040204" pitchFamily="50" charset="-128"/>
-            </a:endParaRPr>
-          </a:p>
-          <a:p>
-            <a:pPr eaLnBrk="1">
-              <a:lnSpc>
-                <a:spcPct val="125000"/>
-              </a:lnSpc>
-              <a:buClrTx/>
-              <a:buFontTx/>
-              <a:buNone/>
-            </a:pPr>
-            <a:endParaRPr lang="en-US" altLang="ja-JP" sz="2400" dirty="0">
-              <a:solidFill>
-                <a:srgbClr val="000000"/>
-              </a:solidFill>
-              <a:latin typeface="メイリオ" panose="020B0604030504040204" pitchFamily="50" charset="-128"/>
-            </a:endParaRPr>
-          </a:p>
-          <a:p>
-            <a:pPr eaLnBrk="1">
-              <a:lnSpc>
-                <a:spcPct val="125000"/>
-              </a:lnSpc>
-              <a:buClrTx/>
-              <a:buFontTx/>
-              <a:buNone/>
-            </a:pPr>
-            <a:endParaRPr lang="en-US" altLang="ja-JP" sz="2400" dirty="0">
-              <a:solidFill>
-                <a:srgbClr val="000000"/>
-              </a:solidFill>
-              <a:latin typeface="メイリオ" panose="020B0604030504040204" pitchFamily="50" charset="-128"/>
-            </a:endParaRPr>
-          </a:p>
-          <a:p>
-            <a:pPr eaLnBrk="1">
-              <a:lnSpc>
-                <a:spcPct val="125000"/>
-              </a:lnSpc>
-              <a:buClrTx/>
-              <a:buFontTx/>
-              <a:buNone/>
-            </a:pPr>
-            <a:r>
-              <a:rPr lang="ja-JP" altLang="ja-JP" sz="2400" dirty="0" smtClean="0">
-                <a:solidFill>
-                  <a:srgbClr val="000000"/>
-                </a:solidFill>
-                <a:latin typeface="メイリオ" panose="020B0604030504040204" pitchFamily="50" charset="-128"/>
-              </a:rPr>
-              <a:t>【</a:t>
-            </a:r>
-            <a:r>
-              <a:rPr lang="ja-JP" altLang="en-US" sz="2400" dirty="0">
-                <a:solidFill>
-                  <a:srgbClr val="000000"/>
-                </a:solidFill>
-                <a:latin typeface="メイリオ" panose="020B0604030504040204" pitchFamily="50" charset="-128"/>
-              </a:rPr>
-              <a:t>製造</a:t>
-            </a:r>
-            <a:r>
-              <a:rPr lang="ja-JP" altLang="ja-JP" sz="2400" dirty="0" smtClean="0">
-                <a:solidFill>
-                  <a:srgbClr val="000000"/>
-                </a:solidFill>
-                <a:latin typeface="メイリオ" panose="020B0604030504040204" pitchFamily="50" charset="-128"/>
-              </a:rPr>
-              <a:t>】</a:t>
-            </a:r>
-            <a:r>
-              <a:rPr lang="ja-JP" altLang="ja-JP" sz="2400" dirty="0">
-                <a:solidFill>
-                  <a:srgbClr val="000000"/>
-                </a:solidFill>
-                <a:latin typeface="メイリオ" panose="020B0604030504040204" pitchFamily="50" charset="-128"/>
-              </a:rPr>
-              <a:t>予定</a:t>
-            </a:r>
-            <a:r>
-              <a:rPr lang="en-US" altLang="ja-JP" sz="2400" dirty="0">
-                <a:solidFill>
-                  <a:srgbClr val="000000"/>
-                </a:solidFill>
-                <a:latin typeface="メイリオ" panose="020B0604030504040204" pitchFamily="50" charset="-128"/>
-              </a:rPr>
-              <a:t>5</a:t>
-            </a:r>
-            <a:r>
-              <a:rPr lang="ja-JP" altLang="ja-JP" sz="2400" dirty="0">
-                <a:solidFill>
-                  <a:srgbClr val="000000"/>
-                </a:solidFill>
-                <a:latin typeface="メイリオ" panose="020B0604030504040204" pitchFamily="50" charset="-128"/>
-              </a:rPr>
-              <a:t>日 </a:t>
-            </a:r>
-            <a:r>
-              <a:rPr lang="en-US" altLang="ja-JP" sz="2400" dirty="0">
-                <a:solidFill>
-                  <a:srgbClr val="000000"/>
-                </a:solidFill>
-                <a:latin typeface="メイリオ" panose="020B0604030504040204" pitchFamily="50" charset="-128"/>
-              </a:rPr>
-              <a:t>/ </a:t>
-            </a:r>
-            <a:r>
-              <a:rPr lang="ja-JP" altLang="ja-JP" sz="2400" dirty="0" smtClean="0">
-                <a:solidFill>
-                  <a:srgbClr val="000000"/>
-                </a:solidFill>
-                <a:latin typeface="メイリオ" panose="020B0604030504040204" pitchFamily="50" charset="-128"/>
-              </a:rPr>
-              <a:t>実績</a:t>
-            </a:r>
-            <a:r>
-              <a:rPr lang="ja-JP" altLang="en-US" sz="2400" dirty="0" smtClean="0">
-                <a:solidFill>
-                  <a:srgbClr val="000000"/>
-                </a:solidFill>
-                <a:latin typeface="メイリオ" panose="020B0604030504040204" pitchFamily="50" charset="-128"/>
-              </a:rPr>
-              <a:t>７</a:t>
-            </a:r>
-            <a:r>
-              <a:rPr lang="ja-JP" altLang="ja-JP" sz="2400" dirty="0" smtClean="0">
-                <a:solidFill>
-                  <a:srgbClr val="000000"/>
-                </a:solidFill>
-                <a:latin typeface="メイリオ" panose="020B0604030504040204" pitchFamily="50" charset="-128"/>
-              </a:rPr>
-              <a:t>日</a:t>
-            </a:r>
-            <a:endParaRPr lang="ja-JP" altLang="ja-JP" sz="2400" dirty="0">
-              <a:solidFill>
-                <a:srgbClr val="000000"/>
-              </a:solidFill>
-              <a:latin typeface="メイリオ" panose="020B0604030504040204" pitchFamily="50" charset="-128"/>
-            </a:endParaRPr>
-          </a:p>
-          <a:p>
-            <a:pPr eaLnBrk="1">
-              <a:lnSpc>
-                <a:spcPct val="125000"/>
-              </a:lnSpc>
-              <a:buClrTx/>
-              <a:buFontTx/>
-              <a:buNone/>
             </a:pPr>
             <a:endParaRPr lang="ja-JP" altLang="ja-JP" sz="2400" dirty="0">
               <a:solidFill>
@@ -21591,7 +25023,7 @@
     </p:spTree>
     <p:extLst>
       <p:ext uri="{BB962C8B-B14F-4D97-AF65-F5344CB8AC3E}">
-        <p14:creationId xmlns:p14="http://schemas.microsoft.com/office/powerpoint/2010/main" val="3505327930"/>
+        <p14:creationId xmlns:p14="http://schemas.microsoft.com/office/powerpoint/2010/main" val="4169558520"/>
       </p:ext>
     </p:extLst>
   </p:cSld>
@@ -21666,7 +25098,7 @@
         </p:nvSpPr>
         <p:spPr bwMode="auto">
           <a:xfrm>
-            <a:off x="4534325" y="339312"/>
+            <a:off x="4431295" y="339312"/>
             <a:ext cx="9070975" cy="1262063"/>
           </a:xfrm>
           <a:prstGeom prst="rect">
@@ -22085,7 +25517,7 @@
         <p:spPr bwMode="auto">
           <a:xfrm>
             <a:off x="1526504" y="2050759"/>
-            <a:ext cx="9553575" cy="3910012"/>
+            <a:ext cx="9553575" cy="1078807"/>
           </a:xfrm>
           <a:prstGeom prst="rect">
             <a:avLst/>
@@ -22490,13 +25922,22 @@
               <a:t>【</a:t>
             </a:r>
             <a:r>
+              <a:rPr lang="ja-JP" altLang="en-US" sz="2400" dirty="0">
+                <a:solidFill>
+                  <a:srgbClr val="000000"/>
+                </a:solidFill>
+                <a:latin typeface="メイリオ" panose="020B0604030504040204" pitchFamily="50" charset="-128"/>
+              </a:rPr>
+              <a:t>詳細</a:t>
+            </a:r>
+            <a:r>
               <a:rPr lang="ja-JP" altLang="en-US" sz="2400" dirty="0" smtClean="0">
                 <a:solidFill>
                   <a:srgbClr val="000000"/>
                 </a:solidFill>
                 <a:latin typeface="メイリオ" panose="020B0604030504040204" pitchFamily="50" charset="-128"/>
               </a:rPr>
-              <a:t>テスト、バグ修正</a:t>
+              <a:t>設計</a:t>
             </a:r>
             <a:r>
               <a:rPr lang="en-US" altLang="ja-JP" sz="2400" dirty="0" smtClean="0">
@@ -22517,13 +25958,31 @@
               <a:t>予定</a:t>
             </a:r>
             <a:r>
+              <a:rPr lang="en-US" altLang="ja-JP" sz="2400" dirty="0" smtClean="0">
+                <a:solidFill>
+                  <a:srgbClr val="000000"/>
+                </a:solidFill>
+                <a:latin typeface="メイリオ" panose="020B0604030504040204" pitchFamily="50" charset="-128"/>
+              </a:rPr>
+              <a:t>2</a:t>
+            </a:r>
+            <a:r>
+              <a:rPr lang="ja-JP" altLang="en-US" sz="2400" dirty="0" smtClean="0">
+                <a:solidFill>
+                  <a:srgbClr val="000000"/>
+                </a:solidFill>
+                <a:latin typeface="メイリオ" panose="020B0604030504040204" pitchFamily="50" charset="-128"/>
+              </a:rPr>
+              <a:t>日 </a:t>
+            </a:r>
+            <a:r>
               <a:rPr lang="en-US" altLang="ja-JP" sz="2400" dirty="0">
                 <a:solidFill>
                   <a:srgbClr val="000000"/>
                 </a:solidFill>
                 <a:latin typeface="メイリオ" panose="020B0604030504040204" pitchFamily="50" charset="-128"/>
               </a:rPr>
-              <a:t>3</a:t>
+              <a:t>/ </a:t>
             </a:r>
             <a:r>
               <a:rPr lang="ja-JP" altLang="en-US" sz="2400" dirty="0" smtClean="0">
@@ -22532,34 +25991,16 @@
                 </a:solidFill>
                 <a:latin typeface="メイリオ" panose="020B0604030504040204" pitchFamily="50" charset="-128"/>
               </a:rPr>
-              <a:t>日 </a:t>
-            </a:r>
-            <a:r>
-              <a:rPr lang="en-US" altLang="ja-JP" sz="2400" dirty="0">
+              <a:t>実績</a:t>
+            </a:r>
+            <a:r>
+              <a:rPr lang="en-US" altLang="ja-JP" sz="2400" dirty="0" smtClean="0">
                 <a:solidFill>
                   <a:srgbClr val="000000"/>
                 </a:solidFill>
                 <a:latin typeface="メイリオ" panose="020B0604030504040204" pitchFamily="50" charset="-128"/>
               </a:rPr>
-              <a:t>/ </a:t>
-            </a:r>
-            <a:r>
-              <a:rPr lang="ja-JP" altLang="en-US" sz="2400" dirty="0" smtClean="0">
-                <a:solidFill>
-                  <a:srgbClr val="000000"/>
-                </a:solidFill>
-                <a:latin typeface="メイリオ" panose="020B0604030504040204" pitchFamily="50" charset="-128"/>
-              </a:rPr>
-              <a:t>実績</a:t>
-            </a:r>
-            <a:r>
-              <a:rPr lang="en-US" altLang="ja-JP" sz="2400" dirty="0">
-                <a:solidFill>
-                  <a:srgbClr val="000000"/>
-                </a:solidFill>
-                <a:latin typeface="メイリオ" panose="020B0604030504040204" pitchFamily="50" charset="-128"/>
-              </a:rPr>
-              <a:t>3</a:t>
+              <a:t>2</a:t>
             </a:r>
             <a:r>
               <a:rPr lang="ja-JP" altLang="en-US" sz="2400" dirty="0" smtClean="0">
@@ -22586,6 +26027,15 @@
               <a:buFontTx/>
               <a:buNone/>
             </a:pPr>
+            <a:r>
+              <a:rPr lang="ja-JP" altLang="en-US" sz="2400" dirty="0" smtClean="0">
+                <a:solidFill>
+                  <a:srgbClr val="000000"/>
+                </a:solidFill>
+                <a:latin typeface="メイリオ" panose="020B0604030504040204" pitchFamily="50" charset="-128"/>
+              </a:rPr>
+              <a:t>作業を分担して行うことで、予定通り作業完了することができた。</a:t>
+            </a:r>
             <a:endParaRPr lang="en-US" altLang="ja-JP" sz="2400" dirty="0" smtClean="0">
               <a:solidFill>
                 <a:srgbClr val="000000"/>
@@ -22618,103 +26068,6 @@
               <a:buFontTx/>
               <a:buNone/>
             </a:pPr>
-            <a:endParaRPr lang="en-US" altLang="ja-JP" sz="2400" dirty="0">
-              <a:solidFill>
-                <a:srgbClr val="000000"/>
-              </a:solidFill>
-              <a:latin typeface="メイリオ" panose="020B0604030504040204" pitchFamily="50" charset="-128"/>
-            </a:endParaRPr>
-          </a:p>
-          <a:p>
-            <a:pPr eaLnBrk="1">
-              <a:lnSpc>
-                <a:spcPct val="125000"/>
-              </a:lnSpc>
-              <a:buClrTx/>
-              <a:buFontTx/>
-              <a:buNone/>
-            </a:pPr>
-            <a:r>
-              <a:rPr lang="ja-JP" altLang="ja-JP" sz="2400" dirty="0" smtClean="0">
-                <a:solidFill>
-                  <a:srgbClr val="000000"/>
-                </a:solidFill>
-                <a:latin typeface="メイリオ" panose="020B0604030504040204" pitchFamily="50" charset="-128"/>
-              </a:rPr>
-              <a:t>【</a:t>
-            </a:r>
-            <a:r>
-              <a:rPr lang="ja-JP" altLang="en-US" sz="2400" dirty="0">
-                <a:solidFill>
-                  <a:srgbClr val="000000"/>
-                </a:solidFill>
-                <a:latin typeface="メイリオ" panose="020B0604030504040204" pitchFamily="50" charset="-128"/>
-              </a:rPr>
-              <a:t>発表準備</a:t>
-            </a:r>
-            <a:r>
-              <a:rPr lang="ja-JP" altLang="ja-JP" sz="2400" dirty="0" smtClean="0">
-                <a:solidFill>
-                  <a:srgbClr val="000000"/>
-                </a:solidFill>
-                <a:latin typeface="メイリオ" panose="020B0604030504040204" pitchFamily="50" charset="-128"/>
-              </a:rPr>
-              <a:t>】予定</a:t>
-            </a:r>
-            <a:r>
-              <a:rPr lang="en-US" altLang="ja-JP" sz="2400" dirty="0">
-                <a:solidFill>
-                  <a:srgbClr val="000000"/>
-                </a:solidFill>
-                <a:latin typeface="メイリオ" panose="020B0604030504040204" pitchFamily="50" charset="-128"/>
-              </a:rPr>
-              <a:t>2</a:t>
-            </a:r>
-            <a:r>
-              <a:rPr lang="ja-JP" altLang="ja-JP" sz="2400" dirty="0" smtClean="0">
-                <a:solidFill>
-                  <a:srgbClr val="000000"/>
-                </a:solidFill>
-                <a:latin typeface="メイリオ" panose="020B0604030504040204" pitchFamily="50" charset="-128"/>
-              </a:rPr>
-              <a:t>日 </a:t>
-            </a:r>
-            <a:r>
-              <a:rPr lang="en-US" altLang="ja-JP" sz="2400" dirty="0">
-                <a:solidFill>
-                  <a:srgbClr val="000000"/>
-                </a:solidFill>
-                <a:latin typeface="メイリオ" panose="020B0604030504040204" pitchFamily="50" charset="-128"/>
-              </a:rPr>
-              <a:t>/ </a:t>
-            </a:r>
-            <a:r>
-              <a:rPr lang="ja-JP" altLang="ja-JP" sz="2400" dirty="0" smtClean="0">
-                <a:solidFill>
-                  <a:srgbClr val="000000"/>
-                </a:solidFill>
-                <a:latin typeface="メイリオ" panose="020B0604030504040204" pitchFamily="50" charset="-128"/>
-              </a:rPr>
-              <a:t>実績</a:t>
-            </a:r>
-            <a:r>
-              <a:rPr lang="en-US" altLang="ja-JP" sz="2400" dirty="0">
-                <a:solidFill>
-                  <a:srgbClr val="000000"/>
-                </a:solidFill>
-                <a:latin typeface="メイリオ" panose="020B0604030504040204" pitchFamily="50" charset="-128"/>
-              </a:rPr>
-              <a:t>2</a:t>
-            </a:r>
-            <a:r>
-              <a:rPr lang="ja-JP" altLang="ja-JP" sz="2400" dirty="0" smtClean="0">
-                <a:solidFill>
-                  <a:srgbClr val="000000"/>
-                </a:solidFill>
-                <a:latin typeface="メイリオ" panose="020B0604030504040204" pitchFamily="50" charset="-128"/>
-              </a:rPr>
-              <a:t>日</a:t>
-            </a:r>
             <a:endParaRPr lang="ja-JP" altLang="ja-JP" sz="2400" dirty="0">
               <a:solidFill>
                 <a:srgbClr val="000000"/>
@@ -22722,28 +26075,42 @@
               <a:latin typeface="メイリオ" panose="020B0604030504040204" pitchFamily="50" charset="-128"/>
             </a:endParaRPr>
           </a:p>
-          <a:p>
-            <a:pPr eaLnBrk="1">
-              <a:lnSpc>
-                <a:spcPct val="125000"/>
-              </a:lnSpc>
-              <a:buClrTx/>
-              <a:buFontTx/>
-              <a:buNone/>
-            </a:pPr>
-            <a:endParaRPr lang="ja-JP" altLang="ja-JP" sz="2400" dirty="0">
-              <a:solidFill>
-                <a:srgbClr val="000000"/>
-              </a:solidFill>
-              <a:latin typeface="メイリオ" panose="020B0604030504040204" pitchFamily="50" charset="-128"/>
-            </a:endParaRPr>
-          </a:p>
         </p:txBody>
       </p:sp>
+      <p:pic>
+        <p:nvPicPr>
+          <p:cNvPr id="4" name="図 3"/>
+          <p:cNvPicPr>
+            <a:picLocks noChangeAspect="1"/>
+          </p:cNvPicPr>
+          <p:nvPr/>
+        </p:nvPicPr>
+        <p:blipFill>
+          <a:blip r:embed="rId2">
+            <a:extLst>
+              <a:ext uri="{28A0092B-C50C-407E-A947-70E740481C1C}">
+                <a14:useLocalDpi xmlns:a14="http://schemas.microsoft.com/office/drawing/2010/main" val="0"/>
+              </a:ext>
+            </a:extLst>
+          </a:blip>
+          <a:stretch>
+            <a:fillRect/>
+          </a:stretch>
+        </p:blipFill>
+        <p:spPr>
+          <a:xfrm>
+            <a:off x="1526504" y="3360558"/>
+            <a:ext cx="9115175" cy="3158602"/>
+          </a:xfrm>
+          <a:prstGeom prst="rect">
+            <a:avLst/>
+          </a:prstGeom>
+        </p:spPr>
+      </p:pic>
     </p:spTree>
     <p:extLst>
       <p:ext uri="{BB962C8B-B14F-4D97-AF65-F5344CB8AC3E}">
-        <p14:creationId xmlns:p14="http://schemas.microsoft.com/office/powerpoint/2010/main" val="1298895747"/>
+        <p14:creationId xmlns:p14="http://schemas.microsoft.com/office/powerpoint/2010/main" val="3505327930"/>
       </p:ext>
     </p:extLst>
   </p:cSld>
@@ -22793,16 +26160,17 @@
           <a:lstStyle/>
           <a:p>
             <a:fld id="{D62A6D24-7F3D-4A52-B258-0799191E0682}" type="slidenum">
-              <a:rPr kumimoji="1" lang="ja-JP" altLang="en-US" smtClean="0">
-                <a:solidFill>
-                  <a:schemeClr val="bg1"/>
-                </a:solidFill>
-              </a:rPr>
+              <a:rPr lang="ja-JP" altLang="en-US" smtClean="0">
+                <a:solidFill>
+                  <a:prstClr val="white"/>
+                </a:solidFill>
+              </a:rPr>
+              <a:pPr/>
               <a:t>9</a:t>
             </a:fld>
-            <a:endParaRPr kumimoji="1" lang="ja-JP" altLang="en-US" dirty="0">
+            <a:endParaRPr lang="ja-JP" altLang="en-US" dirty="0">
               <a:solidFill>
-                <a:schemeClr val="bg1"/>
+                <a:prstClr val="white"/>
               </a:solidFill>
             </a:endParaRPr>
           </a:p>
@@ -22818,8 +26186,8 @@
         </p:nvSpPr>
         <p:spPr bwMode="auto">
           <a:xfrm>
-            <a:off x="4392234" y="339312"/>
-            <a:ext cx="2909663" cy="1262063"/>
+            <a:off x="4431295" y="339312"/>
+            <a:ext cx="9070975" cy="1262063"/>
           </a:xfrm>
           <a:prstGeom prst="rect">
             <a:avLst/>
@@ -23201,9 +26569,6 @@
               <a:lnSpc>
                 <a:spcPct val="125000"/>
               </a:lnSpc>
-              <a:buClrTx/>
-              <a:buFontTx/>
-              <a:buNone/>
             </a:pPr>
             <a:r>
               <a:rPr lang="en-US" altLang="ja-JP" sz="2800" b="1" dirty="0">
@@ -23228,7 +26593,7 @@
       </p:sp>
       <p:sp>
         <p:nvSpPr>
-          <p:cNvPr id="4" name="Text Box 7"/>
+          <p:cNvPr id="5" name="Text Box 5"/>
           <p:cNvSpPr txBox="1">
             <a:spLocks noChangeArrowheads="1"/>
           </p:cNvSpPr>
@@ -23236,8 +26601,8 @@
         </p:nvSpPr>
         <p:spPr bwMode="auto">
           <a:xfrm>
-            <a:off x="1311579" y="3075904"/>
-            <a:ext cx="9070975" cy="495300"/>
+            <a:off x="1526504" y="2050759"/>
+            <a:ext cx="9553575" cy="1168959"/>
           </a:xfrm>
           <a:prstGeom prst="rect">
             <a:avLst/>
@@ -23267,7 +26632,7 @@
           </a:extLst>
         </p:spPr>
         <p:txBody>
-          <a:bodyPr lIns="0" tIns="0" rIns="0" bIns="0" anchor="ctr"/>
+          <a:bodyPr wrap="none" lIns="90000" tIns="45000" rIns="90000" bIns="45000"/>
           <a:lstStyle>
             <a:lvl1pPr eaLnBrk="0">
               <a:tabLst>
@@ -23292,6 +26657,7 @@
                 <a:tab pos="8085138" algn="l"/>
                 <a:tab pos="8534400" algn="l"/>
                 <a:tab pos="8983663" algn="l"/>
+                <a:tab pos="9410700" algn="l"/>
               </a:tabLst>
               <a:defRPr>
                 <a:solidFill>
@@ -23324,6 +26690,7 @@
                 <a:tab pos="8085138" algn="l"/>
                 <a:tab pos="8534400" algn="l"/>
                 <a:tab pos="8983663" algn="l"/>
+                <a:tab pos="9410700" algn="l"/>
               </a:tabLst>
               <a:defRPr>
                 <a:solidFill>
@@ -23356,6 +26723,7 @@
                 <a:tab pos="8085138" algn="l"/>
                 <a:tab pos="8534400" algn="l"/>
                 <a:tab pos="8983663" algn="l"/>
+                <a:tab pos="9410700" algn="l"/>
               </a:tabLst>
               <a:defRPr>
                 <a:solidFill>
@@ -23388,6 +26756,7 @@
                 <a:tab pos="8085138" algn="l"/>
                 <a:tab pos="8534400" algn="l"/>
                 <a:tab pos="8983663" algn="l"/>
+                <a:tab pos="9410700" algn="l"/>
               </a:tabLst>
               <a:defRPr>
                 <a:solidFill>
@@ -23420,6 +26789,7 @@
                 <a:tab pos="8085138" algn="l"/>
                 <a:tab pos="8534400" algn="l"/>
                 <a:tab pos="8983663" algn="l"/>
+                <a:tab pos="9410700" algn="l"/>
               </a:tabLst>
               <a:defRPr>
                 <a:solidFill>
@@ -23466,6 +26836,7 @@
                 <a:tab pos="8085138" algn="l"/>
                 <a:tab pos="8534400" algn="l"/>
                 <a:tab pos="8983663" algn="l"/>
+                <a:tab pos="9410700" algn="l"/>
               </a:tabLst>
               <a:defRPr>
                 <a:solidFill>
@@ -23512,6 +26883,7 @@
                 <a:tab pos="8085138" algn="l"/>
                 <a:tab pos="8534400" algn="l"/>
                 <a:tab pos="8983663" algn="l"/>
+                <a:tab pos="9410700" algn="l"/>
               </a:tabLst>
               <a:defRPr>
                 <a:solidFill>
@@ -23558,6 +26930,7 @@
                 <a:tab pos="8085138" algn="l"/>
                 <a:tab pos="8534400" algn="l"/>
                 <a:tab pos="8983663" algn="l"/>
+                <a:tab pos="9410700" algn="l"/>
               </a:tabLst>
               <a:defRPr>
                 <a:solidFill>
@@ -23604,6 +26977,7 @@
                 <a:tab pos="8085138" algn="l"/>
                 <a:tab pos="8534400" algn="l"/>
                 <a:tab pos="8983663" algn="l"/>
+                <a:tab pos="9410700" algn="l"/>
               </a:tabLst>
               <a:defRPr>
                 <a:solidFill>
@@ -23615,30 +26989,185 @@
             </a:lvl9pPr>
           </a:lstStyle>
           <a:p>
-            <a:pPr algn="ctr" eaLnBrk="1">
+            <a:pPr eaLnBrk="1">
               <a:lnSpc>
                 <a:spcPct val="125000"/>
               </a:lnSpc>
-              <a:buClrTx/>
-              <a:buFontTx/>
-              <a:buNone/>
             </a:pPr>
             <a:r>
-              <a:rPr lang="ja-JP" altLang="ja-JP" sz="2600" dirty="0">
+              <a:rPr lang="ja-JP" altLang="ja-JP" sz="2400" dirty="0" smtClean="0">
                 <a:solidFill>
                   <a:srgbClr val="000000"/>
                 </a:solidFill>
                 <a:latin typeface="メイリオ" panose="020B0604030504040204" pitchFamily="50" charset="-128"/>
               </a:rPr>
-              <a:t>「作業工程表」にてご説明致します</a:t>
-            </a:r>
+              <a:t>【</a:t>
+            </a:r>
+            <a:r>
+              <a:rPr lang="ja-JP" altLang="en-US" sz="2400" dirty="0">
+                <a:solidFill>
+                  <a:srgbClr val="000000"/>
+                </a:solidFill>
+                <a:latin typeface="メイリオ" panose="020B0604030504040204" pitchFamily="50" charset="-128"/>
+              </a:rPr>
+              <a:t>製造</a:t>
+            </a:r>
+            <a:r>
+              <a:rPr lang="ja-JP" altLang="ja-JP" sz="2400" dirty="0" smtClean="0">
+                <a:solidFill>
+                  <a:srgbClr val="000000"/>
+                </a:solidFill>
+                <a:latin typeface="メイリオ" panose="020B0604030504040204" pitchFamily="50" charset="-128"/>
+              </a:rPr>
+              <a:t>】予定</a:t>
+            </a:r>
+            <a:r>
+              <a:rPr lang="en-US" altLang="ja-JP" sz="2400" dirty="0" smtClean="0">
+                <a:solidFill>
+                  <a:srgbClr val="000000"/>
+                </a:solidFill>
+                <a:latin typeface="メイリオ" panose="020B0604030504040204" pitchFamily="50" charset="-128"/>
+              </a:rPr>
+              <a:t>6</a:t>
+            </a:r>
+            <a:r>
+              <a:rPr lang="ja-JP" altLang="ja-JP" sz="2400" dirty="0" smtClean="0">
+                <a:solidFill>
+                  <a:srgbClr val="000000"/>
+                </a:solidFill>
+                <a:latin typeface="メイリオ" panose="020B0604030504040204" pitchFamily="50" charset="-128"/>
+              </a:rPr>
+              <a:t>日 </a:t>
+            </a:r>
+            <a:r>
+              <a:rPr lang="en-US" altLang="ja-JP" sz="2400" dirty="0">
+                <a:solidFill>
+                  <a:srgbClr val="000000"/>
+                </a:solidFill>
+                <a:latin typeface="メイリオ" panose="020B0604030504040204" pitchFamily="50" charset="-128"/>
+              </a:rPr>
+              <a:t>/ </a:t>
+            </a:r>
+            <a:r>
+              <a:rPr lang="ja-JP" altLang="ja-JP" sz="2400" dirty="0" smtClean="0">
+                <a:solidFill>
+                  <a:srgbClr val="000000"/>
+                </a:solidFill>
+                <a:latin typeface="メイリオ" panose="020B0604030504040204" pitchFamily="50" charset="-128"/>
+              </a:rPr>
+              <a:t>実績</a:t>
+            </a:r>
+            <a:r>
+              <a:rPr lang="ja-JP" altLang="en-US" sz="2400" dirty="0" smtClean="0">
+                <a:solidFill>
+                  <a:srgbClr val="000000"/>
+                </a:solidFill>
+                <a:latin typeface="メイリオ" panose="020B0604030504040204" pitchFamily="50" charset="-128"/>
+              </a:rPr>
+              <a:t>７</a:t>
+            </a:r>
+            <a:r>
+              <a:rPr lang="ja-JP" altLang="ja-JP" sz="2400" dirty="0" smtClean="0">
+                <a:solidFill>
+                  <a:srgbClr val="000000"/>
+                </a:solidFill>
+                <a:latin typeface="メイリオ" panose="020B0604030504040204" pitchFamily="50" charset="-128"/>
+              </a:rPr>
+              <a:t>日</a:t>
+            </a:r>
+            <a:endParaRPr lang="en-US" altLang="ja-JP" sz="2400" dirty="0">
+              <a:solidFill>
+                <a:srgbClr val="000000"/>
+              </a:solidFill>
+              <a:latin typeface="メイリオ" panose="020B0604030504040204" pitchFamily="50" charset="-128"/>
+            </a:endParaRPr>
+          </a:p>
+          <a:p>
+            <a:pPr eaLnBrk="1">
+              <a:lnSpc>
+                <a:spcPct val="125000"/>
+              </a:lnSpc>
+            </a:pPr>
+            <a:r>
+              <a:rPr lang="ja-JP" altLang="en-US" sz="2400" dirty="0" smtClean="0">
+                <a:solidFill>
+                  <a:srgbClr val="000000"/>
+                </a:solidFill>
+                <a:latin typeface="メイリオ" panose="020B0604030504040204" pitchFamily="50" charset="-128"/>
+              </a:rPr>
+              <a:t>エラーの修正に時間がかかり</a:t>
+            </a:r>
+            <a:r>
+              <a:rPr lang="ja-JP" altLang="en-US" sz="2400" dirty="0">
+                <a:solidFill>
+                  <a:srgbClr val="000000"/>
+                </a:solidFill>
+                <a:latin typeface="メイリオ" panose="020B0604030504040204" pitchFamily="50" charset="-128"/>
+              </a:rPr>
+              <a:t>、作業完了まで予定</a:t>
+            </a:r>
+            <a:r>
+              <a:rPr lang="ja-JP" altLang="en-US" sz="2400" dirty="0" smtClean="0">
+                <a:solidFill>
+                  <a:srgbClr val="000000"/>
+                </a:solidFill>
+                <a:latin typeface="メイリオ" panose="020B0604030504040204" pitchFamily="50" charset="-128"/>
+              </a:rPr>
+              <a:t>より</a:t>
+            </a:r>
+            <a:r>
+              <a:rPr lang="en-US" altLang="ja-JP" sz="2400" dirty="0">
+                <a:solidFill>
+                  <a:srgbClr val="000000"/>
+                </a:solidFill>
+                <a:latin typeface="メイリオ" panose="020B0604030504040204" pitchFamily="50" charset="-128"/>
+              </a:rPr>
+              <a:t>1</a:t>
+            </a:r>
+            <a:r>
+              <a:rPr lang="ja-JP" altLang="en-US" sz="2400" dirty="0" smtClean="0">
+                <a:solidFill>
+                  <a:srgbClr val="000000"/>
+                </a:solidFill>
+                <a:latin typeface="メイリオ" panose="020B0604030504040204" pitchFamily="50" charset="-128"/>
+              </a:rPr>
+              <a:t>日</a:t>
+            </a:r>
+            <a:r>
+              <a:rPr lang="ja-JP" altLang="en-US" sz="2400" dirty="0">
+                <a:solidFill>
+                  <a:srgbClr val="000000"/>
+                </a:solidFill>
+                <a:latin typeface="メイリオ" panose="020B0604030504040204" pitchFamily="50" charset="-128"/>
+              </a:rPr>
+              <a:t>遅れた。</a:t>
+            </a:r>
+            <a:endParaRPr lang="en-US" altLang="ja-JP" sz="2400" dirty="0">
+              <a:solidFill>
+                <a:srgbClr val="000000"/>
+              </a:solidFill>
+              <a:latin typeface="メイリオ" panose="020B0604030504040204" pitchFamily="50" charset="-128"/>
+            </a:endParaRPr>
+          </a:p>
+          <a:p>
+            <a:pPr eaLnBrk="1">
+              <a:lnSpc>
+                <a:spcPct val="125000"/>
+              </a:lnSpc>
+            </a:pPr>
+            <a:endParaRPr lang="ja-JP" altLang="ja-JP" sz="2400" dirty="0">
+              <a:solidFill>
+                <a:srgbClr val="000000"/>
+              </a:solidFill>
+              <a:latin typeface="メイリオ" panose="020B0604030504040204" pitchFamily="50" charset="-128"/>
+            </a:endParaRPr>
           </a:p>
         </p:txBody>
       </p:sp>
     </p:spTree>
     <p:extLst>
       <p:ext uri="{BB962C8B-B14F-4D97-AF65-F5344CB8AC3E}">
-        <p14:creationId xmlns:p14="http://schemas.microsoft.com/office/powerpoint/2010/main" val="6184183"/>
+        <p14:creationId xmlns:p14="http://schemas.microsoft.com/office/powerpoint/2010/main" val="1416634807"/>
       </p:ext>
     </p:extLst>
   </p:cSld>

--- a/05_チーム開発演習_発表会資料/05_チーム開発演習_発表会資料_チーム3.pptx
+++ b/05_チーム開発演習_発表会資料/05_チーム開発演習_発表会資料_チーム3.pptx
@@ -22852,14 +22852,14 @@
           <p:nvPr>
             <p:extLst>
               <p:ext uri="{D42A27DB-BD31-4B8C-83A1-F6EECF244321}">
-                <p14:modId xmlns:p14="http://schemas.microsoft.com/office/powerpoint/2010/main" val="706526155"/>
+                <p14:modId xmlns:p14="http://schemas.microsoft.com/office/powerpoint/2010/main" val="799962882"/>
               </p:ext>
             </p:extLst>
           </p:nvPr>
         </p:nvGraphicFramePr>
         <p:xfrm>
           <a:off x="2189409" y="1339401"/>
-          <a:ext cx="8551573" cy="5164429"/>
+          <a:ext cx="8551573" cy="5230973"/>
         </p:xfrm>
         <a:graphic>
           <a:graphicData uri="http://schemas.openxmlformats.org/drawingml/2006/table">
@@ -22882,7 +22882,7 @@
                         </a:spcAft>
                       </a:pPr>
                       <a:r>
-                        <a:rPr lang="en-US" sz="1200" kern="100">
+                        <a:rPr lang="en-US" sz="1600" kern="100" dirty="0">
                           <a:effectLst/>
                           <a:latin typeface="Century" panose="02040604050505020304" pitchFamily="18" charset="0"/>
                           <a:ea typeface="ＭＳ 明朝" panose="02020609040205080304" pitchFamily="17" charset="-128"/>
@@ -22890,7 +22890,7 @@
                         </a:rPr>
                         <a:t>No</a:t>
                       </a:r>
-                      <a:endParaRPr lang="ja-JP" sz="1200" kern="100">
+                      <a:endParaRPr lang="ja-JP" sz="1600" kern="100" dirty="0">
                         <a:effectLst/>
                         <a:latin typeface="Century" panose="02040604050505020304" pitchFamily="18" charset="0"/>
                         <a:ea typeface="ＭＳ 明朝" panose="02020609040205080304" pitchFamily="17" charset="-128"/>
@@ -22951,7 +22951,7 @@
                         </a:spcAft>
                       </a:pPr>
                       <a:r>
-                        <a:rPr lang="ja-JP" sz="1200" kern="100">
+                        <a:rPr lang="ja-JP" sz="1600" kern="100" dirty="0">
                           <a:effectLst/>
                           <a:latin typeface="Century" panose="02040604050505020304" pitchFamily="18" charset="0"/>
                           <a:ea typeface="ＭＳ 明朝" panose="02020609040205080304" pitchFamily="17" charset="-128"/>
@@ -23014,7 +23014,7 @@
                         </a:spcAft>
                       </a:pPr>
                       <a:r>
-                        <a:rPr lang="ja-JP" sz="1200" kern="100">
+                        <a:rPr lang="ja-JP" sz="1600" kern="100" dirty="0">
                           <a:effectLst/>
                           <a:latin typeface="Century" panose="02040604050505020304" pitchFamily="18" charset="0"/>
                           <a:ea typeface="ＭＳ 明朝" panose="02020609040205080304" pitchFamily="17" charset="-128"/>
@@ -23079,7 +23079,7 @@
                         </a:spcAft>
                       </a:pPr>
                       <a:r>
-                        <a:rPr lang="en-US" sz="1200" kern="100">
+                        <a:rPr lang="en-US" sz="1600" kern="100" dirty="0">
                           <a:effectLst/>
                           <a:latin typeface="Century" panose="02040604050505020304" pitchFamily="18" charset="0"/>
                           <a:ea typeface="ＭＳ 明朝" panose="02020609040205080304" pitchFamily="17" charset="-128"/>
@@ -23087,7 +23087,7 @@
                         </a:rPr>
                         <a:t>1</a:t>
                       </a:r>
-                      <a:endParaRPr lang="ja-JP" sz="1200" kern="100">
+                      <a:endParaRPr lang="ja-JP" sz="1600" kern="100" dirty="0">
                         <a:effectLst/>
                         <a:latin typeface="Century" panose="02040604050505020304" pitchFamily="18" charset="0"/>
                         <a:ea typeface="ＭＳ 明朝" panose="02020609040205080304" pitchFamily="17" charset="-128"/>
@@ -23145,7 +23145,7 @@
                         </a:spcAft>
                       </a:pPr>
                       <a:r>
-                        <a:rPr lang="ja-JP" sz="1200" kern="100">
+                        <a:rPr lang="ja-JP" sz="1600" kern="100" dirty="0">
                           <a:effectLst/>
                           <a:latin typeface="Century" panose="02040604050505020304" pitchFamily="18" charset="0"/>
                           <a:ea typeface="ＭＳ 明朝" panose="02020609040205080304" pitchFamily="17" charset="-128"/>
@@ -23207,7 +23207,7 @@
                         <a:buChar char="・"/>
                       </a:pPr>
                       <a:r>
-                        <a:rPr lang="en-US" sz="1200" kern="100">
+                        <a:rPr lang="en-US" sz="1600" kern="100" dirty="0">
                           <a:effectLst/>
                           <a:latin typeface="Century" panose="02040604050505020304" pitchFamily="18" charset="0"/>
                           <a:ea typeface="ＭＳ 明朝" panose="02020609040205080304" pitchFamily="17" charset="-128"/>
@@ -23216,7 +23216,7 @@
                         <a:t>ID</a:t>
                       </a:r>
                       <a:r>
-                        <a:rPr lang="ja-JP" sz="1200" kern="100">
+                        <a:rPr lang="ja-JP" sz="1600" kern="100" dirty="0">
                           <a:effectLst/>
                           <a:latin typeface="Century" panose="02040604050505020304" pitchFamily="18" charset="0"/>
                           <a:ea typeface="ＭＳ 明朝" panose="02020609040205080304" pitchFamily="17" charset="-128"/>
@@ -23234,7 +23234,7 @@
                         <a:buChar char="・"/>
                       </a:pPr>
                       <a:r>
-                        <a:rPr lang="ja-JP" sz="1200" kern="100">
+                        <a:rPr lang="ja-JP" sz="1600" kern="100" dirty="0">
                           <a:effectLst/>
                           <a:latin typeface="Century" panose="02040604050505020304" pitchFamily="18" charset="0"/>
                           <a:ea typeface="ＭＳ 明朝" panose="02020609040205080304" pitchFamily="17" charset="-128"/>
@@ -23296,7 +23296,7 @@
                         </a:spcAft>
                       </a:pPr>
                       <a:r>
-                        <a:rPr lang="en-US" sz="1200" kern="100">
+                        <a:rPr lang="en-US" sz="1600" kern="100" dirty="0">
                           <a:effectLst/>
                           <a:latin typeface="Century" panose="02040604050505020304" pitchFamily="18" charset="0"/>
                           <a:ea typeface="ＭＳ 明朝" panose="02020609040205080304" pitchFamily="17" charset="-128"/>
@@ -23304,7 +23304,7 @@
                         </a:rPr>
                         <a:t>2</a:t>
                       </a:r>
-                      <a:endParaRPr lang="ja-JP" sz="1200" kern="100">
+                      <a:endParaRPr lang="ja-JP" sz="1600" kern="100" dirty="0">
                         <a:effectLst/>
                         <a:latin typeface="Century" panose="02040604050505020304" pitchFamily="18" charset="0"/>
                         <a:ea typeface="ＭＳ 明朝" panose="02020609040205080304" pitchFamily="17" charset="-128"/>
@@ -23362,7 +23362,7 @@
                         </a:spcAft>
                       </a:pPr>
                       <a:r>
-                        <a:rPr lang="ja-JP" sz="1200" kern="100">
+                        <a:rPr lang="ja-JP" sz="1600" kern="100" dirty="0">
                           <a:effectLst/>
                           <a:latin typeface="Century" panose="02040604050505020304" pitchFamily="18" charset="0"/>
                           <a:ea typeface="ＭＳ 明朝" panose="02020609040205080304" pitchFamily="17" charset="-128"/>
@@ -23424,7 +23424,7 @@
                         <a:buChar char="・"/>
                       </a:pPr>
                       <a:r>
-                        <a:rPr lang="ja-JP" sz="1200" kern="100">
+                        <a:rPr lang="ja-JP" sz="1600" kern="100" dirty="0">
                           <a:effectLst/>
                           <a:latin typeface="Century" panose="02040604050505020304" pitchFamily="18" charset="0"/>
                           <a:ea typeface="ＭＳ 明朝" panose="02020609040205080304" pitchFamily="17" charset="-128"/>
@@ -23474,7 +23474,7 @@
                   </a:tcPr>
                 </a:tc>
               </a:tr>
-              <a:tr h="1147651">
+              <a:tr h="1214909">
                 <a:tc>
                   <a:txBody>
                     <a:bodyPr/>
@@ -23486,7 +23486,7 @@
                         </a:spcAft>
                       </a:pPr>
                       <a:r>
-                        <a:rPr lang="en-US" sz="1200" kern="100">
+                        <a:rPr lang="en-US" sz="1600" kern="100" dirty="0">
                           <a:effectLst/>
                           <a:latin typeface="Century" panose="02040604050505020304" pitchFamily="18" charset="0"/>
                           <a:ea typeface="ＭＳ 明朝" panose="02020609040205080304" pitchFamily="17" charset="-128"/>
@@ -23494,7 +23494,7 @@
                         </a:rPr>
                         <a:t>3</a:t>
                       </a:r>
-                      <a:endParaRPr lang="ja-JP" sz="1200" kern="100">
+                      <a:endParaRPr lang="ja-JP" sz="1600" kern="100" dirty="0">
                         <a:effectLst/>
                         <a:latin typeface="Century" panose="02040604050505020304" pitchFamily="18" charset="0"/>
                         <a:ea typeface="ＭＳ 明朝" panose="02020609040205080304" pitchFamily="17" charset="-128"/>
@@ -23552,7 +23552,7 @@
                         </a:spcAft>
                       </a:pPr>
                       <a:r>
-                        <a:rPr lang="ja-JP" sz="1200" kern="100">
+                        <a:rPr lang="ja-JP" sz="1600" kern="100">
                           <a:effectLst/>
                           <a:latin typeface="Century" panose="02040604050505020304" pitchFamily="18" charset="0"/>
                           <a:ea typeface="ＭＳ 明朝" panose="02020609040205080304" pitchFamily="17" charset="-128"/>
@@ -23614,13 +23614,64 @@
                         <a:buChar char="・"/>
                       </a:pPr>
                       <a:r>
-                        <a:rPr lang="ja-JP" sz="1200" kern="100">
+                        <a:rPr lang="ja-JP" sz="1600" kern="100" dirty="0">
                           <a:effectLst/>
                           <a:latin typeface="Century" panose="02040604050505020304" pitchFamily="18" charset="0"/>
                           <a:ea typeface="ＭＳ 明朝" panose="02020609040205080304" pitchFamily="17" charset="-128"/>
                           <a:cs typeface="Times New Roman" panose="02020603050405020304" pitchFamily="18" charset="0"/>
                         </a:rPr>
-                        <a:t>商品の名前、値段、宅配時の注意点、在庫を管理できる</a:t>
+                        <a:t>商品の名前、値段、宅配時の注意点</a:t>
+                      </a:r>
+                      <a:r>
+                        <a:rPr lang="ja-JP" sz="1600" kern="100" dirty="0" smtClean="0">
+                          <a:effectLst/>
+                          <a:latin typeface="Century" panose="02040604050505020304" pitchFamily="18" charset="0"/>
+                          <a:ea typeface="ＭＳ 明朝" panose="02020609040205080304" pitchFamily="17" charset="-128"/>
+                          <a:cs typeface="Times New Roman" panose="02020603050405020304" pitchFamily="18" charset="0"/>
+                        </a:rPr>
+                        <a:t>、</a:t>
+                      </a:r>
+                      <a:endParaRPr lang="en-US" altLang="ja-JP" sz="1600" kern="100" dirty="0" smtClean="0">
+                        <a:effectLst/>
+                        <a:latin typeface="Century" panose="02040604050505020304" pitchFamily="18" charset="0"/>
+                        <a:ea typeface="ＭＳ 明朝" panose="02020609040205080304" pitchFamily="17" charset="-128"/>
+                        <a:cs typeface="Times New Roman" panose="02020603050405020304" pitchFamily="18" charset="0"/>
+                      </a:endParaRPr>
+                    </a:p>
+                    <a:p>
+                      <a:pPr marL="0" lvl="0" indent="0" algn="just">
+                        <a:spcAft>
+                          <a:spcPts val="0"/>
+                        </a:spcAft>
+                        <a:buFont typeface="ＭＳ 明朝" panose="02020609040205080304" pitchFamily="17" charset="-128"/>
+                        <a:buNone/>
+                      </a:pPr>
+                      <a:r>
+                        <a:rPr lang="ja-JP" altLang="en-US" sz="1600" kern="100" dirty="0" smtClean="0">
+                          <a:effectLst/>
+                          <a:latin typeface="Century" panose="02040604050505020304" pitchFamily="18" charset="0"/>
+                          <a:ea typeface="ＭＳ 明朝" panose="02020609040205080304" pitchFamily="17" charset="-128"/>
+                          <a:cs typeface="Times New Roman" panose="02020603050405020304" pitchFamily="18" charset="0"/>
+                        </a:rPr>
+                        <a:t>　　</a:t>
+                      </a:r>
+                      <a:r>
+                        <a:rPr lang="ja-JP" sz="1600" kern="100" dirty="0" smtClean="0">
+                          <a:effectLst/>
+                          <a:latin typeface="Century" panose="02040604050505020304" pitchFamily="18" charset="0"/>
+                          <a:ea typeface="ＭＳ 明朝" panose="02020609040205080304" pitchFamily="17" charset="-128"/>
+                          <a:cs typeface="Times New Roman" panose="02020603050405020304" pitchFamily="18" charset="0"/>
+                        </a:rPr>
+                        <a:t>在庫</a:t>
+                      </a:r>
+                      <a:r>
+                        <a:rPr lang="ja-JP" sz="1600" kern="100" dirty="0">
+                          <a:effectLst/>
+                          <a:latin typeface="Century" panose="02040604050505020304" pitchFamily="18" charset="0"/>
+                          <a:ea typeface="ＭＳ 明朝" panose="02020609040205080304" pitchFamily="17" charset="-128"/>
+                          <a:cs typeface="Times New Roman" panose="02020603050405020304" pitchFamily="18" charset="0"/>
+                        </a:rPr>
+                        <a:t>を管理できる</a:t>
                       </a:r>
                     </a:p>
                     <a:p>
@@ -23632,7 +23683,7 @@
                         <a:buChar char="・"/>
                       </a:pPr>
                       <a:r>
-                        <a:rPr lang="ja-JP" sz="1200" kern="100">
+                        <a:rPr lang="ja-JP" sz="1600" kern="100" dirty="0" smtClean="0">
                           <a:effectLst/>
                           <a:latin typeface="Century" panose="02040604050505020304" pitchFamily="18" charset="0"/>
                           <a:ea typeface="ＭＳ 明朝" panose="02020609040205080304" pitchFamily="17" charset="-128"/>
@@ -23650,7 +23701,7 @@
                         <a:buChar char="・"/>
                       </a:pPr>
                       <a:r>
-                        <a:rPr lang="ja-JP" sz="1200" kern="100">
+                        <a:rPr lang="ja-JP" sz="1600" kern="100" dirty="0" smtClean="0">
                           <a:effectLst/>
                           <a:latin typeface="Century" panose="02040604050505020304" pitchFamily="18" charset="0"/>
                           <a:ea typeface="ＭＳ 明朝" panose="02020609040205080304" pitchFamily="17" charset="-128"/>
@@ -23658,6 +23709,12 @@
                         </a:rPr>
                         <a:t>一般利用者の更新、削除ができる</a:t>
                       </a:r>
+                      <a:endParaRPr lang="ja-JP" sz="1600" kern="100" dirty="0">
+                        <a:effectLst/>
+                        <a:latin typeface="Century" panose="02040604050505020304" pitchFamily="18" charset="0"/>
+                        <a:ea typeface="ＭＳ 明朝" panose="02020609040205080304" pitchFamily="17" charset="-128"/>
+                        <a:cs typeface="Times New Roman" panose="02020603050405020304" pitchFamily="18" charset="0"/>
+                      </a:endParaRPr>
                     </a:p>
                   </a:txBody>
                   <a:tcPr marL="68580" marR="68580" marT="0" marB="0">
@@ -23700,7 +23757,7 @@
                   </a:tcPr>
                 </a:tc>
               </a:tr>
-              <a:tr h="286913">
+              <a:tr h="286199">
                 <a:tc>
                   <a:txBody>
                     <a:bodyPr/>
@@ -23712,7 +23769,7 @@
                         </a:spcAft>
                       </a:pPr>
                       <a:r>
-                        <a:rPr lang="en-US" sz="1200" kern="100">
+                        <a:rPr lang="en-US" sz="1600" kern="100" dirty="0">
                           <a:effectLst/>
                           <a:latin typeface="Century" panose="02040604050505020304" pitchFamily="18" charset="0"/>
                           <a:ea typeface="ＭＳ 明朝" panose="02020609040205080304" pitchFamily="17" charset="-128"/>
@@ -23720,7 +23777,7 @@
                         </a:rPr>
                         <a:t>4</a:t>
                       </a:r>
-                      <a:endParaRPr lang="ja-JP" sz="1200" kern="100">
+                      <a:endParaRPr lang="ja-JP" sz="1600" kern="100" dirty="0">
                         <a:effectLst/>
                         <a:latin typeface="Century" panose="02040604050505020304" pitchFamily="18" charset="0"/>
                         <a:ea typeface="ＭＳ 明朝" panose="02020609040205080304" pitchFamily="17" charset="-128"/>
@@ -23778,7 +23835,7 @@
                         </a:spcAft>
                       </a:pPr>
                       <a:r>
-                        <a:rPr lang="ja-JP" sz="1200" kern="100">
+                        <a:rPr lang="ja-JP" sz="1600" kern="100" dirty="0">
                           <a:effectLst/>
                           <a:latin typeface="Century" panose="02040604050505020304" pitchFamily="18" charset="0"/>
                           <a:ea typeface="ＭＳ 明朝" panose="02020609040205080304" pitchFamily="17" charset="-128"/>
@@ -23840,7 +23897,7 @@
                         <a:buChar char="・"/>
                       </a:pPr>
                       <a:r>
-                        <a:rPr lang="ja-JP" sz="1200" kern="100">
+                        <a:rPr lang="ja-JP" sz="1600" kern="100" dirty="0">
                           <a:effectLst/>
                           <a:latin typeface="Century" panose="02040604050505020304" pitchFamily="18" charset="0"/>
                           <a:ea typeface="ＭＳ 明朝" panose="02020609040205080304" pitchFamily="17" charset="-128"/>
@@ -23902,7 +23959,7 @@
                         </a:spcAft>
                       </a:pPr>
                       <a:r>
-                        <a:rPr lang="en-US" sz="1200" kern="100">
+                        <a:rPr lang="en-US" sz="1600" kern="100" dirty="0">
                           <a:effectLst/>
                           <a:latin typeface="Century" panose="02040604050505020304" pitchFamily="18" charset="0"/>
                           <a:ea typeface="ＭＳ 明朝" panose="02020609040205080304" pitchFamily="17" charset="-128"/>
@@ -23910,7 +23967,7 @@
                         </a:rPr>
                         <a:t>5</a:t>
                       </a:r>
-                      <a:endParaRPr lang="ja-JP" sz="1200" kern="100">
+                      <a:endParaRPr lang="ja-JP" sz="1600" kern="100" dirty="0">
                         <a:effectLst/>
                         <a:latin typeface="Century" panose="02040604050505020304" pitchFamily="18" charset="0"/>
                         <a:ea typeface="ＭＳ 明朝" panose="02020609040205080304" pitchFamily="17" charset="-128"/>
@@ -23968,7 +24025,7 @@
                         </a:spcAft>
                       </a:pPr>
                       <a:r>
-                        <a:rPr lang="ja-JP" sz="1200" kern="100">
+                        <a:rPr lang="ja-JP" sz="1600" kern="100" dirty="0">
                           <a:effectLst/>
                           <a:latin typeface="Century" panose="02040604050505020304" pitchFamily="18" charset="0"/>
                           <a:ea typeface="ＭＳ 明朝" panose="02020609040205080304" pitchFamily="17" charset="-128"/>
@@ -24030,7 +24087,7 @@
                         <a:buChar char="・"/>
                       </a:pPr>
                       <a:r>
-                        <a:rPr lang="ja-JP" sz="1200" kern="100">
+                        <a:rPr lang="ja-JP" sz="1600" kern="100" dirty="0">
                           <a:effectLst/>
                           <a:latin typeface="Century" panose="02040604050505020304" pitchFamily="18" charset="0"/>
                           <a:ea typeface="ＭＳ 明朝" panose="02020609040205080304" pitchFamily="17" charset="-128"/>
@@ -24048,7 +24105,7 @@
                         <a:buChar char="・"/>
                       </a:pPr>
                       <a:r>
-                        <a:rPr lang="ja-JP" sz="1200" kern="100">
+                        <a:rPr lang="ja-JP" sz="1600" kern="100" dirty="0">
                           <a:effectLst/>
                           <a:latin typeface="Century" panose="02040604050505020304" pitchFamily="18" charset="0"/>
                           <a:ea typeface="ＭＳ 明朝" panose="02020609040205080304" pitchFamily="17" charset="-128"/>
@@ -24110,7 +24167,7 @@
                         </a:spcAft>
                       </a:pPr>
                       <a:r>
-                        <a:rPr lang="en-US" sz="1200" kern="100">
+                        <a:rPr lang="en-US" sz="1600" kern="100" dirty="0">
                           <a:effectLst/>
                           <a:latin typeface="Century" panose="02040604050505020304" pitchFamily="18" charset="0"/>
                           <a:ea typeface="ＭＳ 明朝" panose="02020609040205080304" pitchFamily="17" charset="-128"/>
@@ -24118,7 +24175,7 @@
                         </a:rPr>
                         <a:t>6</a:t>
                       </a:r>
-                      <a:endParaRPr lang="ja-JP" sz="1200" kern="100">
+                      <a:endParaRPr lang="ja-JP" sz="1600" kern="100" dirty="0">
                         <a:effectLst/>
                         <a:latin typeface="Century" panose="02040604050505020304" pitchFamily="18" charset="0"/>
                         <a:ea typeface="ＭＳ 明朝" panose="02020609040205080304" pitchFamily="17" charset="-128"/>
@@ -24176,7 +24233,7 @@
                         </a:spcAft>
                       </a:pPr>
                       <a:r>
-                        <a:rPr lang="ja-JP" sz="1200" kern="100">
+                        <a:rPr lang="ja-JP" sz="1600" kern="100" dirty="0">
                           <a:effectLst/>
                           <a:latin typeface="Century" panose="02040604050505020304" pitchFamily="18" charset="0"/>
                           <a:ea typeface="ＭＳ 明朝" panose="02020609040205080304" pitchFamily="17" charset="-128"/>
@@ -24238,7 +24295,7 @@
                         <a:buChar char="・"/>
                       </a:pPr>
                       <a:r>
-                        <a:rPr lang="ja-JP" sz="1200" kern="100">
+                        <a:rPr lang="ja-JP" sz="1600" kern="100" dirty="0">
                           <a:effectLst/>
                           <a:latin typeface="Century" panose="02040604050505020304" pitchFamily="18" charset="0"/>
                           <a:ea typeface="ＭＳ 明朝" panose="02020609040205080304" pitchFamily="17" charset="-128"/>
@@ -24256,7 +24313,7 @@
                         <a:buChar char="・"/>
                       </a:pPr>
                       <a:r>
-                        <a:rPr lang="ja-JP" sz="1200" kern="100">
+                        <a:rPr lang="ja-JP" sz="1600" kern="100" dirty="0">
                           <a:effectLst/>
                           <a:latin typeface="Century" panose="02040604050505020304" pitchFamily="18" charset="0"/>
                           <a:ea typeface="ＭＳ 明朝" panose="02020609040205080304" pitchFamily="17" charset="-128"/>
@@ -24274,7 +24331,7 @@
                         <a:buChar char="・"/>
                       </a:pPr>
                       <a:r>
-                        <a:rPr lang="ja-JP" sz="1200" kern="100">
+                        <a:rPr lang="ja-JP" sz="1600" kern="100" dirty="0">
                           <a:effectLst/>
                           <a:latin typeface="Century" panose="02040604050505020304" pitchFamily="18" charset="0"/>
                           <a:ea typeface="ＭＳ 明朝" panose="02020609040205080304" pitchFamily="17" charset="-128"/>
@@ -24336,7 +24393,7 @@
                         </a:spcAft>
                       </a:pPr>
                       <a:r>
-                        <a:rPr lang="en-US" sz="1200" kern="100">
+                        <a:rPr lang="en-US" sz="1600" kern="100" dirty="0">
                           <a:effectLst/>
                           <a:latin typeface="Century" panose="02040604050505020304" pitchFamily="18" charset="0"/>
                           <a:ea typeface="ＭＳ 明朝" panose="02020609040205080304" pitchFamily="17" charset="-128"/>
@@ -24344,7 +24401,7 @@
                         </a:rPr>
                         <a:t>7</a:t>
                       </a:r>
-                      <a:endParaRPr lang="ja-JP" sz="1200" kern="100">
+                      <a:endParaRPr lang="ja-JP" sz="1600" kern="100" dirty="0">
                         <a:effectLst/>
                         <a:latin typeface="Century" panose="02040604050505020304" pitchFamily="18" charset="0"/>
                         <a:ea typeface="ＭＳ 明朝" panose="02020609040205080304" pitchFamily="17" charset="-128"/>
@@ -24402,7 +24459,7 @@
                         </a:spcAft>
                       </a:pPr>
                       <a:r>
-                        <a:rPr lang="ja-JP" sz="1200" kern="100">
+                        <a:rPr lang="ja-JP" sz="1600" kern="100" dirty="0">
                           <a:effectLst/>
                           <a:latin typeface="Century" panose="02040604050505020304" pitchFamily="18" charset="0"/>
                           <a:ea typeface="ＭＳ 明朝" panose="02020609040205080304" pitchFamily="17" charset="-128"/>
@@ -24464,7 +24521,7 @@
                         <a:buChar char="・"/>
                       </a:pPr>
                       <a:r>
-                        <a:rPr lang="ja-JP" sz="1200" kern="100" dirty="0">
+                        <a:rPr lang="ja-JP" sz="1600" kern="100" dirty="0">
                           <a:effectLst/>
                           <a:latin typeface="Century" panose="02040604050505020304" pitchFamily="18" charset="0"/>
                           <a:ea typeface="ＭＳ 明朝" panose="02020609040205080304" pitchFamily="17" charset="-128"/>

--- a/05_チーム開発演習_発表会資料/05_チーム開発演習_発表会資料_チーム3.pptx
+++ b/05_チーム開発演習_発表会資料/05_チーム開発演習_発表会資料_チーム3.pptx
@@ -9589,16 +9589,7 @@
                 </a:solidFill>
                 <a:latin typeface="メイリオ" panose="020B0604030504040204" pitchFamily="50" charset="-128"/>
               </a:rPr>
-              <a:t>完了が予定</a:t>
-            </a:r>
-            <a:r>
-              <a:rPr lang="ja-JP" altLang="en-US" sz="2400" dirty="0" smtClean="0">
-                <a:solidFill>
-                  <a:srgbClr val="000000"/>
-                </a:solidFill>
-                <a:latin typeface="メイリオ" panose="020B0604030504040204" pitchFamily="50" charset="-128"/>
-              </a:rPr>
-              <a:t>より</a:t>
+              <a:t>完了が予定より</a:t>
             </a:r>
             <a:r>
               <a:rPr lang="en-US" altLang="ja-JP" sz="2400" dirty="0">
@@ -11295,7 +11286,7 @@
         </p:nvSpPr>
         <p:spPr bwMode="auto">
           <a:xfrm>
-            <a:off x="1526504" y="2050759"/>
+            <a:off x="1311579" y="2050759"/>
             <a:ext cx="9553575" cy="705320"/>
           </a:xfrm>
           <a:prstGeom prst="rect">
@@ -11769,6 +11760,19 @@
               </a:rPr>
               <a:t>日</a:t>
             </a:r>
+            <a:endParaRPr lang="en-US" altLang="ja-JP" sz="2400" dirty="0" smtClean="0">
+              <a:solidFill>
+                <a:srgbClr val="000000"/>
+              </a:solidFill>
+              <a:latin typeface="メイリオ" panose="020B0604030504040204" pitchFamily="50" charset="-128"/>
+            </a:endParaRPr>
+          </a:p>
+          <a:p>
+            <a:pPr eaLnBrk="1">
+              <a:lnSpc>
+                <a:spcPct val="125000"/>
+              </a:lnSpc>
+            </a:pPr>
             <a:endParaRPr lang="ja-JP" altLang="ja-JP" sz="2400" dirty="0">
               <a:solidFill>
                 <a:srgbClr val="000000"/>
@@ -14854,13 +14858,13 @@
             </a:endParaRPr>
           </a:p>
           <a:p>
-            <a:pPr eaLnBrk="1">
+            <a:pPr marL="285750" indent="-285750" eaLnBrk="1">
               <a:lnSpc>
                 <a:spcPct val="150000"/>
               </a:lnSpc>
               <a:buClrTx/>
-              <a:buFontTx/>
-              <a:buNone/>
+              <a:buFont typeface="Arial" panose="020B0604020202020204" pitchFamily="34" charset="0"/>
+              <a:buChar char="•"/>
             </a:pPr>
             <a:r>
               <a:rPr lang="ja-JP" altLang="en-US" dirty="0">
@@ -14920,8 +14924,6 @@
                 <a:spcPct val="150000"/>
               </a:lnSpc>
               <a:buClrTx/>
-              <a:buFontTx/>
-              <a:buNone/>
             </a:pPr>
             <a:r>
               <a:rPr lang="ja-JP" altLang="en-US" dirty="0" smtClean="0">
@@ -14930,7 +14932,7 @@
                 </a:solidFill>
                 <a:latin typeface="メイリオ" panose="020B0604030504040204" pitchFamily="50" charset="-128"/>
               </a:rPr>
-              <a:t>の</a:t>
+              <a:t>　　の</a:t>
             </a:r>
             <a:r>
               <a:rPr lang="ja-JP" altLang="en-US" dirty="0">
@@ -14993,13 +14995,13 @@
             </a:r>
           </a:p>
           <a:p>
-            <a:pPr eaLnBrk="1">
+            <a:pPr marL="285750" indent="-285750" eaLnBrk="1">
               <a:lnSpc>
                 <a:spcPct val="150000"/>
               </a:lnSpc>
               <a:buClrTx/>
-              <a:buFontTx/>
-              <a:buNone/>
+              <a:buFont typeface="Arial" panose="020B0604020202020204" pitchFamily="34" charset="0"/>
+              <a:buChar char="•"/>
             </a:pPr>
             <a:r>
               <a:rPr lang="ja-JP" altLang="en-US" dirty="0">
@@ -15225,7 +15227,7 @@
                 </a:solidFill>
                 <a:latin typeface="メイリオ" panose="020B0604030504040204" pitchFamily="50" charset="-128"/>
               </a:rPr>
-              <a:t>他</a:t>
+              <a:t>　　他</a:t>
             </a:r>
             <a:r>
               <a:rPr lang="ja-JP" altLang="en-US" dirty="0">
@@ -15314,7 +15316,7 @@
                 </a:solidFill>
                 <a:latin typeface="メイリオ" panose="020B0604030504040204" pitchFamily="50" charset="-128"/>
               </a:rPr>
-              <a:t>全体</a:t>
+              <a:t>　　全体</a:t>
             </a:r>
             <a:r>
               <a:rPr lang="ja-JP" altLang="en-US" dirty="0">
@@ -16268,10 +16270,12 @@
             </a:endParaRPr>
           </a:p>
           <a:p>
-            <a:pPr lvl="0" eaLnBrk="1">
+            <a:pPr marL="285750" lvl="0" indent="-285750" eaLnBrk="1">
               <a:lnSpc>
                 <a:spcPct val="150000"/>
               </a:lnSpc>
+              <a:buFont typeface="Arial" panose="020B0604020202020204" pitchFamily="34" charset="0"/>
+              <a:buChar char="•"/>
             </a:pPr>
             <a:r>
               <a:rPr kumimoji="0" lang="ja-JP" altLang="ja-JP" dirty="0">
@@ -16304,6 +16308,15 @@
                 <a:spcPct val="150000"/>
               </a:lnSpc>
             </a:pPr>
+            <a:r>
+              <a:rPr kumimoji="0" lang="ja-JP" altLang="en-US" dirty="0" smtClean="0">
+                <a:solidFill>
+                  <a:srgbClr val="1D1C1D"/>
+                </a:solidFill>
+                <a:latin typeface="ＭＳ Ｐゴシック" panose="020B0600070205080204" pitchFamily="50" charset="-128"/>
+              </a:rPr>
+              <a:t>　　</a:t>
+            </a:r>
             <a:r>
               <a:rPr kumimoji="0" lang="ja-JP" altLang="ja-JP" dirty="0" smtClean="0">
                 <a:solidFill>
@@ -16383,6 +16396,40 @@
             </a:endParaRPr>
           </a:p>
           <a:p>
+            <a:pPr marL="285750" indent="-285750" eaLnBrk="1">
+              <a:lnSpc>
+                <a:spcPct val="150000"/>
+              </a:lnSpc>
+              <a:buClrTx/>
+              <a:buFont typeface="Arial" panose="020B0604020202020204" pitchFamily="34" charset="0"/>
+              <a:buChar char="•"/>
+            </a:pPr>
+            <a:r>
+              <a:rPr lang="ja-JP" altLang="en-US" dirty="0">
+                <a:solidFill>
+                  <a:srgbClr val="000000"/>
+                </a:solidFill>
+                <a:latin typeface="メイリオ" panose="020B0604030504040204" pitchFamily="50" charset="-128"/>
+              </a:rPr>
+              <a:t>複数のデータを表示する画面において表示する件数を制限し</a:t>
+            </a:r>
+            <a:r>
+              <a:rPr lang="ja-JP" altLang="en-US" dirty="0" smtClean="0">
+                <a:solidFill>
+                  <a:srgbClr val="000000"/>
+                </a:solidFill>
+                <a:latin typeface="メイリオ" panose="020B0604030504040204" pitchFamily="50" charset="-128"/>
+              </a:rPr>
+              <a:t>、</a:t>
+            </a:r>
+            <a:endParaRPr lang="en-US" altLang="ja-JP" dirty="0" smtClean="0">
+              <a:solidFill>
+                <a:srgbClr val="000000"/>
+              </a:solidFill>
+              <a:latin typeface="メイリオ" panose="020B0604030504040204" pitchFamily="50" charset="-128"/>
+            </a:endParaRPr>
+          </a:p>
+          <a:p>
             <a:pPr eaLnBrk="1">
               <a:lnSpc>
                 <a:spcPct val="150000"/>
@@ -16392,47 +16439,13 @@
               <a:buNone/>
             </a:pPr>
             <a:r>
-              <a:rPr lang="ja-JP" altLang="en-US" dirty="0">
+              <a:rPr lang="ja-JP" altLang="en-US" dirty="0" smtClean="0">
                 <a:solidFill>
                   <a:srgbClr val="000000"/>
                 </a:solidFill>
                 <a:latin typeface="メイリオ" panose="020B0604030504040204" pitchFamily="50" charset="-128"/>
               </a:rPr>
-              <a:t>複数のデータを表示する画面において表示する件数を制限し</a:t>
-            </a:r>
-            <a:r>
-              <a:rPr lang="ja-JP" altLang="en-US" dirty="0" smtClean="0">
-                <a:solidFill>
-                  <a:srgbClr val="000000"/>
-                </a:solidFill>
-                <a:latin typeface="メイリオ" panose="020B0604030504040204" pitchFamily="50" charset="-128"/>
-              </a:rPr>
-              <a:t>、</a:t>
-            </a:r>
-            <a:endParaRPr lang="en-US" altLang="ja-JP" dirty="0" smtClean="0">
-              <a:solidFill>
-                <a:srgbClr val="000000"/>
-              </a:solidFill>
-              <a:latin typeface="メイリオ" panose="020B0604030504040204" pitchFamily="50" charset="-128"/>
-            </a:endParaRPr>
-          </a:p>
-          <a:p>
-            <a:pPr eaLnBrk="1">
-              <a:lnSpc>
-                <a:spcPct val="150000"/>
-              </a:lnSpc>
-              <a:buClrTx/>
-              <a:buFontTx/>
-              <a:buNone/>
-            </a:pPr>
-            <a:r>
-              <a:rPr lang="ja-JP" altLang="en-US" dirty="0" smtClean="0">
-                <a:solidFill>
-                  <a:srgbClr val="000000"/>
-                </a:solidFill>
-                <a:latin typeface="メイリオ" panose="020B0604030504040204" pitchFamily="50" charset="-128"/>
-              </a:rPr>
-              <a:t>ページ</a:t>
+              <a:t>　　ページ</a:t>
             </a:r>
             <a:r>
               <a:rPr lang="ja-JP" altLang="en-US" dirty="0">
@@ -16501,6 +16514,40 @@
             </a:endParaRPr>
           </a:p>
           <a:p>
+            <a:pPr marL="285750" indent="-285750" eaLnBrk="1">
+              <a:lnSpc>
+                <a:spcPct val="150000"/>
+              </a:lnSpc>
+              <a:buClrTx/>
+              <a:buFont typeface="Arial" panose="020B0604020202020204" pitchFamily="34" charset="0"/>
+              <a:buChar char="•"/>
+            </a:pPr>
+            <a:r>
+              <a:rPr lang="ja-JP" altLang="en-US" dirty="0">
+                <a:solidFill>
+                  <a:srgbClr val="000000"/>
+                </a:solidFill>
+                <a:latin typeface="メイリオ" panose="020B0604030504040204" pitchFamily="50" charset="-128"/>
+              </a:rPr>
+              <a:t>製造前にメソッド名やパッケージ名などの命名規則について想定と</a:t>
+            </a:r>
+            <a:r>
+              <a:rPr lang="ja-JP" altLang="en-US" dirty="0" smtClean="0">
+                <a:solidFill>
+                  <a:srgbClr val="000000"/>
+                </a:solidFill>
+                <a:latin typeface="メイリオ" panose="020B0604030504040204" pitchFamily="50" charset="-128"/>
+              </a:rPr>
+              <a:t>共有</a:t>
+            </a:r>
+            <a:endParaRPr lang="en-US" altLang="ja-JP" dirty="0" smtClean="0">
+              <a:solidFill>
+                <a:srgbClr val="000000"/>
+              </a:solidFill>
+              <a:latin typeface="メイリオ" panose="020B0604030504040204" pitchFamily="50" charset="-128"/>
+            </a:endParaRPr>
+          </a:p>
+          <a:p>
             <a:pPr eaLnBrk="1">
               <a:lnSpc>
                 <a:spcPct val="150000"/>
@@ -16510,47 +16557,13 @@
               <a:buNone/>
             </a:pPr>
             <a:r>
-              <a:rPr lang="ja-JP" altLang="en-US" dirty="0">
+              <a:rPr lang="ja-JP" altLang="en-US" dirty="0" smtClean="0">
                 <a:solidFill>
                   <a:srgbClr val="000000"/>
                 </a:solidFill>
                 <a:latin typeface="メイリオ" panose="020B0604030504040204" pitchFamily="50" charset="-128"/>
               </a:rPr>
-              <a:t>製造前にメソッド名やパッケージ名などの命名規則について想定と</a:t>
-            </a:r>
-            <a:r>
-              <a:rPr lang="ja-JP" altLang="en-US" dirty="0" smtClean="0">
-                <a:solidFill>
-                  <a:srgbClr val="000000"/>
-                </a:solidFill>
-                <a:latin typeface="メイリオ" panose="020B0604030504040204" pitchFamily="50" charset="-128"/>
-              </a:rPr>
-              <a:t>共有</a:t>
-            </a:r>
-            <a:endParaRPr lang="en-US" altLang="ja-JP" dirty="0" smtClean="0">
-              <a:solidFill>
-                <a:srgbClr val="000000"/>
-              </a:solidFill>
-              <a:latin typeface="メイリオ" panose="020B0604030504040204" pitchFamily="50" charset="-128"/>
-            </a:endParaRPr>
-          </a:p>
-          <a:p>
-            <a:pPr eaLnBrk="1">
-              <a:lnSpc>
-                <a:spcPct val="150000"/>
-              </a:lnSpc>
-              <a:buClrTx/>
-              <a:buFontTx/>
-              <a:buNone/>
-            </a:pPr>
-            <a:r>
-              <a:rPr lang="ja-JP" altLang="en-US" dirty="0" smtClean="0">
-                <a:solidFill>
-                  <a:srgbClr val="000000"/>
-                </a:solidFill>
-                <a:latin typeface="メイリオ" panose="020B0604030504040204" pitchFamily="50" charset="-128"/>
-              </a:rPr>
-              <a:t>が</a:t>
+              <a:t>　　が</a:t>
             </a:r>
             <a:r>
               <a:rPr lang="ja-JP" altLang="en-US" dirty="0">
@@ -17743,6 +17756,40 @@
             </a:endParaRPr>
           </a:p>
           <a:p>
+            <a:pPr marL="285750" indent="-285750" eaLnBrk="1">
+              <a:lnSpc>
+                <a:spcPct val="150000"/>
+              </a:lnSpc>
+              <a:buClrTx/>
+              <a:buFont typeface="Arial" panose="020B0604020202020204" pitchFamily="34" charset="0"/>
+              <a:buChar char="•"/>
+            </a:pPr>
+            <a:r>
+              <a:rPr lang="ja-JP" altLang="en-US" dirty="0">
+                <a:solidFill>
+                  <a:srgbClr val="000000"/>
+                </a:solidFill>
+                <a:latin typeface="メイリオ" panose="020B0604030504040204" pitchFamily="50" charset="-128"/>
+              </a:rPr>
+              <a:t>フォルダやファイル名も含めてコーディング規約は事前にすべて決めるべき</a:t>
+            </a:r>
+            <a:r>
+              <a:rPr lang="ja-JP" altLang="en-US" dirty="0" smtClean="0">
+                <a:solidFill>
+                  <a:srgbClr val="000000"/>
+                </a:solidFill>
+                <a:latin typeface="メイリオ" panose="020B0604030504040204" pitchFamily="50" charset="-128"/>
+              </a:rPr>
+              <a:t>と</a:t>
+            </a:r>
+            <a:endParaRPr lang="en-US" altLang="ja-JP" dirty="0" smtClean="0">
+              <a:solidFill>
+                <a:srgbClr val="000000"/>
+              </a:solidFill>
+              <a:latin typeface="メイリオ" panose="020B0604030504040204" pitchFamily="50" charset="-128"/>
+            </a:endParaRPr>
+          </a:p>
+          <a:p>
             <a:pPr eaLnBrk="1">
               <a:lnSpc>
                 <a:spcPct val="150000"/>
@@ -17752,47 +17799,13 @@
               <a:buNone/>
             </a:pPr>
             <a:r>
-              <a:rPr lang="ja-JP" altLang="en-US" dirty="0">
+              <a:rPr lang="ja-JP" altLang="en-US" dirty="0" smtClean="0">
                 <a:solidFill>
                   <a:srgbClr val="000000"/>
                 </a:solidFill>
                 <a:latin typeface="メイリオ" panose="020B0604030504040204" pitchFamily="50" charset="-128"/>
               </a:rPr>
-              <a:t>フォルダやファイル名も含めてコーディング規約は事前にすべて決めるべき</a:t>
-            </a:r>
-            <a:r>
-              <a:rPr lang="ja-JP" altLang="en-US" dirty="0" smtClean="0">
-                <a:solidFill>
-                  <a:srgbClr val="000000"/>
-                </a:solidFill>
-                <a:latin typeface="メイリオ" panose="020B0604030504040204" pitchFamily="50" charset="-128"/>
-              </a:rPr>
-              <a:t>と</a:t>
-            </a:r>
-            <a:endParaRPr lang="en-US" altLang="ja-JP" dirty="0" smtClean="0">
-              <a:solidFill>
-                <a:srgbClr val="000000"/>
-              </a:solidFill>
-              <a:latin typeface="メイリオ" panose="020B0604030504040204" pitchFamily="50" charset="-128"/>
-            </a:endParaRPr>
-          </a:p>
-          <a:p>
-            <a:pPr eaLnBrk="1">
-              <a:lnSpc>
-                <a:spcPct val="150000"/>
-              </a:lnSpc>
-              <a:buClrTx/>
-              <a:buFontTx/>
-              <a:buNone/>
-            </a:pPr>
-            <a:r>
-              <a:rPr lang="ja-JP" altLang="en-US" dirty="0" smtClean="0">
-                <a:solidFill>
-                  <a:srgbClr val="000000"/>
-                </a:solidFill>
-                <a:latin typeface="メイリオ" panose="020B0604030504040204" pitchFamily="50" charset="-128"/>
-              </a:rPr>
-              <a:t>実感</a:t>
+              <a:t>　　実感</a:t>
             </a:r>
             <a:r>
               <a:rPr lang="ja-JP" altLang="en-US" dirty="0">
@@ -18737,10 +18750,12 @@
             </a:endParaRPr>
           </a:p>
           <a:p>
-            <a:pPr lvl="0" eaLnBrk="1">
+            <a:pPr marL="285750" lvl="0" indent="-285750" eaLnBrk="1">
               <a:lnSpc>
                 <a:spcPct val="125000"/>
               </a:lnSpc>
+              <a:buFont typeface="Arial" panose="020B0604020202020204" pitchFamily="34" charset="0"/>
+              <a:buChar char="•"/>
             </a:pPr>
             <a:r>
               <a:rPr kumimoji="0" lang="ja-JP" altLang="ja-JP" dirty="0">
@@ -18803,6 +18818,31 @@
             </a:r>
           </a:p>
           <a:p>
+            <a:pPr marL="285750" indent="-285750" eaLnBrk="1">
+              <a:lnSpc>
+                <a:spcPct val="150000"/>
+              </a:lnSpc>
+              <a:buClrTx/>
+              <a:buFont typeface="Arial" panose="020B0604020202020204" pitchFamily="34" charset="0"/>
+              <a:buChar char="•"/>
+            </a:pPr>
+            <a:r>
+              <a:rPr lang="ja-JP" altLang="en-US" dirty="0">
+                <a:solidFill>
+                  <a:srgbClr val="000000"/>
+                </a:solidFill>
+                <a:latin typeface="メイリオ" panose="020B0604030504040204" pitchFamily="50" charset="-128"/>
+              </a:rPr>
+              <a:t>商品一覧画面で商品名から商品の詳細ページに飛ぶようにするため、</a:t>
+            </a:r>
+            <a:endParaRPr lang="en-US" altLang="ja-JP" dirty="0">
+              <a:solidFill>
+                <a:srgbClr val="000000"/>
+              </a:solidFill>
+              <a:latin typeface="メイリオ" panose="020B0604030504040204" pitchFamily="50" charset="-128"/>
+            </a:endParaRPr>
+          </a:p>
+          <a:p>
             <a:pPr eaLnBrk="1">
               <a:lnSpc>
                 <a:spcPct val="150000"/>
@@ -18812,38 +18852,22 @@
               <a:buNone/>
             </a:pPr>
             <a:r>
+              <a:rPr lang="ja-JP" altLang="en-US" dirty="0" smtClean="0">
+                <a:solidFill>
+                  <a:srgbClr val="000000"/>
+                </a:solidFill>
+                <a:latin typeface="メイリオ" panose="020B0604030504040204" pitchFamily="50" charset="-128"/>
+              </a:rPr>
+              <a:t>　　リンク</a:t>
+            </a:r>
+            <a:r>
               <a:rPr lang="ja-JP" altLang="en-US" dirty="0">
                 <a:solidFill>
                   <a:srgbClr val="000000"/>
                 </a:solidFill>
                 <a:latin typeface="メイリオ" panose="020B0604030504040204" pitchFamily="50" charset="-128"/>
               </a:rPr>
-              <a:t>商品一覧画面で商品名から商品の詳細ページに飛ぶようにするため、</a:t>
-            </a:r>
-            <a:endParaRPr lang="en-US" altLang="ja-JP" dirty="0">
-              <a:solidFill>
-                <a:srgbClr val="000000"/>
-              </a:solidFill>
-              <a:latin typeface="メイリオ" panose="020B0604030504040204" pitchFamily="50" charset="-128"/>
-            </a:endParaRPr>
-          </a:p>
-          <a:p>
-            <a:pPr eaLnBrk="1">
-              <a:lnSpc>
-                <a:spcPct val="150000"/>
-              </a:lnSpc>
-              <a:buClrTx/>
-              <a:buFontTx/>
-              <a:buNone/>
-            </a:pPr>
-            <a:r>
-              <a:rPr lang="ja-JP" altLang="en-US" dirty="0">
-                <a:solidFill>
-                  <a:srgbClr val="000000"/>
-                </a:solidFill>
-                <a:latin typeface="メイリオ" panose="020B0604030504040204" pitchFamily="50" charset="-128"/>
-              </a:rPr>
-              <a:t>リンクで商品</a:t>
+              <a:t>で商品</a:t>
             </a:r>
             <a:r>
               <a:rPr lang="en-US" altLang="ja-JP" dirty="0">
@@ -19102,7 +19126,7 @@
         <p:spPr>
           <a:xfrm>
             <a:off x="4597759" y="3039414"/>
-            <a:ext cx="2897746" cy="830997"/>
+            <a:ext cx="2897746" cy="1569660"/>
           </a:xfrm>
           <a:prstGeom prst="rect">
             <a:avLst/>
@@ -19117,7 +19141,30 @@
           <a:p>
             <a:r>
               <a:rPr lang="ja-JP" altLang="en-US" sz="4800" dirty="0"/>
-              <a:t>質疑応答</a:t>
+              <a:t>質疑</a:t>
+            </a:r>
+            <a:r>
+              <a:rPr lang="ja-JP" altLang="en-US" sz="4800" dirty="0" smtClean="0"/>
+              <a:t>応答</a:t>
+            </a:r>
+            <a:endParaRPr lang="en-US" altLang="ja-JP" sz="4800" dirty="0" smtClean="0"/>
+          </a:p>
+          <a:p>
+            <a:r>
+              <a:rPr lang="ja-JP" altLang="en-US" sz="4800" dirty="0"/>
+              <a:t>（</a:t>
+            </a:r>
+            <a:r>
+              <a:rPr kumimoji="1" lang="en-US" altLang="ja-JP" sz="4800" dirty="0" smtClean="0"/>
+              <a:t>10</a:t>
+            </a:r>
+            <a:r>
+              <a:rPr kumimoji="1" lang="ja-JP" altLang="en-US" sz="4800" dirty="0" smtClean="0"/>
+              <a:t>分</a:t>
+            </a:r>
+            <a:r>
+              <a:rPr lang="ja-JP" altLang="en-US" sz="4800" dirty="0"/>
+              <a:t>）</a:t>
             </a:r>
             <a:endParaRPr kumimoji="1" lang="ja-JP" altLang="en-US" sz="4800" dirty="0"/>
           </a:p>
@@ -20299,8 +20346,8 @@
         </p:nvSpPr>
         <p:spPr>
           <a:xfrm>
-            <a:off x="2352540" y="1961983"/>
-            <a:ext cx="8916473" cy="4247317"/>
+            <a:off x="2352540" y="1917379"/>
+            <a:ext cx="8916473" cy="3693319"/>
           </a:xfrm>
           <a:prstGeom prst="rect">
             <a:avLst/>
@@ -20325,26 +20372,172 @@
               </a:spcAft>
             </a:pPr>
             <a:r>
-              <a:rPr kumimoji="0" lang="ja-JP" altLang="ja-JP" sz="2400" dirty="0" smtClean="0">
+              <a:rPr kumimoji="0" lang="ja-JP" altLang="en-US" sz="2400" dirty="0" smtClean="0">
                 <a:solidFill>
                   <a:srgbClr val="1D1C1D"/>
                 </a:solidFill>
                 <a:latin typeface="Arial Unicode MS" panose="020B0604020202020204" pitchFamily="50" charset="-128"/>
                 <a:ea typeface="inherit"/>
               </a:rPr>
-              <a:t>12日間</a:t>
-            </a:r>
-            <a:r>
-              <a:rPr kumimoji="0" lang="ja-JP" altLang="ja-JP" sz="2400" dirty="0">
+              <a:t>　</a:t>
+            </a:r>
+            <a:r>
+              <a:rPr kumimoji="0" lang="ja-JP" altLang="ja-JP" sz="2400" dirty="0" smtClean="0">
                 <a:solidFill>
                   <a:srgbClr val="1D1C1D"/>
                 </a:solidFill>
                 <a:latin typeface="Arial Unicode MS" panose="020B0604020202020204" pitchFamily="50" charset="-128"/>
                 <a:ea typeface="inherit"/>
               </a:rPr>
-              <a:t>という短い開発期間でしたが、</a:t>
-            </a:r>
-            <a:endParaRPr kumimoji="0" lang="ja-JP" altLang="ja-JP" sz="3200" dirty="0"/>
+              <a:t>12日間</a:t>
+            </a:r>
+            <a:r>
+              <a:rPr kumimoji="0" lang="ja-JP" altLang="ja-JP" sz="2400" dirty="0">
+                <a:solidFill>
+                  <a:srgbClr val="1D1C1D"/>
+                </a:solidFill>
+                <a:latin typeface="Arial Unicode MS" panose="020B0604020202020204" pitchFamily="50" charset="-128"/>
+                <a:ea typeface="inherit"/>
+              </a:rPr>
+              <a:t>という短い開発期間でした</a:t>
+            </a:r>
+            <a:r>
+              <a:rPr kumimoji="0" lang="ja-JP" altLang="ja-JP" sz="2400" dirty="0" smtClean="0">
+                <a:solidFill>
+                  <a:srgbClr val="1D1C1D"/>
+                </a:solidFill>
+                <a:latin typeface="Arial Unicode MS" panose="020B0604020202020204" pitchFamily="50" charset="-128"/>
+                <a:ea typeface="inherit"/>
+              </a:rPr>
+              <a:t>が</a:t>
+            </a:r>
+            <a:r>
+              <a:rPr kumimoji="0" lang="ja-JP" altLang="en-US" sz="2400" dirty="0" smtClean="0">
+                <a:solidFill>
+                  <a:srgbClr val="1D1C1D"/>
+                </a:solidFill>
+                <a:latin typeface="Arial Unicode MS" panose="020B0604020202020204" pitchFamily="50" charset="-128"/>
+                <a:ea typeface="inherit"/>
+              </a:rPr>
+              <a:t>、</a:t>
+            </a:r>
+            <a:r>
+              <a:rPr kumimoji="0" lang="ja-JP" altLang="ja-JP" sz="2400" dirty="0" smtClean="0">
+                <a:solidFill>
+                  <a:srgbClr val="1D1C1D"/>
+                </a:solidFill>
+                <a:latin typeface="Arial Unicode MS" panose="020B0604020202020204" pitchFamily="50" charset="-128"/>
+                <a:ea typeface="inherit"/>
+              </a:rPr>
+              <a:t>チームメンバー</a:t>
+            </a:r>
+            <a:r>
+              <a:rPr kumimoji="0" lang="ja-JP" altLang="en-US" sz="2400" dirty="0" smtClean="0">
+                <a:solidFill>
+                  <a:srgbClr val="1D1C1D"/>
+                </a:solidFill>
+                <a:latin typeface="Arial Unicode MS" panose="020B0604020202020204" pitchFamily="50" charset="-128"/>
+                <a:ea typeface="inherit"/>
+              </a:rPr>
+              <a:t>１</a:t>
+            </a:r>
+            <a:r>
+              <a:rPr kumimoji="0" lang="ja-JP" altLang="ja-JP" sz="2400" dirty="0" smtClean="0">
+                <a:solidFill>
+                  <a:srgbClr val="1D1C1D"/>
+                </a:solidFill>
+                <a:latin typeface="Arial Unicode MS" panose="020B0604020202020204" pitchFamily="50" charset="-128"/>
+                <a:ea typeface="inherit"/>
+              </a:rPr>
+              <a:t>人</a:t>
+            </a:r>
+            <a:r>
+              <a:rPr kumimoji="0" lang="ja-JP" altLang="en-US" sz="2400" dirty="0" smtClean="0">
+                <a:solidFill>
+                  <a:srgbClr val="1D1C1D"/>
+                </a:solidFill>
+                <a:latin typeface="Arial Unicode MS" panose="020B0604020202020204" pitchFamily="50" charset="-128"/>
+                <a:ea typeface="inherit"/>
+              </a:rPr>
+              <a:t>１</a:t>
+            </a:r>
+            <a:r>
+              <a:rPr kumimoji="0" lang="ja-JP" altLang="ja-JP" sz="2400" dirty="0" smtClean="0">
+                <a:solidFill>
+                  <a:srgbClr val="1D1C1D"/>
+                </a:solidFill>
+                <a:latin typeface="Arial Unicode MS" panose="020B0604020202020204" pitchFamily="50" charset="-128"/>
+                <a:ea typeface="inherit"/>
+              </a:rPr>
+              <a:t>人が足りない</a:t>
+            </a:r>
+            <a:r>
+              <a:rPr kumimoji="0" lang="ja-JP" altLang="ja-JP" sz="2400" dirty="0">
+                <a:solidFill>
+                  <a:srgbClr val="1D1C1D"/>
+                </a:solidFill>
+                <a:latin typeface="Arial Unicode MS" panose="020B0604020202020204" pitchFamily="50" charset="-128"/>
+                <a:ea typeface="inherit"/>
+              </a:rPr>
+              <a:t>ところに</a:t>
+            </a:r>
+            <a:r>
+              <a:rPr kumimoji="0" lang="ja-JP" altLang="ja-JP" sz="2400" dirty="0" smtClean="0">
+                <a:solidFill>
+                  <a:srgbClr val="1D1C1D"/>
+                </a:solidFill>
+                <a:latin typeface="Arial Unicode MS" panose="020B0604020202020204" pitchFamily="50" charset="-128"/>
+                <a:ea typeface="inherit"/>
+              </a:rPr>
+              <a:t>気づきメンバー</a:t>
+            </a:r>
+            <a:r>
+              <a:rPr kumimoji="0" lang="ja-JP" altLang="ja-JP" sz="2400" dirty="0">
+                <a:solidFill>
+                  <a:srgbClr val="1D1C1D"/>
+                </a:solidFill>
+                <a:latin typeface="Arial Unicode MS" panose="020B0604020202020204" pitchFamily="50" charset="-128"/>
+                <a:ea typeface="inherit"/>
+              </a:rPr>
+              <a:t>同士で</a:t>
+            </a:r>
+            <a:r>
+              <a:rPr kumimoji="0" lang="ja-JP" altLang="ja-JP" sz="2400" dirty="0" smtClean="0">
+                <a:solidFill>
+                  <a:srgbClr val="1D1C1D"/>
+                </a:solidFill>
+                <a:latin typeface="Arial Unicode MS" panose="020B0604020202020204" pitchFamily="50" charset="-128"/>
+                <a:ea typeface="inherit"/>
+              </a:rPr>
+              <a:t>補いながら</a:t>
+            </a:r>
+            <a:r>
+              <a:rPr kumimoji="0" lang="ja-JP" altLang="ja-JP" sz="2400" dirty="0">
+                <a:solidFill>
+                  <a:srgbClr val="1D1C1D"/>
+                </a:solidFill>
+                <a:latin typeface="Arial Unicode MS" panose="020B0604020202020204" pitchFamily="50" charset="-128"/>
+                <a:ea typeface="inherit"/>
+              </a:rPr>
+              <a:t>作成することができました</a:t>
+            </a:r>
+            <a:r>
+              <a:rPr kumimoji="0" lang="ja-JP" altLang="ja-JP" sz="2400" dirty="0" smtClean="0">
+                <a:solidFill>
+                  <a:srgbClr val="1D1C1D"/>
+                </a:solidFill>
+                <a:latin typeface="Arial Unicode MS" panose="020B0604020202020204" pitchFamily="50" charset="-128"/>
+                <a:ea typeface="inherit"/>
+              </a:rPr>
+              <a:t>。</a:t>
+            </a:r>
+            <a:endParaRPr kumimoji="0" lang="en-US" altLang="ja-JP" sz="2400" dirty="0" smtClean="0">
+              <a:solidFill>
+                <a:srgbClr val="1D1C1D"/>
+              </a:solidFill>
+              <a:latin typeface="Arial Unicode MS" panose="020B0604020202020204" pitchFamily="50" charset="-128"/>
+              <a:ea typeface="inherit"/>
+            </a:endParaRPr>
           </a:p>
           <a:p>
             <a:pPr lvl="0" eaLnBrk="0" fontAlgn="base" hangingPunct="0">
@@ -20359,16 +20552,66 @@
               </a:spcAft>
             </a:pPr>
             <a:r>
-              <a:rPr kumimoji="0" lang="ja-JP" altLang="ja-JP" sz="2400" dirty="0">
+              <a:rPr kumimoji="0" lang="ja-JP" altLang="en-US" sz="2400" dirty="0">
                 <a:solidFill>
                   <a:srgbClr val="1D1C1D"/>
                 </a:solidFill>
                 <a:latin typeface="Arial Unicode MS" panose="020B0604020202020204" pitchFamily="50" charset="-128"/>
                 <a:ea typeface="inherit"/>
               </a:rPr>
-              <a:t>チームメンバー一人一人が、足りないところに気づき、</a:t>
-            </a:r>
-            <a:endParaRPr kumimoji="0" lang="ja-JP" altLang="ja-JP" sz="3200" dirty="0"/>
+              <a:t>　</a:t>
+            </a:r>
+            <a:r>
+              <a:rPr kumimoji="0" lang="ja-JP" altLang="ja-JP" sz="2400" dirty="0" smtClean="0">
+                <a:solidFill>
+                  <a:srgbClr val="1D1C1D"/>
+                </a:solidFill>
+                <a:latin typeface="Arial Unicode MS" panose="020B0604020202020204" pitchFamily="50" charset="-128"/>
+                <a:ea typeface="inherit"/>
+              </a:rPr>
+              <a:t>また</a:t>
+            </a:r>
+            <a:r>
+              <a:rPr kumimoji="0" lang="ja-JP" altLang="ja-JP" sz="2400" dirty="0">
+                <a:solidFill>
+                  <a:srgbClr val="1D1C1D"/>
+                </a:solidFill>
+                <a:latin typeface="Arial Unicode MS" panose="020B0604020202020204" pitchFamily="50" charset="-128"/>
+                <a:ea typeface="inherit"/>
+              </a:rPr>
+              <a:t>、今回の開発を</a:t>
+            </a:r>
+            <a:r>
+              <a:rPr kumimoji="0" lang="ja-JP" altLang="ja-JP" sz="2400" dirty="0" smtClean="0">
+                <a:solidFill>
+                  <a:srgbClr val="1D1C1D"/>
+                </a:solidFill>
+                <a:latin typeface="Arial Unicode MS" panose="020B0604020202020204" pitchFamily="50" charset="-128"/>
+                <a:ea typeface="inherit"/>
+              </a:rPr>
+              <a:t>通して講義</a:t>
+            </a:r>
+            <a:r>
+              <a:rPr kumimoji="0" lang="ja-JP" altLang="ja-JP" sz="2400" dirty="0">
+                <a:solidFill>
+                  <a:srgbClr val="1D1C1D"/>
+                </a:solidFill>
+                <a:latin typeface="Arial Unicode MS" panose="020B0604020202020204" pitchFamily="50" charset="-128"/>
+                <a:ea typeface="inherit"/>
+              </a:rPr>
+              <a:t>で学んだ内容を1から復習をすることができた</a:t>
+            </a:r>
+            <a:r>
+              <a:rPr kumimoji="0" lang="ja-JP" altLang="ja-JP" sz="2400" dirty="0" smtClean="0">
+                <a:solidFill>
+                  <a:srgbClr val="1D1C1D"/>
+                </a:solidFill>
+                <a:latin typeface="Arial Unicode MS" panose="020B0604020202020204" pitchFamily="50" charset="-128"/>
+                <a:ea typeface="inherit"/>
+              </a:rPr>
+              <a:t>為とても貴重な経験となりました。</a:t>
+            </a:r>
+            <a:endParaRPr kumimoji="0" lang="ja-JP" altLang="ja-JP" sz="3200" dirty="0" smtClean="0"/>
           </a:p>
           <a:p>
             <a:pPr lvl="0" eaLnBrk="0" fontAlgn="base" hangingPunct="0">
@@ -20383,111 +20626,15 @@
               </a:spcAft>
             </a:pPr>
             <a:r>
-              <a:rPr kumimoji="0" lang="ja-JP" altLang="ja-JP" sz="2400" dirty="0">
+              <a:rPr kumimoji="0" lang="ja-JP" altLang="en-US" sz="2400" dirty="0" smtClean="0">
                 <a:solidFill>
                   <a:srgbClr val="1D1C1D"/>
                 </a:solidFill>
                 <a:latin typeface="Arial Unicode MS" panose="020B0604020202020204" pitchFamily="50" charset="-128"/>
                 <a:ea typeface="inherit"/>
               </a:rPr>
-              <a:t>メンバー同士で補いあいながら作成することができました。</a:t>
-            </a:r>
-            <a:endParaRPr kumimoji="0" lang="ja-JP" altLang="ja-JP" sz="3200" dirty="0"/>
-          </a:p>
-          <a:p>
-            <a:pPr lvl="0" eaLnBrk="0" fontAlgn="base" hangingPunct="0">
-              <a:lnSpc>
-                <a:spcPct val="150000"/>
-              </a:lnSpc>
-              <a:spcBef>
-                <a:spcPct val="0"/>
-              </a:spcBef>
-              <a:spcAft>
-                <a:spcPct val="0"/>
-              </a:spcAft>
-            </a:pPr>
-            <a:r>
-              <a:rPr kumimoji="0" lang="ja-JP" altLang="ja-JP" sz="2400" dirty="0" smtClean="0">
-                <a:solidFill>
-                  <a:srgbClr val="1D1C1D"/>
-                </a:solidFill>
-                <a:latin typeface="Arial Unicode MS" panose="020B0604020202020204" pitchFamily="50" charset="-128"/>
-                <a:ea typeface="inherit"/>
-              </a:rPr>
-              <a:t>また</a:t>
-            </a:r>
-            <a:r>
-              <a:rPr kumimoji="0" lang="ja-JP" altLang="ja-JP" sz="2400" dirty="0">
-                <a:solidFill>
-                  <a:srgbClr val="1D1C1D"/>
-                </a:solidFill>
-                <a:latin typeface="Arial Unicode MS" panose="020B0604020202020204" pitchFamily="50" charset="-128"/>
-                <a:ea typeface="inherit"/>
-              </a:rPr>
-              <a:t>、今回の開発を通して、</a:t>
-            </a:r>
-            <a:endParaRPr kumimoji="0" lang="ja-JP" altLang="ja-JP" sz="3200" dirty="0"/>
-          </a:p>
-          <a:p>
-            <a:pPr lvl="0" eaLnBrk="0" fontAlgn="base" hangingPunct="0">
-              <a:lnSpc>
-                <a:spcPct val="150000"/>
-              </a:lnSpc>
-              <a:spcBef>
-                <a:spcPct val="0"/>
-              </a:spcBef>
-              <a:spcAft>
-                <a:spcPct val="0"/>
-              </a:spcAft>
-            </a:pPr>
-            <a:r>
-              <a:rPr kumimoji="0" lang="ja-JP" altLang="ja-JP" sz="2400" dirty="0">
-                <a:solidFill>
-                  <a:srgbClr val="1D1C1D"/>
-                </a:solidFill>
-                <a:latin typeface="Arial Unicode MS" panose="020B0604020202020204" pitchFamily="50" charset="-128"/>
-                <a:ea typeface="inherit"/>
-              </a:rPr>
-              <a:t>講義で学んだ内容を1から復習をすることができた為、</a:t>
-            </a:r>
-            <a:endParaRPr kumimoji="0" lang="ja-JP" altLang="ja-JP" sz="3200" dirty="0"/>
-          </a:p>
-          <a:p>
-            <a:pPr lvl="0" eaLnBrk="0" fontAlgn="base" hangingPunct="0">
-              <a:lnSpc>
-                <a:spcPct val="150000"/>
-              </a:lnSpc>
-              <a:spcBef>
-                <a:spcPct val="0"/>
-              </a:spcBef>
-              <a:spcAft>
-                <a:spcPct val="0"/>
-              </a:spcAft>
-            </a:pPr>
-            <a:r>
-              <a:rPr kumimoji="0" lang="ja-JP" altLang="ja-JP" sz="2400" dirty="0">
-                <a:solidFill>
-                  <a:srgbClr val="1D1C1D"/>
-                </a:solidFill>
-                <a:latin typeface="Arial Unicode MS" panose="020B0604020202020204" pitchFamily="50" charset="-128"/>
-                <a:ea typeface="inherit"/>
-              </a:rPr>
-              <a:t>とても貴重な経験となりました。</a:t>
-            </a:r>
-            <a:endParaRPr kumimoji="0" lang="ja-JP" altLang="ja-JP" sz="3200" dirty="0"/>
-          </a:p>
-          <a:p>
-            <a:pPr lvl="0" eaLnBrk="0" fontAlgn="base" hangingPunct="0">
-              <a:lnSpc>
-                <a:spcPct val="150000"/>
-              </a:lnSpc>
-              <a:spcBef>
-                <a:spcPct val="0"/>
-              </a:spcBef>
-              <a:spcAft>
-                <a:spcPct val="0"/>
-              </a:spcAft>
-            </a:pPr>
+              <a:t>　</a:t>
+            </a:r>
             <a:r>
               <a:rPr kumimoji="0" lang="ja-JP" altLang="ja-JP" sz="2400" dirty="0" smtClean="0">
                 <a:solidFill>
@@ -21480,7 +21627,7 @@
             </a:lvl9pPr>
           </a:lstStyle>
           <a:p>
-            <a:pPr defTabSz="449263" eaLnBrk="1" fontAlgn="base" hangingPunct="0">
+            <a:pPr marL="457200" indent="-457200" defTabSz="449263" eaLnBrk="1" fontAlgn="base" hangingPunct="0">
               <a:lnSpc>
                 <a:spcPct val="150000"/>
               </a:lnSpc>
@@ -21491,6 +21638,8 @@
                 <a:spcPct val="0"/>
               </a:spcAft>
               <a:buSzPct val="100000"/>
+              <a:buFont typeface="Arial" panose="020B0604020202020204" pitchFamily="34" charset="0"/>
+              <a:buChar char="•"/>
             </a:pPr>
             <a:r>
               <a:rPr lang="ja-JP" altLang="en-US" sz="2800" dirty="0" smtClean="0">
@@ -21538,7 +21687,44 @@
                   <a:schemeClr val="tx1"/>
                 </a:solidFill>
               </a:rPr>
-              <a:t>サイトです。</a:t>
+              <a:t>サイトです</a:t>
+            </a:r>
+            <a:r>
+              <a:rPr lang="ja-JP" altLang="en-US" sz="2800" dirty="0" smtClean="0">
+                <a:solidFill>
+                  <a:schemeClr val="tx1"/>
+                </a:solidFill>
+              </a:rPr>
+              <a:t>。</a:t>
+            </a:r>
+            <a:endParaRPr lang="en-US" altLang="ja-JP" sz="2800" dirty="0" smtClean="0">
+              <a:solidFill>
+                <a:schemeClr val="tx1"/>
+              </a:solidFill>
+            </a:endParaRPr>
+          </a:p>
+          <a:p>
+            <a:pPr marL="457200" indent="-457200" defTabSz="449263" eaLnBrk="1" fontAlgn="base" hangingPunct="0">
+              <a:lnSpc>
+                <a:spcPct val="150000"/>
+              </a:lnSpc>
+              <a:spcBef>
+                <a:spcPct val="0"/>
+              </a:spcBef>
+              <a:spcAft>
+                <a:spcPct val="0"/>
+              </a:spcAft>
+              <a:buSzPct val="100000"/>
+              <a:buFont typeface="Arial" panose="020B0604020202020204" pitchFamily="34" charset="0"/>
+              <a:buChar char="•"/>
+            </a:pPr>
+            <a:r>
+              <a:rPr lang="ja-JP" altLang="en-US" sz="2800" dirty="0" smtClean="0">
+                <a:solidFill>
+                  <a:schemeClr val="tx1"/>
+                </a:solidFill>
+              </a:rPr>
+              <a:t>ユーザ</a:t>
             </a:r>
             <a:r>
               <a:rPr lang="ja-JP" altLang="en-US" sz="2800" dirty="0">
@@ -21546,68 +21732,97 @@
                   <a:schemeClr val="tx1"/>
                 </a:solidFill>
               </a:rPr>
-              <a:t/>
-            </a:r>
-            <a:br>
+              <a:t>は所持している権限によってできることが変わります</a:t>
+            </a:r>
+            <a:r>
+              <a:rPr lang="ja-JP" altLang="en-US" sz="2800" dirty="0" smtClean="0">
+                <a:solidFill>
+                  <a:schemeClr val="tx1"/>
+                </a:solidFill>
+              </a:rPr>
+              <a:t>。</a:t>
+            </a:r>
+            <a:endParaRPr lang="en-US" altLang="ja-JP" sz="2800" dirty="0" smtClean="0">
+              <a:solidFill>
+                <a:schemeClr val="tx1"/>
+              </a:solidFill>
+            </a:endParaRPr>
+          </a:p>
+          <a:p>
+            <a:pPr marL="457200" indent="-457200" defTabSz="449263" eaLnBrk="1" fontAlgn="base" hangingPunct="0">
+              <a:lnSpc>
+                <a:spcPct val="150000"/>
+              </a:lnSpc>
+              <a:spcBef>
+                <a:spcPct val="0"/>
+              </a:spcBef>
+              <a:spcAft>
+                <a:spcPct val="0"/>
+              </a:spcAft>
+              <a:buSzPct val="100000"/>
+              <a:buFont typeface="Arial" panose="020B0604020202020204" pitchFamily="34" charset="0"/>
+              <a:buChar char="•"/>
+            </a:pPr>
+            <a:r>
+              <a:rPr lang="ja-JP" altLang="en-US" sz="2800" dirty="0" smtClean="0">
+                <a:solidFill>
+                  <a:schemeClr val="tx1"/>
+                </a:solidFill>
+              </a:rPr>
+              <a:t>一般</a:t>
+            </a:r>
+            <a:r>
               <a:rPr lang="ja-JP" altLang="en-US" sz="2800" dirty="0">
                 <a:solidFill>
                   <a:schemeClr val="tx1"/>
                 </a:solidFill>
               </a:rPr>
-            </a:br>
+              <a:t>ユーザは商品をカートに追加したり、カートに入った商品を購入することができます</a:t>
+            </a:r>
+            <a:r>
+              <a:rPr lang="ja-JP" altLang="en-US" sz="2800" dirty="0" smtClean="0">
+                <a:solidFill>
+                  <a:schemeClr val="tx1"/>
+                </a:solidFill>
+              </a:rPr>
+              <a:t>。</a:t>
+            </a:r>
+            <a:endParaRPr lang="en-US" altLang="ja-JP" sz="2800" dirty="0" smtClean="0">
+              <a:solidFill>
+                <a:schemeClr val="tx1"/>
+              </a:solidFill>
+            </a:endParaRPr>
+          </a:p>
+          <a:p>
+            <a:pPr marL="457200" indent="-457200" defTabSz="449263" eaLnBrk="1" fontAlgn="base" hangingPunct="0">
+              <a:lnSpc>
+                <a:spcPct val="150000"/>
+              </a:lnSpc>
+              <a:spcBef>
+                <a:spcPct val="0"/>
+              </a:spcBef>
+              <a:spcAft>
+                <a:spcPct val="0"/>
+              </a:spcAft>
+              <a:buSzPct val="100000"/>
+              <a:buFont typeface="Arial" panose="020B0604020202020204" pitchFamily="34" charset="0"/>
+              <a:buChar char="•"/>
+            </a:pPr>
+            <a:r>
+              <a:rPr lang="ja-JP" altLang="en-US" sz="2800" dirty="0" smtClean="0">
+                <a:solidFill>
+                  <a:schemeClr val="tx1"/>
+                </a:solidFill>
+              </a:rPr>
+              <a:t>管理者</a:t>
+            </a:r>
             <a:r>
               <a:rPr lang="ja-JP" altLang="en-US" sz="2800" dirty="0">
                 <a:solidFill>
                   <a:schemeClr val="tx1"/>
                 </a:solidFill>
               </a:rPr>
-              <a:t>ユーザは所持している権限によってできることが変わります。</a:t>
-            </a:r>
-            <a:r>
-              <a:rPr lang="ja-JP" altLang="en-US" sz="2800" dirty="0">
-                <a:solidFill>
-                  <a:schemeClr val="tx1"/>
-                </a:solidFill>
-              </a:rPr>
-              <a:t/>
-            </a:r>
-            <a:br>
-              <a:rPr lang="ja-JP" altLang="en-US" sz="2800" dirty="0">
-                <a:solidFill>
-                  <a:schemeClr val="tx1"/>
-                </a:solidFill>
-              </a:rPr>
-            </a:br>
-            <a:r>
-              <a:rPr lang="ja-JP" altLang="en-US" sz="2800" dirty="0">
-                <a:solidFill>
-                  <a:schemeClr val="tx1"/>
-                </a:solidFill>
-              </a:rPr>
-              <a:t>一般ユーザは商品をカートに追加したり、カートに入った商品を購入することができます。</a:t>
-            </a:r>
-            <a:r>
-              <a:rPr lang="ja-JP" altLang="en-US" sz="2800" dirty="0">
-                <a:solidFill>
-                  <a:schemeClr val="tx1"/>
-                </a:solidFill>
-              </a:rPr>
-              <a:t/>
-            </a:r>
-            <a:br>
-              <a:rPr lang="ja-JP" altLang="en-US" sz="2800" dirty="0">
-                <a:solidFill>
-                  <a:schemeClr val="tx1"/>
-                </a:solidFill>
-              </a:rPr>
-            </a:br>
-            <a:r>
-              <a:rPr lang="ja-JP" altLang="en-US" sz="2800" dirty="0">
-                <a:solidFill>
-                  <a:schemeClr val="tx1"/>
-                </a:solidFill>
-              </a:rPr>
-              <a:t>管理者ユーザは商品情報の追加、変更やユーザの管理を行うことができます。</a:t>
+              <a:t>ユーザは商品情報の追加、変更やユーザの管理を行うことができます。</a:t>
             </a:r>
             <a:endParaRPr kumimoji="0" lang="ja-JP" altLang="ja-JP" sz="2600" dirty="0">
               <a:solidFill>
@@ -22754,25 +22969,7 @@
                 </a:solidFill>
                 <a:latin typeface="メイリオ" panose="020B0604030504040204" pitchFamily="50" charset="-128"/>
               </a:rPr>
-              <a:t>茂木　</a:t>
-            </a:r>
-            <a:r>
-              <a:rPr lang="ja-JP" altLang="en-US" sz="2800" dirty="0" smtClean="0">
-                <a:solidFill>
-                  <a:srgbClr val="000000"/>
-                </a:solidFill>
-                <a:latin typeface="メイリオ" panose="020B0604030504040204" pitchFamily="50" charset="-128"/>
-              </a:rPr>
-              <a:t>担当：</a:t>
-            </a:r>
-            <a:r>
-              <a:rPr lang="ja-JP" altLang="en-US" sz="2800" dirty="0" smtClean="0">
-                <a:solidFill>
-                  <a:srgbClr val="000000"/>
-                </a:solidFill>
-                <a:latin typeface="メイリオ" panose="020B0604030504040204" pitchFamily="50" charset="-128"/>
-              </a:rPr>
-              <a:t>商品の一覧・詳細機能、ユーザ情報機能</a:t>
+              <a:t>茂木　担当：商品の一覧・詳細機能、ユーザ情報機能</a:t>
             </a:r>
             <a:endParaRPr lang="ja-JP" altLang="ja-JP" sz="2800" dirty="0">
               <a:solidFill>
@@ -22852,25 +23049,25 @@
           <p:nvPr>
             <p:extLst>
               <p:ext uri="{D42A27DB-BD31-4B8C-83A1-F6EECF244321}">
-                <p14:modId xmlns:p14="http://schemas.microsoft.com/office/powerpoint/2010/main" val="799962882"/>
+                <p14:modId xmlns:p14="http://schemas.microsoft.com/office/powerpoint/2010/main" val="1287067612"/>
               </p:ext>
             </p:extLst>
           </p:nvPr>
         </p:nvGraphicFramePr>
         <p:xfrm>
-          <a:off x="2189409" y="1339401"/>
-          <a:ext cx="8551573" cy="5230973"/>
+          <a:off x="1906074" y="1166282"/>
+          <a:ext cx="9053850" cy="5417468"/>
         </p:xfrm>
         <a:graphic>
           <a:graphicData uri="http://schemas.openxmlformats.org/drawingml/2006/table">
             <a:tbl>
               <a:tblPr firstRow="1" firstCol="1" bandRow="1"/>
               <a:tblGrid>
-                <a:gridCol w="538001"/>
-                <a:gridCol w="2495551"/>
-                <a:gridCol w="5518021"/>
+                <a:gridCol w="569601"/>
+                <a:gridCol w="2642127"/>
+                <a:gridCol w="5842122"/>
               </a:tblGrid>
-              <a:tr h="286913">
+              <a:tr h="297142">
                 <a:tc>
                   <a:txBody>
                     <a:bodyPr/>
@@ -23067,7 +23264,7 @@
                   </a:tcPr>
                 </a:tc>
               </a:tr>
-              <a:tr h="860738">
+              <a:tr h="891425">
                 <a:tc>
                   <a:txBody>
                     <a:bodyPr/>
@@ -23284,7 +23481,7 @@
                   </a:tcPr>
                 </a:tc>
               </a:tr>
-              <a:tr h="573825">
+              <a:tr h="594283">
                 <a:tc>
                   <a:txBody>
                     <a:bodyPr/>
@@ -23474,7 +23671,7 @@
                   </a:tcPr>
                 </a:tc>
               </a:tr>
-              <a:tr h="1214909">
+              <a:tr h="1258223">
                 <a:tc>
                   <a:txBody>
                     <a:bodyPr/>
@@ -23683,7 +23880,10 @@
                         <a:buChar char="・"/>
                       </a:pPr>
                       <a:r>
-                        <a:rPr lang="ja-JP" sz="1600" kern="100" dirty="0" smtClean="0">
+                        <a:rPr lang="ja-JP" sz="1600" b="1" kern="100" dirty="0" smtClean="0">
+                          <a:solidFill>
+                            <a:srgbClr val="FF0000"/>
+                          </a:solidFill>
                           <a:effectLst/>
                           <a:latin typeface="Century" panose="02040604050505020304" pitchFamily="18" charset="0"/>
                           <a:ea typeface="ＭＳ 明朝" panose="02020609040205080304" pitchFamily="17" charset="-128"/>
@@ -23701,13 +23901,25 @@
                         <a:buChar char="・"/>
                       </a:pPr>
                       <a:r>
+                        <a:rPr lang="ja-JP" sz="1600" b="1" kern="100" dirty="0" smtClean="0">
+                          <a:solidFill>
+                            <a:srgbClr val="FF0000"/>
+                          </a:solidFill>
+                          <a:effectLst/>
+                          <a:latin typeface="Century" panose="02040604050505020304" pitchFamily="18" charset="0"/>
+                          <a:ea typeface="ＭＳ 明朝" panose="02020609040205080304" pitchFamily="17" charset="-128"/>
+                          <a:cs typeface="Times New Roman" panose="02020603050405020304" pitchFamily="18" charset="0"/>
+                        </a:rPr>
+                        <a:t>一般利用者の更新、削除</a:t>
+                      </a:r>
+                      <a:r>
                         <a:rPr lang="ja-JP" sz="1600" kern="100" dirty="0" smtClean="0">
                           <a:effectLst/>
                           <a:latin typeface="Century" panose="02040604050505020304" pitchFamily="18" charset="0"/>
                           <a:ea typeface="ＭＳ 明朝" panose="02020609040205080304" pitchFamily="17" charset="-128"/>
                           <a:cs typeface="Times New Roman" panose="02020603050405020304" pitchFamily="18" charset="0"/>
                         </a:rPr>
-                        <a:t>一般利用者の更新、削除ができる</a:t>
+                        <a:t>ができる</a:t>
                       </a:r>
                       <a:endParaRPr lang="ja-JP" sz="1600" kern="100" dirty="0">
                         <a:effectLst/>
@@ -23757,7 +23969,7 @@
                   </a:tcPr>
                 </a:tc>
               </a:tr>
-              <a:tr h="286199">
+              <a:tr h="296403">
                 <a:tc>
                   <a:txBody>
                     <a:bodyPr/>
@@ -23947,7 +24159,7 @@
                   </a:tcPr>
                 </a:tc>
               </a:tr>
-              <a:tr h="573825">
+              <a:tr h="594283">
                 <a:tc>
                   <a:txBody>
                     <a:bodyPr/>
@@ -24087,13 +24299,28 @@
                         <a:buChar char="・"/>
                       </a:pPr>
                       <a:r>
-                        <a:rPr lang="ja-JP" sz="1600" kern="100" dirty="0">
+                        <a:rPr lang="ja-JP" sz="1600" b="1" kern="100" dirty="0">
+                          <a:solidFill>
+                            <a:srgbClr val="FF0000"/>
+                          </a:solidFill>
                           <a:effectLst/>
                           <a:latin typeface="Century" panose="02040604050505020304" pitchFamily="18" charset="0"/>
                           <a:ea typeface="ＭＳ 明朝" panose="02020609040205080304" pitchFamily="17" charset="-128"/>
                           <a:cs typeface="Times New Roman" panose="02020603050405020304" pitchFamily="18" charset="0"/>
                         </a:rPr>
-                        <a:t>自分の情報を登録、更新、削除ができる</a:t>
+                        <a:t>自分の情報を登録、更新、削除</a:t>
+                      </a:r>
+                      <a:r>
+                        <a:rPr lang="ja-JP" sz="1600" b="0" kern="100" dirty="0">
+                          <a:solidFill>
+                            <a:schemeClr val="tx1"/>
+                          </a:solidFill>
+                          <a:effectLst/>
+                          <a:latin typeface="Century" panose="02040604050505020304" pitchFamily="18" charset="0"/>
+                          <a:ea typeface="ＭＳ 明朝" panose="02020609040205080304" pitchFamily="17" charset="-128"/>
+                          <a:cs typeface="Times New Roman" panose="02020603050405020304" pitchFamily="18" charset="0"/>
+                        </a:rPr>
+                        <a:t>ができる</a:t>
                       </a:r>
                     </a:p>
                     <a:p>
@@ -24105,13 +24332,28 @@
                         <a:buChar char="・"/>
                       </a:pPr>
                       <a:r>
-                        <a:rPr lang="ja-JP" sz="1600" kern="100" dirty="0">
+                        <a:rPr lang="ja-JP" sz="1600" b="1" kern="100" dirty="0">
+                          <a:solidFill>
+                            <a:srgbClr val="FF0000"/>
+                          </a:solidFill>
                           <a:effectLst/>
                           <a:latin typeface="Century" panose="02040604050505020304" pitchFamily="18" charset="0"/>
                           <a:ea typeface="ＭＳ 明朝" panose="02020609040205080304" pitchFamily="17" charset="-128"/>
                           <a:cs typeface="Times New Roman" panose="02020603050405020304" pitchFamily="18" charset="0"/>
                         </a:rPr>
-                        <a:t>購入履歴を確認することができる</a:t>
+                        <a:t>購入履歴を確認する</a:t>
+                      </a:r>
+                      <a:r>
+                        <a:rPr lang="ja-JP" sz="1600" b="0" kern="100" dirty="0">
+                          <a:solidFill>
+                            <a:schemeClr val="tx1"/>
+                          </a:solidFill>
+                          <a:effectLst/>
+                          <a:latin typeface="Century" panose="02040604050505020304" pitchFamily="18" charset="0"/>
+                          <a:ea typeface="ＭＳ 明朝" panose="02020609040205080304" pitchFamily="17" charset="-128"/>
+                          <a:cs typeface="Times New Roman" panose="02020603050405020304" pitchFamily="18" charset="0"/>
+                        </a:rPr>
+                        <a:t>ことができる</a:t>
                       </a:r>
                     </a:p>
                   </a:txBody>
@@ -24155,7 +24397,7 @@
                   </a:tcPr>
                 </a:tc>
               </a:tr>
-              <a:tr h="1147651">
+              <a:tr h="1188567">
                 <a:tc>
                   <a:txBody>
                     <a:bodyPr/>
@@ -24319,7 +24561,25 @@
                           <a:ea typeface="ＭＳ 明朝" panose="02020609040205080304" pitchFamily="17" charset="-128"/>
                           <a:cs typeface="Times New Roman" panose="02020603050405020304" pitchFamily="18" charset="0"/>
                         </a:rPr>
-                        <a:t>カートに入れた商品の削除、個数編集ができる。</a:t>
+                        <a:t>カートに入れた商品の</a:t>
+                      </a:r>
+                      <a:r>
+                        <a:rPr lang="ja-JP" sz="1600" kern="100" dirty="0" smtClean="0">
+                          <a:effectLst/>
+                          <a:latin typeface="Century" panose="02040604050505020304" pitchFamily="18" charset="0"/>
+                          <a:ea typeface="ＭＳ 明朝" panose="02020609040205080304" pitchFamily="17" charset="-128"/>
+                          <a:cs typeface="Times New Roman" panose="02020603050405020304" pitchFamily="18" charset="0"/>
+                        </a:rPr>
+                        <a:t>削除が</a:t>
+                      </a:r>
+                      <a:r>
+                        <a:rPr lang="ja-JP" sz="1600" kern="100" dirty="0">
+                          <a:effectLst/>
+                          <a:latin typeface="Century" panose="02040604050505020304" pitchFamily="18" charset="0"/>
+                          <a:ea typeface="ＭＳ 明朝" panose="02020609040205080304" pitchFamily="17" charset="-128"/>
+                          <a:cs typeface="Times New Roman" panose="02020603050405020304" pitchFamily="18" charset="0"/>
+                        </a:rPr>
+                        <a:t>できる。</a:t>
                       </a:r>
                     </a:p>
                     <a:p>
@@ -24381,7 +24641,7 @@
                   </a:tcPr>
                 </a:tc>
               </a:tr>
-              <a:tr h="286913">
+              <a:tr h="297142">
                 <a:tc>
                   <a:txBody>
                     <a:bodyPr/>
@@ -25604,12 +25864,6 @@
               </a:rPr>
               <a:t>4534step</a:t>
             </a:r>
-            <a:endParaRPr lang="en-US" altLang="ja-JP" sz="2400" dirty="0" smtClean="0">
-              <a:solidFill>
-                <a:srgbClr val="000000"/>
-              </a:solidFill>
-              <a:latin typeface="メイリオ" panose="020B0604030504040204" pitchFamily="50" charset="-128"/>
-            </a:endParaRPr>
           </a:p>
           <a:p>
             <a:pPr eaLnBrk="1">
@@ -26970,12 +27224,15 @@
         </p:blipFill>
         <p:spPr>
           <a:xfrm>
-            <a:off x="3121118" y="2863438"/>
+            <a:off x="2265855" y="2863438"/>
             <a:ext cx="7843051" cy="3728664"/>
           </a:xfrm>
           <a:prstGeom prst="rect">
             <a:avLst/>
           </a:prstGeom>
+          <a:ln>
+            <a:noFill/>
+          </a:ln>
         </p:spPr>
       </p:pic>
       <p:sp>
@@ -27969,7 +28226,16 @@
                 </a:solidFill>
                 <a:latin typeface="メイリオ" panose="020B0604030504040204" pitchFamily="50" charset="-128"/>
               </a:rPr>
-              <a:t>作業</a:t>
+              <a:t>作業完了</a:t>
+            </a:r>
+            <a:r>
+              <a:rPr lang="ja-JP" altLang="en-US" sz="2400" dirty="0">
+                <a:solidFill>
+                  <a:srgbClr val="000000"/>
+                </a:solidFill>
+                <a:latin typeface="メイリオ" panose="020B0604030504040204" pitchFamily="50" charset="-128"/>
+              </a:rPr>
+              <a:t>が</a:t>
             </a:r>
             <a:r>
               <a:rPr lang="ja-JP" altLang="en-US" sz="2400" dirty="0" smtClean="0">
@@ -27978,34 +28244,7 @@
                 </a:solidFill>
                 <a:latin typeface="メイリオ" panose="020B0604030504040204" pitchFamily="50" charset="-128"/>
               </a:rPr>
-              <a:t>完了</a:t>
-            </a:r>
-            <a:r>
-              <a:rPr lang="ja-JP" altLang="en-US" sz="2400" dirty="0">
-                <a:solidFill>
-                  <a:srgbClr val="000000"/>
-                </a:solidFill>
-                <a:latin typeface="メイリオ" panose="020B0604030504040204" pitchFamily="50" charset="-128"/>
-              </a:rPr>
-              <a:t>が</a:t>
-            </a:r>
-            <a:r>
-              <a:rPr lang="ja-JP" altLang="en-US" sz="2400" dirty="0" smtClean="0">
-                <a:solidFill>
-                  <a:srgbClr val="000000"/>
-                </a:solidFill>
-                <a:latin typeface="メイリオ" panose="020B0604030504040204" pitchFamily="50" charset="-128"/>
-              </a:rPr>
-              <a:t>予定</a:t>
-            </a:r>
-            <a:r>
-              <a:rPr lang="ja-JP" altLang="en-US" sz="2400" dirty="0" smtClean="0">
-                <a:solidFill>
-                  <a:srgbClr val="000000"/>
-                </a:solidFill>
-                <a:latin typeface="メイリオ" panose="020B0604030504040204" pitchFamily="50" charset="-128"/>
-              </a:rPr>
-              <a:t>より</a:t>
+              <a:t>予定より</a:t>
             </a:r>
             <a:r>
               <a:rPr lang="en-US" altLang="ja-JP" sz="2400" dirty="0" smtClean="0">

--- a/05_チーム開発演習_発表会資料/05_チーム開発演習_発表会資料_チーム3.pptx
+++ b/05_チーム開発演習_発表会資料/05_チーム開発演習_発表会資料_チーム3.pptx
@@ -13674,7 +13674,7 @@
                 </a:solidFill>
                 <a:latin typeface="メイリオ" panose="020B0604030504040204" pitchFamily="50" charset="-128"/>
               </a:rPr>
-              <a:t>かかった</a:t>
+              <a:t>かかった。</a:t>
             </a:r>
             <a:endParaRPr lang="en-US" altLang="ja-JP" dirty="0" smtClean="0">
               <a:solidFill>
@@ -13749,7 +13749,16 @@
                 </a:solidFill>
                 <a:latin typeface="メイリオ" panose="020B0604030504040204" pitchFamily="50" charset="-128"/>
               </a:rPr>
-              <a:t>ページリンクのボタンが横並びになるように工夫した</a:t>
+              <a:t>ページリンクのボタンが横並びになるように工夫</a:t>
+            </a:r>
+            <a:r>
+              <a:rPr lang="ja-JP" altLang="en-US" dirty="0" smtClean="0">
+                <a:solidFill>
+                  <a:srgbClr val="000000"/>
+                </a:solidFill>
+                <a:latin typeface="メイリオ" panose="020B0604030504040204" pitchFamily="50" charset="-128"/>
+              </a:rPr>
+              <a:t>した。</a:t>
             </a:r>
             <a:endParaRPr lang="en-US" altLang="ja-JP" dirty="0">
               <a:solidFill>
@@ -13774,7 +13783,16 @@
                 </a:solidFill>
                 <a:latin typeface="メイリオ" panose="020B0604030504040204" pitchFamily="50" charset="-128"/>
               </a:rPr>
-              <a:t>メンバーの進捗状況を理解するため進捗確認をする時間を多くとった</a:t>
+              <a:t>メンバーの進捗状況を理解するため進捗確認をする時間を多く</a:t>
+            </a:r>
+            <a:r>
+              <a:rPr lang="ja-JP" altLang="en-US" dirty="0" smtClean="0">
+                <a:solidFill>
+                  <a:srgbClr val="000000"/>
+                </a:solidFill>
+                <a:latin typeface="メイリオ" panose="020B0604030504040204" pitchFamily="50" charset="-128"/>
+              </a:rPr>
+              <a:t>とった。</a:t>
             </a:r>
             <a:endParaRPr lang="en-US" altLang="ja-JP" dirty="0" smtClean="0">
               <a:solidFill>
@@ -13884,7 +13902,7 @@
                 </a:solidFill>
                 <a:latin typeface="メイリオ" panose="020B0604030504040204" pitchFamily="50" charset="-128"/>
               </a:rPr>
-              <a:t>だった</a:t>
+              <a:t>だった。</a:t>
             </a:r>
             <a:endParaRPr lang="en-US" altLang="ja-JP" dirty="0" smtClean="0">
               <a:solidFill>
@@ -17661,8 +17679,41 @@
                 </a:solidFill>
                 <a:latin typeface="メイリオ" panose="020B0604030504040204" pitchFamily="50" charset="-128"/>
               </a:rPr>
-              <a:t>入力チェックや未ログインチェックのプログラム</a:t>
-            </a:r>
+              <a:t>入力チェック</a:t>
+            </a:r>
+            <a:r>
+              <a:rPr lang="ja-JP" altLang="en-US" dirty="0" smtClean="0">
+                <a:solidFill>
+                  <a:srgbClr val="000000"/>
+                </a:solidFill>
+                <a:latin typeface="メイリオ" panose="020B0604030504040204" pitchFamily="50" charset="-128"/>
+              </a:rPr>
+              <a:t>や不正ログインチェック</a:t>
+            </a:r>
+            <a:r>
+              <a:rPr lang="ja-JP" altLang="en-US" dirty="0">
+                <a:solidFill>
+                  <a:srgbClr val="000000"/>
+                </a:solidFill>
+                <a:latin typeface="メイリオ" panose="020B0604030504040204" pitchFamily="50" charset="-128"/>
+              </a:rPr>
+              <a:t>の</a:t>
+            </a:r>
+            <a:r>
+              <a:rPr lang="ja-JP" altLang="en-US" dirty="0" smtClean="0">
+                <a:solidFill>
+                  <a:srgbClr val="000000"/>
+                </a:solidFill>
+                <a:latin typeface="メイリオ" panose="020B0604030504040204" pitchFamily="50" charset="-128"/>
+              </a:rPr>
+              <a:t>プログラムを作成した。</a:t>
+            </a:r>
+            <a:endParaRPr lang="ja-JP" altLang="en-US" dirty="0">
+              <a:solidFill>
+                <a:srgbClr val="000000"/>
+              </a:solidFill>
+              <a:latin typeface="メイリオ" panose="020B0604030504040204" pitchFamily="50" charset="-128"/>
+            </a:endParaRPr>
           </a:p>
           <a:p>
             <a:pPr marL="285750" indent="-285750" eaLnBrk="1">
@@ -18762,24 +18813,33 @@
                 <a:solidFill>
                   <a:srgbClr val="1D1C1D"/>
                 </a:solidFill>
-                <a:latin typeface="Arial Unicode MS" panose="020B0604020202020204" pitchFamily="50" charset="-128"/>
-                <a:ea typeface="inherit"/>
-              </a:rPr>
-              <a:t>条件式がうまく使えず試行錯誤を重ねながら作成したため苦労した</a:t>
-            </a:r>
-            <a:r>
-              <a:rPr kumimoji="0" lang="ja-JP" altLang="ja-JP" sz="2800" dirty="0">
-                <a:solidFill>
-                  <a:schemeClr val="tx1"/>
-                </a:solidFill>
-              </a:rPr>
-              <a:t> </a:t>
+                <a:latin typeface="ＭＳ Ｐゴシック" panose="020B0600070205080204" pitchFamily="50" charset="-128"/>
+              </a:rPr>
+              <a:t>条件式がうまく使えず試行錯誤を重ねながら作成したため苦労</a:t>
+            </a:r>
+            <a:r>
+              <a:rPr kumimoji="0" lang="ja-JP" altLang="ja-JP" dirty="0" smtClean="0">
+                <a:solidFill>
+                  <a:srgbClr val="1D1C1D"/>
+                </a:solidFill>
+                <a:latin typeface="ＭＳ Ｐゴシック" panose="020B0600070205080204" pitchFamily="50" charset="-128"/>
+              </a:rPr>
+              <a:t>した</a:t>
+            </a:r>
+            <a:r>
+              <a:rPr kumimoji="0" lang="ja-JP" altLang="en-US" dirty="0" smtClean="0">
+                <a:solidFill>
+                  <a:srgbClr val="1D1C1D"/>
+                </a:solidFill>
+                <a:latin typeface="ＭＳ Ｐゴシック" panose="020B0600070205080204" pitchFamily="50" charset="-128"/>
+              </a:rPr>
+              <a:t>。</a:t>
             </a:r>
             <a:endParaRPr lang="ja-JP" altLang="ja-JP" dirty="0">
               <a:solidFill>
                 <a:srgbClr val="000000"/>
               </a:solidFill>
-              <a:latin typeface="メイリオ" panose="020B0604030504040204" pitchFamily="50" charset="-128"/>
+              <a:latin typeface="ＭＳ Ｐゴシック" panose="020B0600070205080204" pitchFamily="50" charset="-128"/>
             </a:endParaRPr>
           </a:p>
           <a:p>
@@ -18885,7 +18945,16 @@
                 </a:solidFill>
                 <a:latin typeface="メイリオ" panose="020B0604030504040204" pitchFamily="50" charset="-128"/>
               </a:rPr>
-              <a:t>をサーブレットへ送れるようにしたこと</a:t>
+              <a:t>をサーブレットへ送れるようにした</a:t>
+            </a:r>
+            <a:r>
+              <a:rPr lang="ja-JP" altLang="en-US" dirty="0" smtClean="0">
+                <a:solidFill>
+                  <a:srgbClr val="000000"/>
+                </a:solidFill>
+                <a:latin typeface="メイリオ" panose="020B0604030504040204" pitchFamily="50" charset="-128"/>
+              </a:rPr>
+              <a:t>こと。</a:t>
             </a:r>
             <a:endParaRPr lang="en-US" altLang="ja-JP" dirty="0">
               <a:solidFill>
@@ -19030,7 +19099,27 @@
                 <a:latin typeface="Arial Unicode MS" panose="020B0604020202020204" pitchFamily="50" charset="-128"/>
                 <a:ea typeface="inherit"/>
               </a:rPr>
-              <a:t>鍛えなくてはいけないと感じた</a:t>
+              <a:t>鍛えなくてはいけないと</a:t>
+            </a:r>
+            <a:r>
+              <a:rPr kumimoji="0" lang="ja-JP" altLang="ja-JP" dirty="0" smtClean="0">
+                <a:solidFill>
+                  <a:srgbClr val="1D1C1D"/>
+                </a:solidFill>
+                <a:latin typeface="Arial Unicode MS" panose="020B0604020202020204" pitchFamily="50" charset="-128"/>
+                <a:ea typeface="inherit"/>
+              </a:rPr>
+              <a:t>感じた</a:t>
+            </a:r>
+            <a:r>
+              <a:rPr kumimoji="0" lang="ja-JP" altLang="en-US" dirty="0" smtClean="0">
+                <a:solidFill>
+                  <a:srgbClr val="1D1C1D"/>
+                </a:solidFill>
+                <a:latin typeface="Arial Unicode MS" panose="020B0604020202020204" pitchFamily="50" charset="-128"/>
+                <a:ea typeface="inherit"/>
+              </a:rPr>
+              <a:t>。</a:t>
             </a:r>
             <a:endParaRPr lang="ja-JP" altLang="ja-JP" dirty="0">
               <a:solidFill>

--- a/05_チーム開発演習_発表会資料/05_チーム開発演習_発表会資料_チーム3.pptx
+++ b/05_チーム開発演習_発表会資料/05_チーム開発演習_発表会資料_チーム3.pptx
@@ -22,8 +22,8 @@
     <p:sldId id="277" r:id="rId13"/>
     <p:sldId id="265" r:id="rId14"/>
     <p:sldId id="266" r:id="rId15"/>
-    <p:sldId id="267" r:id="rId16"/>
-    <p:sldId id="268" r:id="rId17"/>
+    <p:sldId id="268" r:id="rId16"/>
+    <p:sldId id="267" r:id="rId17"/>
     <p:sldId id="269" r:id="rId18"/>
     <p:sldId id="270" r:id="rId19"/>
     <p:sldId id="275" r:id="rId20"/>
@@ -9565,13 +9565,31 @@
               </a:lnSpc>
             </a:pPr>
             <a:r>
+              <a:rPr lang="en-US" altLang="ja-JP" sz="2400" dirty="0" smtClean="0">
+                <a:solidFill>
+                  <a:srgbClr val="000000"/>
+                </a:solidFill>
+                <a:latin typeface="メイリオ" panose="020B0604030504040204" pitchFamily="50" charset="-128"/>
+              </a:rPr>
+              <a:t>404</a:t>
+            </a:r>
+            <a:r>
               <a:rPr lang="ja-JP" altLang="en-US" sz="2400" dirty="0" smtClean="0">
                 <a:solidFill>
                   <a:srgbClr val="000000"/>
                 </a:solidFill>
                 <a:latin typeface="メイリオ" panose="020B0604030504040204" pitchFamily="50" charset="-128"/>
               </a:rPr>
-              <a:t>エラーの修正に時間がかかり</a:t>
+              <a:t>などのエラー</a:t>
+            </a:r>
+            <a:r>
+              <a:rPr lang="ja-JP" altLang="en-US" sz="2400" dirty="0" smtClean="0">
+                <a:solidFill>
+                  <a:srgbClr val="000000"/>
+                </a:solidFill>
+                <a:latin typeface="メイリオ" panose="020B0604030504040204" pitchFamily="50" charset="-128"/>
+              </a:rPr>
+              <a:t>の修正に時間がかかり</a:t>
             </a:r>
             <a:r>
               <a:rPr lang="ja-JP" altLang="en-US" sz="2400" dirty="0">
@@ -10829,6 +10847,126 @@
           <a:chExt cx="0" cy="0"/>
         </a:xfrm>
       </p:grpSpPr>
+      <p:grpSp>
+        <p:nvGrpSpPr>
+          <p:cNvPr id="11" name="グループ化 10"/>
+          <p:cNvGrpSpPr/>
+          <p:nvPr/>
+        </p:nvGrpSpPr>
+        <p:grpSpPr>
+          <a:xfrm>
+            <a:off x="1311579" y="4021846"/>
+            <a:ext cx="10228527" cy="1834182"/>
+            <a:chOff x="921695" y="4038391"/>
+            <a:chExt cx="10228527" cy="1834182"/>
+          </a:xfrm>
+        </p:grpSpPr>
+        <p:grpSp>
+          <p:nvGrpSpPr>
+            <p:cNvPr id="9" name="グループ化 8"/>
+            <p:cNvGrpSpPr/>
+            <p:nvPr/>
+          </p:nvGrpSpPr>
+          <p:grpSpPr>
+            <a:xfrm>
+              <a:off x="921696" y="4038392"/>
+              <a:ext cx="10228526" cy="1834181"/>
+              <a:chOff x="1068947" y="3356004"/>
+              <a:chExt cx="10228526" cy="1834181"/>
+            </a:xfrm>
+          </p:grpSpPr>
+          <p:pic>
+            <p:nvPicPr>
+              <p:cNvPr id="7" name="図 6"/>
+              <p:cNvPicPr>
+                <a:picLocks noChangeAspect="1"/>
+              </p:cNvPicPr>
+              <p:nvPr/>
+            </p:nvPicPr>
+            <p:blipFill rotWithShape="1">
+              <a:blip r:embed="rId2"/>
+              <a:srcRect l="5128" t="59140" r="16560" b="22121"/>
+              <a:stretch/>
+            </p:blipFill>
+            <p:spPr>
+              <a:xfrm>
+                <a:off x="1107583" y="3876540"/>
+                <a:ext cx="10189473" cy="1313645"/>
+              </a:xfrm>
+              <a:prstGeom prst="rect">
+                <a:avLst/>
+              </a:prstGeom>
+            </p:spPr>
+          </p:pic>
+          <p:pic>
+            <p:nvPicPr>
+              <p:cNvPr id="8" name="図 7"/>
+              <p:cNvPicPr>
+                <a:picLocks noChangeAspect="1"/>
+              </p:cNvPicPr>
+              <p:nvPr/>
+            </p:nvPicPr>
+            <p:blipFill rotWithShape="1">
+              <a:blip r:embed="rId3"/>
+              <a:srcRect l="4929" t="19460" r="16457" b="73123"/>
+              <a:stretch/>
+            </p:blipFill>
+            <p:spPr>
+              <a:xfrm>
+                <a:off x="1068947" y="3356004"/>
+                <a:ext cx="10228526" cy="519960"/>
+              </a:xfrm>
+              <a:prstGeom prst="rect">
+                <a:avLst/>
+              </a:prstGeom>
+            </p:spPr>
+          </p:pic>
+        </p:grpSp>
+        <p:sp>
+          <p:nvSpPr>
+            <p:cNvPr id="10" name="正方形/長方形 9"/>
+            <p:cNvSpPr/>
+            <p:nvPr/>
+          </p:nvSpPr>
+          <p:spPr>
+            <a:xfrm>
+              <a:off x="921695" y="4038391"/>
+              <a:ext cx="5479105" cy="274301"/>
+            </a:xfrm>
+            <a:prstGeom prst="rect">
+              <a:avLst/>
+            </a:prstGeom>
+            <a:solidFill>
+              <a:schemeClr val="bg1"/>
+            </a:solidFill>
+            <a:ln>
+              <a:noFill/>
+            </a:ln>
+          </p:spPr>
+          <p:style>
+            <a:lnRef idx="2">
+              <a:schemeClr val="accent6"/>
+            </a:lnRef>
+            <a:fillRef idx="1">
+              <a:schemeClr val="lt1"/>
+            </a:fillRef>
+            <a:effectRef idx="0">
+              <a:schemeClr val="accent6"/>
+            </a:effectRef>
+            <a:fontRef idx="minor">
+              <a:schemeClr val="dk1"/>
+            </a:fontRef>
+          </p:style>
+          <p:txBody>
+            <a:bodyPr rtlCol="0" anchor="ctr"/>
+            <a:lstStyle/>
+            <a:p>
+              <a:pPr algn="ctr"/>
+              <a:endParaRPr kumimoji="1" lang="ja-JP" altLang="en-US"/>
+            </a:p>
+          </p:txBody>
+        </p:sp>
+      </p:grpSp>
       <p:sp>
         <p:nvSpPr>
           <p:cNvPr id="2" name="スライド番号プレースホルダー 1"/>
@@ -11286,8 +11424,8 @@
         </p:nvSpPr>
         <p:spPr bwMode="auto">
           <a:xfrm>
-            <a:off x="1311579" y="2050759"/>
-            <a:ext cx="9553575" cy="705320"/>
+            <a:off x="1311579" y="2264316"/>
+            <a:ext cx="9553575" cy="1757530"/>
           </a:xfrm>
           <a:prstGeom prst="rect">
             <a:avLst/>
@@ -11704,7 +11842,34 @@
                 </a:solidFill>
                 <a:latin typeface="メイリオ" panose="020B0604030504040204" pitchFamily="50" charset="-128"/>
               </a:rPr>
-              <a:t>】予定</a:t>
+              <a:t>】</a:t>
+            </a:r>
+            <a:r>
+              <a:rPr lang="ja-JP" altLang="ja-JP" sz="2400" dirty="0" smtClean="0">
+                <a:solidFill>
+                  <a:srgbClr val="000000"/>
+                </a:solidFill>
+                <a:latin typeface="メイリオ" panose="020B0604030504040204" pitchFamily="50" charset="-128"/>
+              </a:rPr>
+              <a:t>予定</a:t>
+            </a:r>
+            <a:r>
+              <a:rPr lang="en-US" altLang="ja-JP" sz="2400" dirty="0" smtClean="0">
+                <a:solidFill>
+                  <a:srgbClr val="000000"/>
+                </a:solidFill>
+                <a:latin typeface="メイリオ" panose="020B0604030504040204" pitchFamily="50" charset="-128"/>
+              </a:rPr>
+              <a:t>1</a:t>
+            </a:r>
+            <a:r>
+              <a:rPr lang="ja-JP" altLang="ja-JP" sz="2400" dirty="0" smtClean="0">
+                <a:solidFill>
+                  <a:srgbClr val="000000"/>
+                </a:solidFill>
+                <a:latin typeface="メイリオ" panose="020B0604030504040204" pitchFamily="50" charset="-128"/>
+              </a:rPr>
+              <a:t>日 </a:t>
             </a:r>
             <a:r>
               <a:rPr lang="en-US" altLang="ja-JP" sz="2400" dirty="0">
@@ -11713,7 +11878,7 @@
                 </a:solidFill>
                 <a:latin typeface="メイリオ" panose="020B0604030504040204" pitchFamily="50" charset="-128"/>
               </a:rPr>
-              <a:t>2</a:t>
+              <a:t>/ </a:t>
             </a:r>
             <a:r>
               <a:rPr lang="ja-JP" altLang="ja-JP" sz="2400" dirty="0" smtClean="0">
@@ -11722,7 +11887,7 @@
                 </a:solidFill>
                 <a:latin typeface="メイリオ" panose="020B0604030504040204" pitchFamily="50" charset="-128"/>
               </a:rPr>
-              <a:t>日 </a:t>
+              <a:t>実績</a:t>
             </a:r>
             <a:r>
               <a:rPr lang="en-US" altLang="ja-JP" sz="2400" dirty="0">
@@ -11731,7 +11896,7 @@
                 </a:solidFill>
                 <a:latin typeface="メイリオ" panose="020B0604030504040204" pitchFamily="50" charset="-128"/>
               </a:rPr>
-              <a:t>/ </a:t>
+              <a:t>1</a:t>
             </a:r>
             <a:r>
               <a:rPr lang="ja-JP" altLang="ja-JP" sz="2400" dirty="0" smtClean="0">
@@ -11740,25 +11905,29 @@
                 </a:solidFill>
                 <a:latin typeface="メイリオ" panose="020B0604030504040204" pitchFamily="50" charset="-128"/>
               </a:rPr>
-              <a:t>実績</a:t>
-            </a:r>
-            <a:r>
-              <a:rPr lang="en-US" altLang="ja-JP" sz="2400" dirty="0">
+              <a:t>日</a:t>
+            </a:r>
+            <a:endParaRPr lang="en-US" altLang="ja-JP" sz="2400" dirty="0" smtClean="0">
+              <a:solidFill>
+                <a:srgbClr val="000000"/>
+              </a:solidFill>
+              <a:latin typeface="メイリオ" panose="020B0604030504040204" pitchFamily="50" charset="-128"/>
+            </a:endParaRPr>
+          </a:p>
+          <a:p>
+            <a:pPr eaLnBrk="1">
+              <a:lnSpc>
+                <a:spcPct val="125000"/>
+              </a:lnSpc>
+            </a:pPr>
+            <a:r>
+              <a:rPr lang="ja-JP" altLang="en-US" sz="2400" dirty="0" smtClean="0">
                 <a:solidFill>
                   <a:srgbClr val="000000"/>
                 </a:solidFill>
                 <a:latin typeface="メイリオ" panose="020B0604030504040204" pitchFamily="50" charset="-128"/>
               </a:rPr>
-              <a:t>2</a:t>
-            </a:r>
-            <a:r>
-              <a:rPr lang="ja-JP" altLang="ja-JP" sz="2400" dirty="0" smtClean="0">
-                <a:solidFill>
-                  <a:srgbClr val="000000"/>
-                </a:solidFill>
-                <a:latin typeface="メイリオ" panose="020B0604030504040204" pitchFamily="50" charset="-128"/>
-              </a:rPr>
-              <a:t>日</a:t>
+              <a:t>チームで作業を分担し、予定通りに準備を完了することができた。</a:t>
             </a:r>
             <a:endParaRPr lang="en-US" altLang="ja-JP" sz="2400" dirty="0" smtClean="0">
               <a:solidFill>
@@ -13749,7 +13918,7 @@
                 </a:solidFill>
                 <a:latin typeface="メイリオ" panose="020B0604030504040204" pitchFamily="50" charset="-128"/>
               </a:rPr>
-              <a:t>ページリンクのボタンが横並びになるように工夫</a:t>
+              <a:t>メンバー</a:t>
             </a:r>
             <a:r>
               <a:rPr lang="ja-JP" altLang="en-US" dirty="0" smtClean="0">
@@ -13758,9 +13927,18 @@
                 </a:solidFill>
                 <a:latin typeface="メイリオ" panose="020B0604030504040204" pitchFamily="50" charset="-128"/>
               </a:rPr>
-              <a:t>した。</a:t>
-            </a:r>
-            <a:endParaRPr lang="en-US" altLang="ja-JP" dirty="0">
+              <a:t>の進捗状況を理解するため進捗確認をする時間を多くとった</a:t>
+            </a:r>
+            <a:r>
+              <a:rPr lang="ja-JP" altLang="en-US" dirty="0" smtClean="0">
+                <a:solidFill>
+                  <a:srgbClr val="000000"/>
+                </a:solidFill>
+                <a:latin typeface="メイリオ" panose="020B0604030504040204" pitchFamily="50" charset="-128"/>
+              </a:rPr>
+              <a:t>。</a:t>
+            </a:r>
+            <a:endParaRPr lang="en-US" altLang="ja-JP" dirty="0" smtClean="0">
               <a:solidFill>
                 <a:srgbClr val="000000"/>
               </a:solidFill>
@@ -13772,27 +13950,26 @@
               <a:lnSpc>
                 <a:spcPct val="150000"/>
               </a:lnSpc>
-              <a:buClrTx/>
               <a:buFont typeface="Arial" panose="020B0604020202020204" pitchFamily="34" charset="0"/>
               <a:buChar char="•"/>
             </a:pPr>
             <a:r>
+              <a:rPr lang="ja-JP" altLang="en-US" dirty="0">
+                <a:solidFill>
+                  <a:srgbClr val="000000"/>
+                </a:solidFill>
+                <a:latin typeface="メイリオ" panose="020B0604030504040204" pitchFamily="50" charset="-128"/>
+              </a:rPr>
+              <a:t>ページリンクのボタンが横並びになるように工夫した</a:t>
+            </a:r>
+            <a:r>
               <a:rPr lang="ja-JP" altLang="en-US" dirty="0" smtClean="0">
                 <a:solidFill>
                   <a:srgbClr val="000000"/>
                 </a:solidFill>
                 <a:latin typeface="メイリオ" panose="020B0604030504040204" pitchFamily="50" charset="-128"/>
               </a:rPr>
-              <a:t>メンバーの進捗状況を理解するため進捗確認をする時間を多く</a:t>
-            </a:r>
-            <a:r>
-              <a:rPr lang="ja-JP" altLang="en-US" dirty="0" smtClean="0">
-                <a:solidFill>
-                  <a:srgbClr val="000000"/>
-                </a:solidFill>
-                <a:latin typeface="メイリオ" panose="020B0604030504040204" pitchFamily="50" charset="-128"/>
-              </a:rPr>
-              <a:t>とった。</a:t>
+              <a:t>。</a:t>
             </a:r>
             <a:endParaRPr lang="en-US" altLang="ja-JP" dirty="0" smtClean="0">
               <a:solidFill>
@@ -14433,7 +14610,7 @@
                 </a:solidFill>
                 <a:latin typeface="メイリオ" panose="020B0604030504040204" pitchFamily="50" charset="-128"/>
               </a:rPr>
-              <a:t>菅野</a:t>
+              <a:t>中西</a:t>
             </a:r>
             <a:r>
               <a:rPr lang="en-US" altLang="ja-JP" sz="2800" b="1" dirty="0" smtClean="0">
@@ -14857,7 +15034,133 @@
                 </a:solidFill>
                 <a:latin typeface="メイリオ" panose="020B0604030504040204" pitchFamily="50" charset="-128"/>
               </a:rPr>
-              <a:t>【苦労した点</a:t>
+              <a:t>【苦労した</a:t>
+            </a:r>
+            <a:r>
+              <a:rPr lang="ja-JP" altLang="ja-JP" dirty="0" smtClean="0">
+                <a:solidFill>
+                  <a:srgbClr val="000000"/>
+                </a:solidFill>
+                <a:latin typeface="メイリオ" panose="020B0604030504040204" pitchFamily="50" charset="-128"/>
+              </a:rPr>
+              <a:t>点】</a:t>
+            </a:r>
+            <a:endParaRPr lang="en-US" altLang="ja-JP" dirty="0" smtClean="0">
+              <a:solidFill>
+                <a:srgbClr val="000000"/>
+              </a:solidFill>
+              <a:latin typeface="メイリオ" panose="020B0604030504040204" pitchFamily="50" charset="-128"/>
+            </a:endParaRPr>
+          </a:p>
+          <a:p>
+            <a:pPr marL="285750" lvl="0" indent="-285750" eaLnBrk="1">
+              <a:lnSpc>
+                <a:spcPct val="150000"/>
+              </a:lnSpc>
+              <a:buFont typeface="Arial" panose="020B0604020202020204" pitchFamily="34" charset="0"/>
+              <a:buChar char="•"/>
+            </a:pPr>
+            <a:r>
+              <a:rPr kumimoji="0" lang="ja-JP" altLang="ja-JP" dirty="0">
+                <a:solidFill>
+                  <a:srgbClr val="1D1C1D"/>
+                </a:solidFill>
+                <a:latin typeface="ＭＳ Ｐゴシック" panose="020B0600070205080204" pitchFamily="50" charset="-128"/>
+              </a:rPr>
+              <a:t>ページング処理の仕方について調べたが今回の仕様に沿うもの</a:t>
+            </a:r>
+            <a:r>
+              <a:rPr kumimoji="0" lang="ja-JP" altLang="ja-JP" dirty="0" smtClean="0">
+                <a:solidFill>
+                  <a:srgbClr val="1D1C1D"/>
+                </a:solidFill>
+                <a:latin typeface="ＭＳ Ｐゴシック" panose="020B0600070205080204" pitchFamily="50" charset="-128"/>
+              </a:rPr>
+              <a:t>が</a:t>
+            </a:r>
+            <a:endParaRPr kumimoji="0" lang="en-US" altLang="ja-JP" dirty="0" smtClean="0">
+              <a:solidFill>
+                <a:srgbClr val="1D1C1D"/>
+              </a:solidFill>
+              <a:latin typeface="ＭＳ Ｐゴシック" panose="020B0600070205080204" pitchFamily="50" charset="-128"/>
+            </a:endParaRPr>
+          </a:p>
+          <a:p>
+            <a:pPr lvl="0" eaLnBrk="1">
+              <a:lnSpc>
+                <a:spcPct val="150000"/>
+              </a:lnSpc>
+            </a:pPr>
+            <a:r>
+              <a:rPr kumimoji="0" lang="ja-JP" altLang="en-US" dirty="0" smtClean="0">
+                <a:solidFill>
+                  <a:srgbClr val="1D1C1D"/>
+                </a:solidFill>
+                <a:latin typeface="ＭＳ Ｐゴシック" panose="020B0600070205080204" pitchFamily="50" charset="-128"/>
+              </a:rPr>
+              <a:t>　　</a:t>
+            </a:r>
+            <a:r>
+              <a:rPr kumimoji="0" lang="ja-JP" altLang="ja-JP" dirty="0" smtClean="0">
+                <a:solidFill>
+                  <a:srgbClr val="1D1C1D"/>
+                </a:solidFill>
+                <a:latin typeface="ＭＳ Ｐゴシック" panose="020B0600070205080204" pitchFamily="50" charset="-128"/>
+              </a:rPr>
+              <a:t>見つからなかった</a:t>
+            </a:r>
+            <a:r>
+              <a:rPr kumimoji="0" lang="ja-JP" altLang="ja-JP" dirty="0">
+                <a:solidFill>
+                  <a:srgbClr val="1D1C1D"/>
+                </a:solidFill>
+                <a:latin typeface="ＭＳ Ｐゴシック" panose="020B0600070205080204" pitchFamily="50" charset="-128"/>
+              </a:rPr>
+              <a:t>ため、自分で0から考えて作成することに苦労した。</a:t>
+            </a:r>
+            <a:r>
+              <a:rPr kumimoji="0" lang="ja-JP" altLang="ja-JP" dirty="0">
+                <a:solidFill>
+                  <a:schemeClr val="tx1"/>
+                </a:solidFill>
+                <a:latin typeface="ＭＳ Ｐゴシック" panose="020B0600070205080204" pitchFamily="50" charset="-128"/>
+              </a:rPr>
+              <a:t> </a:t>
+            </a:r>
+          </a:p>
+          <a:p>
+            <a:pPr eaLnBrk="1">
+              <a:lnSpc>
+                <a:spcPct val="125000"/>
+              </a:lnSpc>
+              <a:buClrTx/>
+              <a:buFontTx/>
+              <a:buNone/>
+            </a:pPr>
+            <a:endParaRPr lang="en-US" altLang="ja-JP" dirty="0">
+              <a:solidFill>
+                <a:srgbClr val="000000"/>
+              </a:solidFill>
+              <a:latin typeface="メイリオ" panose="020B0604030504040204" pitchFamily="50" charset="-128"/>
+            </a:endParaRPr>
+          </a:p>
+          <a:p>
+            <a:pPr eaLnBrk="1">
+              <a:lnSpc>
+                <a:spcPct val="125000"/>
+              </a:lnSpc>
+              <a:buClrTx/>
+              <a:buFontTx/>
+              <a:buNone/>
+            </a:pPr>
+            <a:r>
+              <a:rPr lang="ja-JP" altLang="ja-JP" dirty="0">
+                <a:solidFill>
+                  <a:srgbClr val="000000"/>
+                </a:solidFill>
+                <a:latin typeface="メイリオ" panose="020B0604030504040204" pitchFamily="50" charset="-128"/>
+              </a:rPr>
+              <a:t>【工夫した点</a:t>
             </a:r>
             <a:r>
               <a:rPr lang="ja-JP" altLang="ja-JP" dirty="0" smtClean="0">
@@ -14891,7 +15194,7 @@
                 </a:solidFill>
                 <a:latin typeface="メイリオ" panose="020B0604030504040204" pitchFamily="50" charset="-128"/>
               </a:rPr>
-              <a:t>自身の力量不足</a:t>
+              <a:t>複数のデータを表示する画面において表示する件数を制限し</a:t>
             </a:r>
             <a:r>
               <a:rPr lang="ja-JP" altLang="en-US" dirty="0" smtClean="0">
@@ -14900,34 +15203,7 @@
                 </a:solidFill>
                 <a:latin typeface="メイリオ" panose="020B0604030504040204" pitchFamily="50" charset="-128"/>
               </a:rPr>
-              <a:t>で</a:t>
-            </a:r>
-            <a:r>
-              <a:rPr lang="en-US" altLang="ja-JP" dirty="0" smtClean="0">
-                <a:solidFill>
-                  <a:srgbClr val="000000"/>
-                </a:solidFill>
-                <a:latin typeface="メイリオ" panose="020B0604030504040204" pitchFamily="50" charset="-128"/>
-              </a:rPr>
-              <a:t>1</a:t>
-            </a:r>
-            <a:r>
-              <a:rPr lang="ja-JP" altLang="en-US" dirty="0">
-                <a:solidFill>
-                  <a:srgbClr val="000000"/>
-                </a:solidFill>
-                <a:latin typeface="メイリオ" panose="020B0604030504040204" pitchFamily="50" charset="-128"/>
-              </a:rPr>
-              <a:t>から調べて作ることが多かったが、自分の</a:t>
-            </a:r>
-            <a:r>
-              <a:rPr lang="ja-JP" altLang="en-US" dirty="0" smtClean="0">
-                <a:solidFill>
-                  <a:srgbClr val="000000"/>
-                </a:solidFill>
-                <a:latin typeface="メイリオ" panose="020B0604030504040204" pitchFamily="50" charset="-128"/>
-              </a:rPr>
-              <a:t>担当</a:t>
+              <a:t>、</a:t>
             </a:r>
             <a:endParaRPr lang="en-US" altLang="ja-JP" dirty="0" smtClean="0">
               <a:solidFill>
@@ -14942,6 +15218,8 @@
                 <a:spcPct val="150000"/>
               </a:lnSpc>
               <a:buClrTx/>
+              <a:buFontTx/>
+              <a:buNone/>
             </a:pPr>
             <a:r>
               <a:rPr lang="ja-JP" altLang="en-US" dirty="0" smtClean="0">
@@ -14950,7 +15228,7 @@
                 </a:solidFill>
                 <a:latin typeface="メイリオ" panose="020B0604030504040204" pitchFamily="50" charset="-128"/>
               </a:rPr>
-              <a:t>　　の</a:t>
+              <a:t>　　ページ</a:t>
             </a:r>
             <a:r>
               <a:rPr lang="ja-JP" altLang="en-US" dirty="0">
@@ -14959,18 +15237,9 @@
                 </a:solidFill>
                 <a:latin typeface="メイリオ" panose="020B0604030504040204" pitchFamily="50" charset="-128"/>
               </a:rPr>
-              <a:t>ページを完成させることができた</a:t>
-            </a:r>
-            <a:r>
-              <a:rPr lang="ja-JP" altLang="en-US" dirty="0" smtClean="0">
-                <a:solidFill>
-                  <a:srgbClr val="000000"/>
-                </a:solidFill>
-                <a:latin typeface="メイリオ" panose="020B0604030504040204" pitchFamily="50" charset="-128"/>
-              </a:rPr>
-              <a:t>。</a:t>
-            </a:r>
-            <a:endParaRPr lang="en-US" altLang="ja-JP" dirty="0" smtClean="0">
+              <a:t>分けをできるように工夫した。</a:t>
+            </a:r>
+            <a:endParaRPr lang="ja-JP" altLang="ja-JP" dirty="0">
               <a:solidFill>
                 <a:srgbClr val="000000"/>
               </a:solidFill>
@@ -15009,138 +15278,6 @@
                 </a:solidFill>
                 <a:latin typeface="メイリオ" panose="020B0604030504040204" pitchFamily="50" charset="-128"/>
               </a:rPr>
-              <a:t>【工夫した点】</a:t>
-            </a:r>
-          </a:p>
-          <a:p>
-            <a:pPr marL="285750" indent="-285750" eaLnBrk="1">
-              <a:lnSpc>
-                <a:spcPct val="150000"/>
-              </a:lnSpc>
-              <a:buClrTx/>
-              <a:buFont typeface="Arial" panose="020B0604020202020204" pitchFamily="34" charset="0"/>
-              <a:buChar char="•"/>
-            </a:pPr>
-            <a:r>
-              <a:rPr lang="ja-JP" altLang="en-US" dirty="0">
-                <a:solidFill>
-                  <a:srgbClr val="000000"/>
-                </a:solidFill>
-                <a:latin typeface="メイリオ" panose="020B0604030504040204" pitchFamily="50" charset="-128"/>
-              </a:rPr>
-              <a:t>ユーザ一覧画面の</a:t>
-            </a:r>
-            <a:r>
-              <a:rPr lang="en-US" altLang="ja-JP" dirty="0">
-                <a:solidFill>
-                  <a:srgbClr val="000000"/>
-                </a:solidFill>
-                <a:latin typeface="メイリオ" panose="020B0604030504040204" pitchFamily="50" charset="-128"/>
-              </a:rPr>
-              <a:t>ID</a:t>
-            </a:r>
-            <a:r>
-              <a:rPr lang="ja-JP" altLang="en-US" dirty="0">
-                <a:solidFill>
-                  <a:srgbClr val="000000"/>
-                </a:solidFill>
-                <a:latin typeface="メイリオ" panose="020B0604030504040204" pitchFamily="50" charset="-128"/>
-              </a:rPr>
-              <a:t>か名前を押した</a:t>
-            </a:r>
-            <a:r>
-              <a:rPr lang="ja-JP" altLang="en-US" dirty="0" smtClean="0">
-                <a:solidFill>
-                  <a:srgbClr val="000000"/>
-                </a:solidFill>
-                <a:latin typeface="メイリオ" panose="020B0604030504040204" pitchFamily="50" charset="-128"/>
-              </a:rPr>
-              <a:t>とき、</a:t>
-            </a:r>
-            <a:r>
-              <a:rPr lang="en-US" altLang="ja-JP" dirty="0" smtClean="0">
-                <a:solidFill>
-                  <a:srgbClr val="000000"/>
-                </a:solidFill>
-                <a:latin typeface="メイリオ" panose="020B0604030504040204" pitchFamily="50" charset="-128"/>
-              </a:rPr>
-              <a:t>ID</a:t>
-            </a:r>
-            <a:r>
-              <a:rPr lang="ja-JP" altLang="en-US" dirty="0">
-                <a:solidFill>
-                  <a:srgbClr val="000000"/>
-                </a:solidFill>
-                <a:latin typeface="メイリオ" panose="020B0604030504040204" pitchFamily="50" charset="-128"/>
-              </a:rPr>
-              <a:t>を送れるよう</a:t>
-            </a:r>
-            <a:r>
-              <a:rPr lang="ja-JP" altLang="en-US" dirty="0" smtClean="0">
-                <a:solidFill>
-                  <a:srgbClr val="000000"/>
-                </a:solidFill>
-                <a:latin typeface="メイリオ" panose="020B0604030504040204" pitchFamily="50" charset="-128"/>
-              </a:rPr>
-              <a:t>にし</a:t>
-            </a:r>
-            <a:r>
-              <a:rPr lang="ja-JP" altLang="en-US" dirty="0">
-                <a:solidFill>
-                  <a:srgbClr val="000000"/>
-                </a:solidFill>
-                <a:latin typeface="メイリオ" panose="020B0604030504040204" pitchFamily="50" charset="-128"/>
-              </a:rPr>
-              <a:t>た</a:t>
-            </a:r>
-            <a:r>
-              <a:rPr lang="ja-JP" altLang="en-US" dirty="0" smtClean="0">
-                <a:solidFill>
-                  <a:srgbClr val="000000"/>
-                </a:solidFill>
-                <a:latin typeface="メイリオ" panose="020B0604030504040204" pitchFamily="50" charset="-128"/>
-              </a:rPr>
-              <a:t>こと。</a:t>
-            </a:r>
-            <a:endParaRPr lang="en-US" altLang="ja-JP" dirty="0" smtClean="0">
-              <a:solidFill>
-                <a:srgbClr val="000000"/>
-              </a:solidFill>
-              <a:latin typeface="メイリオ" panose="020B0604030504040204" pitchFamily="50" charset="-128"/>
-            </a:endParaRPr>
-          </a:p>
-          <a:p>
-            <a:pPr eaLnBrk="1">
-              <a:lnSpc>
-                <a:spcPct val="125000"/>
-              </a:lnSpc>
-              <a:buClrTx/>
-              <a:buFontTx/>
-              <a:buNone/>
-            </a:pPr>
-            <a:endParaRPr lang="en-US" altLang="ja-JP" dirty="0">
-              <a:solidFill>
-                <a:srgbClr val="000000"/>
-              </a:solidFill>
-              <a:latin typeface="メイリオ" panose="020B0604030504040204" pitchFamily="50" charset="-128"/>
-            </a:endParaRPr>
-          </a:p>
-          <a:p>
-            <a:pPr eaLnBrk="1">
-              <a:lnSpc>
-                <a:spcPct val="125000"/>
-              </a:lnSpc>
-              <a:buClrTx/>
-              <a:buFontTx/>
-              <a:buNone/>
-            </a:pPr>
-            <a:r>
-              <a:rPr lang="ja-JP" altLang="ja-JP" dirty="0">
-                <a:solidFill>
-                  <a:srgbClr val="000000"/>
-                </a:solidFill>
-                <a:latin typeface="メイリオ" panose="020B0604030504040204" pitchFamily="50" charset="-128"/>
-              </a:rPr>
               <a:t>【反省点</a:t>
             </a:r>
             <a:r>
@@ -15175,7 +15312,7 @@
                 </a:solidFill>
                 <a:latin typeface="メイリオ" panose="020B0604030504040204" pitchFamily="50" charset="-128"/>
               </a:rPr>
-              <a:t>プログラム</a:t>
+              <a:t>製造前にメソッド名やパッケージ名などの命名規則について想定と</a:t>
             </a:r>
             <a:r>
               <a:rPr lang="ja-JP" altLang="en-US" dirty="0" smtClean="0">
@@ -15184,43 +15321,7 @@
                 </a:solidFill>
                 <a:latin typeface="メイリオ" panose="020B0604030504040204" pitchFamily="50" charset="-128"/>
               </a:rPr>
-              <a:t>の</a:t>
-            </a:r>
-            <a:r>
-              <a:rPr lang="ja-JP" altLang="en-US" dirty="0">
-                <a:solidFill>
-                  <a:srgbClr val="000000"/>
-                </a:solidFill>
-                <a:latin typeface="メイリオ" panose="020B0604030504040204" pitchFamily="50" charset="-128"/>
-              </a:rPr>
-              <a:t>コード</a:t>
-            </a:r>
-            <a:r>
-              <a:rPr lang="ja-JP" altLang="en-US" dirty="0" smtClean="0">
-                <a:solidFill>
-                  <a:srgbClr val="000000"/>
-                </a:solidFill>
-                <a:latin typeface="メイリオ" panose="020B0604030504040204" pitchFamily="50" charset="-128"/>
-              </a:rPr>
-              <a:t>を</a:t>
-            </a:r>
-            <a:r>
-              <a:rPr lang="ja-JP" altLang="en-US" dirty="0">
-                <a:solidFill>
-                  <a:srgbClr val="000000"/>
-                </a:solidFill>
-                <a:latin typeface="メイリオ" panose="020B0604030504040204" pitchFamily="50" charset="-128"/>
-              </a:rPr>
-              <a:t>自分だけが分かるように書いてしまったため</a:t>
-            </a:r>
-            <a:r>
-              <a:rPr lang="ja-JP" altLang="en-US" dirty="0" smtClean="0">
-                <a:solidFill>
-                  <a:srgbClr val="000000"/>
-                </a:solidFill>
-                <a:latin typeface="メイリオ" panose="020B0604030504040204" pitchFamily="50" charset="-128"/>
-              </a:rPr>
-              <a:t>、</a:t>
+              <a:t>共有</a:t>
             </a:r>
             <a:endParaRPr lang="en-US" altLang="ja-JP" dirty="0" smtClean="0">
               <a:solidFill>
@@ -15245,7 +15346,7 @@
                 </a:solidFill>
                 <a:latin typeface="メイリオ" panose="020B0604030504040204" pitchFamily="50" charset="-128"/>
               </a:rPr>
-              <a:t>　　他</a:t>
+              <a:t>　　が</a:t>
             </a:r>
             <a:r>
               <a:rPr lang="ja-JP" altLang="en-US" dirty="0">
@@ -15254,98 +15355,9 @@
                 </a:solidFill>
                 <a:latin typeface="メイリオ" panose="020B0604030504040204" pitchFamily="50" charset="-128"/>
               </a:rPr>
-              <a:t>の</a:t>
-            </a:r>
-            <a:r>
-              <a:rPr lang="ja-JP" altLang="en-US" dirty="0" smtClean="0">
-                <a:solidFill>
-                  <a:srgbClr val="000000"/>
-                </a:solidFill>
-                <a:latin typeface="メイリオ" panose="020B0604030504040204" pitchFamily="50" charset="-128"/>
-              </a:rPr>
-              <a:t>メンバーにも分かり易く記述すべきだった</a:t>
-            </a:r>
-            <a:r>
-              <a:rPr lang="ja-JP" altLang="en-US" dirty="0">
-                <a:solidFill>
-                  <a:srgbClr val="000000"/>
-                </a:solidFill>
-                <a:latin typeface="メイリオ" panose="020B0604030504040204" pitchFamily="50" charset="-128"/>
-              </a:rPr>
-              <a:t>。</a:t>
-            </a:r>
-          </a:p>
-          <a:p>
-            <a:pPr marL="285750" indent="-285750" eaLnBrk="1">
-              <a:lnSpc>
-                <a:spcPct val="150000"/>
-              </a:lnSpc>
-              <a:buClrTx/>
-              <a:buFont typeface="Arial" panose="020B0604020202020204" pitchFamily="34" charset="0"/>
-              <a:buChar char="•"/>
-            </a:pPr>
-            <a:r>
-              <a:rPr lang="ja-JP" altLang="en-US" dirty="0" smtClean="0">
-                <a:solidFill>
-                  <a:srgbClr val="000000"/>
-                </a:solidFill>
-                <a:latin typeface="メイリオ" panose="020B0604030504040204" pitchFamily="50" charset="-128"/>
-              </a:rPr>
-              <a:t>自分</a:t>
-            </a:r>
-            <a:r>
-              <a:rPr lang="ja-JP" altLang="en-US" dirty="0">
-                <a:solidFill>
-                  <a:srgbClr val="000000"/>
-                </a:solidFill>
-                <a:latin typeface="メイリオ" panose="020B0604030504040204" pitchFamily="50" charset="-128"/>
-              </a:rPr>
-              <a:t>自身の学習不足で、チームメンバーに助けてもらうことがあり</a:t>
-            </a:r>
-            <a:r>
-              <a:rPr lang="ja-JP" altLang="en-US" dirty="0" smtClean="0">
-                <a:solidFill>
-                  <a:srgbClr val="000000"/>
-                </a:solidFill>
-                <a:latin typeface="メイリオ" panose="020B0604030504040204" pitchFamily="50" charset="-128"/>
-              </a:rPr>
-              <a:t>、</a:t>
-            </a:r>
-            <a:endParaRPr lang="en-US" altLang="ja-JP" dirty="0" smtClean="0">
-              <a:solidFill>
-                <a:srgbClr val="000000"/>
-              </a:solidFill>
-              <a:latin typeface="メイリオ" panose="020B0604030504040204" pitchFamily="50" charset="-128"/>
-            </a:endParaRPr>
-          </a:p>
-          <a:p>
-            <a:pPr eaLnBrk="1">
-              <a:lnSpc>
-                <a:spcPct val="150000"/>
-              </a:lnSpc>
-              <a:buClrTx/>
-              <a:buFontTx/>
-              <a:buNone/>
-            </a:pPr>
-            <a:r>
-              <a:rPr lang="ja-JP" altLang="en-US" dirty="0" smtClean="0">
-                <a:solidFill>
-                  <a:srgbClr val="000000"/>
-                </a:solidFill>
-                <a:latin typeface="メイリオ" panose="020B0604030504040204" pitchFamily="50" charset="-128"/>
-              </a:rPr>
-              <a:t>　　全体</a:t>
-            </a:r>
-            <a:r>
-              <a:rPr lang="ja-JP" altLang="en-US" dirty="0">
-                <a:solidFill>
-                  <a:srgbClr val="000000"/>
-                </a:solidFill>
-                <a:latin typeface="メイリオ" panose="020B0604030504040204" pitchFamily="50" charset="-128"/>
-              </a:rPr>
-              <a:t>の作業を遅らせてしまった。</a:t>
-            </a:r>
-            <a:endParaRPr lang="en-US" altLang="ja-JP" dirty="0" smtClean="0">
+              <a:t>しっかりとできていなかった。</a:t>
+            </a:r>
+            <a:endParaRPr lang="ja-JP" altLang="ja-JP" dirty="0">
               <a:solidFill>
                 <a:srgbClr val="000000"/>
               </a:solidFill>
@@ -15357,7 +15369,7 @@
     </p:spTree>
     <p:extLst>
       <p:ext uri="{BB962C8B-B14F-4D97-AF65-F5344CB8AC3E}">
-        <p14:creationId xmlns:p14="http://schemas.microsoft.com/office/powerpoint/2010/main" val="3702983776"/>
+        <p14:creationId xmlns:p14="http://schemas.microsoft.com/office/powerpoint/2010/main" val="180507345"/>
       </p:ext>
     </p:extLst>
   </p:cSld>
@@ -15845,7 +15857,7 @@
                 </a:solidFill>
                 <a:latin typeface="メイリオ" panose="020B0604030504040204" pitchFamily="50" charset="-128"/>
               </a:rPr>
-              <a:t>中西</a:t>
+              <a:t>菅野</a:t>
             </a:r>
             <a:r>
               <a:rPr lang="en-US" altLang="ja-JP" sz="2800" b="1" dirty="0" smtClean="0">
@@ -16269,133 +16281,7 @@
                 </a:solidFill>
                 <a:latin typeface="メイリオ" panose="020B0604030504040204" pitchFamily="50" charset="-128"/>
               </a:rPr>
-              <a:t>【苦労した</a:t>
-            </a:r>
-            <a:r>
-              <a:rPr lang="ja-JP" altLang="ja-JP" dirty="0" smtClean="0">
-                <a:solidFill>
-                  <a:srgbClr val="000000"/>
-                </a:solidFill>
-                <a:latin typeface="メイリオ" panose="020B0604030504040204" pitchFamily="50" charset="-128"/>
-              </a:rPr>
-              <a:t>点】</a:t>
-            </a:r>
-            <a:endParaRPr lang="en-US" altLang="ja-JP" dirty="0" smtClean="0">
-              <a:solidFill>
-                <a:srgbClr val="000000"/>
-              </a:solidFill>
-              <a:latin typeface="メイリオ" panose="020B0604030504040204" pitchFamily="50" charset="-128"/>
-            </a:endParaRPr>
-          </a:p>
-          <a:p>
-            <a:pPr marL="285750" lvl="0" indent="-285750" eaLnBrk="1">
-              <a:lnSpc>
-                <a:spcPct val="150000"/>
-              </a:lnSpc>
-              <a:buFont typeface="Arial" panose="020B0604020202020204" pitchFamily="34" charset="0"/>
-              <a:buChar char="•"/>
-            </a:pPr>
-            <a:r>
-              <a:rPr kumimoji="0" lang="ja-JP" altLang="ja-JP" dirty="0">
-                <a:solidFill>
-                  <a:srgbClr val="1D1C1D"/>
-                </a:solidFill>
-                <a:latin typeface="ＭＳ Ｐゴシック" panose="020B0600070205080204" pitchFamily="50" charset="-128"/>
-              </a:rPr>
-              <a:t>ページング処理の仕方について調べたが今回の仕様に沿うもの</a:t>
-            </a:r>
-            <a:r>
-              <a:rPr kumimoji="0" lang="ja-JP" altLang="ja-JP" dirty="0" smtClean="0">
-                <a:solidFill>
-                  <a:srgbClr val="1D1C1D"/>
-                </a:solidFill>
-                <a:latin typeface="ＭＳ Ｐゴシック" panose="020B0600070205080204" pitchFamily="50" charset="-128"/>
-              </a:rPr>
-              <a:t>が</a:t>
-            </a:r>
-            <a:endParaRPr kumimoji="0" lang="en-US" altLang="ja-JP" dirty="0" smtClean="0">
-              <a:solidFill>
-                <a:srgbClr val="1D1C1D"/>
-              </a:solidFill>
-              <a:latin typeface="ＭＳ Ｐゴシック" panose="020B0600070205080204" pitchFamily="50" charset="-128"/>
-            </a:endParaRPr>
-          </a:p>
-          <a:p>
-            <a:pPr lvl="0" eaLnBrk="1">
-              <a:lnSpc>
-                <a:spcPct val="150000"/>
-              </a:lnSpc>
-            </a:pPr>
-            <a:r>
-              <a:rPr kumimoji="0" lang="ja-JP" altLang="en-US" dirty="0" smtClean="0">
-                <a:solidFill>
-                  <a:srgbClr val="1D1C1D"/>
-                </a:solidFill>
-                <a:latin typeface="ＭＳ Ｐゴシック" panose="020B0600070205080204" pitchFamily="50" charset="-128"/>
-              </a:rPr>
-              <a:t>　　</a:t>
-            </a:r>
-            <a:r>
-              <a:rPr kumimoji="0" lang="ja-JP" altLang="ja-JP" dirty="0" smtClean="0">
-                <a:solidFill>
-                  <a:srgbClr val="1D1C1D"/>
-                </a:solidFill>
-                <a:latin typeface="ＭＳ Ｐゴシック" panose="020B0600070205080204" pitchFamily="50" charset="-128"/>
-              </a:rPr>
-              <a:t>見つからなかった</a:t>
-            </a:r>
-            <a:r>
-              <a:rPr kumimoji="0" lang="ja-JP" altLang="ja-JP" dirty="0">
-                <a:solidFill>
-                  <a:srgbClr val="1D1C1D"/>
-                </a:solidFill>
-                <a:latin typeface="ＭＳ Ｐゴシック" panose="020B0600070205080204" pitchFamily="50" charset="-128"/>
-              </a:rPr>
-              <a:t>ため、自分で0から考えて作成することに苦労した。</a:t>
-            </a:r>
-            <a:r>
-              <a:rPr kumimoji="0" lang="ja-JP" altLang="ja-JP" dirty="0">
-                <a:solidFill>
-                  <a:schemeClr val="tx1"/>
-                </a:solidFill>
-                <a:latin typeface="ＭＳ Ｐゴシック" panose="020B0600070205080204" pitchFamily="50" charset="-128"/>
-              </a:rPr>
-              <a:t> </a:t>
-            </a:r>
-          </a:p>
-          <a:p>
-            <a:pPr eaLnBrk="1">
-              <a:lnSpc>
-                <a:spcPct val="125000"/>
-              </a:lnSpc>
-              <a:buClrTx/>
-              <a:buFontTx/>
-              <a:buNone/>
-            </a:pPr>
-            <a:endParaRPr lang="en-US" altLang="ja-JP" dirty="0">
-              <a:solidFill>
-                <a:srgbClr val="000000"/>
-              </a:solidFill>
-              <a:latin typeface="メイリオ" panose="020B0604030504040204" pitchFamily="50" charset="-128"/>
-            </a:endParaRPr>
-          </a:p>
-          <a:p>
-            <a:pPr eaLnBrk="1">
-              <a:lnSpc>
-                <a:spcPct val="125000"/>
-              </a:lnSpc>
-              <a:buClrTx/>
-              <a:buFontTx/>
-              <a:buNone/>
-            </a:pPr>
-            <a:r>
-              <a:rPr lang="ja-JP" altLang="ja-JP" dirty="0">
-                <a:solidFill>
-                  <a:srgbClr val="000000"/>
-                </a:solidFill>
-                <a:latin typeface="メイリオ" panose="020B0604030504040204" pitchFamily="50" charset="-128"/>
-              </a:rPr>
-              <a:t>【工夫した点</a:t>
+              <a:t>【苦労した点</a:t>
             </a:r>
             <a:r>
               <a:rPr lang="ja-JP" altLang="ja-JP" dirty="0" smtClean="0">
@@ -16429,7 +16315,7 @@
                 </a:solidFill>
                 <a:latin typeface="メイリオ" panose="020B0604030504040204" pitchFamily="50" charset="-128"/>
               </a:rPr>
-              <a:t>複数のデータを表示する画面において表示する件数を制限し</a:t>
+              <a:t>自身の力量不足</a:t>
             </a:r>
             <a:r>
               <a:rPr lang="ja-JP" altLang="en-US" dirty="0" smtClean="0">
@@ -16438,7 +16324,34 @@
                 </a:solidFill>
                 <a:latin typeface="メイリオ" panose="020B0604030504040204" pitchFamily="50" charset="-128"/>
               </a:rPr>
-              <a:t>、</a:t>
+              <a:t>で</a:t>
+            </a:r>
+            <a:r>
+              <a:rPr lang="en-US" altLang="ja-JP" dirty="0" smtClean="0">
+                <a:solidFill>
+                  <a:srgbClr val="000000"/>
+                </a:solidFill>
+                <a:latin typeface="メイリオ" panose="020B0604030504040204" pitchFamily="50" charset="-128"/>
+              </a:rPr>
+              <a:t>1</a:t>
+            </a:r>
+            <a:r>
+              <a:rPr lang="ja-JP" altLang="en-US" dirty="0">
+                <a:solidFill>
+                  <a:srgbClr val="000000"/>
+                </a:solidFill>
+                <a:latin typeface="メイリオ" panose="020B0604030504040204" pitchFamily="50" charset="-128"/>
+              </a:rPr>
+              <a:t>から調べて作ることが多かったが、自分の</a:t>
+            </a:r>
+            <a:r>
+              <a:rPr lang="ja-JP" altLang="en-US" dirty="0" smtClean="0">
+                <a:solidFill>
+                  <a:srgbClr val="000000"/>
+                </a:solidFill>
+                <a:latin typeface="メイリオ" panose="020B0604030504040204" pitchFamily="50" charset="-128"/>
+              </a:rPr>
+              <a:t>担当</a:t>
             </a:r>
             <a:endParaRPr lang="en-US" altLang="ja-JP" dirty="0" smtClean="0">
               <a:solidFill>
@@ -16453,8 +16366,6 @@
                 <a:spcPct val="150000"/>
               </a:lnSpc>
               <a:buClrTx/>
-              <a:buFontTx/>
-              <a:buNone/>
             </a:pPr>
             <a:r>
               <a:rPr lang="ja-JP" altLang="en-US" dirty="0" smtClean="0">
@@ -16463,7 +16374,7 @@
                 </a:solidFill>
                 <a:latin typeface="メイリオ" panose="020B0604030504040204" pitchFamily="50" charset="-128"/>
               </a:rPr>
-              <a:t>　　ページ</a:t>
+              <a:t>　　の</a:t>
             </a:r>
             <a:r>
               <a:rPr lang="ja-JP" altLang="en-US" dirty="0">
@@ -16472,9 +16383,18 @@
                 </a:solidFill>
                 <a:latin typeface="メイリオ" panose="020B0604030504040204" pitchFamily="50" charset="-128"/>
               </a:rPr>
-              <a:t>分けをできるように工夫した。</a:t>
-            </a:r>
-            <a:endParaRPr lang="ja-JP" altLang="ja-JP" dirty="0">
+              <a:t>ページを完成させることができた</a:t>
+            </a:r>
+            <a:r>
+              <a:rPr lang="ja-JP" altLang="en-US" dirty="0" smtClean="0">
+                <a:solidFill>
+                  <a:srgbClr val="000000"/>
+                </a:solidFill>
+                <a:latin typeface="メイリオ" panose="020B0604030504040204" pitchFamily="50" charset="-128"/>
+              </a:rPr>
+              <a:t>。</a:t>
+            </a:r>
+            <a:endParaRPr lang="en-US" altLang="ja-JP" dirty="0" smtClean="0">
               <a:solidFill>
                 <a:srgbClr val="000000"/>
               </a:solidFill>
@@ -16513,6 +16433,138 @@
                 </a:solidFill>
                 <a:latin typeface="メイリオ" panose="020B0604030504040204" pitchFamily="50" charset="-128"/>
               </a:rPr>
+              <a:t>【工夫した点】</a:t>
+            </a:r>
+          </a:p>
+          <a:p>
+            <a:pPr marL="285750" indent="-285750" eaLnBrk="1">
+              <a:lnSpc>
+                <a:spcPct val="150000"/>
+              </a:lnSpc>
+              <a:buClrTx/>
+              <a:buFont typeface="Arial" panose="020B0604020202020204" pitchFamily="34" charset="0"/>
+              <a:buChar char="•"/>
+            </a:pPr>
+            <a:r>
+              <a:rPr lang="ja-JP" altLang="en-US" dirty="0">
+                <a:solidFill>
+                  <a:srgbClr val="000000"/>
+                </a:solidFill>
+                <a:latin typeface="メイリオ" panose="020B0604030504040204" pitchFamily="50" charset="-128"/>
+              </a:rPr>
+              <a:t>ユーザ一覧画面の</a:t>
+            </a:r>
+            <a:r>
+              <a:rPr lang="en-US" altLang="ja-JP" dirty="0">
+                <a:solidFill>
+                  <a:srgbClr val="000000"/>
+                </a:solidFill>
+                <a:latin typeface="メイリオ" panose="020B0604030504040204" pitchFamily="50" charset="-128"/>
+              </a:rPr>
+              <a:t>ID</a:t>
+            </a:r>
+            <a:r>
+              <a:rPr lang="ja-JP" altLang="en-US" dirty="0">
+                <a:solidFill>
+                  <a:srgbClr val="000000"/>
+                </a:solidFill>
+                <a:latin typeface="メイリオ" panose="020B0604030504040204" pitchFamily="50" charset="-128"/>
+              </a:rPr>
+              <a:t>か名前を押した</a:t>
+            </a:r>
+            <a:r>
+              <a:rPr lang="ja-JP" altLang="en-US" dirty="0" smtClean="0">
+                <a:solidFill>
+                  <a:srgbClr val="000000"/>
+                </a:solidFill>
+                <a:latin typeface="メイリオ" panose="020B0604030504040204" pitchFamily="50" charset="-128"/>
+              </a:rPr>
+              <a:t>とき、</a:t>
+            </a:r>
+            <a:r>
+              <a:rPr lang="en-US" altLang="ja-JP" dirty="0" smtClean="0">
+                <a:solidFill>
+                  <a:srgbClr val="000000"/>
+                </a:solidFill>
+                <a:latin typeface="メイリオ" panose="020B0604030504040204" pitchFamily="50" charset="-128"/>
+              </a:rPr>
+              <a:t>ID</a:t>
+            </a:r>
+            <a:r>
+              <a:rPr lang="ja-JP" altLang="en-US" dirty="0">
+                <a:solidFill>
+                  <a:srgbClr val="000000"/>
+                </a:solidFill>
+                <a:latin typeface="メイリオ" panose="020B0604030504040204" pitchFamily="50" charset="-128"/>
+              </a:rPr>
+              <a:t>を送れるよう</a:t>
+            </a:r>
+            <a:r>
+              <a:rPr lang="ja-JP" altLang="en-US" dirty="0" smtClean="0">
+                <a:solidFill>
+                  <a:srgbClr val="000000"/>
+                </a:solidFill>
+                <a:latin typeface="メイリオ" panose="020B0604030504040204" pitchFamily="50" charset="-128"/>
+              </a:rPr>
+              <a:t>にし</a:t>
+            </a:r>
+            <a:r>
+              <a:rPr lang="ja-JP" altLang="en-US" dirty="0">
+                <a:solidFill>
+                  <a:srgbClr val="000000"/>
+                </a:solidFill>
+                <a:latin typeface="メイリオ" panose="020B0604030504040204" pitchFamily="50" charset="-128"/>
+              </a:rPr>
+              <a:t>た</a:t>
+            </a:r>
+            <a:r>
+              <a:rPr lang="ja-JP" altLang="en-US" dirty="0" smtClean="0">
+                <a:solidFill>
+                  <a:srgbClr val="000000"/>
+                </a:solidFill>
+                <a:latin typeface="メイリオ" panose="020B0604030504040204" pitchFamily="50" charset="-128"/>
+              </a:rPr>
+              <a:t>こと。</a:t>
+            </a:r>
+            <a:endParaRPr lang="en-US" altLang="ja-JP" dirty="0" smtClean="0">
+              <a:solidFill>
+                <a:srgbClr val="000000"/>
+              </a:solidFill>
+              <a:latin typeface="メイリオ" panose="020B0604030504040204" pitchFamily="50" charset="-128"/>
+            </a:endParaRPr>
+          </a:p>
+          <a:p>
+            <a:pPr eaLnBrk="1">
+              <a:lnSpc>
+                <a:spcPct val="125000"/>
+              </a:lnSpc>
+              <a:buClrTx/>
+              <a:buFontTx/>
+              <a:buNone/>
+            </a:pPr>
+            <a:endParaRPr lang="en-US" altLang="ja-JP" dirty="0">
+              <a:solidFill>
+                <a:srgbClr val="000000"/>
+              </a:solidFill>
+              <a:latin typeface="メイリオ" panose="020B0604030504040204" pitchFamily="50" charset="-128"/>
+            </a:endParaRPr>
+          </a:p>
+          <a:p>
+            <a:pPr eaLnBrk="1">
+              <a:lnSpc>
+                <a:spcPct val="125000"/>
+              </a:lnSpc>
+              <a:buClrTx/>
+              <a:buFontTx/>
+              <a:buNone/>
+            </a:pPr>
+            <a:r>
+              <a:rPr lang="ja-JP" altLang="ja-JP" dirty="0">
+                <a:solidFill>
+                  <a:srgbClr val="000000"/>
+                </a:solidFill>
+                <a:latin typeface="メイリオ" panose="020B0604030504040204" pitchFamily="50" charset="-128"/>
+              </a:rPr>
               <a:t>【反省点</a:t>
             </a:r>
             <a:r>
@@ -16547,7 +16599,7 @@
                 </a:solidFill>
                 <a:latin typeface="メイリオ" panose="020B0604030504040204" pitchFamily="50" charset="-128"/>
               </a:rPr>
-              <a:t>製造前にメソッド名やパッケージ名などの命名規則について想定と</a:t>
+              <a:t>プログラム</a:t>
             </a:r>
             <a:r>
               <a:rPr lang="ja-JP" altLang="en-US" dirty="0" smtClean="0">
@@ -16556,7 +16608,43 @@
                 </a:solidFill>
                 <a:latin typeface="メイリオ" panose="020B0604030504040204" pitchFamily="50" charset="-128"/>
               </a:rPr>
-              <a:t>共有</a:t>
+              <a:t>の</a:t>
+            </a:r>
+            <a:r>
+              <a:rPr lang="ja-JP" altLang="en-US" dirty="0">
+                <a:solidFill>
+                  <a:srgbClr val="000000"/>
+                </a:solidFill>
+                <a:latin typeface="メイリオ" panose="020B0604030504040204" pitchFamily="50" charset="-128"/>
+              </a:rPr>
+              <a:t>コード</a:t>
+            </a:r>
+            <a:r>
+              <a:rPr lang="ja-JP" altLang="en-US" dirty="0" smtClean="0">
+                <a:solidFill>
+                  <a:srgbClr val="000000"/>
+                </a:solidFill>
+                <a:latin typeface="メイリオ" panose="020B0604030504040204" pitchFamily="50" charset="-128"/>
+              </a:rPr>
+              <a:t>を</a:t>
+            </a:r>
+            <a:r>
+              <a:rPr lang="ja-JP" altLang="en-US" dirty="0">
+                <a:solidFill>
+                  <a:srgbClr val="000000"/>
+                </a:solidFill>
+                <a:latin typeface="メイリオ" panose="020B0604030504040204" pitchFamily="50" charset="-128"/>
+              </a:rPr>
+              <a:t>自分だけが分かるように書いてしまったため</a:t>
+            </a:r>
+            <a:r>
+              <a:rPr lang="ja-JP" altLang="en-US" dirty="0" smtClean="0">
+                <a:solidFill>
+                  <a:srgbClr val="000000"/>
+                </a:solidFill>
+                <a:latin typeface="メイリオ" panose="020B0604030504040204" pitchFamily="50" charset="-128"/>
+              </a:rPr>
+              <a:t>、</a:t>
             </a:r>
             <a:endParaRPr lang="en-US" altLang="ja-JP" dirty="0" smtClean="0">
               <a:solidFill>
@@ -16581,7 +16669,7 @@
                 </a:solidFill>
                 <a:latin typeface="メイリオ" panose="020B0604030504040204" pitchFamily="50" charset="-128"/>
               </a:rPr>
-              <a:t>　　が</a:t>
+              <a:t>　　他</a:t>
             </a:r>
             <a:r>
               <a:rPr lang="ja-JP" altLang="en-US" dirty="0">
@@ -16590,9 +16678,98 @@
                 </a:solidFill>
                 <a:latin typeface="メイリオ" panose="020B0604030504040204" pitchFamily="50" charset="-128"/>
               </a:rPr>
-              <a:t>しっかりとできていなかった。</a:t>
-            </a:r>
-            <a:endParaRPr lang="ja-JP" altLang="ja-JP" dirty="0">
+              <a:t>の</a:t>
+            </a:r>
+            <a:r>
+              <a:rPr lang="ja-JP" altLang="en-US" dirty="0" smtClean="0">
+                <a:solidFill>
+                  <a:srgbClr val="000000"/>
+                </a:solidFill>
+                <a:latin typeface="メイリオ" panose="020B0604030504040204" pitchFamily="50" charset="-128"/>
+              </a:rPr>
+              <a:t>メンバーにも分かり易く記述すべきだった</a:t>
+            </a:r>
+            <a:r>
+              <a:rPr lang="ja-JP" altLang="en-US" dirty="0">
+                <a:solidFill>
+                  <a:srgbClr val="000000"/>
+                </a:solidFill>
+                <a:latin typeface="メイリオ" panose="020B0604030504040204" pitchFamily="50" charset="-128"/>
+              </a:rPr>
+              <a:t>。</a:t>
+            </a:r>
+          </a:p>
+          <a:p>
+            <a:pPr marL="285750" indent="-285750" eaLnBrk="1">
+              <a:lnSpc>
+                <a:spcPct val="150000"/>
+              </a:lnSpc>
+              <a:buClrTx/>
+              <a:buFont typeface="Arial" panose="020B0604020202020204" pitchFamily="34" charset="0"/>
+              <a:buChar char="•"/>
+            </a:pPr>
+            <a:r>
+              <a:rPr lang="ja-JP" altLang="en-US" dirty="0" smtClean="0">
+                <a:solidFill>
+                  <a:srgbClr val="000000"/>
+                </a:solidFill>
+                <a:latin typeface="メイリオ" panose="020B0604030504040204" pitchFamily="50" charset="-128"/>
+              </a:rPr>
+              <a:t>自分</a:t>
+            </a:r>
+            <a:r>
+              <a:rPr lang="ja-JP" altLang="en-US" dirty="0">
+                <a:solidFill>
+                  <a:srgbClr val="000000"/>
+                </a:solidFill>
+                <a:latin typeface="メイリオ" panose="020B0604030504040204" pitchFamily="50" charset="-128"/>
+              </a:rPr>
+              <a:t>自身の学習不足で、チームメンバーに助けてもらうことがあり</a:t>
+            </a:r>
+            <a:r>
+              <a:rPr lang="ja-JP" altLang="en-US" dirty="0" smtClean="0">
+                <a:solidFill>
+                  <a:srgbClr val="000000"/>
+                </a:solidFill>
+                <a:latin typeface="メイリオ" panose="020B0604030504040204" pitchFamily="50" charset="-128"/>
+              </a:rPr>
+              <a:t>、</a:t>
+            </a:r>
+            <a:endParaRPr lang="en-US" altLang="ja-JP" dirty="0" smtClean="0">
+              <a:solidFill>
+                <a:srgbClr val="000000"/>
+              </a:solidFill>
+              <a:latin typeface="メイリオ" panose="020B0604030504040204" pitchFamily="50" charset="-128"/>
+            </a:endParaRPr>
+          </a:p>
+          <a:p>
+            <a:pPr eaLnBrk="1">
+              <a:lnSpc>
+                <a:spcPct val="150000"/>
+              </a:lnSpc>
+              <a:buClrTx/>
+              <a:buFontTx/>
+              <a:buNone/>
+            </a:pPr>
+            <a:r>
+              <a:rPr lang="ja-JP" altLang="en-US" dirty="0" smtClean="0">
+                <a:solidFill>
+                  <a:srgbClr val="000000"/>
+                </a:solidFill>
+                <a:latin typeface="メイリオ" panose="020B0604030504040204" pitchFamily="50" charset="-128"/>
+              </a:rPr>
+              <a:t>　　全体</a:t>
+            </a:r>
+            <a:r>
+              <a:rPr lang="ja-JP" altLang="en-US" dirty="0">
+                <a:solidFill>
+                  <a:srgbClr val="000000"/>
+                </a:solidFill>
+                <a:latin typeface="メイリオ" panose="020B0604030504040204" pitchFamily="50" charset="-128"/>
+              </a:rPr>
+              <a:t>の作業を遅らせてしまった。</a:t>
+            </a:r>
+            <a:endParaRPr lang="en-US" altLang="ja-JP" dirty="0" smtClean="0">
               <a:solidFill>
                 <a:srgbClr val="000000"/>
               </a:solidFill>
@@ -16604,7 +16781,7 @@
     </p:spTree>
     <p:extLst>
       <p:ext uri="{BB962C8B-B14F-4D97-AF65-F5344CB8AC3E}">
-        <p14:creationId xmlns:p14="http://schemas.microsoft.com/office/powerpoint/2010/main" val="180507345"/>
+        <p14:creationId xmlns:p14="http://schemas.microsoft.com/office/powerpoint/2010/main" val="3702983776"/>
       </p:ext>
     </p:extLst>
   </p:cSld>
@@ -19239,22 +19416,6 @@
             <a:endParaRPr lang="en-US" altLang="ja-JP" sz="4800" dirty="0" smtClean="0"/>
           </a:p>
           <a:p>
-            <a:r>
-              <a:rPr lang="ja-JP" altLang="en-US" sz="4800" dirty="0"/>
-              <a:t>（</a:t>
-            </a:r>
-            <a:r>
-              <a:rPr kumimoji="1" lang="en-US" altLang="ja-JP" sz="4800" dirty="0" smtClean="0"/>
-              <a:t>10</a:t>
-            </a:r>
-            <a:r>
-              <a:rPr kumimoji="1" lang="ja-JP" altLang="en-US" sz="4800" dirty="0" smtClean="0"/>
-              <a:t>分</a:t>
-            </a:r>
-            <a:r>
-              <a:rPr lang="ja-JP" altLang="en-US" sz="4800" dirty="0"/>
-              <a:t>）</a:t>
-            </a:r>
             <a:endParaRPr kumimoji="1" lang="ja-JP" altLang="en-US" sz="4800" dirty="0"/>
           </a:p>
         </p:txBody>
@@ -26118,31 +26279,6 @@
               <a:latin typeface="メイリオ" panose="020B0604030504040204" pitchFamily="50" charset="-128"/>
             </a:endParaRPr>
           </a:p>
-          <a:p>
-            <a:pPr eaLnBrk="1">
-              <a:lnSpc>
-                <a:spcPct val="125000"/>
-              </a:lnSpc>
-              <a:buClrTx/>
-              <a:buFontTx/>
-              <a:buNone/>
-            </a:pPr>
-            <a:r>
-              <a:rPr lang="ja-JP" altLang="en-US" sz="2400" dirty="0">
-                <a:solidFill>
-                  <a:srgbClr val="000000"/>
-                </a:solidFill>
-                <a:latin typeface="メイリオ" panose="020B0604030504040204" pitchFamily="50" charset="-128"/>
-              </a:rPr>
-              <a:t>発見したバグは全て修正済みである。</a:t>
-            </a:r>
-            <a:endParaRPr lang="en-US" altLang="ja-JP" sz="2400" dirty="0">
-              <a:solidFill>
-                <a:srgbClr val="000000"/>
-              </a:solidFill>
-              <a:latin typeface="メイリオ" panose="020B0604030504040204" pitchFamily="50" charset="-128"/>
-            </a:endParaRPr>
-          </a:p>
         </p:txBody>
       </p:sp>
     </p:spTree>

--- a/05_チーム開発演習_発表会資料/05_チーム開発演習_発表会資料_チーム3.pptx
+++ b/05_チーム開発演習_発表会資料/05_チーム開発演習_発表会資料_チーム3.pptx
@@ -217,7 +217,7 @@
           <a:p>
             <a:fld id="{6E83E89B-059C-4101-996F-E9A878081CED}" type="datetimeFigureOut">
               <a:rPr kumimoji="1" lang="ja-JP" altLang="en-US" smtClean="0"/>
-              <a:t>2021/6/10</a:t>
+              <a:t>2021/6/11</a:t>
             </a:fld>
             <a:endParaRPr kumimoji="1" lang="ja-JP" altLang="en-US"/>
           </a:p>
@@ -794,7 +794,7 @@
           <a:p>
             <a:fld id="{2293A27E-BB7A-4160-B001-F50A36154345}" type="datetime1">
               <a:rPr kumimoji="1" lang="ja-JP" altLang="en-US" smtClean="0"/>
-              <a:t>2021/6/10</a:t>
+              <a:t>2021/6/11</a:t>
             </a:fld>
             <a:endParaRPr kumimoji="1" lang="ja-JP" altLang="en-US"/>
           </a:p>
@@ -1132,7 +1132,7 @@
           <a:p>
             <a:fld id="{449C4E22-47A5-4BC0-B02D-A434F3C15C23}" type="datetime1">
               <a:rPr kumimoji="1" lang="ja-JP" altLang="en-US" smtClean="0"/>
-              <a:t>2021/6/10</a:t>
+              <a:t>2021/6/11</a:t>
             </a:fld>
             <a:endParaRPr kumimoji="1" lang="ja-JP" altLang="en-US"/>
           </a:p>
@@ -1534,7 +1534,7 @@
           <a:p>
             <a:fld id="{449C4E22-47A5-4BC0-B02D-A434F3C15C23}" type="datetime1">
               <a:rPr kumimoji="1" lang="ja-JP" altLang="en-US" smtClean="0"/>
-              <a:t>2021/6/10</a:t>
+              <a:t>2021/6/11</a:t>
             </a:fld>
             <a:endParaRPr kumimoji="1" lang="ja-JP" altLang="en-US"/>
           </a:p>
@@ -1871,7 +1871,7 @@
           <a:p>
             <a:fld id="{449C4E22-47A5-4BC0-B02D-A434F3C15C23}" type="datetime1">
               <a:rPr kumimoji="1" lang="ja-JP" altLang="en-US" smtClean="0"/>
-              <a:t>2021/6/10</a:t>
+              <a:t>2021/6/11</a:t>
             </a:fld>
             <a:endParaRPr kumimoji="1" lang="ja-JP" altLang="en-US"/>
           </a:p>
@@ -2192,7 +2192,7 @@
           <a:p>
             <a:fld id="{449C4E22-47A5-4BC0-B02D-A434F3C15C23}" type="datetime1">
               <a:rPr kumimoji="1" lang="ja-JP" altLang="en-US" smtClean="0"/>
-              <a:t>2021/6/10</a:t>
+              <a:t>2021/6/11</a:t>
             </a:fld>
             <a:endParaRPr kumimoji="1" lang="ja-JP" altLang="en-US"/>
           </a:p>
@@ -2589,7 +2589,7 @@
           <a:p>
             <a:fld id="{449C4E22-47A5-4BC0-B02D-A434F3C15C23}" type="datetime1">
               <a:rPr kumimoji="1" lang="ja-JP" altLang="en-US" smtClean="0"/>
-              <a:t>2021/6/10</a:t>
+              <a:t>2021/6/11</a:t>
             </a:fld>
             <a:endParaRPr kumimoji="1" lang="ja-JP" altLang="en-US"/>
           </a:p>
@@ -2879,7 +2879,7 @@
           <a:p>
             <a:fld id="{4128A1B0-9F8F-44AB-93A0-56A57D90602F}" type="datetime1">
               <a:rPr kumimoji="1" lang="ja-JP" altLang="en-US" smtClean="0"/>
-              <a:t>2021/6/10</a:t>
+              <a:t>2021/6/11</a:t>
             </a:fld>
             <a:endParaRPr kumimoji="1" lang="ja-JP" altLang="en-US"/>
           </a:p>
@@ -3173,7 +3173,7 @@
           <a:p>
             <a:fld id="{5246D5FD-5292-49C3-AEC5-C8C97AD2E3E9}" type="datetime1">
               <a:rPr kumimoji="1" lang="ja-JP" altLang="en-US" smtClean="0"/>
-              <a:t>2021/6/10</a:t>
+              <a:t>2021/6/11</a:t>
             </a:fld>
             <a:endParaRPr kumimoji="1" lang="ja-JP" altLang="en-US"/>
           </a:p>
@@ -3467,7 +3467,7 @@
           <a:p>
             <a:fld id="{9BC92840-1508-4BDE-8F62-25EDC7B1493A}" type="datetime1">
               <a:rPr kumimoji="1" lang="ja-JP" altLang="en-US" smtClean="0"/>
-              <a:t>2021/6/10</a:t>
+              <a:t>2021/6/11</a:t>
             </a:fld>
             <a:endParaRPr kumimoji="1" lang="ja-JP" altLang="en-US"/>
           </a:p>
@@ -3796,7 +3796,7 @@
           <a:p>
             <a:fld id="{A1D912D5-CA53-4B95-A80E-E500791E731C}" type="datetime1">
               <a:rPr kumimoji="1" lang="ja-JP" altLang="en-US" smtClean="0"/>
-              <a:t>2021/6/10</a:t>
+              <a:t>2021/6/11</a:t>
             </a:fld>
             <a:endParaRPr kumimoji="1" lang="ja-JP" altLang="en-US"/>
           </a:p>
@@ -4183,7 +4183,7 @@
           <a:p>
             <a:fld id="{CA860D4A-F63F-4FB7-8857-BA629DED2578}" type="datetime1">
               <a:rPr kumimoji="1" lang="ja-JP" altLang="en-US" smtClean="0"/>
-              <a:t>2021/6/10</a:t>
+              <a:t>2021/6/11</a:t>
             </a:fld>
             <a:endParaRPr kumimoji="1" lang="ja-JP" altLang="en-US"/>
           </a:p>
@@ -4704,7 +4704,7 @@
           <a:p>
             <a:fld id="{4B5C0EB9-2804-462B-9173-D8F5E6437E0D}" type="datetime1">
               <a:rPr kumimoji="1" lang="ja-JP" altLang="en-US" smtClean="0"/>
-              <a:t>2021/6/10</a:t>
+              <a:t>2021/6/11</a:t>
             </a:fld>
             <a:endParaRPr kumimoji="1" lang="ja-JP" altLang="en-US"/>
           </a:p>
@@ -4909,7 +4909,7 @@
           <a:p>
             <a:fld id="{45486BAB-A06C-479C-B1AB-B21F730AD080}" type="datetime1">
               <a:rPr kumimoji="1" lang="ja-JP" altLang="en-US" smtClean="0"/>
-              <a:t>2021/6/10</a:t>
+              <a:t>2021/6/11</a:t>
             </a:fld>
             <a:endParaRPr kumimoji="1" lang="ja-JP" altLang="en-US"/>
           </a:p>
@@ -5086,7 +5086,7 @@
           <a:p>
             <a:fld id="{2B39E3D1-DF48-4804-8897-CA6E4AF7481E}" type="datetime1">
               <a:rPr kumimoji="1" lang="ja-JP" altLang="en-US" smtClean="0"/>
-              <a:t>2021/6/10</a:t>
+              <a:t>2021/6/11</a:t>
             </a:fld>
             <a:endParaRPr kumimoji="1" lang="ja-JP" altLang="en-US"/>
           </a:p>
@@ -5451,7 +5451,7 @@
           <a:p>
             <a:fld id="{1EA004B7-8522-41D4-B26D-E33278241F5E}" type="datetime1">
               <a:rPr kumimoji="1" lang="ja-JP" altLang="en-US" smtClean="0"/>
-              <a:t>2021/6/10</a:t>
+              <a:t>2021/6/11</a:t>
             </a:fld>
             <a:endParaRPr kumimoji="1" lang="ja-JP" altLang="en-US"/>
           </a:p>
@@ -5796,7 +5796,7 @@
           <a:p>
             <a:fld id="{1DC27FC7-04D2-4647-842D-E632DFADB560}" type="datetime1">
               <a:rPr kumimoji="1" lang="ja-JP" altLang="en-US" smtClean="0"/>
-              <a:t>2021/6/10</a:t>
+              <a:t>2021/6/11</a:t>
             </a:fld>
             <a:endParaRPr kumimoji="1" lang="ja-JP" altLang="en-US"/>
           </a:p>
@@ -7945,7 +7945,7 @@
           <a:p>
             <a:fld id="{449C4E22-47A5-4BC0-B02D-A434F3C15C23}" type="datetime1">
               <a:rPr kumimoji="1" lang="ja-JP" altLang="en-US" smtClean="0"/>
-              <a:t>2021/6/10</a:t>
+              <a:t>2021/6/11</a:t>
             </a:fld>
             <a:endParaRPr kumimoji="1" lang="ja-JP" altLang="en-US"/>
           </a:p>
@@ -9580,16 +9580,7 @@
                 </a:solidFill>
                 <a:latin typeface="メイリオ" panose="020B0604030504040204" pitchFamily="50" charset="-128"/>
               </a:rPr>
-              <a:t>などのエラー</a:t>
-            </a:r>
-            <a:r>
-              <a:rPr lang="ja-JP" altLang="en-US" sz="2400" dirty="0" smtClean="0">
-                <a:solidFill>
-                  <a:srgbClr val="000000"/>
-                </a:solidFill>
-                <a:latin typeface="メイリオ" panose="020B0604030504040204" pitchFamily="50" charset="-128"/>
-              </a:rPr>
-              <a:t>の修正に時間がかかり</a:t>
+              <a:t>などのエラーの修正に時間がかかり</a:t>
             </a:r>
             <a:r>
               <a:rPr lang="ja-JP" altLang="en-US" sz="2400" dirty="0">
@@ -11842,16 +11833,7 @@
                 </a:solidFill>
                 <a:latin typeface="メイリオ" panose="020B0604030504040204" pitchFamily="50" charset="-128"/>
               </a:rPr>
-              <a:t>】</a:t>
-            </a:r>
-            <a:r>
-              <a:rPr lang="ja-JP" altLang="ja-JP" sz="2400" dirty="0" smtClean="0">
-                <a:solidFill>
-                  <a:srgbClr val="000000"/>
-                </a:solidFill>
-                <a:latin typeface="メイリオ" panose="020B0604030504040204" pitchFamily="50" charset="-128"/>
-              </a:rPr>
-              <a:t>予定</a:t>
+              <a:t>】予定</a:t>
             </a:r>
             <a:r>
               <a:rPr lang="en-US" altLang="ja-JP" sz="2400" dirty="0" smtClean="0">
@@ -13372,7 +13354,7 @@
         </p:nvSpPr>
         <p:spPr bwMode="auto">
           <a:xfrm>
-            <a:off x="2679767" y="1476375"/>
+            <a:off x="2679767" y="1425575"/>
             <a:ext cx="8695306" cy="5237163"/>
           </a:xfrm>
           <a:prstGeom prst="rect">
@@ -13800,7 +13782,16 @@
                 </a:solidFill>
                 <a:latin typeface="メイリオ" panose="020B0604030504040204" pitchFamily="50" charset="-128"/>
               </a:rPr>
-              <a:t>設計中にメンバー間で認識のずれがあり、修正に苦労した</a:t>
+              <a:t>設計中にメンバー間で認識のずれがあり、修正に苦労</a:t>
+            </a:r>
+            <a:r>
+              <a:rPr lang="ja-JP" altLang="en-US" dirty="0" smtClean="0">
+                <a:solidFill>
+                  <a:srgbClr val="000000"/>
+                </a:solidFill>
+                <a:latin typeface="メイリオ" panose="020B0604030504040204" pitchFamily="50" charset="-128"/>
+              </a:rPr>
+              <a:t>した。</a:t>
             </a:r>
             <a:endParaRPr lang="en-US" altLang="ja-JP" dirty="0" smtClean="0">
               <a:solidFill>
@@ -13918,25 +13909,7 @@
                 </a:solidFill>
                 <a:latin typeface="メイリオ" panose="020B0604030504040204" pitchFamily="50" charset="-128"/>
               </a:rPr>
-              <a:t>メンバー</a:t>
-            </a:r>
-            <a:r>
-              <a:rPr lang="ja-JP" altLang="en-US" dirty="0" smtClean="0">
-                <a:solidFill>
-                  <a:srgbClr val="000000"/>
-                </a:solidFill>
-                <a:latin typeface="メイリオ" panose="020B0604030504040204" pitchFamily="50" charset="-128"/>
-              </a:rPr>
-              <a:t>の進捗状況を理解するため進捗確認をする時間を多くとった</a:t>
-            </a:r>
-            <a:r>
-              <a:rPr lang="ja-JP" altLang="en-US" dirty="0" smtClean="0">
-                <a:solidFill>
-                  <a:srgbClr val="000000"/>
-                </a:solidFill>
-                <a:latin typeface="メイリオ" panose="020B0604030504040204" pitchFamily="50" charset="-128"/>
-              </a:rPr>
-              <a:t>。</a:t>
+              <a:t>メンバーの進捗状況を理解するため進捗確認をする時間を多くとった。</a:t>
             </a:r>
             <a:endParaRPr lang="en-US" altLang="ja-JP" dirty="0" smtClean="0">
               <a:solidFill>
@@ -16599,6 +16572,74 @@
                 </a:solidFill>
                 <a:latin typeface="メイリオ" panose="020B0604030504040204" pitchFamily="50" charset="-128"/>
               </a:rPr>
+              <a:t>自分自身の学習不足で、チームメンバーに助けてもらうことがあり、</a:t>
+            </a:r>
+            <a:endParaRPr lang="en-US" altLang="ja-JP" dirty="0">
+              <a:solidFill>
+                <a:srgbClr val="000000"/>
+              </a:solidFill>
+              <a:latin typeface="メイリオ" panose="020B0604030504040204" pitchFamily="50" charset="-128"/>
+            </a:endParaRPr>
+          </a:p>
+          <a:p>
+            <a:pPr eaLnBrk="1">
+              <a:lnSpc>
+                <a:spcPct val="150000"/>
+              </a:lnSpc>
+              <a:buClrTx/>
+              <a:buFontTx/>
+              <a:buNone/>
+            </a:pPr>
+            <a:r>
+              <a:rPr lang="ja-JP" altLang="en-US" dirty="0">
+                <a:solidFill>
+                  <a:srgbClr val="000000"/>
+                </a:solidFill>
+                <a:latin typeface="メイリオ" panose="020B0604030504040204" pitchFamily="50" charset="-128"/>
+              </a:rPr>
+              <a:t>　　全体の作業を遅らせて</a:t>
+            </a:r>
+            <a:r>
+              <a:rPr lang="ja-JP" altLang="en-US">
+                <a:solidFill>
+                  <a:srgbClr val="000000"/>
+                </a:solidFill>
+                <a:latin typeface="メイリオ" panose="020B0604030504040204" pitchFamily="50" charset="-128"/>
+              </a:rPr>
+              <a:t>しまった</a:t>
+            </a:r>
+            <a:r>
+              <a:rPr lang="ja-JP" altLang="en-US" smtClean="0">
+                <a:solidFill>
+                  <a:srgbClr val="000000"/>
+                </a:solidFill>
+                <a:latin typeface="メイリオ" panose="020B0604030504040204" pitchFamily="50" charset="-128"/>
+              </a:rPr>
+              <a:t>。</a:t>
+            </a:r>
+            <a:endParaRPr lang="en-US" altLang="ja-JP" dirty="0" smtClean="0">
+              <a:solidFill>
+                <a:srgbClr val="000000"/>
+              </a:solidFill>
+              <a:latin typeface="メイリオ" panose="020B0604030504040204" pitchFamily="50" charset="-128"/>
+            </a:endParaRPr>
+          </a:p>
+          <a:p>
+            <a:pPr marL="285750" indent="-285750" eaLnBrk="1">
+              <a:lnSpc>
+                <a:spcPct val="150000"/>
+              </a:lnSpc>
+              <a:buClrTx/>
+              <a:buFont typeface="Arial" panose="020B0604020202020204" pitchFamily="34" charset="0"/>
+              <a:buChar char="•"/>
+            </a:pPr>
+            <a:r>
+              <a:rPr lang="ja-JP" altLang="en-US" dirty="0">
+                <a:solidFill>
+                  <a:srgbClr val="000000"/>
+                </a:solidFill>
+                <a:latin typeface="メイリオ" panose="020B0604030504040204" pitchFamily="50" charset="-128"/>
+              </a:rPr>
               <a:t>プログラム</a:t>
             </a:r>
             <a:r>
@@ -16690,7 +16731,7 @@
               <a:t>メンバーにも分かり易く記述すべきだった</a:t>
             </a:r>
             <a:r>
-              <a:rPr lang="ja-JP" altLang="en-US" dirty="0">
+              <a:rPr lang="ja-JP" altLang="en-US" dirty="0" smtClean="0">
                 <a:solidFill>
                   <a:srgbClr val="000000"/>
                 </a:solidFill>
@@ -16698,78 +16739,7 @@
               </a:rPr>
               <a:t>。</a:t>
             </a:r>
-          </a:p>
-          <a:p>
-            <a:pPr marL="285750" indent="-285750" eaLnBrk="1">
-              <a:lnSpc>
-                <a:spcPct val="150000"/>
-              </a:lnSpc>
-              <a:buClrTx/>
-              <a:buFont typeface="Arial" panose="020B0604020202020204" pitchFamily="34" charset="0"/>
-              <a:buChar char="•"/>
-            </a:pPr>
-            <a:r>
-              <a:rPr lang="ja-JP" altLang="en-US" dirty="0" smtClean="0">
-                <a:solidFill>
-                  <a:srgbClr val="000000"/>
-                </a:solidFill>
-                <a:latin typeface="メイリオ" panose="020B0604030504040204" pitchFamily="50" charset="-128"/>
-              </a:rPr>
-              <a:t>自分</a:t>
-            </a:r>
-            <a:r>
-              <a:rPr lang="ja-JP" altLang="en-US" dirty="0">
-                <a:solidFill>
-                  <a:srgbClr val="000000"/>
-                </a:solidFill>
-                <a:latin typeface="メイリオ" panose="020B0604030504040204" pitchFamily="50" charset="-128"/>
-              </a:rPr>
-              <a:t>自身の学習不足で、チームメンバーに助けてもらうことがあり</a:t>
-            </a:r>
-            <a:r>
-              <a:rPr lang="ja-JP" altLang="en-US" dirty="0" smtClean="0">
-                <a:solidFill>
-                  <a:srgbClr val="000000"/>
-                </a:solidFill>
-                <a:latin typeface="メイリオ" panose="020B0604030504040204" pitchFamily="50" charset="-128"/>
-              </a:rPr>
-              <a:t>、</a:t>
-            </a:r>
-            <a:endParaRPr lang="en-US" altLang="ja-JP" dirty="0" smtClean="0">
-              <a:solidFill>
-                <a:srgbClr val="000000"/>
-              </a:solidFill>
-              <a:latin typeface="メイリオ" panose="020B0604030504040204" pitchFamily="50" charset="-128"/>
-            </a:endParaRPr>
-          </a:p>
-          <a:p>
-            <a:pPr eaLnBrk="1">
-              <a:lnSpc>
-                <a:spcPct val="150000"/>
-              </a:lnSpc>
-              <a:buClrTx/>
-              <a:buFontTx/>
-              <a:buNone/>
-            </a:pPr>
-            <a:r>
-              <a:rPr lang="ja-JP" altLang="en-US" dirty="0" smtClean="0">
-                <a:solidFill>
-                  <a:srgbClr val="000000"/>
-                </a:solidFill>
-                <a:latin typeface="メイリオ" panose="020B0604030504040204" pitchFamily="50" charset="-128"/>
-              </a:rPr>
-              <a:t>　　全体</a:t>
-            </a:r>
-            <a:r>
-              <a:rPr lang="ja-JP" altLang="en-US" dirty="0">
-                <a:solidFill>
-                  <a:srgbClr val="000000"/>
-                </a:solidFill>
-                <a:latin typeface="メイリオ" panose="020B0604030504040204" pitchFamily="50" charset="-128"/>
-              </a:rPr>
-              <a:t>の作業を遅らせてしまった。</a:t>
-            </a:r>
-            <a:endParaRPr lang="en-US" altLang="ja-JP" dirty="0" smtClean="0">
+            <a:endParaRPr lang="ja-JP" altLang="en-US" dirty="0">
               <a:solidFill>
                 <a:srgbClr val="000000"/>
               </a:solidFill>
